--- a/NC-DROPZONE.pptx
+++ b/NC-DROPZONE.pptx
@@ -5,18 +5,19 @@
     <p:sldMasterId id="2147483917" r:id="rId1"/>
   </p:sldMasterIdLst>
   <p:notesMasterIdLst>
-    <p:notesMasterId r:id="rId11"/>
+    <p:notesMasterId r:id="rId12"/>
   </p:notesMasterIdLst>
   <p:sldIdLst>
     <p:sldId id="256" r:id="rId2"/>
     <p:sldId id="257" r:id="rId3"/>
     <p:sldId id="258" r:id="rId4"/>
-    <p:sldId id="262" r:id="rId5"/>
-    <p:sldId id="263" r:id="rId6"/>
+    <p:sldId id="263" r:id="rId5"/>
+    <p:sldId id="262" r:id="rId6"/>
     <p:sldId id="259" r:id="rId7"/>
-    <p:sldId id="264" r:id="rId8"/>
-    <p:sldId id="260" r:id="rId9"/>
-    <p:sldId id="261" r:id="rId10"/>
+    <p:sldId id="265" r:id="rId8"/>
+    <p:sldId id="264" r:id="rId9"/>
+    <p:sldId id="260" r:id="rId10"/>
+    <p:sldId id="261" r:id="rId11"/>
   </p:sldIdLst>
   <p:sldSz cx="12192000" cy="6858000"/>
   <p:notesSz cx="6858000" cy="9144000"/>
@@ -115,6 +116,11 @@
       </a:defRPr>
     </a:lvl9pPr>
   </p:defaultTextStyle>
+  <p:extLst>
+    <p:ext uri="{EFAFB233-063F-42B5-8137-9DF3F51BA10A}">
+      <p15:sldGuideLst xmlns:p15="http://schemas.microsoft.com/office/powerpoint/2012/main"/>
+    </p:ext>
+  </p:extLst>
 </p:presentation>
 </file>
 
@@ -200,7 +206,7 @@
           <a:p>
             <a:fld id="{4B95E8B4-940B-4244-89DF-D9F691B66445}" type="datetimeFigureOut">
               <a:rPr lang="fr-FR" smtClean="0"/>
-              <a:t>28/05/2020</a:t>
+              <a:t>29/05/2020</a:t>
             </a:fld>
             <a:endParaRPr lang="fr-FR"/>
           </a:p>
@@ -688,14 +694,6 @@
           <a:bodyPr/>
           <a:lstStyle/>
           <a:p>
-            <a:r>
-              <a:rPr lang="fr-FR" dirty="0" smtClean="0"/>
-              <a:t>5’ pour </a:t>
-            </a:r>
-            <a:r>
-              <a:rPr lang="fr-FR" smtClean="0"/>
-              <a:t>le contexte</a:t>
-            </a:r>
             <a:endParaRPr lang="fr-FR" dirty="0"/>
           </a:p>
         </p:txBody>
@@ -726,7 +724,7 @@
     </p:spTree>
     <p:extLst>
       <p:ext uri="{BB962C8B-B14F-4D97-AF65-F5344CB8AC3E}">
-        <p14:creationId xmlns:p14="http://schemas.microsoft.com/office/powerpoint/2010/main" val="2165766411"/>
+        <p14:creationId xmlns:p14="http://schemas.microsoft.com/office/powerpoint/2010/main" val="3226326531"/>
       </p:ext>
     </p:extLst>
   </p:cSld>
@@ -780,6 +778,14 @@
           <a:bodyPr/>
           <a:lstStyle/>
           <a:p>
+            <a:r>
+              <a:rPr lang="fr-FR" dirty="0" smtClean="0"/>
+              <a:t>5’ pour </a:t>
+            </a:r>
+            <a:r>
+              <a:rPr lang="fr-FR" smtClean="0"/>
+              <a:t>le contexte</a:t>
+            </a:r>
             <a:endParaRPr lang="fr-FR" dirty="0"/>
           </a:p>
         </p:txBody>
@@ -810,7 +816,7 @@
     </p:spTree>
     <p:extLst>
       <p:ext uri="{BB962C8B-B14F-4D97-AF65-F5344CB8AC3E}">
-        <p14:creationId xmlns:p14="http://schemas.microsoft.com/office/powerpoint/2010/main" val="3226326531"/>
+        <p14:creationId xmlns:p14="http://schemas.microsoft.com/office/powerpoint/2010/main" val="2165766411"/>
       </p:ext>
     </p:extLst>
   </p:cSld>
@@ -952,6 +958,10 @@
           <a:bodyPr/>
           <a:lstStyle/>
           <a:p>
+            <a:r>
+              <a:rPr lang="fr-FR" dirty="0" smtClean="0"/>
+              <a:t>5-10’</a:t>
+            </a:r>
             <a:endParaRPr lang="fr-FR" dirty="0"/>
           </a:p>
         </p:txBody>
@@ -982,7 +992,7 @@
     </p:spTree>
     <p:extLst>
       <p:ext uri="{BB962C8B-B14F-4D97-AF65-F5344CB8AC3E}">
-        <p14:creationId xmlns:p14="http://schemas.microsoft.com/office/powerpoint/2010/main" val="2376399030"/>
+        <p14:creationId xmlns:p14="http://schemas.microsoft.com/office/powerpoint/2010/main" val="1327061385"/>
       </p:ext>
     </p:extLst>
   </p:cSld>
@@ -1036,10 +1046,6 @@
           <a:bodyPr/>
           <a:lstStyle/>
           <a:p>
-            <a:r>
-              <a:rPr lang="fr-FR" dirty="0" smtClean="0"/>
-              <a:t>20’</a:t>
-            </a:r>
             <a:endParaRPr lang="fr-FR" dirty="0"/>
           </a:p>
         </p:txBody>
@@ -1070,7 +1076,7 @@
     </p:spTree>
     <p:extLst>
       <p:ext uri="{BB962C8B-B14F-4D97-AF65-F5344CB8AC3E}">
-        <p14:creationId xmlns:p14="http://schemas.microsoft.com/office/powerpoint/2010/main" val="1473729818"/>
+        <p14:creationId xmlns:p14="http://schemas.microsoft.com/office/powerpoint/2010/main" val="2376399030"/>
       </p:ext>
     </p:extLst>
   </p:cSld>
@@ -1124,6 +1130,10 @@
           <a:bodyPr/>
           <a:lstStyle/>
           <a:p>
+            <a:r>
+              <a:rPr lang="fr-FR" dirty="0" smtClean="0"/>
+              <a:t>20’</a:t>
+            </a:r>
             <a:endParaRPr lang="fr-FR" dirty="0"/>
           </a:p>
         </p:txBody>
@@ -1146,6 +1156,94 @@
             <a:fld id="{30CA4240-8042-4D03-80DB-36FB6485C1EB}" type="slidenum">
               <a:rPr lang="fr-FR" smtClean="0"/>
               <a:t>9</a:t>
+            </a:fld>
+            <a:endParaRPr lang="fr-FR"/>
+          </a:p>
+        </p:txBody>
+      </p:sp>
+    </p:spTree>
+    <p:extLst>
+      <p:ext uri="{BB962C8B-B14F-4D97-AF65-F5344CB8AC3E}">
+        <p14:creationId xmlns:p14="http://schemas.microsoft.com/office/powerpoint/2010/main" val="1473729818"/>
+      </p:ext>
+    </p:extLst>
+  </p:cSld>
+  <p:clrMapOvr>
+    <a:masterClrMapping/>
+  </p:clrMapOvr>
+</p:notes>
+</file>
+
+<file path=ppt/notesSlides/notesSlide9.xml><?xml version="1.0" encoding="utf-8"?>
+<p:notes xmlns:a="http://schemas.openxmlformats.org/drawingml/2006/main" xmlns:r="http://schemas.openxmlformats.org/officeDocument/2006/relationships" xmlns:p="http://schemas.openxmlformats.org/presentationml/2006/main">
+  <p:cSld>
+    <p:spTree>
+      <p:nvGrpSpPr>
+        <p:cNvPr id="1" name=""/>
+        <p:cNvGrpSpPr/>
+        <p:nvPr/>
+      </p:nvGrpSpPr>
+      <p:grpSpPr>
+        <a:xfrm>
+          <a:off x="0" y="0"/>
+          <a:ext cx="0" cy="0"/>
+          <a:chOff x="0" y="0"/>
+          <a:chExt cx="0" cy="0"/>
+        </a:xfrm>
+      </p:grpSpPr>
+      <p:sp>
+        <p:nvSpPr>
+          <p:cNvPr id="2" name="Espace réservé de l'image des diapositives 1"/>
+          <p:cNvSpPr>
+            <a:spLocks noGrp="1" noRot="1" noChangeAspect="1"/>
+          </p:cNvSpPr>
+          <p:nvPr>
+            <p:ph type="sldImg"/>
+          </p:nvPr>
+        </p:nvSpPr>
+        <p:spPr/>
+      </p:sp>
+      <p:sp>
+        <p:nvSpPr>
+          <p:cNvPr id="3" name="Espace réservé des commentaires 2"/>
+          <p:cNvSpPr>
+            <a:spLocks noGrp="1"/>
+          </p:cNvSpPr>
+          <p:nvPr>
+            <p:ph type="body" idx="1"/>
+          </p:nvPr>
+        </p:nvSpPr>
+        <p:spPr/>
+        <p:txBody>
+          <a:bodyPr/>
+          <a:lstStyle/>
+          <a:p>
+            <a:r>
+              <a:rPr lang="fr-FR" dirty="0" smtClean="0"/>
+              <a:t>SSE = Serveur-Sent Events</a:t>
+            </a:r>
+            <a:endParaRPr lang="fr-FR" dirty="0"/>
+          </a:p>
+        </p:txBody>
+      </p:sp>
+      <p:sp>
+        <p:nvSpPr>
+          <p:cNvPr id="4" name="Espace réservé du numéro de diapositive 3"/>
+          <p:cNvSpPr>
+            <a:spLocks noGrp="1"/>
+          </p:cNvSpPr>
+          <p:nvPr>
+            <p:ph type="sldNum" sz="quarter" idx="10"/>
+          </p:nvPr>
+        </p:nvSpPr>
+        <p:spPr/>
+        <p:txBody>
+          <a:bodyPr/>
+          <a:lstStyle/>
+          <a:p>
+            <a:fld id="{30CA4240-8042-4D03-80DB-36FB6485C1EB}" type="slidenum">
+              <a:rPr lang="fr-FR" smtClean="0"/>
+              <a:t>10</a:t>
             </a:fld>
             <a:endParaRPr lang="fr-FR"/>
           </a:p>
@@ -1666,7 +1764,7 @@
           <a:p>
             <a:fld id="{51D450FA-2867-4D9E-920D-05C0ADDF969F}" type="datetimeFigureOut">
               <a:rPr lang="fr-FR" smtClean="0"/>
-              <a:t>28/05/2020</a:t>
+              <a:t>29/05/2020</a:t>
             </a:fld>
             <a:endParaRPr lang="fr-FR"/>
           </a:p>
@@ -1962,7 +2060,7 @@
           <a:p>
             <a:fld id="{51D450FA-2867-4D9E-920D-05C0ADDF969F}" type="datetimeFigureOut">
               <a:rPr lang="fr-FR" smtClean="0"/>
-              <a:t>28/05/2020</a:t>
+              <a:t>29/05/2020</a:t>
             </a:fld>
             <a:endParaRPr lang="fr-FR"/>
           </a:p>
@@ -2210,7 +2308,7 @@
           <a:p>
             <a:fld id="{51D450FA-2867-4D9E-920D-05C0ADDF969F}" type="datetimeFigureOut">
               <a:rPr lang="fr-FR" smtClean="0"/>
-              <a:t>28/05/2020</a:t>
+              <a:t>29/05/2020</a:t>
             </a:fld>
             <a:endParaRPr lang="fr-FR"/>
           </a:p>
@@ -2750,7 +2848,7 @@
           <a:p>
             <a:fld id="{51D450FA-2867-4D9E-920D-05C0ADDF969F}" type="datetimeFigureOut">
               <a:rPr lang="fr-FR" smtClean="0"/>
-              <a:t>28/05/2020</a:t>
+              <a:t>29/05/2020</a:t>
             </a:fld>
             <a:endParaRPr lang="fr-FR"/>
           </a:p>
@@ -2998,7 +3096,7 @@
           <a:p>
             <a:fld id="{51D450FA-2867-4D9E-920D-05C0ADDF969F}" type="datetimeFigureOut">
               <a:rPr lang="fr-FR" smtClean="0"/>
-              <a:t>28/05/2020</a:t>
+              <a:t>29/05/2020</a:t>
             </a:fld>
             <a:endParaRPr lang="fr-FR"/>
           </a:p>
@@ -3530,7 +3628,7 @@
           <a:p>
             <a:fld id="{51D450FA-2867-4D9E-920D-05C0ADDF969F}" type="datetimeFigureOut">
               <a:rPr lang="fr-FR" smtClean="0"/>
-              <a:t>28/05/2020</a:t>
+              <a:t>29/05/2020</a:t>
             </a:fld>
             <a:endParaRPr lang="fr-FR"/>
           </a:p>
@@ -3827,7 +3925,7 @@
           <a:p>
             <a:fld id="{51D450FA-2867-4D9E-920D-05C0ADDF969F}" type="datetimeFigureOut">
               <a:rPr lang="fr-FR" smtClean="0"/>
-              <a:t>28/05/2020</a:t>
+              <a:t>29/05/2020</a:t>
             </a:fld>
             <a:endParaRPr lang="fr-FR"/>
           </a:p>
@@ -4001,7 +4099,7 @@
           <a:p>
             <a:fld id="{51D450FA-2867-4D9E-920D-05C0ADDF969F}" type="datetimeFigureOut">
               <a:rPr lang="fr-FR" smtClean="0"/>
-              <a:t>28/05/2020</a:t>
+              <a:t>29/05/2020</a:t>
             </a:fld>
             <a:endParaRPr lang="fr-FR"/>
           </a:p>
@@ -4181,7 +4279,7 @@
           <a:p>
             <a:fld id="{51D450FA-2867-4D9E-920D-05C0ADDF969F}" type="datetimeFigureOut">
               <a:rPr lang="fr-FR" smtClean="0"/>
-              <a:t>28/05/2020</a:t>
+              <a:t>29/05/2020</a:t>
             </a:fld>
             <a:endParaRPr lang="fr-FR"/>
           </a:p>
@@ -4413,7 +4511,7 @@
           <a:p>
             <a:fld id="{51D450FA-2867-4D9E-920D-05C0ADDF969F}" type="datetimeFigureOut">
               <a:rPr lang="fr-FR" smtClean="0"/>
-              <a:t>28/05/2020</a:t>
+              <a:t>29/05/2020</a:t>
             </a:fld>
             <a:endParaRPr lang="fr-FR"/>
           </a:p>
@@ -4669,7 +4767,7 @@
           <a:p>
             <a:fld id="{51D450FA-2867-4D9E-920D-05C0ADDF969F}" type="datetimeFigureOut">
               <a:rPr lang="fr-FR" smtClean="0"/>
-              <a:t>28/05/2020</a:t>
+              <a:t>29/05/2020</a:t>
             </a:fld>
             <a:endParaRPr lang="fr-FR"/>
           </a:p>
@@ -5016,7 +5114,7 @@
           <a:p>
             <a:fld id="{51D450FA-2867-4D9E-920D-05C0ADDF969F}" type="datetimeFigureOut">
               <a:rPr lang="fr-FR" smtClean="0"/>
-              <a:t>28/05/2020</a:t>
+              <a:t>29/05/2020</a:t>
             </a:fld>
             <a:endParaRPr lang="fr-FR"/>
           </a:p>
@@ -5508,7 +5606,7 @@
           <a:p>
             <a:fld id="{51D450FA-2867-4D9E-920D-05C0ADDF969F}" type="datetimeFigureOut">
               <a:rPr lang="fr-FR" smtClean="0"/>
-              <a:t>28/05/2020</a:t>
+              <a:t>29/05/2020</a:t>
             </a:fld>
             <a:endParaRPr lang="fr-FR"/>
           </a:p>
@@ -5626,7 +5724,7 @@
           <a:p>
             <a:fld id="{51D450FA-2867-4D9E-920D-05C0ADDF969F}" type="datetimeFigureOut">
               <a:rPr lang="fr-FR" smtClean="0"/>
-              <a:t>28/05/2020</a:t>
+              <a:t>29/05/2020</a:t>
             </a:fld>
             <a:endParaRPr lang="fr-FR"/>
           </a:p>
@@ -5721,7 +5819,7 @@
           <a:p>
             <a:fld id="{51D450FA-2867-4D9E-920D-05C0ADDF969F}" type="datetimeFigureOut">
               <a:rPr lang="fr-FR" smtClean="0"/>
-              <a:t>28/05/2020</a:t>
+              <a:t>29/05/2020</a:t>
             </a:fld>
             <a:endParaRPr lang="fr-FR"/>
           </a:p>
@@ -6004,7 +6102,7 @@
           <a:p>
             <a:fld id="{51D450FA-2867-4D9E-920D-05C0ADDF969F}" type="datetimeFigureOut">
               <a:rPr lang="fr-FR" smtClean="0"/>
-              <a:t>28/05/2020</a:t>
+              <a:t>29/05/2020</a:t>
             </a:fld>
             <a:endParaRPr lang="fr-FR"/>
           </a:p>
@@ -6295,7 +6393,7 @@
           <a:p>
             <a:fld id="{51D450FA-2867-4D9E-920D-05C0ADDF969F}" type="datetimeFigureOut">
               <a:rPr lang="fr-FR" smtClean="0"/>
-              <a:t>28/05/2020</a:t>
+              <a:t>29/05/2020</a:t>
             </a:fld>
             <a:endParaRPr lang="fr-FR"/>
           </a:p>
@@ -6825,7 +6923,7 @@
           <a:p>
             <a:fld id="{51D450FA-2867-4D9E-920D-05C0ADDF969F}" type="datetimeFigureOut">
               <a:rPr lang="fr-FR" smtClean="0"/>
-              <a:t>28/05/2020</a:t>
+              <a:t>29/05/2020</a:t>
             </a:fld>
             <a:endParaRPr lang="fr-FR"/>
           </a:p>
@@ -7466,6 +7564,230 @@
 </p:sld>
 </file>
 
+<file path=ppt/slides/slide10.xml><?xml version="1.0" encoding="utf-8"?>
+<p:sld xmlns:a="http://schemas.openxmlformats.org/drawingml/2006/main" xmlns:r="http://schemas.openxmlformats.org/officeDocument/2006/relationships" xmlns:p="http://schemas.openxmlformats.org/presentationml/2006/main">
+  <p:cSld>
+    <p:spTree>
+      <p:nvGrpSpPr>
+        <p:cNvPr id="1" name=""/>
+        <p:cNvGrpSpPr/>
+        <p:nvPr/>
+      </p:nvGrpSpPr>
+      <p:grpSpPr>
+        <a:xfrm>
+          <a:off x="0" y="0"/>
+          <a:ext cx="0" cy="0"/>
+          <a:chOff x="0" y="0"/>
+          <a:chExt cx="0" cy="0"/>
+        </a:xfrm>
+      </p:grpSpPr>
+      <p:sp>
+        <p:nvSpPr>
+          <p:cNvPr id="2" name="Titre 1"/>
+          <p:cNvSpPr>
+            <a:spLocks noGrp="1"/>
+          </p:cNvSpPr>
+          <p:nvPr>
+            <p:ph type="title"/>
+          </p:nvPr>
+        </p:nvSpPr>
+        <p:spPr/>
+        <p:txBody>
+          <a:bodyPr/>
+          <a:lstStyle/>
+          <a:p>
+            <a:r>
+              <a:rPr lang="fr-FR" dirty="0" smtClean="0"/>
+              <a:t>Conclusion</a:t>
+            </a:r>
+            <a:endParaRPr lang="fr-FR" dirty="0"/>
+          </a:p>
+        </p:txBody>
+      </p:sp>
+      <p:sp>
+        <p:nvSpPr>
+          <p:cNvPr id="3" name="Espace réservé du contenu 2"/>
+          <p:cNvSpPr>
+            <a:spLocks noGrp="1"/>
+          </p:cNvSpPr>
+          <p:nvPr>
+            <p:ph idx="1"/>
+          </p:nvPr>
+        </p:nvSpPr>
+        <p:spPr>
+          <a:xfrm>
+            <a:off x="2380129" y="1506071"/>
+            <a:ext cx="9122894" cy="4678972"/>
+          </a:xfrm>
+        </p:spPr>
+        <p:txBody>
+          <a:bodyPr anchor="t">
+            <a:normAutofit/>
+          </a:bodyPr>
+          <a:lstStyle/>
+          <a:p>
+            <a:pPr marL="0" indent="0">
+              <a:buNone/>
+            </a:pPr>
+            <a:r>
+              <a:rPr lang="fr-FR" dirty="0"/>
+              <a:t>Proposition </a:t>
+            </a:r>
+            <a:r>
+              <a:rPr lang="fr-FR" dirty="0" smtClean="0"/>
+              <a:t>d’améliorations :</a:t>
+            </a:r>
+          </a:p>
+          <a:p>
+            <a:pPr marL="0" indent="0">
+              <a:buNone/>
+            </a:pPr>
+            <a:endParaRPr lang="fr-FR" dirty="0" smtClean="0"/>
+          </a:p>
+          <a:p>
+            <a:pPr lvl="1">
+              <a:buSzPct val="100000"/>
+              <a:buFont typeface="Wingdings" panose="05000000000000000000" pitchFamily="2" charset="2"/>
+              <a:buChar char="Ø"/>
+            </a:pPr>
+            <a:r>
+              <a:rPr lang="fr-FR" dirty="0" smtClean="0"/>
+              <a:t>Grille tarifaire</a:t>
+            </a:r>
+          </a:p>
+          <a:p>
+            <a:pPr lvl="2">
+              <a:buSzPct val="100000"/>
+              <a:buFont typeface="Wingdings" panose="05000000000000000000" pitchFamily="2" charset="2"/>
+              <a:buChar char="Ø"/>
+            </a:pPr>
+            <a:endParaRPr lang="fr-FR" dirty="0" smtClean="0"/>
+          </a:p>
+          <a:p>
+            <a:pPr lvl="1">
+              <a:buSzPct val="100000"/>
+              <a:buFont typeface="Wingdings" panose="05000000000000000000" pitchFamily="2" charset="2"/>
+              <a:buChar char="Ø"/>
+            </a:pPr>
+            <a:r>
+              <a:rPr lang="fr-FR" dirty="0" smtClean="0"/>
+              <a:t>SSE pour le portail</a:t>
+            </a:r>
+          </a:p>
+          <a:p>
+            <a:pPr lvl="2">
+              <a:buSzPct val="80000"/>
+              <a:buFont typeface="Wingdings" panose="05000000000000000000" pitchFamily="2" charset="2"/>
+              <a:buChar char="q"/>
+            </a:pPr>
+            <a:r>
+              <a:rPr lang="fr-FR" dirty="0" smtClean="0"/>
+              <a:t>Mise à jour des informations sans rafraîchir la page</a:t>
+            </a:r>
+          </a:p>
+          <a:p>
+            <a:pPr lvl="2">
+              <a:buSzPct val="80000"/>
+              <a:buFont typeface="Wingdings" panose="05000000000000000000" pitchFamily="2" charset="2"/>
+              <a:buChar char="q"/>
+            </a:pPr>
+            <a:endParaRPr lang="fr-FR" dirty="0" smtClean="0"/>
+          </a:p>
+          <a:p>
+            <a:pPr lvl="1">
+              <a:buSzPct val="100000"/>
+              <a:buFont typeface="Wingdings" panose="05000000000000000000" pitchFamily="2" charset="2"/>
+              <a:buChar char="Ø"/>
+            </a:pPr>
+            <a:r>
+              <a:rPr lang="fr-FR" dirty="0"/>
+              <a:t>Gestion des </a:t>
+            </a:r>
+            <a:r>
+              <a:rPr lang="fr-FR" dirty="0" smtClean="0"/>
+              <a:t>utilisateurs</a:t>
+            </a:r>
+          </a:p>
+          <a:p>
+            <a:pPr lvl="2">
+              <a:buSzPct val="80000"/>
+              <a:buFont typeface="Wingdings" panose="05000000000000000000" pitchFamily="2" charset="2"/>
+              <a:buChar char="q"/>
+            </a:pPr>
+            <a:r>
+              <a:rPr lang="fr-FR" dirty="0" smtClean="0"/>
+              <a:t>Ajouter </a:t>
+            </a:r>
+            <a:r>
+              <a:rPr lang="fr-FR" dirty="0"/>
+              <a:t>et éditer des administrateurs et </a:t>
+            </a:r>
+            <a:r>
+              <a:rPr lang="fr-FR" dirty="0" smtClean="0"/>
+              <a:t>secrétaires</a:t>
+            </a:r>
+          </a:p>
+        </p:txBody>
+      </p:sp>
+      <p:sp>
+        <p:nvSpPr>
+          <p:cNvPr id="4" name="ZoneTexte 3"/>
+          <p:cNvSpPr txBox="1"/>
+          <p:nvPr/>
+        </p:nvSpPr>
+        <p:spPr>
+          <a:xfrm>
+            <a:off x="2380129" y="5553636"/>
+            <a:ext cx="11846859" cy="369332"/>
+          </a:xfrm>
+          <a:prstGeom prst="rect">
+            <a:avLst/>
+          </a:prstGeom>
+          <a:noFill/>
+        </p:spPr>
+        <p:txBody>
+          <a:bodyPr wrap="square" rtlCol="0">
+            <a:spAutoFit/>
+          </a:bodyPr>
+          <a:lstStyle/>
+          <a:p>
+            <a:r>
+              <a:rPr lang="fr-FR" dirty="0" smtClean="0">
+                <a:solidFill>
+                  <a:srgbClr val="FF0000"/>
+                </a:solidFill>
+              </a:rPr>
+              <a:t>Remerciements : équipe et chef de projet, équipe concurrente, formateurs (Jordan, Jérémy) et </a:t>
+            </a:r>
+            <a:r>
+              <a:rPr lang="fr-FR" dirty="0" err="1" smtClean="0">
+                <a:solidFill>
+                  <a:srgbClr val="FF0000"/>
+                </a:solidFill>
+              </a:rPr>
+              <a:t>SopraSteria</a:t>
+            </a:r>
+            <a:endParaRPr lang="fr-FR" dirty="0">
+              <a:solidFill>
+                <a:srgbClr val="FF0000"/>
+              </a:solidFill>
+            </a:endParaRPr>
+          </a:p>
+        </p:txBody>
+      </p:sp>
+    </p:spTree>
+    <p:extLst>
+      <p:ext uri="{BB962C8B-B14F-4D97-AF65-F5344CB8AC3E}">
+        <p14:creationId xmlns:p14="http://schemas.microsoft.com/office/powerpoint/2010/main" val="2258605853"/>
+      </p:ext>
+    </p:extLst>
+  </p:cSld>
+  <p:clrMapOvr>
+    <a:masterClrMapping/>
+  </p:clrMapOvr>
+</p:sld>
+</file>
+
 <file path=ppt/slides/slide2.xml><?xml version="1.0" encoding="utf-8"?>
 <p:sld xmlns:a="http://schemas.openxmlformats.org/drawingml/2006/main" xmlns:r="http://schemas.openxmlformats.org/officeDocument/2006/relationships" xmlns:p="http://schemas.openxmlformats.org/presentationml/2006/main">
   <p:cSld>
@@ -7532,7 +7854,6 @@
               <a:rPr lang="fr-FR" dirty="0" smtClean="0"/>
               <a:t>Kodo BREVET</a:t>
             </a:r>
-            <a:endParaRPr lang="fr-FR" dirty="0" smtClean="0"/>
           </a:p>
         </p:txBody>
       </p:sp>
@@ -7849,7 +8170,6 @@
               <a:rPr lang="fr-FR" dirty="0" smtClean="0"/>
               <a:t>Adrien BOUBEE</a:t>
             </a:r>
-            <a:endParaRPr lang="fr-FR" dirty="0" smtClean="0"/>
           </a:p>
         </p:txBody>
       </p:sp>
@@ -7879,7 +8199,6 @@
               <a:rPr lang="fr-FR" dirty="0" smtClean="0"/>
               <a:t>Olivier TORRESIN</a:t>
             </a:r>
-            <a:endParaRPr lang="fr-FR" dirty="0" smtClean="0"/>
           </a:p>
         </p:txBody>
       </p:sp>
@@ -7909,7 +8228,6 @@
               <a:rPr lang="fr-FR" dirty="0" smtClean="0"/>
               <a:t>Adrien PACORY</a:t>
             </a:r>
-            <a:endParaRPr lang="fr-FR" dirty="0" smtClean="0"/>
           </a:p>
         </p:txBody>
       </p:sp>
@@ -7939,7 +8257,6 @@
               <a:rPr lang="fr-FR" dirty="0" smtClean="0"/>
               <a:t>Florian MASSOL</a:t>
             </a:r>
-            <a:endParaRPr lang="fr-FR" dirty="0" smtClean="0"/>
           </a:p>
         </p:txBody>
       </p:sp>
@@ -7969,7 +8286,6 @@
               <a:rPr lang="fr-FR" dirty="0" smtClean="0"/>
               <a:t>Delphine DEVILLERS</a:t>
             </a:r>
-            <a:endParaRPr lang="fr-FR" dirty="0" smtClean="0"/>
           </a:p>
         </p:txBody>
       </p:sp>
@@ -7999,7 +8315,6 @@
               <a:rPr lang="fr-FR" dirty="0" smtClean="0"/>
               <a:t>Anthony DARAGNES</a:t>
             </a:r>
-            <a:endParaRPr lang="fr-FR" dirty="0" smtClean="0"/>
           </a:p>
         </p:txBody>
       </p:sp>
@@ -8029,7 +8344,6 @@
               <a:rPr lang="fr-FR" dirty="0" smtClean="0"/>
               <a:t>Chef de projet</a:t>
             </a:r>
-            <a:endParaRPr lang="fr-FR" dirty="0" smtClean="0"/>
           </a:p>
         </p:txBody>
       </p:sp>
@@ -8389,7 +8703,7 @@
         </p:nvGrpSpPr>
         <p:grpSpPr>
           <a:xfrm>
-            <a:off x="3294529" y="1438835"/>
+            <a:off x="3226031" y="2033179"/>
             <a:ext cx="6535271" cy="1815353"/>
             <a:chOff x="3294529" y="1438835"/>
             <a:chExt cx="6535271" cy="1815353"/>
@@ -8723,8 +9037,8 @@
         </p:nvCxnSpPr>
         <p:spPr>
           <a:xfrm flipH="1">
-            <a:off x="4417353" y="3254188"/>
-            <a:ext cx="800106" cy="1775011"/>
+            <a:off x="4417353" y="3848531"/>
+            <a:ext cx="742949" cy="1180668"/>
           </a:xfrm>
           <a:prstGeom prst="straightConnector1">
             <a:avLst/>
@@ -8761,8 +9075,8 @@
         </p:nvCxnSpPr>
         <p:spPr>
           <a:xfrm>
-            <a:off x="8162365" y="3254188"/>
-            <a:ext cx="729664" cy="1769598"/>
+            <a:off x="8108576" y="3848531"/>
+            <a:ext cx="783453" cy="1175255"/>
           </a:xfrm>
           <a:prstGeom prst="straightConnector1">
             <a:avLst/>
@@ -8871,54 +9185,6 @@
       </p:sp>
       <p:sp>
         <p:nvSpPr>
-          <p:cNvPr id="9" name="Rectangle 8"/>
-          <p:cNvSpPr/>
-          <p:nvPr/>
-        </p:nvSpPr>
-        <p:spPr>
-          <a:xfrm>
-            <a:off x="2785445" y="3036636"/>
-            <a:ext cx="4059107" cy="2805952"/>
-          </a:xfrm>
-          <a:prstGeom prst="rect">
-            <a:avLst/>
-          </a:prstGeom>
-          <a:solidFill>
-            <a:srgbClr val="F1B265"/>
-          </a:solidFill>
-          <a:ln>
-            <a:solidFill>
-              <a:schemeClr val="tx1"/>
-            </a:solidFill>
-          </a:ln>
-        </p:spPr>
-        <p:style>
-          <a:lnRef idx="2">
-            <a:schemeClr val="accent1">
-              <a:shade val="50000"/>
-            </a:schemeClr>
-          </a:lnRef>
-          <a:fillRef idx="1">
-            <a:schemeClr val="accent1"/>
-          </a:fillRef>
-          <a:effectRef idx="0">
-            <a:schemeClr val="accent1"/>
-          </a:effectRef>
-          <a:fontRef idx="minor">
-            <a:schemeClr val="lt1"/>
-          </a:fontRef>
-        </p:style>
-        <p:txBody>
-          <a:bodyPr rtlCol="0" anchor="ctr"/>
-          <a:lstStyle/>
-          <a:p>
-            <a:pPr algn="ctr"/>
-            <a:endParaRPr lang="fr-FR"/>
-          </a:p>
-        </p:txBody>
-      </p:sp>
-      <p:sp>
-        <p:nvSpPr>
           <p:cNvPr id="2" name="Titre 1"/>
           <p:cNvSpPr>
             <a:spLocks noGrp="1"/>
@@ -8961,7 +9227,7 @@
             </a:pPr>
             <a:r>
               <a:rPr lang="fr-FR" dirty="0" smtClean="0"/>
-              <a:t>Un espace administrateur</a:t>
+              <a:t>Un espace parachutistes</a:t>
             </a:r>
           </a:p>
           <a:p>
@@ -8972,21 +9238,97 @@
             </a:pPr>
             <a:r>
               <a:rPr lang="fr-FR" dirty="0" smtClean="0"/>
-              <a:t>Accessible aux profils Secrétaire et Administrateur</a:t>
-            </a:r>
-          </a:p>
-        </p:txBody>
-      </p:sp>
-      <p:sp>
-        <p:nvSpPr>
-          <p:cNvPr id="4" name="Rectangle 3"/>
+              <a:t>Accessible à tous les membres du centre</a:t>
+            </a:r>
+          </a:p>
+        </p:txBody>
+      </p:sp>
+      <p:sp>
+        <p:nvSpPr>
+          <p:cNvPr id="8" name="Rectangle 7"/>
           <p:cNvSpPr/>
           <p:nvPr/>
         </p:nvSpPr>
         <p:spPr>
           <a:xfrm>
-            <a:off x="2891118" y="3944638"/>
-            <a:ext cx="3953434" cy="1200329"/>
+            <a:off x="3563476" y="3652833"/>
+            <a:ext cx="3523128" cy="2031325"/>
+          </a:xfrm>
+          <a:prstGeom prst="rect">
+            <a:avLst/>
+          </a:prstGeom>
+        </p:spPr>
+        <p:txBody>
+          <a:bodyPr wrap="square">
+            <a:spAutoFit/>
+          </a:bodyPr>
+          <a:lstStyle/>
+          <a:p>
+            <a:pPr marL="285750" indent="-285750">
+              <a:buFont typeface="Wingdings" panose="05000000000000000000" pitchFamily="2" charset="2"/>
+              <a:buChar char="ü"/>
+            </a:pPr>
+            <a:r>
+              <a:rPr lang="fr-FR" dirty="0" smtClean="0"/>
+              <a:t>S’enregistrer pour un saut</a:t>
+            </a:r>
+          </a:p>
+          <a:p>
+            <a:pPr marL="285750" indent="-285750">
+              <a:buFont typeface="Wingdings" panose="05000000000000000000" pitchFamily="2" charset="2"/>
+              <a:buChar char="ü"/>
+            </a:pPr>
+            <a:endParaRPr lang="fr-FR" dirty="0"/>
+          </a:p>
+          <a:p>
+            <a:pPr marL="285750" indent="-285750">
+              <a:buFont typeface="Wingdings" panose="05000000000000000000" pitchFamily="2" charset="2"/>
+              <a:buChar char="ü"/>
+            </a:pPr>
+            <a:r>
+              <a:rPr lang="fr-FR" dirty="0" smtClean="0"/>
+              <a:t>Consulter les vols</a:t>
+            </a:r>
+          </a:p>
+          <a:p>
+            <a:endParaRPr lang="fr-FR" dirty="0"/>
+          </a:p>
+          <a:p>
+            <a:pPr marL="285750" indent="-285750">
+              <a:buFont typeface="Wingdings" panose="05000000000000000000" pitchFamily="2" charset="2"/>
+              <a:buChar char="ü"/>
+            </a:pPr>
+            <a:r>
+              <a:rPr lang="fr-FR" dirty="0" smtClean="0"/>
+              <a:t>Uploader une vidéo de saut</a:t>
+            </a:r>
+          </a:p>
+          <a:p>
+            <a:pPr marL="285750" indent="-285750">
+              <a:buFont typeface="Wingdings" panose="05000000000000000000" pitchFamily="2" charset="2"/>
+              <a:buChar char="ü"/>
+            </a:pPr>
+            <a:endParaRPr lang="fr-FR" dirty="0"/>
+          </a:p>
+          <a:p>
+            <a:pPr marL="285750" indent="-285750">
+              <a:buFont typeface="Wingdings" panose="05000000000000000000" pitchFamily="2" charset="2"/>
+              <a:buChar char="ü"/>
+            </a:pPr>
+            <a:endParaRPr lang="fr-FR" dirty="0" smtClean="0"/>
+          </a:p>
+        </p:txBody>
+      </p:sp>
+      <p:sp>
+        <p:nvSpPr>
+          <p:cNvPr id="11" name="Rectangle 10"/>
+          <p:cNvSpPr/>
+          <p:nvPr/>
+        </p:nvSpPr>
+        <p:spPr>
+          <a:xfrm>
+            <a:off x="9184341" y="2667304"/>
+            <a:ext cx="1344706" cy="369332"/>
           </a:xfrm>
           <a:prstGeom prst="rect">
             <a:avLst/>
@@ -9001,151 +9343,18 @@
           </a:bodyPr>
           <a:lstStyle/>
           <a:p>
-            <a:pPr marL="285750" indent="-285750">
-              <a:buFont typeface="Wingdings" panose="05000000000000000000" pitchFamily="2" charset="2"/>
-              <a:buChar char="ü"/>
-            </a:pPr>
-            <a:r>
-              <a:rPr lang="fr-FR" dirty="0" smtClean="0"/>
-              <a:t>Gestion des vols et des sauts</a:t>
-            </a:r>
-          </a:p>
-          <a:p>
-            <a:pPr marL="285750" indent="-285750">
-              <a:buFont typeface="Wingdings" panose="05000000000000000000" pitchFamily="2" charset="2"/>
-              <a:buChar char="ü"/>
-            </a:pPr>
-            <a:endParaRPr lang="fr-FR" dirty="0" smtClean="0"/>
-          </a:p>
-          <a:p>
-            <a:pPr marL="285750" indent="-285750">
-              <a:buFont typeface="Wingdings" panose="05000000000000000000" pitchFamily="2" charset="2"/>
-              <a:buChar char="ü"/>
-            </a:pPr>
-            <a:r>
-              <a:rPr lang="fr-FR" dirty="0" smtClean="0"/>
-              <a:t>Gestion des parachutistes et des pilotes</a:t>
-            </a:r>
-            <a:endParaRPr lang="fr-FR" dirty="0" smtClean="0"/>
-          </a:p>
-        </p:txBody>
-      </p:sp>
-      <p:sp>
-        <p:nvSpPr>
-          <p:cNvPr id="8" name="Rectangle 7"/>
-          <p:cNvSpPr/>
-          <p:nvPr/>
-        </p:nvSpPr>
-        <p:spPr>
-          <a:xfrm>
-            <a:off x="7520743" y="3944638"/>
-            <a:ext cx="2979512" cy="923330"/>
-          </a:xfrm>
-          <a:prstGeom prst="rect">
-            <a:avLst/>
-          </a:prstGeom>
-        </p:spPr>
-        <p:txBody>
-          <a:bodyPr wrap="square">
-            <a:spAutoFit/>
-          </a:bodyPr>
-          <a:lstStyle/>
-          <a:p>
-            <a:pPr marL="285750" indent="-285750">
-              <a:buFont typeface="Wingdings" panose="05000000000000000000" pitchFamily="2" charset="2"/>
-              <a:buChar char="ü"/>
-            </a:pPr>
-            <a:r>
-              <a:rPr lang="fr-FR" dirty="0" smtClean="0"/>
-              <a:t>Gestion du matériel</a:t>
-            </a:r>
-          </a:p>
-          <a:p>
-            <a:endParaRPr lang="fr-FR" dirty="0"/>
-          </a:p>
-          <a:p>
-            <a:pPr marL="285750" indent="-285750">
-              <a:buFont typeface="Wingdings" panose="05000000000000000000" pitchFamily="2" charset="2"/>
-              <a:buChar char="ü"/>
-            </a:pPr>
-            <a:r>
-              <a:rPr lang="fr-FR" dirty="0" smtClean="0"/>
-              <a:t>Historique</a:t>
-            </a:r>
-            <a:endParaRPr lang="fr-FR" dirty="0" smtClean="0"/>
-          </a:p>
-        </p:txBody>
-      </p:sp>
-      <p:sp>
-        <p:nvSpPr>
-          <p:cNvPr id="10" name="Rectangle 9"/>
-          <p:cNvSpPr/>
-          <p:nvPr/>
-        </p:nvSpPr>
-        <p:spPr>
-          <a:xfrm>
-            <a:off x="5555539" y="3098381"/>
-            <a:ext cx="1289013" cy="369332"/>
-          </a:xfrm>
-          <a:prstGeom prst="rect">
-            <a:avLst/>
-          </a:prstGeom>
-          <a:ln>
-            <a:noFill/>
-          </a:ln>
-        </p:spPr>
-        <p:txBody>
-          <a:bodyPr wrap="square">
-            <a:spAutoFit/>
-          </a:bodyPr>
-          <a:lstStyle/>
-          <a:p>
             <a:pPr algn="ctr"/>
             <a:r>
               <a:rPr lang="fr-FR" i="1" dirty="0" smtClean="0"/>
-              <a:t>Secrétaire</a:t>
-            </a:r>
-            <a:endParaRPr lang="fr-FR" i="1" dirty="0" smtClean="0"/>
-          </a:p>
-        </p:txBody>
-      </p:sp>
-      <p:sp>
-        <p:nvSpPr>
-          <p:cNvPr id="11" name="Rectangle 10"/>
-          <p:cNvSpPr/>
-          <p:nvPr/>
-        </p:nvSpPr>
-        <p:spPr>
-          <a:xfrm>
-            <a:off x="8513892" y="2667304"/>
-            <a:ext cx="2015155" cy="369332"/>
-          </a:xfrm>
-          <a:prstGeom prst="rect">
-            <a:avLst/>
-          </a:prstGeom>
-          <a:ln>
-            <a:noFill/>
-          </a:ln>
-        </p:spPr>
-        <p:txBody>
-          <a:bodyPr wrap="square">
-            <a:spAutoFit/>
-          </a:bodyPr>
-          <a:lstStyle/>
-          <a:p>
-            <a:pPr algn="ctr"/>
-            <a:r>
-              <a:rPr lang="fr-FR" i="1" dirty="0" smtClean="0"/>
-              <a:t>Administrateur</a:t>
-            </a:r>
-            <a:endParaRPr lang="fr-FR" i="1" dirty="0" smtClean="0"/>
+              <a:t>Membre</a:t>
+            </a:r>
           </a:p>
         </p:txBody>
       </p:sp>
     </p:spTree>
     <p:extLst>
       <p:ext uri="{BB962C8B-B14F-4D97-AF65-F5344CB8AC3E}">
-        <p14:creationId xmlns:p14="http://schemas.microsoft.com/office/powerpoint/2010/main" val="308878046"/>
+        <p14:creationId xmlns:p14="http://schemas.microsoft.com/office/powerpoint/2010/main" val="3021110391"/>
       </p:ext>
     </p:extLst>
   </p:cSld>
@@ -9224,6 +9433,54 @@
       </p:sp>
       <p:sp>
         <p:nvSpPr>
+          <p:cNvPr id="9" name="Rectangle 8"/>
+          <p:cNvSpPr/>
+          <p:nvPr/>
+        </p:nvSpPr>
+        <p:spPr>
+          <a:xfrm>
+            <a:off x="2785445" y="3036636"/>
+            <a:ext cx="4059107" cy="2805952"/>
+          </a:xfrm>
+          <a:prstGeom prst="rect">
+            <a:avLst/>
+          </a:prstGeom>
+          <a:solidFill>
+            <a:srgbClr val="F1B265"/>
+          </a:solidFill>
+          <a:ln>
+            <a:solidFill>
+              <a:schemeClr val="tx1"/>
+            </a:solidFill>
+          </a:ln>
+        </p:spPr>
+        <p:style>
+          <a:lnRef idx="2">
+            <a:schemeClr val="accent1">
+              <a:shade val="50000"/>
+            </a:schemeClr>
+          </a:lnRef>
+          <a:fillRef idx="1">
+            <a:schemeClr val="accent1"/>
+          </a:fillRef>
+          <a:effectRef idx="0">
+            <a:schemeClr val="accent1"/>
+          </a:effectRef>
+          <a:fontRef idx="minor">
+            <a:schemeClr val="lt1"/>
+          </a:fontRef>
+        </p:style>
+        <p:txBody>
+          <a:bodyPr rtlCol="0" anchor="ctr"/>
+          <a:lstStyle/>
+          <a:p>
+            <a:pPr algn="ctr"/>
+            <a:endParaRPr lang="fr-FR"/>
+          </a:p>
+        </p:txBody>
+      </p:sp>
+      <p:sp>
+        <p:nvSpPr>
           <p:cNvPr id="2" name="Titre 1"/>
           <p:cNvSpPr>
             <a:spLocks noGrp="1"/>
@@ -9266,7 +9523,7 @@
             </a:pPr>
             <a:r>
               <a:rPr lang="fr-FR" dirty="0" smtClean="0"/>
-              <a:t>Un espace parachutistes</a:t>
+              <a:t>Un espace administrateur</a:t>
             </a:r>
           </a:p>
           <a:p>
@@ -9277,97 +9534,21 @@
             </a:pPr>
             <a:r>
               <a:rPr lang="fr-FR" dirty="0" smtClean="0"/>
-              <a:t>Accessible à tous les membres du centre</a:t>
-            </a:r>
-          </a:p>
-        </p:txBody>
-      </p:sp>
-      <p:sp>
-        <p:nvSpPr>
-          <p:cNvPr id="8" name="Rectangle 7"/>
+              <a:t>Accessible aux profils Secrétaire et Administrateur</a:t>
+            </a:r>
+          </a:p>
+        </p:txBody>
+      </p:sp>
+      <p:sp>
+        <p:nvSpPr>
+          <p:cNvPr id="4" name="Rectangle 3"/>
           <p:cNvSpPr/>
           <p:nvPr/>
         </p:nvSpPr>
         <p:spPr>
           <a:xfrm>
-            <a:off x="3563476" y="3652833"/>
-            <a:ext cx="3523128" cy="2031325"/>
-          </a:xfrm>
-          <a:prstGeom prst="rect">
-            <a:avLst/>
-          </a:prstGeom>
-        </p:spPr>
-        <p:txBody>
-          <a:bodyPr wrap="square">
-            <a:spAutoFit/>
-          </a:bodyPr>
-          <a:lstStyle/>
-          <a:p>
-            <a:pPr marL="285750" indent="-285750">
-              <a:buFont typeface="Wingdings" panose="05000000000000000000" pitchFamily="2" charset="2"/>
-              <a:buChar char="ü"/>
-            </a:pPr>
-            <a:r>
-              <a:rPr lang="fr-FR" dirty="0" smtClean="0"/>
-              <a:t>S’enregistrer pour un saut</a:t>
-            </a:r>
-          </a:p>
-          <a:p>
-            <a:pPr marL="285750" indent="-285750">
-              <a:buFont typeface="Wingdings" panose="05000000000000000000" pitchFamily="2" charset="2"/>
-              <a:buChar char="ü"/>
-            </a:pPr>
-            <a:endParaRPr lang="fr-FR" dirty="0"/>
-          </a:p>
-          <a:p>
-            <a:pPr marL="285750" indent="-285750">
-              <a:buFont typeface="Wingdings" panose="05000000000000000000" pitchFamily="2" charset="2"/>
-              <a:buChar char="ü"/>
-            </a:pPr>
-            <a:r>
-              <a:rPr lang="fr-FR" dirty="0" smtClean="0"/>
-              <a:t>Consulter les vols</a:t>
-            </a:r>
-          </a:p>
-          <a:p>
-            <a:endParaRPr lang="fr-FR" dirty="0"/>
-          </a:p>
-          <a:p>
-            <a:pPr marL="285750" indent="-285750">
-              <a:buFont typeface="Wingdings" panose="05000000000000000000" pitchFamily="2" charset="2"/>
-              <a:buChar char="ü"/>
-            </a:pPr>
-            <a:r>
-              <a:rPr lang="fr-FR" dirty="0" smtClean="0"/>
-              <a:t>Uploader une vidéo de saut</a:t>
-            </a:r>
-          </a:p>
-          <a:p>
-            <a:pPr marL="285750" indent="-285750">
-              <a:buFont typeface="Wingdings" panose="05000000000000000000" pitchFamily="2" charset="2"/>
-              <a:buChar char="ü"/>
-            </a:pPr>
-            <a:endParaRPr lang="fr-FR" dirty="0"/>
-          </a:p>
-          <a:p>
-            <a:pPr marL="285750" indent="-285750">
-              <a:buFont typeface="Wingdings" panose="05000000000000000000" pitchFamily="2" charset="2"/>
-              <a:buChar char="ü"/>
-            </a:pPr>
-            <a:endParaRPr lang="fr-FR" dirty="0" smtClean="0"/>
-          </a:p>
-        </p:txBody>
-      </p:sp>
-      <p:sp>
-        <p:nvSpPr>
-          <p:cNvPr id="11" name="Rectangle 10"/>
-          <p:cNvSpPr/>
-          <p:nvPr/>
-        </p:nvSpPr>
-        <p:spPr>
-          <a:xfrm>
-            <a:off x="9184341" y="2667304"/>
-            <a:ext cx="1344706" cy="369332"/>
+            <a:off x="2891118" y="3944638"/>
+            <a:ext cx="3953434" cy="1200329"/>
           </a:xfrm>
           <a:prstGeom prst="rect">
             <a:avLst/>
@@ -9382,19 +9563,147 @@
           </a:bodyPr>
           <a:lstStyle/>
           <a:p>
+            <a:pPr marL="285750" indent="-285750">
+              <a:buFont typeface="Wingdings" panose="05000000000000000000" pitchFamily="2" charset="2"/>
+              <a:buChar char="ü"/>
+            </a:pPr>
+            <a:r>
+              <a:rPr lang="fr-FR" dirty="0" smtClean="0"/>
+              <a:t>Gestion des vols et des sauts</a:t>
+            </a:r>
+          </a:p>
+          <a:p>
+            <a:pPr marL="285750" indent="-285750">
+              <a:buFont typeface="Wingdings" panose="05000000000000000000" pitchFamily="2" charset="2"/>
+              <a:buChar char="ü"/>
+            </a:pPr>
+            <a:endParaRPr lang="fr-FR" dirty="0" smtClean="0"/>
+          </a:p>
+          <a:p>
+            <a:pPr marL="285750" indent="-285750">
+              <a:buFont typeface="Wingdings" panose="05000000000000000000" pitchFamily="2" charset="2"/>
+              <a:buChar char="ü"/>
+            </a:pPr>
+            <a:r>
+              <a:rPr lang="fr-FR" dirty="0" smtClean="0"/>
+              <a:t>Gestion des parachutistes et des pilotes</a:t>
+            </a:r>
+          </a:p>
+        </p:txBody>
+      </p:sp>
+      <p:sp>
+        <p:nvSpPr>
+          <p:cNvPr id="8" name="Rectangle 7"/>
+          <p:cNvSpPr/>
+          <p:nvPr/>
+        </p:nvSpPr>
+        <p:spPr>
+          <a:xfrm>
+            <a:off x="7520743" y="3944638"/>
+            <a:ext cx="2979512" cy="923330"/>
+          </a:xfrm>
+          <a:prstGeom prst="rect">
+            <a:avLst/>
+          </a:prstGeom>
+        </p:spPr>
+        <p:txBody>
+          <a:bodyPr wrap="square">
+            <a:spAutoFit/>
+          </a:bodyPr>
+          <a:lstStyle/>
+          <a:p>
+            <a:pPr marL="285750" indent="-285750">
+              <a:buFont typeface="Wingdings" panose="05000000000000000000" pitchFamily="2" charset="2"/>
+              <a:buChar char="ü"/>
+            </a:pPr>
+            <a:r>
+              <a:rPr lang="fr-FR" dirty="0" smtClean="0"/>
+              <a:t>Gestion du matériel</a:t>
+            </a:r>
+          </a:p>
+          <a:p>
+            <a:endParaRPr lang="fr-FR" dirty="0"/>
+          </a:p>
+          <a:p>
+            <a:pPr marL="285750" indent="-285750">
+              <a:buFont typeface="Wingdings" panose="05000000000000000000" pitchFamily="2" charset="2"/>
+              <a:buChar char="ü"/>
+            </a:pPr>
+            <a:r>
+              <a:rPr lang="fr-FR" dirty="0" smtClean="0"/>
+              <a:t>Historique</a:t>
+            </a:r>
+          </a:p>
+        </p:txBody>
+      </p:sp>
+      <p:sp>
+        <p:nvSpPr>
+          <p:cNvPr id="10" name="Rectangle 9"/>
+          <p:cNvSpPr/>
+          <p:nvPr/>
+        </p:nvSpPr>
+        <p:spPr>
+          <a:xfrm>
+            <a:off x="5555539" y="3098381"/>
+            <a:ext cx="1289013" cy="369332"/>
+          </a:xfrm>
+          <a:prstGeom prst="rect">
+            <a:avLst/>
+          </a:prstGeom>
+          <a:ln>
+            <a:noFill/>
+          </a:ln>
+        </p:spPr>
+        <p:txBody>
+          <a:bodyPr wrap="square">
+            <a:spAutoFit/>
+          </a:bodyPr>
+          <a:lstStyle/>
+          <a:p>
             <a:pPr algn="ctr"/>
             <a:r>
               <a:rPr lang="fr-FR" i="1" dirty="0" smtClean="0"/>
-              <a:t>Membre</a:t>
-            </a:r>
-            <a:endParaRPr lang="fr-FR" i="1" dirty="0" smtClean="0"/>
+              <a:t>Secrétaire</a:t>
+            </a:r>
+          </a:p>
+        </p:txBody>
+      </p:sp>
+      <p:sp>
+        <p:nvSpPr>
+          <p:cNvPr id="11" name="Rectangle 10"/>
+          <p:cNvSpPr/>
+          <p:nvPr/>
+        </p:nvSpPr>
+        <p:spPr>
+          <a:xfrm>
+            <a:off x="8513892" y="2667304"/>
+            <a:ext cx="2015155" cy="369332"/>
+          </a:xfrm>
+          <a:prstGeom prst="rect">
+            <a:avLst/>
+          </a:prstGeom>
+          <a:ln>
+            <a:noFill/>
+          </a:ln>
+        </p:spPr>
+        <p:txBody>
+          <a:bodyPr wrap="square">
+            <a:spAutoFit/>
+          </a:bodyPr>
+          <a:lstStyle/>
+          <a:p>
+            <a:pPr algn="ctr"/>
+            <a:r>
+              <a:rPr lang="fr-FR" i="1" dirty="0" smtClean="0"/>
+              <a:t>Administrateur</a:t>
+            </a:r>
           </a:p>
         </p:txBody>
       </p:sp>
     </p:spTree>
     <p:extLst>
       <p:ext uri="{BB962C8B-B14F-4D97-AF65-F5344CB8AC3E}">
-        <p14:creationId xmlns:p14="http://schemas.microsoft.com/office/powerpoint/2010/main" val="3021110391"/>
+        <p14:creationId xmlns:p14="http://schemas.microsoft.com/office/powerpoint/2010/main" val="308878046"/>
       </p:ext>
     </p:extLst>
   </p:cSld>
@@ -9437,10 +9746,18 @@
           <a:lstStyle/>
           <a:p>
             <a:r>
-              <a:rPr lang="fr-FR" dirty="0" smtClean="0"/>
+              <a:rPr lang="fr-FR" dirty="0" smtClean="0">
+                <a:solidFill>
+                  <a:srgbClr val="FF0000"/>
+                </a:solidFill>
+              </a:rPr>
               <a:t>Technologies utilisées</a:t>
             </a:r>
-            <a:endParaRPr lang="fr-FR" dirty="0"/>
+            <a:endParaRPr lang="fr-FR" dirty="0">
+              <a:solidFill>
+                <a:srgbClr val="FF0000"/>
+              </a:solidFill>
+            </a:endParaRPr>
           </a:p>
         </p:txBody>
       </p:sp>
@@ -9460,33 +9777,295 @@
           <a:lstStyle/>
           <a:p>
             <a:r>
-              <a:rPr lang="fr-FR" dirty="0" err="1"/>
+              <a:rPr lang="fr-FR" dirty="0" err="1">
+                <a:solidFill>
+                  <a:srgbClr val="FF0000"/>
+                </a:solidFill>
+              </a:rPr>
               <a:t>Spring</a:t>
             </a:r>
             <a:r>
-              <a:rPr lang="fr-FR" dirty="0"/>
-              <a:t> Boot</a:t>
-            </a:r>
-          </a:p>
-          <a:p>
-            <a:r>
-              <a:rPr lang="fr-FR" dirty="0" err="1"/>
+              <a:rPr lang="fr-FR" dirty="0">
+                <a:solidFill>
+                  <a:srgbClr val="FF0000"/>
+                </a:solidFill>
+              </a:rPr>
+              <a:t> </a:t>
+            </a:r>
+            <a:r>
+              <a:rPr lang="fr-FR" dirty="0" smtClean="0">
+                <a:solidFill>
+                  <a:srgbClr val="FF0000"/>
+                </a:solidFill>
+              </a:rPr>
+              <a:t>Boot : démarrage rapide d’un projet </a:t>
+            </a:r>
+            <a:r>
+              <a:rPr lang="fr-FR" dirty="0" err="1" smtClean="0">
+                <a:solidFill>
+                  <a:srgbClr val="FF0000"/>
+                </a:solidFill>
+              </a:rPr>
+              <a:t>Spring</a:t>
+            </a:r>
+            <a:r>
+              <a:rPr lang="fr-FR" dirty="0" smtClean="0">
+                <a:solidFill>
+                  <a:srgbClr val="FF0000"/>
+                </a:solidFill>
+              </a:rPr>
+              <a:t> avec gestion des dépendance, peu de configuration…</a:t>
+            </a:r>
+          </a:p>
+          <a:p>
+            <a:pPr lvl="1"/>
+            <a:r>
+              <a:rPr lang="fr-FR" dirty="0" smtClean="0">
+                <a:solidFill>
+                  <a:srgbClr val="FF0000"/>
+                </a:solidFill>
+              </a:rPr>
+              <a:t>DATA-JPA, </a:t>
+            </a:r>
+            <a:r>
+              <a:rPr lang="fr-FR" dirty="0" err="1" smtClean="0">
+                <a:solidFill>
+                  <a:srgbClr val="FF0000"/>
+                </a:solidFill>
+              </a:rPr>
+              <a:t>Hibernate</a:t>
+            </a:r>
+            <a:r>
+              <a:rPr lang="fr-FR" dirty="0" smtClean="0">
+                <a:solidFill>
+                  <a:srgbClr val="FF0000"/>
+                </a:solidFill>
+              </a:rPr>
+              <a:t>, MySQL : communication avec une base de données (car on a des données à gérer)</a:t>
+            </a:r>
+          </a:p>
+          <a:p>
+            <a:pPr lvl="1"/>
+            <a:r>
+              <a:rPr lang="fr-FR" dirty="0" smtClean="0">
+                <a:solidFill>
+                  <a:srgbClr val="FF0000"/>
+                </a:solidFill>
+              </a:rPr>
+              <a:t>MVC </a:t>
+            </a:r>
+            <a:r>
+              <a:rPr lang="fr-FR" dirty="0" err="1" smtClean="0">
+                <a:solidFill>
+                  <a:srgbClr val="FF0000"/>
+                </a:solidFill>
+              </a:rPr>
+              <a:t>Rest</a:t>
+            </a:r>
+            <a:r>
+              <a:rPr lang="fr-FR" dirty="0" smtClean="0">
+                <a:solidFill>
+                  <a:srgbClr val="FF0000"/>
+                </a:solidFill>
+              </a:rPr>
+              <a:t> : api, méthodes </a:t>
+            </a:r>
+            <a:r>
+              <a:rPr lang="fr-FR" dirty="0" err="1" smtClean="0">
+                <a:solidFill>
+                  <a:srgbClr val="FF0000"/>
+                </a:solidFill>
+              </a:rPr>
+              <a:t>get</a:t>
+            </a:r>
+            <a:r>
+              <a:rPr lang="fr-FR" dirty="0" smtClean="0">
+                <a:solidFill>
+                  <a:srgbClr val="FF0000"/>
+                </a:solidFill>
+              </a:rPr>
+              <a:t>, post, put, </a:t>
+            </a:r>
+            <a:r>
+              <a:rPr lang="fr-FR" dirty="0" err="1" smtClean="0">
+                <a:solidFill>
+                  <a:srgbClr val="FF0000"/>
+                </a:solidFill>
+              </a:rPr>
+              <a:t>delete</a:t>
+            </a:r>
+            <a:r>
+              <a:rPr lang="fr-FR" dirty="0" smtClean="0">
+                <a:solidFill>
+                  <a:srgbClr val="FF0000"/>
+                </a:solidFill>
+              </a:rPr>
+              <a:t>…</a:t>
+            </a:r>
+          </a:p>
+          <a:p>
+            <a:r>
+              <a:rPr lang="fr-FR" dirty="0" err="1" smtClean="0">
+                <a:solidFill>
+                  <a:srgbClr val="FF0000"/>
+                </a:solidFill>
+              </a:rPr>
               <a:t>Angular</a:t>
             </a:r>
-            <a:endParaRPr lang="fr-FR" dirty="0"/>
-          </a:p>
-          <a:p>
-            <a:r>
-              <a:rPr lang="fr-FR" dirty="0" smtClean="0"/>
-              <a:t>Security</a:t>
-            </a:r>
-          </a:p>
-          <a:p>
-            <a:r>
-              <a:rPr lang="fr-FR" dirty="0" smtClean="0"/>
-              <a:t>…</a:t>
-            </a:r>
-            <a:endParaRPr lang="fr-FR" dirty="0"/>
+            <a:r>
+              <a:rPr lang="fr-FR" dirty="0" smtClean="0">
+                <a:solidFill>
+                  <a:srgbClr val="FF0000"/>
+                </a:solidFill>
+              </a:rPr>
+              <a:t> : </a:t>
+            </a:r>
+            <a:r>
+              <a:rPr lang="fr-FR" dirty="0" err="1" smtClean="0">
+                <a:solidFill>
+                  <a:srgbClr val="FF0000"/>
+                </a:solidFill>
+              </a:rPr>
+              <a:t>requetes</a:t>
+            </a:r>
+            <a:r>
+              <a:rPr lang="fr-FR" dirty="0" smtClean="0">
+                <a:solidFill>
+                  <a:srgbClr val="FF0000"/>
+                </a:solidFill>
+              </a:rPr>
+              <a:t> Ajax facilités, injection de dépendances, binding</a:t>
+            </a:r>
+            <a:endParaRPr lang="fr-FR" dirty="0">
+              <a:solidFill>
+                <a:srgbClr val="FF0000"/>
+              </a:solidFill>
+            </a:endParaRPr>
+          </a:p>
+          <a:p>
+            <a:r>
+              <a:rPr lang="fr-FR" dirty="0" smtClean="0">
+                <a:solidFill>
+                  <a:srgbClr val="FF0000"/>
+                </a:solidFill>
+              </a:rPr>
+              <a:t>Security :</a:t>
+            </a:r>
+          </a:p>
+          <a:p>
+            <a:pPr lvl="1"/>
+            <a:r>
+              <a:rPr lang="fr-FR" dirty="0" err="1" smtClean="0">
+                <a:solidFill>
+                  <a:srgbClr val="FF0000"/>
+                </a:solidFill>
+              </a:rPr>
+              <a:t>Spring</a:t>
+            </a:r>
+            <a:r>
+              <a:rPr lang="fr-FR" dirty="0" smtClean="0">
+                <a:solidFill>
+                  <a:srgbClr val="FF0000"/>
+                </a:solidFill>
+              </a:rPr>
+              <a:t> Boot Security -&gt; autorisation des ressources par </a:t>
+            </a:r>
+            <a:r>
+              <a:rPr lang="fr-FR" dirty="0" err="1" smtClean="0">
+                <a:solidFill>
+                  <a:srgbClr val="FF0000"/>
+                </a:solidFill>
+              </a:rPr>
+              <a:t>autentification</a:t>
+            </a:r>
+            <a:endParaRPr lang="fr-FR" dirty="0" smtClean="0">
+              <a:solidFill>
+                <a:srgbClr val="FF0000"/>
+              </a:solidFill>
+            </a:endParaRPr>
+          </a:p>
+          <a:p>
+            <a:pPr lvl="1"/>
+            <a:r>
+              <a:rPr lang="fr-FR" dirty="0" err="1" smtClean="0">
+                <a:solidFill>
+                  <a:srgbClr val="FF0000"/>
+                </a:solidFill>
+              </a:rPr>
+              <a:t>Angular</a:t>
+            </a:r>
+            <a:r>
+              <a:rPr lang="fr-FR" dirty="0" smtClean="0">
+                <a:solidFill>
+                  <a:srgbClr val="FF0000"/>
+                </a:solidFill>
+              </a:rPr>
+              <a:t> : récupération et envoi des informations d’authentification</a:t>
+            </a:r>
+            <a:r>
+              <a:rPr lang="fr-FR" dirty="0">
+                <a:solidFill>
+                  <a:srgbClr val="FF0000"/>
+                </a:solidFill>
+              </a:rPr>
+              <a:t> </a:t>
+            </a:r>
+            <a:r>
+              <a:rPr lang="fr-FR" dirty="0" smtClean="0">
+                <a:solidFill>
+                  <a:srgbClr val="FF0000"/>
+                </a:solidFill>
+              </a:rPr>
+              <a:t>+ interdiction de certaines vues </a:t>
+            </a:r>
+            <a:r>
+              <a:rPr lang="fr-FR" dirty="0" err="1" smtClean="0">
+                <a:solidFill>
+                  <a:srgbClr val="FF0000"/>
+                </a:solidFill>
+              </a:rPr>
+              <a:t>grace</a:t>
+            </a:r>
+            <a:r>
+              <a:rPr lang="fr-FR" dirty="0" smtClean="0">
+                <a:solidFill>
+                  <a:srgbClr val="FF0000"/>
+                </a:solidFill>
+              </a:rPr>
+              <a:t> au </a:t>
+            </a:r>
+            <a:r>
+              <a:rPr lang="fr-FR" dirty="0" err="1" smtClean="0">
+                <a:solidFill>
+                  <a:srgbClr val="FF0000"/>
+                </a:solidFill>
+              </a:rPr>
+              <a:t>Guard</a:t>
+            </a:r>
+            <a:r>
+              <a:rPr lang="fr-FR" dirty="0" smtClean="0">
+                <a:solidFill>
+                  <a:srgbClr val="FF0000"/>
+                </a:solidFill>
+              </a:rPr>
+              <a:t> (méthode </a:t>
+            </a:r>
+            <a:r>
+              <a:rPr lang="fr-FR" dirty="0" err="1" smtClean="0">
+                <a:solidFill>
+                  <a:srgbClr val="FF0000"/>
+                </a:solidFill>
+              </a:rPr>
+              <a:t>canActivate</a:t>
+            </a:r>
+            <a:r>
+              <a:rPr lang="fr-FR" dirty="0" smtClean="0">
+                <a:solidFill>
+                  <a:srgbClr val="FF0000"/>
+                </a:solidFill>
+              </a:rPr>
+              <a:t>)</a:t>
+            </a:r>
           </a:p>
         </p:txBody>
       </p:sp>
@@ -9537,7 +10116,7 @@
           <a:p>
             <a:r>
               <a:rPr lang="fr-FR" dirty="0" smtClean="0"/>
-              <a:t>Qui c’est qu’a fait quoi ?</a:t>
+              <a:t>Technologies utilisées</a:t>
             </a:r>
             <a:endParaRPr lang="fr-FR" dirty="0"/>
           </a:p>
@@ -9553,23 +10132,2175 @@
             <p:ph idx="1"/>
           </p:nvPr>
         </p:nvSpPr>
-        <p:spPr/>
-        <p:txBody>
-          <a:bodyPr/>
+        <p:spPr>
+          <a:xfrm>
+            <a:off x="1871583" y="2467431"/>
+            <a:ext cx="4326221" cy="1089423"/>
+          </a:xfrm>
+        </p:spPr>
+        <p:txBody>
+          <a:bodyPr anchor="t">
+            <a:normAutofit lnSpcReduction="10000"/>
+          </a:bodyPr>
           <a:lstStyle/>
           <a:p>
-            <a:r>
-              <a:rPr lang="fr-FR" dirty="0" smtClean="0"/>
-              <a:t>Pas besoin de diapo pour ça je pense</a:t>
-            </a:r>
-            <a:endParaRPr lang="fr-FR" dirty="0"/>
+            <a:pPr>
+              <a:buSzPct val="100000"/>
+              <a:buFont typeface="Wingdings" panose="05000000000000000000" pitchFamily="2" charset="2"/>
+              <a:buChar char="ü"/>
+            </a:pPr>
+            <a:r>
+              <a:rPr lang="fr-FR" sz="1700" dirty="0" smtClean="0"/>
+              <a:t>Démarrage rapide d’un projet </a:t>
+            </a:r>
+            <a:r>
+              <a:rPr lang="fr-FR" sz="1700" dirty="0" err="1" smtClean="0"/>
+              <a:t>Spring</a:t>
+            </a:r>
+            <a:endParaRPr lang="fr-FR" sz="1700" dirty="0"/>
+          </a:p>
+          <a:p>
+            <a:pPr>
+              <a:buSzPct val="100000"/>
+              <a:buFont typeface="Wingdings" panose="05000000000000000000" pitchFamily="2" charset="2"/>
+              <a:buChar char="ü"/>
+            </a:pPr>
+            <a:r>
+              <a:rPr lang="fr-FR" sz="1700" dirty="0"/>
+              <a:t>G</a:t>
+            </a:r>
+            <a:r>
+              <a:rPr lang="fr-FR" sz="1700" dirty="0" smtClean="0"/>
+              <a:t>estion des dépendances</a:t>
+            </a:r>
+          </a:p>
+          <a:p>
+            <a:pPr>
+              <a:buSzPct val="100000"/>
+              <a:buFont typeface="Wingdings" panose="05000000000000000000" pitchFamily="2" charset="2"/>
+              <a:buChar char="ü"/>
+            </a:pPr>
+            <a:r>
+              <a:rPr lang="fr-FR" sz="1700" dirty="0" smtClean="0"/>
+              <a:t>Peu de configuration</a:t>
+            </a:r>
+          </a:p>
+        </p:txBody>
+      </p:sp>
+      <p:grpSp>
+        <p:nvGrpSpPr>
+          <p:cNvPr id="4" name="Groupe 3"/>
+          <p:cNvGrpSpPr/>
+          <p:nvPr/>
+        </p:nvGrpSpPr>
+        <p:grpSpPr>
+          <a:xfrm>
+            <a:off x="5929284" y="4377314"/>
+            <a:ext cx="1499525" cy="486903"/>
+            <a:chOff x="4107141" y="1596366"/>
+            <a:chExt cx="4910049" cy="1500294"/>
+          </a:xfrm>
+        </p:grpSpPr>
+        <p:sp>
+          <p:nvSpPr>
+            <p:cNvPr id="5" name="Espace réservé du contenu 2"/>
+            <p:cNvSpPr txBox="1">
+              <a:spLocks/>
+            </p:cNvSpPr>
+            <p:nvPr/>
+          </p:nvSpPr>
+          <p:spPr>
+            <a:xfrm>
+              <a:off x="4154557" y="1697251"/>
+              <a:ext cx="4815212" cy="1298521"/>
+            </a:xfrm>
+            <a:prstGeom prst="rect">
+              <a:avLst/>
+            </a:prstGeom>
+          </p:spPr>
+          <p:txBody>
+            <a:bodyPr vert="horz" lIns="91440" tIns="45720" rIns="91440" bIns="45720" rtlCol="0" anchor="ctr">
+              <a:normAutofit/>
+            </a:bodyPr>
+            <a:lstStyle>
+              <a:lvl1pPr marL="285750" indent="-285750" algn="l" defTabSz="457200" rtl="0" eaLnBrk="1" latinLnBrk="0" hangingPunct="1">
+                <a:spcBef>
+                  <a:spcPct val="20000"/>
+                </a:spcBef>
+                <a:spcAft>
+                  <a:spcPts val="600"/>
+                </a:spcAft>
+                <a:buClr>
+                  <a:schemeClr val="accent1">
+                    <a:lumMod val="75000"/>
+                  </a:schemeClr>
+                </a:buClr>
+                <a:buSzPct val="145000"/>
+                <a:buFont typeface="Arial"/>
+                <a:buChar char="•"/>
+                <a:defRPr sz="2400" kern="1200" cap="none">
+                  <a:solidFill>
+                    <a:schemeClr val="tx1"/>
+                  </a:solidFill>
+                  <a:effectLst/>
+                  <a:latin typeface="+mn-lt"/>
+                  <a:ea typeface="+mn-ea"/>
+                  <a:cs typeface="+mn-cs"/>
+                </a:defRPr>
+              </a:lvl1pPr>
+              <a:lvl2pPr marL="742950" indent="-285750" algn="l" defTabSz="457200" rtl="0" eaLnBrk="1" latinLnBrk="0" hangingPunct="1">
+                <a:spcBef>
+                  <a:spcPct val="20000"/>
+                </a:spcBef>
+                <a:spcAft>
+                  <a:spcPts val="600"/>
+                </a:spcAft>
+                <a:buClr>
+                  <a:schemeClr val="accent1">
+                    <a:lumMod val="75000"/>
+                  </a:schemeClr>
+                </a:buClr>
+                <a:buSzPct val="145000"/>
+                <a:buFont typeface="Arial"/>
+                <a:buChar char="•"/>
+                <a:defRPr sz="2000" kern="1200" cap="none">
+                  <a:solidFill>
+                    <a:schemeClr val="tx1"/>
+                  </a:solidFill>
+                  <a:effectLst/>
+                  <a:latin typeface="+mn-lt"/>
+                  <a:ea typeface="+mn-ea"/>
+                  <a:cs typeface="+mn-cs"/>
+                </a:defRPr>
+              </a:lvl2pPr>
+              <a:lvl3pPr marL="1200150" indent="-285750" algn="l" defTabSz="457200" rtl="0" eaLnBrk="1" latinLnBrk="0" hangingPunct="1">
+                <a:spcBef>
+                  <a:spcPct val="20000"/>
+                </a:spcBef>
+                <a:spcAft>
+                  <a:spcPts val="600"/>
+                </a:spcAft>
+                <a:buClr>
+                  <a:schemeClr val="accent1">
+                    <a:lumMod val="75000"/>
+                  </a:schemeClr>
+                </a:buClr>
+                <a:buSzPct val="145000"/>
+                <a:buFont typeface="Arial"/>
+                <a:buChar char="•"/>
+                <a:defRPr sz="1800" kern="1200" cap="none">
+                  <a:solidFill>
+                    <a:schemeClr val="tx1"/>
+                  </a:solidFill>
+                  <a:effectLst/>
+                  <a:latin typeface="+mn-lt"/>
+                  <a:ea typeface="+mn-ea"/>
+                  <a:cs typeface="+mn-cs"/>
+                </a:defRPr>
+              </a:lvl3pPr>
+              <a:lvl4pPr marL="1543050" indent="-171450" algn="l" defTabSz="457200" rtl="0" eaLnBrk="1" latinLnBrk="0" hangingPunct="1">
+                <a:spcBef>
+                  <a:spcPct val="20000"/>
+                </a:spcBef>
+                <a:spcAft>
+                  <a:spcPts val="600"/>
+                </a:spcAft>
+                <a:buClr>
+                  <a:schemeClr val="accent1">
+                    <a:lumMod val="75000"/>
+                  </a:schemeClr>
+                </a:buClr>
+                <a:buSzPct val="145000"/>
+                <a:buFont typeface="Arial"/>
+                <a:buChar char="•"/>
+                <a:defRPr sz="1600" kern="1200" cap="none">
+                  <a:solidFill>
+                    <a:schemeClr val="tx1"/>
+                  </a:solidFill>
+                  <a:effectLst/>
+                  <a:latin typeface="+mn-lt"/>
+                  <a:ea typeface="+mn-ea"/>
+                  <a:cs typeface="+mn-cs"/>
+                </a:defRPr>
+              </a:lvl4pPr>
+              <a:lvl5pPr marL="2000250" indent="-171450" algn="l" defTabSz="457200" rtl="0" eaLnBrk="1" latinLnBrk="0" hangingPunct="1">
+                <a:spcBef>
+                  <a:spcPct val="20000"/>
+                </a:spcBef>
+                <a:spcAft>
+                  <a:spcPts val="600"/>
+                </a:spcAft>
+                <a:buClr>
+                  <a:schemeClr val="accent1">
+                    <a:lumMod val="75000"/>
+                  </a:schemeClr>
+                </a:buClr>
+                <a:buSzPct val="145000"/>
+                <a:buFont typeface="Arial"/>
+                <a:buChar char="•"/>
+                <a:defRPr sz="1400" kern="1200" cap="none">
+                  <a:solidFill>
+                    <a:schemeClr val="tx1"/>
+                  </a:solidFill>
+                  <a:effectLst/>
+                  <a:latin typeface="+mn-lt"/>
+                  <a:ea typeface="+mn-ea"/>
+                  <a:cs typeface="+mn-cs"/>
+                </a:defRPr>
+              </a:lvl5pPr>
+              <a:lvl6pPr marL="2514600" indent="-228600" algn="l" defTabSz="457200" rtl="0" eaLnBrk="1" latinLnBrk="0" hangingPunct="1">
+                <a:spcBef>
+                  <a:spcPct val="20000"/>
+                </a:spcBef>
+                <a:spcAft>
+                  <a:spcPts val="600"/>
+                </a:spcAft>
+                <a:buClr>
+                  <a:schemeClr val="accent1">
+                    <a:lumMod val="75000"/>
+                  </a:schemeClr>
+                </a:buClr>
+                <a:buSzPct val="145000"/>
+                <a:buFont typeface="Arial"/>
+                <a:buChar char="•"/>
+                <a:defRPr sz="1400" kern="1200" cap="none">
+                  <a:solidFill>
+                    <a:schemeClr val="tx1"/>
+                  </a:solidFill>
+                  <a:effectLst/>
+                  <a:latin typeface="+mn-lt"/>
+                  <a:ea typeface="+mn-ea"/>
+                  <a:cs typeface="+mn-cs"/>
+                </a:defRPr>
+              </a:lvl6pPr>
+              <a:lvl7pPr marL="2971800" indent="-228600" algn="l" defTabSz="457200" rtl="0" eaLnBrk="1" latinLnBrk="0" hangingPunct="1">
+                <a:spcBef>
+                  <a:spcPct val="20000"/>
+                </a:spcBef>
+                <a:spcAft>
+                  <a:spcPts val="600"/>
+                </a:spcAft>
+                <a:buClr>
+                  <a:schemeClr val="accent1">
+                    <a:lumMod val="75000"/>
+                  </a:schemeClr>
+                </a:buClr>
+                <a:buSzPct val="145000"/>
+                <a:buFont typeface="Arial"/>
+                <a:buChar char="•"/>
+                <a:defRPr sz="1400" kern="1200" cap="none">
+                  <a:solidFill>
+                    <a:schemeClr val="tx1"/>
+                  </a:solidFill>
+                  <a:effectLst/>
+                  <a:latin typeface="+mn-lt"/>
+                  <a:ea typeface="+mn-ea"/>
+                  <a:cs typeface="+mn-cs"/>
+                </a:defRPr>
+              </a:lvl7pPr>
+              <a:lvl8pPr marL="3429000" indent="-228600" algn="l" defTabSz="457200" rtl="0" eaLnBrk="1" latinLnBrk="0" hangingPunct="1">
+                <a:spcBef>
+                  <a:spcPct val="20000"/>
+                </a:spcBef>
+                <a:spcAft>
+                  <a:spcPts val="600"/>
+                </a:spcAft>
+                <a:buClr>
+                  <a:schemeClr val="accent1">
+                    <a:lumMod val="75000"/>
+                  </a:schemeClr>
+                </a:buClr>
+                <a:buSzPct val="145000"/>
+                <a:buFont typeface="Arial"/>
+                <a:buChar char="•"/>
+                <a:defRPr sz="1400" kern="1200" cap="none">
+                  <a:solidFill>
+                    <a:schemeClr val="tx1"/>
+                  </a:solidFill>
+                  <a:effectLst/>
+                  <a:latin typeface="+mn-lt"/>
+                  <a:ea typeface="+mn-ea"/>
+                  <a:cs typeface="+mn-cs"/>
+                </a:defRPr>
+              </a:lvl8pPr>
+              <a:lvl9pPr marL="3886200" indent="-228600" algn="l" defTabSz="457200" rtl="0" eaLnBrk="1" latinLnBrk="0" hangingPunct="1">
+                <a:spcBef>
+                  <a:spcPct val="20000"/>
+                </a:spcBef>
+                <a:spcAft>
+                  <a:spcPts val="600"/>
+                </a:spcAft>
+                <a:buClr>
+                  <a:schemeClr val="accent1">
+                    <a:lumMod val="75000"/>
+                  </a:schemeClr>
+                </a:buClr>
+                <a:buSzPct val="145000"/>
+                <a:buFont typeface="Arial"/>
+                <a:buChar char="•"/>
+                <a:defRPr sz="1400" kern="1200" cap="none">
+                  <a:solidFill>
+                    <a:schemeClr val="tx1"/>
+                  </a:solidFill>
+                  <a:effectLst/>
+                  <a:latin typeface="+mn-lt"/>
+                  <a:ea typeface="+mn-ea"/>
+                  <a:cs typeface="+mn-cs"/>
+                </a:defRPr>
+              </a:lvl9pPr>
+            </a:lstStyle>
+            <a:p>
+              <a:pPr marL="0" indent="0" algn="ctr">
+                <a:buFont typeface="Arial"/>
+                <a:buNone/>
+              </a:pPr>
+              <a:r>
+                <a:rPr lang="fr-FR" sz="2000" dirty="0" smtClean="0"/>
+                <a:t>Security</a:t>
+              </a:r>
+              <a:endParaRPr lang="fr-FR" sz="2800" dirty="0"/>
+            </a:p>
+          </p:txBody>
+        </p:sp>
+        <p:sp>
+          <p:nvSpPr>
+            <p:cNvPr id="6" name="Rectangle 5"/>
+            <p:cNvSpPr/>
+            <p:nvPr/>
+          </p:nvSpPr>
+          <p:spPr>
+            <a:xfrm>
+              <a:off x="4107141" y="1596366"/>
+              <a:ext cx="4910049" cy="1500294"/>
+            </a:xfrm>
+            <a:prstGeom prst="rect">
+              <a:avLst/>
+            </a:prstGeom>
+            <a:noFill/>
+            <a:ln w="19050">
+              <a:prstDash val="sysDash"/>
+            </a:ln>
+          </p:spPr>
+          <p:style>
+            <a:lnRef idx="2">
+              <a:schemeClr val="accent1">
+                <a:shade val="50000"/>
+              </a:schemeClr>
+            </a:lnRef>
+            <a:fillRef idx="1">
+              <a:schemeClr val="accent1"/>
+            </a:fillRef>
+            <a:effectRef idx="0">
+              <a:schemeClr val="accent1"/>
+            </a:effectRef>
+            <a:fontRef idx="minor">
+              <a:schemeClr val="lt1"/>
+            </a:fontRef>
+          </p:style>
+          <p:txBody>
+            <a:bodyPr rtlCol="0" anchor="ctr"/>
+            <a:lstStyle/>
+            <a:p>
+              <a:pPr algn="ctr"/>
+              <a:endParaRPr lang="fr-FR"/>
+            </a:p>
+          </p:txBody>
+        </p:sp>
+      </p:grpSp>
+      <p:grpSp>
+        <p:nvGrpSpPr>
+          <p:cNvPr id="7" name="Groupe 6"/>
+          <p:cNvGrpSpPr/>
+          <p:nvPr/>
+        </p:nvGrpSpPr>
+        <p:grpSpPr>
+          <a:xfrm>
+            <a:off x="7942033" y="1272306"/>
+            <a:ext cx="2711173" cy="1046198"/>
+            <a:chOff x="3294529" y="1438835"/>
+            <a:chExt cx="6535271" cy="1815353"/>
+          </a:xfrm>
+        </p:grpSpPr>
+        <p:sp>
+          <p:nvSpPr>
+            <p:cNvPr id="8" name="Espace réservé du contenu 2"/>
+            <p:cNvSpPr txBox="1">
+              <a:spLocks/>
+            </p:cNvSpPr>
+            <p:nvPr/>
+          </p:nvSpPr>
+          <p:spPr>
+            <a:xfrm>
+              <a:off x="3648960" y="1697251"/>
+              <a:ext cx="5826407" cy="1298520"/>
+            </a:xfrm>
+            <a:prstGeom prst="rect">
+              <a:avLst/>
+            </a:prstGeom>
+          </p:spPr>
+          <p:txBody>
+            <a:bodyPr vert="horz" lIns="91440" tIns="45720" rIns="91440" bIns="45720" rtlCol="0" anchor="ctr">
+              <a:normAutofit/>
+            </a:bodyPr>
+            <a:lstStyle>
+              <a:lvl1pPr marL="285750" indent="-285750" algn="l" defTabSz="457200" rtl="0" eaLnBrk="1" latinLnBrk="0" hangingPunct="1">
+                <a:spcBef>
+                  <a:spcPct val="20000"/>
+                </a:spcBef>
+                <a:spcAft>
+                  <a:spcPts val="600"/>
+                </a:spcAft>
+                <a:buClr>
+                  <a:schemeClr val="accent1">
+                    <a:lumMod val="75000"/>
+                  </a:schemeClr>
+                </a:buClr>
+                <a:buSzPct val="145000"/>
+                <a:buFont typeface="Arial"/>
+                <a:buChar char="•"/>
+                <a:defRPr sz="2400" kern="1200" cap="none">
+                  <a:solidFill>
+                    <a:schemeClr val="tx1"/>
+                  </a:solidFill>
+                  <a:effectLst/>
+                  <a:latin typeface="+mn-lt"/>
+                  <a:ea typeface="+mn-ea"/>
+                  <a:cs typeface="+mn-cs"/>
+                </a:defRPr>
+              </a:lvl1pPr>
+              <a:lvl2pPr marL="742950" indent="-285750" algn="l" defTabSz="457200" rtl="0" eaLnBrk="1" latinLnBrk="0" hangingPunct="1">
+                <a:spcBef>
+                  <a:spcPct val="20000"/>
+                </a:spcBef>
+                <a:spcAft>
+                  <a:spcPts val="600"/>
+                </a:spcAft>
+                <a:buClr>
+                  <a:schemeClr val="accent1">
+                    <a:lumMod val="75000"/>
+                  </a:schemeClr>
+                </a:buClr>
+                <a:buSzPct val="145000"/>
+                <a:buFont typeface="Arial"/>
+                <a:buChar char="•"/>
+                <a:defRPr sz="2000" kern="1200" cap="none">
+                  <a:solidFill>
+                    <a:schemeClr val="tx1"/>
+                  </a:solidFill>
+                  <a:effectLst/>
+                  <a:latin typeface="+mn-lt"/>
+                  <a:ea typeface="+mn-ea"/>
+                  <a:cs typeface="+mn-cs"/>
+                </a:defRPr>
+              </a:lvl2pPr>
+              <a:lvl3pPr marL="1200150" indent="-285750" algn="l" defTabSz="457200" rtl="0" eaLnBrk="1" latinLnBrk="0" hangingPunct="1">
+                <a:spcBef>
+                  <a:spcPct val="20000"/>
+                </a:spcBef>
+                <a:spcAft>
+                  <a:spcPts val="600"/>
+                </a:spcAft>
+                <a:buClr>
+                  <a:schemeClr val="accent1">
+                    <a:lumMod val="75000"/>
+                  </a:schemeClr>
+                </a:buClr>
+                <a:buSzPct val="145000"/>
+                <a:buFont typeface="Arial"/>
+                <a:buChar char="•"/>
+                <a:defRPr sz="1800" kern="1200" cap="none">
+                  <a:solidFill>
+                    <a:schemeClr val="tx1"/>
+                  </a:solidFill>
+                  <a:effectLst/>
+                  <a:latin typeface="+mn-lt"/>
+                  <a:ea typeface="+mn-ea"/>
+                  <a:cs typeface="+mn-cs"/>
+                </a:defRPr>
+              </a:lvl3pPr>
+              <a:lvl4pPr marL="1543050" indent="-171450" algn="l" defTabSz="457200" rtl="0" eaLnBrk="1" latinLnBrk="0" hangingPunct="1">
+                <a:spcBef>
+                  <a:spcPct val="20000"/>
+                </a:spcBef>
+                <a:spcAft>
+                  <a:spcPts val="600"/>
+                </a:spcAft>
+                <a:buClr>
+                  <a:schemeClr val="accent1">
+                    <a:lumMod val="75000"/>
+                  </a:schemeClr>
+                </a:buClr>
+                <a:buSzPct val="145000"/>
+                <a:buFont typeface="Arial"/>
+                <a:buChar char="•"/>
+                <a:defRPr sz="1600" kern="1200" cap="none">
+                  <a:solidFill>
+                    <a:schemeClr val="tx1"/>
+                  </a:solidFill>
+                  <a:effectLst/>
+                  <a:latin typeface="+mn-lt"/>
+                  <a:ea typeface="+mn-ea"/>
+                  <a:cs typeface="+mn-cs"/>
+                </a:defRPr>
+              </a:lvl4pPr>
+              <a:lvl5pPr marL="2000250" indent="-171450" algn="l" defTabSz="457200" rtl="0" eaLnBrk="1" latinLnBrk="0" hangingPunct="1">
+                <a:spcBef>
+                  <a:spcPct val="20000"/>
+                </a:spcBef>
+                <a:spcAft>
+                  <a:spcPts val="600"/>
+                </a:spcAft>
+                <a:buClr>
+                  <a:schemeClr val="accent1">
+                    <a:lumMod val="75000"/>
+                  </a:schemeClr>
+                </a:buClr>
+                <a:buSzPct val="145000"/>
+                <a:buFont typeface="Arial"/>
+                <a:buChar char="•"/>
+                <a:defRPr sz="1400" kern="1200" cap="none">
+                  <a:solidFill>
+                    <a:schemeClr val="tx1"/>
+                  </a:solidFill>
+                  <a:effectLst/>
+                  <a:latin typeface="+mn-lt"/>
+                  <a:ea typeface="+mn-ea"/>
+                  <a:cs typeface="+mn-cs"/>
+                </a:defRPr>
+              </a:lvl5pPr>
+              <a:lvl6pPr marL="2514600" indent="-228600" algn="l" defTabSz="457200" rtl="0" eaLnBrk="1" latinLnBrk="0" hangingPunct="1">
+                <a:spcBef>
+                  <a:spcPct val="20000"/>
+                </a:spcBef>
+                <a:spcAft>
+                  <a:spcPts val="600"/>
+                </a:spcAft>
+                <a:buClr>
+                  <a:schemeClr val="accent1">
+                    <a:lumMod val="75000"/>
+                  </a:schemeClr>
+                </a:buClr>
+                <a:buSzPct val="145000"/>
+                <a:buFont typeface="Arial"/>
+                <a:buChar char="•"/>
+                <a:defRPr sz="1400" kern="1200" cap="none">
+                  <a:solidFill>
+                    <a:schemeClr val="tx1"/>
+                  </a:solidFill>
+                  <a:effectLst/>
+                  <a:latin typeface="+mn-lt"/>
+                  <a:ea typeface="+mn-ea"/>
+                  <a:cs typeface="+mn-cs"/>
+                </a:defRPr>
+              </a:lvl6pPr>
+              <a:lvl7pPr marL="2971800" indent="-228600" algn="l" defTabSz="457200" rtl="0" eaLnBrk="1" latinLnBrk="0" hangingPunct="1">
+                <a:spcBef>
+                  <a:spcPct val="20000"/>
+                </a:spcBef>
+                <a:spcAft>
+                  <a:spcPts val="600"/>
+                </a:spcAft>
+                <a:buClr>
+                  <a:schemeClr val="accent1">
+                    <a:lumMod val="75000"/>
+                  </a:schemeClr>
+                </a:buClr>
+                <a:buSzPct val="145000"/>
+                <a:buFont typeface="Arial"/>
+                <a:buChar char="•"/>
+                <a:defRPr sz="1400" kern="1200" cap="none">
+                  <a:solidFill>
+                    <a:schemeClr val="tx1"/>
+                  </a:solidFill>
+                  <a:effectLst/>
+                  <a:latin typeface="+mn-lt"/>
+                  <a:ea typeface="+mn-ea"/>
+                  <a:cs typeface="+mn-cs"/>
+                </a:defRPr>
+              </a:lvl7pPr>
+              <a:lvl8pPr marL="3429000" indent="-228600" algn="l" defTabSz="457200" rtl="0" eaLnBrk="1" latinLnBrk="0" hangingPunct="1">
+                <a:spcBef>
+                  <a:spcPct val="20000"/>
+                </a:spcBef>
+                <a:spcAft>
+                  <a:spcPts val="600"/>
+                </a:spcAft>
+                <a:buClr>
+                  <a:schemeClr val="accent1">
+                    <a:lumMod val="75000"/>
+                  </a:schemeClr>
+                </a:buClr>
+                <a:buSzPct val="145000"/>
+                <a:buFont typeface="Arial"/>
+                <a:buChar char="•"/>
+                <a:defRPr sz="1400" kern="1200" cap="none">
+                  <a:solidFill>
+                    <a:schemeClr val="tx1"/>
+                  </a:solidFill>
+                  <a:effectLst/>
+                  <a:latin typeface="+mn-lt"/>
+                  <a:ea typeface="+mn-ea"/>
+                  <a:cs typeface="+mn-cs"/>
+                </a:defRPr>
+              </a:lvl8pPr>
+              <a:lvl9pPr marL="3886200" indent="-228600" algn="l" defTabSz="457200" rtl="0" eaLnBrk="1" latinLnBrk="0" hangingPunct="1">
+                <a:spcBef>
+                  <a:spcPct val="20000"/>
+                </a:spcBef>
+                <a:spcAft>
+                  <a:spcPts val="600"/>
+                </a:spcAft>
+                <a:buClr>
+                  <a:schemeClr val="accent1">
+                    <a:lumMod val="75000"/>
+                  </a:schemeClr>
+                </a:buClr>
+                <a:buSzPct val="145000"/>
+                <a:buFont typeface="Arial"/>
+                <a:buChar char="•"/>
+                <a:defRPr sz="1400" kern="1200" cap="none">
+                  <a:solidFill>
+                    <a:schemeClr val="tx1"/>
+                  </a:solidFill>
+                  <a:effectLst/>
+                  <a:latin typeface="+mn-lt"/>
+                  <a:ea typeface="+mn-ea"/>
+                  <a:cs typeface="+mn-cs"/>
+                </a:defRPr>
+              </a:lvl9pPr>
+            </a:lstStyle>
+            <a:p>
+              <a:pPr marL="0" indent="0" algn="ctr">
+                <a:buFont typeface="Arial"/>
+                <a:buNone/>
+              </a:pPr>
+              <a:r>
+                <a:rPr lang="fr-FR" sz="2800" dirty="0" err="1" smtClean="0"/>
+                <a:t>Angular</a:t>
+              </a:r>
+              <a:endParaRPr lang="fr-FR" sz="2800" dirty="0"/>
+            </a:p>
+          </p:txBody>
+        </p:sp>
+        <p:sp>
+          <p:nvSpPr>
+            <p:cNvPr id="9" name="Rectangle 8"/>
+            <p:cNvSpPr/>
+            <p:nvPr/>
+          </p:nvSpPr>
+          <p:spPr>
+            <a:xfrm>
+              <a:off x="3294529" y="1438835"/>
+              <a:ext cx="6535271" cy="1815353"/>
+            </a:xfrm>
+            <a:prstGeom prst="rect">
+              <a:avLst/>
+            </a:prstGeom>
+            <a:noFill/>
+            <a:ln w="28575"/>
+          </p:spPr>
+          <p:style>
+            <a:lnRef idx="2">
+              <a:schemeClr val="accent1">
+                <a:shade val="50000"/>
+              </a:schemeClr>
+            </a:lnRef>
+            <a:fillRef idx="1">
+              <a:schemeClr val="accent1"/>
+            </a:fillRef>
+            <a:effectRef idx="0">
+              <a:schemeClr val="accent1"/>
+            </a:effectRef>
+            <a:fontRef idx="minor">
+              <a:schemeClr val="lt1"/>
+            </a:fontRef>
+          </p:style>
+          <p:txBody>
+            <a:bodyPr rtlCol="0" anchor="ctr"/>
+            <a:lstStyle/>
+            <a:p>
+              <a:pPr algn="ctr"/>
+              <a:endParaRPr lang="fr-FR"/>
+            </a:p>
+          </p:txBody>
+        </p:sp>
+      </p:grpSp>
+      <p:sp>
+        <p:nvSpPr>
+          <p:cNvPr id="12" name="Espace réservé du contenu 2"/>
+          <p:cNvSpPr txBox="1">
+            <a:spLocks/>
+          </p:cNvSpPr>
+          <p:nvPr/>
+        </p:nvSpPr>
+        <p:spPr>
+          <a:xfrm>
+            <a:off x="2116892" y="3606476"/>
+            <a:ext cx="4215383" cy="1123116"/>
+          </a:xfrm>
+          <a:prstGeom prst="rect">
+            <a:avLst/>
+          </a:prstGeom>
+        </p:spPr>
+        <p:txBody>
+          <a:bodyPr vert="horz" lIns="91440" tIns="45720" rIns="91440" bIns="45720" rtlCol="0" anchor="t">
+            <a:normAutofit/>
+          </a:bodyPr>
+          <a:lstStyle>
+            <a:lvl1pPr marL="285750" indent="-285750" algn="l" defTabSz="457200" rtl="0" eaLnBrk="1" latinLnBrk="0" hangingPunct="1">
+              <a:spcBef>
+                <a:spcPct val="20000"/>
+              </a:spcBef>
+              <a:spcAft>
+                <a:spcPts val="600"/>
+              </a:spcAft>
+              <a:buClr>
+                <a:schemeClr val="accent1">
+                  <a:lumMod val="75000"/>
+                </a:schemeClr>
+              </a:buClr>
+              <a:buSzPct val="145000"/>
+              <a:buFont typeface="Arial"/>
+              <a:buChar char="•"/>
+              <a:defRPr sz="2400" kern="1200" cap="none">
+                <a:solidFill>
+                  <a:schemeClr val="tx1"/>
+                </a:solidFill>
+                <a:effectLst/>
+                <a:latin typeface="+mn-lt"/>
+                <a:ea typeface="+mn-ea"/>
+                <a:cs typeface="+mn-cs"/>
+              </a:defRPr>
+            </a:lvl1pPr>
+            <a:lvl2pPr marL="742950" indent="-285750" algn="l" defTabSz="457200" rtl="0" eaLnBrk="1" latinLnBrk="0" hangingPunct="1">
+              <a:spcBef>
+                <a:spcPct val="20000"/>
+              </a:spcBef>
+              <a:spcAft>
+                <a:spcPts val="600"/>
+              </a:spcAft>
+              <a:buClr>
+                <a:schemeClr val="accent1">
+                  <a:lumMod val="75000"/>
+                </a:schemeClr>
+              </a:buClr>
+              <a:buSzPct val="145000"/>
+              <a:buFont typeface="Arial"/>
+              <a:buChar char="•"/>
+              <a:defRPr sz="2000" kern="1200" cap="none">
+                <a:solidFill>
+                  <a:schemeClr val="tx1"/>
+                </a:solidFill>
+                <a:effectLst/>
+                <a:latin typeface="+mn-lt"/>
+                <a:ea typeface="+mn-ea"/>
+                <a:cs typeface="+mn-cs"/>
+              </a:defRPr>
+            </a:lvl2pPr>
+            <a:lvl3pPr marL="1200150" indent="-285750" algn="l" defTabSz="457200" rtl="0" eaLnBrk="1" latinLnBrk="0" hangingPunct="1">
+              <a:spcBef>
+                <a:spcPct val="20000"/>
+              </a:spcBef>
+              <a:spcAft>
+                <a:spcPts val="600"/>
+              </a:spcAft>
+              <a:buClr>
+                <a:schemeClr val="accent1">
+                  <a:lumMod val="75000"/>
+                </a:schemeClr>
+              </a:buClr>
+              <a:buSzPct val="145000"/>
+              <a:buFont typeface="Arial"/>
+              <a:buChar char="•"/>
+              <a:defRPr sz="1800" kern="1200" cap="none">
+                <a:solidFill>
+                  <a:schemeClr val="tx1"/>
+                </a:solidFill>
+                <a:effectLst/>
+                <a:latin typeface="+mn-lt"/>
+                <a:ea typeface="+mn-ea"/>
+                <a:cs typeface="+mn-cs"/>
+              </a:defRPr>
+            </a:lvl3pPr>
+            <a:lvl4pPr marL="1543050" indent="-171450" algn="l" defTabSz="457200" rtl="0" eaLnBrk="1" latinLnBrk="0" hangingPunct="1">
+              <a:spcBef>
+                <a:spcPct val="20000"/>
+              </a:spcBef>
+              <a:spcAft>
+                <a:spcPts val="600"/>
+              </a:spcAft>
+              <a:buClr>
+                <a:schemeClr val="accent1">
+                  <a:lumMod val="75000"/>
+                </a:schemeClr>
+              </a:buClr>
+              <a:buSzPct val="145000"/>
+              <a:buFont typeface="Arial"/>
+              <a:buChar char="•"/>
+              <a:defRPr sz="1600" kern="1200" cap="none">
+                <a:solidFill>
+                  <a:schemeClr val="tx1"/>
+                </a:solidFill>
+                <a:effectLst/>
+                <a:latin typeface="+mn-lt"/>
+                <a:ea typeface="+mn-ea"/>
+                <a:cs typeface="+mn-cs"/>
+              </a:defRPr>
+            </a:lvl4pPr>
+            <a:lvl5pPr marL="2000250" indent="-171450" algn="l" defTabSz="457200" rtl="0" eaLnBrk="1" latinLnBrk="0" hangingPunct="1">
+              <a:spcBef>
+                <a:spcPct val="20000"/>
+              </a:spcBef>
+              <a:spcAft>
+                <a:spcPts val="600"/>
+              </a:spcAft>
+              <a:buClr>
+                <a:schemeClr val="accent1">
+                  <a:lumMod val="75000"/>
+                </a:schemeClr>
+              </a:buClr>
+              <a:buSzPct val="145000"/>
+              <a:buFont typeface="Arial"/>
+              <a:buChar char="•"/>
+              <a:defRPr sz="1400" kern="1200" cap="none">
+                <a:solidFill>
+                  <a:schemeClr val="tx1"/>
+                </a:solidFill>
+                <a:effectLst/>
+                <a:latin typeface="+mn-lt"/>
+                <a:ea typeface="+mn-ea"/>
+                <a:cs typeface="+mn-cs"/>
+              </a:defRPr>
+            </a:lvl5pPr>
+            <a:lvl6pPr marL="2514600" indent="-228600" algn="l" defTabSz="457200" rtl="0" eaLnBrk="1" latinLnBrk="0" hangingPunct="1">
+              <a:spcBef>
+                <a:spcPct val="20000"/>
+              </a:spcBef>
+              <a:spcAft>
+                <a:spcPts val="600"/>
+              </a:spcAft>
+              <a:buClr>
+                <a:schemeClr val="accent1">
+                  <a:lumMod val="75000"/>
+                </a:schemeClr>
+              </a:buClr>
+              <a:buSzPct val="145000"/>
+              <a:buFont typeface="Arial"/>
+              <a:buChar char="•"/>
+              <a:defRPr sz="1400" kern="1200" cap="none">
+                <a:solidFill>
+                  <a:schemeClr val="tx1"/>
+                </a:solidFill>
+                <a:effectLst/>
+                <a:latin typeface="+mn-lt"/>
+                <a:ea typeface="+mn-ea"/>
+                <a:cs typeface="+mn-cs"/>
+              </a:defRPr>
+            </a:lvl6pPr>
+            <a:lvl7pPr marL="2971800" indent="-228600" algn="l" defTabSz="457200" rtl="0" eaLnBrk="1" latinLnBrk="0" hangingPunct="1">
+              <a:spcBef>
+                <a:spcPct val="20000"/>
+              </a:spcBef>
+              <a:spcAft>
+                <a:spcPts val="600"/>
+              </a:spcAft>
+              <a:buClr>
+                <a:schemeClr val="accent1">
+                  <a:lumMod val="75000"/>
+                </a:schemeClr>
+              </a:buClr>
+              <a:buSzPct val="145000"/>
+              <a:buFont typeface="Arial"/>
+              <a:buChar char="•"/>
+              <a:defRPr sz="1400" kern="1200" cap="none">
+                <a:solidFill>
+                  <a:schemeClr val="tx1"/>
+                </a:solidFill>
+                <a:effectLst/>
+                <a:latin typeface="+mn-lt"/>
+                <a:ea typeface="+mn-ea"/>
+                <a:cs typeface="+mn-cs"/>
+              </a:defRPr>
+            </a:lvl7pPr>
+            <a:lvl8pPr marL="3429000" indent="-228600" algn="l" defTabSz="457200" rtl="0" eaLnBrk="1" latinLnBrk="0" hangingPunct="1">
+              <a:spcBef>
+                <a:spcPct val="20000"/>
+              </a:spcBef>
+              <a:spcAft>
+                <a:spcPts val="600"/>
+              </a:spcAft>
+              <a:buClr>
+                <a:schemeClr val="accent1">
+                  <a:lumMod val="75000"/>
+                </a:schemeClr>
+              </a:buClr>
+              <a:buSzPct val="145000"/>
+              <a:buFont typeface="Arial"/>
+              <a:buChar char="•"/>
+              <a:defRPr sz="1400" kern="1200" cap="none">
+                <a:solidFill>
+                  <a:schemeClr val="tx1"/>
+                </a:solidFill>
+                <a:effectLst/>
+                <a:latin typeface="+mn-lt"/>
+                <a:ea typeface="+mn-ea"/>
+                <a:cs typeface="+mn-cs"/>
+              </a:defRPr>
+            </a:lvl8pPr>
+            <a:lvl9pPr marL="3886200" indent="-228600" algn="l" defTabSz="457200" rtl="0" eaLnBrk="1" latinLnBrk="0" hangingPunct="1">
+              <a:spcBef>
+                <a:spcPct val="20000"/>
+              </a:spcBef>
+              <a:spcAft>
+                <a:spcPts val="600"/>
+              </a:spcAft>
+              <a:buClr>
+                <a:schemeClr val="accent1">
+                  <a:lumMod val="75000"/>
+                </a:schemeClr>
+              </a:buClr>
+              <a:buSzPct val="145000"/>
+              <a:buFont typeface="Arial"/>
+              <a:buChar char="•"/>
+              <a:defRPr sz="1400" kern="1200" cap="none">
+                <a:solidFill>
+                  <a:schemeClr val="tx1"/>
+                </a:solidFill>
+                <a:effectLst/>
+                <a:latin typeface="+mn-lt"/>
+                <a:ea typeface="+mn-ea"/>
+                <a:cs typeface="+mn-cs"/>
+              </a:defRPr>
+            </a:lvl9pPr>
+          </a:lstStyle>
+          <a:p>
+            <a:pPr>
+              <a:buSzPct val="100000"/>
+              <a:buFont typeface="Wingdings" panose="05000000000000000000" pitchFamily="2" charset="2"/>
+              <a:buChar char="Ø"/>
+            </a:pPr>
+            <a:r>
+              <a:rPr lang="fr-FR" sz="1700" dirty="0" smtClean="0"/>
+              <a:t>DATA-JPA : communication avec une base de données</a:t>
+            </a:r>
+          </a:p>
+          <a:p>
+            <a:pPr>
+              <a:buSzPct val="100000"/>
+              <a:buFont typeface="Wingdings" panose="05000000000000000000" pitchFamily="2" charset="2"/>
+              <a:buChar char="Ø"/>
+            </a:pPr>
+            <a:r>
+              <a:rPr lang="fr-FR" sz="1700" dirty="0" smtClean="0"/>
+              <a:t>MVC </a:t>
+            </a:r>
+            <a:r>
+              <a:rPr lang="fr-FR" sz="1700" dirty="0" err="1" smtClean="0"/>
+              <a:t>Rest</a:t>
+            </a:r>
+            <a:endParaRPr lang="fr-FR" sz="1700" dirty="0" smtClean="0"/>
+          </a:p>
+        </p:txBody>
+      </p:sp>
+      <p:sp>
+        <p:nvSpPr>
+          <p:cNvPr id="13" name="Espace réservé du contenu 2"/>
+          <p:cNvSpPr txBox="1">
+            <a:spLocks/>
+          </p:cNvSpPr>
+          <p:nvPr/>
+        </p:nvSpPr>
+        <p:spPr>
+          <a:xfrm>
+            <a:off x="7402337" y="2467430"/>
+            <a:ext cx="3778623" cy="1089423"/>
+          </a:xfrm>
+          <a:prstGeom prst="rect">
+            <a:avLst/>
+          </a:prstGeom>
+        </p:spPr>
+        <p:txBody>
+          <a:bodyPr vert="horz" lIns="91440" tIns="45720" rIns="91440" bIns="45720" rtlCol="0" anchor="t">
+            <a:normAutofit lnSpcReduction="10000"/>
+          </a:bodyPr>
+          <a:lstStyle>
+            <a:lvl1pPr marL="285750" indent="-285750" algn="l" defTabSz="457200" rtl="0" eaLnBrk="1" latinLnBrk="0" hangingPunct="1">
+              <a:spcBef>
+                <a:spcPct val="20000"/>
+              </a:spcBef>
+              <a:spcAft>
+                <a:spcPts val="600"/>
+              </a:spcAft>
+              <a:buClr>
+                <a:schemeClr val="accent1">
+                  <a:lumMod val="75000"/>
+                </a:schemeClr>
+              </a:buClr>
+              <a:buSzPct val="145000"/>
+              <a:buFont typeface="Arial"/>
+              <a:buChar char="•"/>
+              <a:defRPr sz="2400" kern="1200" cap="none">
+                <a:solidFill>
+                  <a:schemeClr val="tx1"/>
+                </a:solidFill>
+                <a:effectLst/>
+                <a:latin typeface="+mn-lt"/>
+                <a:ea typeface="+mn-ea"/>
+                <a:cs typeface="+mn-cs"/>
+              </a:defRPr>
+            </a:lvl1pPr>
+            <a:lvl2pPr marL="742950" indent="-285750" algn="l" defTabSz="457200" rtl="0" eaLnBrk="1" latinLnBrk="0" hangingPunct="1">
+              <a:spcBef>
+                <a:spcPct val="20000"/>
+              </a:spcBef>
+              <a:spcAft>
+                <a:spcPts val="600"/>
+              </a:spcAft>
+              <a:buClr>
+                <a:schemeClr val="accent1">
+                  <a:lumMod val="75000"/>
+                </a:schemeClr>
+              </a:buClr>
+              <a:buSzPct val="145000"/>
+              <a:buFont typeface="Arial"/>
+              <a:buChar char="•"/>
+              <a:defRPr sz="2000" kern="1200" cap="none">
+                <a:solidFill>
+                  <a:schemeClr val="tx1"/>
+                </a:solidFill>
+                <a:effectLst/>
+                <a:latin typeface="+mn-lt"/>
+                <a:ea typeface="+mn-ea"/>
+                <a:cs typeface="+mn-cs"/>
+              </a:defRPr>
+            </a:lvl2pPr>
+            <a:lvl3pPr marL="1200150" indent="-285750" algn="l" defTabSz="457200" rtl="0" eaLnBrk="1" latinLnBrk="0" hangingPunct="1">
+              <a:spcBef>
+                <a:spcPct val="20000"/>
+              </a:spcBef>
+              <a:spcAft>
+                <a:spcPts val="600"/>
+              </a:spcAft>
+              <a:buClr>
+                <a:schemeClr val="accent1">
+                  <a:lumMod val="75000"/>
+                </a:schemeClr>
+              </a:buClr>
+              <a:buSzPct val="145000"/>
+              <a:buFont typeface="Arial"/>
+              <a:buChar char="•"/>
+              <a:defRPr sz="1800" kern="1200" cap="none">
+                <a:solidFill>
+                  <a:schemeClr val="tx1"/>
+                </a:solidFill>
+                <a:effectLst/>
+                <a:latin typeface="+mn-lt"/>
+                <a:ea typeface="+mn-ea"/>
+                <a:cs typeface="+mn-cs"/>
+              </a:defRPr>
+            </a:lvl3pPr>
+            <a:lvl4pPr marL="1543050" indent="-171450" algn="l" defTabSz="457200" rtl="0" eaLnBrk="1" latinLnBrk="0" hangingPunct="1">
+              <a:spcBef>
+                <a:spcPct val="20000"/>
+              </a:spcBef>
+              <a:spcAft>
+                <a:spcPts val="600"/>
+              </a:spcAft>
+              <a:buClr>
+                <a:schemeClr val="accent1">
+                  <a:lumMod val="75000"/>
+                </a:schemeClr>
+              </a:buClr>
+              <a:buSzPct val="145000"/>
+              <a:buFont typeface="Arial"/>
+              <a:buChar char="•"/>
+              <a:defRPr sz="1600" kern="1200" cap="none">
+                <a:solidFill>
+                  <a:schemeClr val="tx1"/>
+                </a:solidFill>
+                <a:effectLst/>
+                <a:latin typeface="+mn-lt"/>
+                <a:ea typeface="+mn-ea"/>
+                <a:cs typeface="+mn-cs"/>
+              </a:defRPr>
+            </a:lvl4pPr>
+            <a:lvl5pPr marL="2000250" indent="-171450" algn="l" defTabSz="457200" rtl="0" eaLnBrk="1" latinLnBrk="0" hangingPunct="1">
+              <a:spcBef>
+                <a:spcPct val="20000"/>
+              </a:spcBef>
+              <a:spcAft>
+                <a:spcPts val="600"/>
+              </a:spcAft>
+              <a:buClr>
+                <a:schemeClr val="accent1">
+                  <a:lumMod val="75000"/>
+                </a:schemeClr>
+              </a:buClr>
+              <a:buSzPct val="145000"/>
+              <a:buFont typeface="Arial"/>
+              <a:buChar char="•"/>
+              <a:defRPr sz="1400" kern="1200" cap="none">
+                <a:solidFill>
+                  <a:schemeClr val="tx1"/>
+                </a:solidFill>
+                <a:effectLst/>
+                <a:latin typeface="+mn-lt"/>
+                <a:ea typeface="+mn-ea"/>
+                <a:cs typeface="+mn-cs"/>
+              </a:defRPr>
+            </a:lvl5pPr>
+            <a:lvl6pPr marL="2514600" indent="-228600" algn="l" defTabSz="457200" rtl="0" eaLnBrk="1" latinLnBrk="0" hangingPunct="1">
+              <a:spcBef>
+                <a:spcPct val="20000"/>
+              </a:spcBef>
+              <a:spcAft>
+                <a:spcPts val="600"/>
+              </a:spcAft>
+              <a:buClr>
+                <a:schemeClr val="accent1">
+                  <a:lumMod val="75000"/>
+                </a:schemeClr>
+              </a:buClr>
+              <a:buSzPct val="145000"/>
+              <a:buFont typeface="Arial"/>
+              <a:buChar char="•"/>
+              <a:defRPr sz="1400" kern="1200" cap="none">
+                <a:solidFill>
+                  <a:schemeClr val="tx1"/>
+                </a:solidFill>
+                <a:effectLst/>
+                <a:latin typeface="+mn-lt"/>
+                <a:ea typeface="+mn-ea"/>
+                <a:cs typeface="+mn-cs"/>
+              </a:defRPr>
+            </a:lvl6pPr>
+            <a:lvl7pPr marL="2971800" indent="-228600" algn="l" defTabSz="457200" rtl="0" eaLnBrk="1" latinLnBrk="0" hangingPunct="1">
+              <a:spcBef>
+                <a:spcPct val="20000"/>
+              </a:spcBef>
+              <a:spcAft>
+                <a:spcPts val="600"/>
+              </a:spcAft>
+              <a:buClr>
+                <a:schemeClr val="accent1">
+                  <a:lumMod val="75000"/>
+                </a:schemeClr>
+              </a:buClr>
+              <a:buSzPct val="145000"/>
+              <a:buFont typeface="Arial"/>
+              <a:buChar char="•"/>
+              <a:defRPr sz="1400" kern="1200" cap="none">
+                <a:solidFill>
+                  <a:schemeClr val="tx1"/>
+                </a:solidFill>
+                <a:effectLst/>
+                <a:latin typeface="+mn-lt"/>
+                <a:ea typeface="+mn-ea"/>
+                <a:cs typeface="+mn-cs"/>
+              </a:defRPr>
+            </a:lvl7pPr>
+            <a:lvl8pPr marL="3429000" indent="-228600" algn="l" defTabSz="457200" rtl="0" eaLnBrk="1" latinLnBrk="0" hangingPunct="1">
+              <a:spcBef>
+                <a:spcPct val="20000"/>
+              </a:spcBef>
+              <a:spcAft>
+                <a:spcPts val="600"/>
+              </a:spcAft>
+              <a:buClr>
+                <a:schemeClr val="accent1">
+                  <a:lumMod val="75000"/>
+                </a:schemeClr>
+              </a:buClr>
+              <a:buSzPct val="145000"/>
+              <a:buFont typeface="Arial"/>
+              <a:buChar char="•"/>
+              <a:defRPr sz="1400" kern="1200" cap="none">
+                <a:solidFill>
+                  <a:schemeClr val="tx1"/>
+                </a:solidFill>
+                <a:effectLst/>
+                <a:latin typeface="+mn-lt"/>
+                <a:ea typeface="+mn-ea"/>
+                <a:cs typeface="+mn-cs"/>
+              </a:defRPr>
+            </a:lvl8pPr>
+            <a:lvl9pPr marL="3886200" indent="-228600" algn="l" defTabSz="457200" rtl="0" eaLnBrk="1" latinLnBrk="0" hangingPunct="1">
+              <a:spcBef>
+                <a:spcPct val="20000"/>
+              </a:spcBef>
+              <a:spcAft>
+                <a:spcPts val="600"/>
+              </a:spcAft>
+              <a:buClr>
+                <a:schemeClr val="accent1">
+                  <a:lumMod val="75000"/>
+                </a:schemeClr>
+              </a:buClr>
+              <a:buSzPct val="145000"/>
+              <a:buFont typeface="Arial"/>
+              <a:buChar char="•"/>
+              <a:defRPr sz="1400" kern="1200" cap="none">
+                <a:solidFill>
+                  <a:schemeClr val="tx1"/>
+                </a:solidFill>
+                <a:effectLst/>
+                <a:latin typeface="+mn-lt"/>
+                <a:ea typeface="+mn-ea"/>
+                <a:cs typeface="+mn-cs"/>
+              </a:defRPr>
+            </a:lvl9pPr>
+          </a:lstStyle>
+          <a:p>
+            <a:pPr>
+              <a:buSzPct val="100000"/>
+              <a:buFont typeface="Wingdings" panose="05000000000000000000" pitchFamily="2" charset="2"/>
+              <a:buChar char="ü"/>
+            </a:pPr>
+            <a:r>
+              <a:rPr lang="fr-FR" sz="1700" dirty="0" smtClean="0"/>
+              <a:t>Injection de dépendances</a:t>
+            </a:r>
+          </a:p>
+          <a:p>
+            <a:pPr>
+              <a:buSzPct val="100000"/>
+              <a:buFont typeface="Wingdings" panose="05000000000000000000" pitchFamily="2" charset="2"/>
+              <a:buChar char="ü"/>
+            </a:pPr>
+            <a:r>
+              <a:rPr lang="fr-FR" sz="1700" dirty="0" smtClean="0"/>
+              <a:t>Binding</a:t>
+            </a:r>
+          </a:p>
+          <a:p>
+            <a:pPr>
+              <a:buSzPct val="100000"/>
+              <a:buFont typeface="Wingdings" panose="05000000000000000000" pitchFamily="2" charset="2"/>
+              <a:buChar char="ü"/>
+            </a:pPr>
+            <a:r>
+              <a:rPr lang="fr-FR" sz="1700" dirty="0" smtClean="0"/>
+              <a:t>Requêtes Ajax facilitées</a:t>
+            </a:r>
+          </a:p>
+        </p:txBody>
+      </p:sp>
+      <p:cxnSp>
+        <p:nvCxnSpPr>
+          <p:cNvPr id="17" name="Connecteur droit 16"/>
+          <p:cNvCxnSpPr/>
+          <p:nvPr/>
+        </p:nvCxnSpPr>
+        <p:spPr>
+          <a:xfrm flipV="1">
+            <a:off x="1839087" y="4944755"/>
+            <a:ext cx="9465331" cy="22413"/>
+          </a:xfrm>
+          <a:prstGeom prst="line">
+            <a:avLst/>
+          </a:prstGeom>
+          <a:ln w="19050">
+            <a:solidFill>
+              <a:srgbClr val="AD6816"/>
+            </a:solidFill>
+            <a:prstDash val="dash"/>
+          </a:ln>
+        </p:spPr>
+        <p:style>
+          <a:lnRef idx="1">
+            <a:schemeClr val="accent1"/>
+          </a:lnRef>
+          <a:fillRef idx="0">
+            <a:schemeClr val="accent1"/>
+          </a:fillRef>
+          <a:effectRef idx="0">
+            <a:schemeClr val="accent1"/>
+          </a:effectRef>
+          <a:fontRef idx="minor">
+            <a:schemeClr val="tx1"/>
+          </a:fontRef>
+        </p:style>
+      </p:cxnSp>
+      <p:grpSp>
+        <p:nvGrpSpPr>
+          <p:cNvPr id="20" name="Groupe 19"/>
+          <p:cNvGrpSpPr/>
+          <p:nvPr/>
+        </p:nvGrpSpPr>
+        <p:grpSpPr>
+          <a:xfrm>
+            <a:off x="2679106" y="1272306"/>
+            <a:ext cx="2711173" cy="1046198"/>
+            <a:chOff x="3294529" y="1438835"/>
+            <a:chExt cx="6535271" cy="1815353"/>
+          </a:xfrm>
+        </p:grpSpPr>
+        <p:sp>
+          <p:nvSpPr>
+            <p:cNvPr id="21" name="Espace réservé du contenu 2"/>
+            <p:cNvSpPr txBox="1">
+              <a:spLocks/>
+            </p:cNvSpPr>
+            <p:nvPr/>
+          </p:nvSpPr>
+          <p:spPr>
+            <a:xfrm>
+              <a:off x="3648960" y="1697251"/>
+              <a:ext cx="5826407" cy="1298520"/>
+            </a:xfrm>
+            <a:prstGeom prst="rect">
+              <a:avLst/>
+            </a:prstGeom>
+          </p:spPr>
+          <p:txBody>
+            <a:bodyPr vert="horz" lIns="91440" tIns="45720" rIns="91440" bIns="45720" rtlCol="0" anchor="ctr">
+              <a:normAutofit/>
+            </a:bodyPr>
+            <a:lstStyle>
+              <a:lvl1pPr marL="285750" indent="-285750" algn="l" defTabSz="457200" rtl="0" eaLnBrk="1" latinLnBrk="0" hangingPunct="1">
+                <a:spcBef>
+                  <a:spcPct val="20000"/>
+                </a:spcBef>
+                <a:spcAft>
+                  <a:spcPts val="600"/>
+                </a:spcAft>
+                <a:buClr>
+                  <a:schemeClr val="accent1">
+                    <a:lumMod val="75000"/>
+                  </a:schemeClr>
+                </a:buClr>
+                <a:buSzPct val="145000"/>
+                <a:buFont typeface="Arial"/>
+                <a:buChar char="•"/>
+                <a:defRPr sz="2400" kern="1200" cap="none">
+                  <a:solidFill>
+                    <a:schemeClr val="tx1"/>
+                  </a:solidFill>
+                  <a:effectLst/>
+                  <a:latin typeface="+mn-lt"/>
+                  <a:ea typeface="+mn-ea"/>
+                  <a:cs typeface="+mn-cs"/>
+                </a:defRPr>
+              </a:lvl1pPr>
+              <a:lvl2pPr marL="742950" indent="-285750" algn="l" defTabSz="457200" rtl="0" eaLnBrk="1" latinLnBrk="0" hangingPunct="1">
+                <a:spcBef>
+                  <a:spcPct val="20000"/>
+                </a:spcBef>
+                <a:spcAft>
+                  <a:spcPts val="600"/>
+                </a:spcAft>
+                <a:buClr>
+                  <a:schemeClr val="accent1">
+                    <a:lumMod val="75000"/>
+                  </a:schemeClr>
+                </a:buClr>
+                <a:buSzPct val="145000"/>
+                <a:buFont typeface="Arial"/>
+                <a:buChar char="•"/>
+                <a:defRPr sz="2000" kern="1200" cap="none">
+                  <a:solidFill>
+                    <a:schemeClr val="tx1"/>
+                  </a:solidFill>
+                  <a:effectLst/>
+                  <a:latin typeface="+mn-lt"/>
+                  <a:ea typeface="+mn-ea"/>
+                  <a:cs typeface="+mn-cs"/>
+                </a:defRPr>
+              </a:lvl2pPr>
+              <a:lvl3pPr marL="1200150" indent="-285750" algn="l" defTabSz="457200" rtl="0" eaLnBrk="1" latinLnBrk="0" hangingPunct="1">
+                <a:spcBef>
+                  <a:spcPct val="20000"/>
+                </a:spcBef>
+                <a:spcAft>
+                  <a:spcPts val="600"/>
+                </a:spcAft>
+                <a:buClr>
+                  <a:schemeClr val="accent1">
+                    <a:lumMod val="75000"/>
+                  </a:schemeClr>
+                </a:buClr>
+                <a:buSzPct val="145000"/>
+                <a:buFont typeface="Arial"/>
+                <a:buChar char="•"/>
+                <a:defRPr sz="1800" kern="1200" cap="none">
+                  <a:solidFill>
+                    <a:schemeClr val="tx1"/>
+                  </a:solidFill>
+                  <a:effectLst/>
+                  <a:latin typeface="+mn-lt"/>
+                  <a:ea typeface="+mn-ea"/>
+                  <a:cs typeface="+mn-cs"/>
+                </a:defRPr>
+              </a:lvl3pPr>
+              <a:lvl4pPr marL="1543050" indent="-171450" algn="l" defTabSz="457200" rtl="0" eaLnBrk="1" latinLnBrk="0" hangingPunct="1">
+                <a:spcBef>
+                  <a:spcPct val="20000"/>
+                </a:spcBef>
+                <a:spcAft>
+                  <a:spcPts val="600"/>
+                </a:spcAft>
+                <a:buClr>
+                  <a:schemeClr val="accent1">
+                    <a:lumMod val="75000"/>
+                  </a:schemeClr>
+                </a:buClr>
+                <a:buSzPct val="145000"/>
+                <a:buFont typeface="Arial"/>
+                <a:buChar char="•"/>
+                <a:defRPr sz="1600" kern="1200" cap="none">
+                  <a:solidFill>
+                    <a:schemeClr val="tx1"/>
+                  </a:solidFill>
+                  <a:effectLst/>
+                  <a:latin typeface="+mn-lt"/>
+                  <a:ea typeface="+mn-ea"/>
+                  <a:cs typeface="+mn-cs"/>
+                </a:defRPr>
+              </a:lvl4pPr>
+              <a:lvl5pPr marL="2000250" indent="-171450" algn="l" defTabSz="457200" rtl="0" eaLnBrk="1" latinLnBrk="0" hangingPunct="1">
+                <a:spcBef>
+                  <a:spcPct val="20000"/>
+                </a:spcBef>
+                <a:spcAft>
+                  <a:spcPts val="600"/>
+                </a:spcAft>
+                <a:buClr>
+                  <a:schemeClr val="accent1">
+                    <a:lumMod val="75000"/>
+                  </a:schemeClr>
+                </a:buClr>
+                <a:buSzPct val="145000"/>
+                <a:buFont typeface="Arial"/>
+                <a:buChar char="•"/>
+                <a:defRPr sz="1400" kern="1200" cap="none">
+                  <a:solidFill>
+                    <a:schemeClr val="tx1"/>
+                  </a:solidFill>
+                  <a:effectLst/>
+                  <a:latin typeface="+mn-lt"/>
+                  <a:ea typeface="+mn-ea"/>
+                  <a:cs typeface="+mn-cs"/>
+                </a:defRPr>
+              </a:lvl5pPr>
+              <a:lvl6pPr marL="2514600" indent="-228600" algn="l" defTabSz="457200" rtl="0" eaLnBrk="1" latinLnBrk="0" hangingPunct="1">
+                <a:spcBef>
+                  <a:spcPct val="20000"/>
+                </a:spcBef>
+                <a:spcAft>
+                  <a:spcPts val="600"/>
+                </a:spcAft>
+                <a:buClr>
+                  <a:schemeClr val="accent1">
+                    <a:lumMod val="75000"/>
+                  </a:schemeClr>
+                </a:buClr>
+                <a:buSzPct val="145000"/>
+                <a:buFont typeface="Arial"/>
+                <a:buChar char="•"/>
+                <a:defRPr sz="1400" kern="1200" cap="none">
+                  <a:solidFill>
+                    <a:schemeClr val="tx1"/>
+                  </a:solidFill>
+                  <a:effectLst/>
+                  <a:latin typeface="+mn-lt"/>
+                  <a:ea typeface="+mn-ea"/>
+                  <a:cs typeface="+mn-cs"/>
+                </a:defRPr>
+              </a:lvl6pPr>
+              <a:lvl7pPr marL="2971800" indent="-228600" algn="l" defTabSz="457200" rtl="0" eaLnBrk="1" latinLnBrk="0" hangingPunct="1">
+                <a:spcBef>
+                  <a:spcPct val="20000"/>
+                </a:spcBef>
+                <a:spcAft>
+                  <a:spcPts val="600"/>
+                </a:spcAft>
+                <a:buClr>
+                  <a:schemeClr val="accent1">
+                    <a:lumMod val="75000"/>
+                  </a:schemeClr>
+                </a:buClr>
+                <a:buSzPct val="145000"/>
+                <a:buFont typeface="Arial"/>
+                <a:buChar char="•"/>
+                <a:defRPr sz="1400" kern="1200" cap="none">
+                  <a:solidFill>
+                    <a:schemeClr val="tx1"/>
+                  </a:solidFill>
+                  <a:effectLst/>
+                  <a:latin typeface="+mn-lt"/>
+                  <a:ea typeface="+mn-ea"/>
+                  <a:cs typeface="+mn-cs"/>
+                </a:defRPr>
+              </a:lvl7pPr>
+              <a:lvl8pPr marL="3429000" indent="-228600" algn="l" defTabSz="457200" rtl="0" eaLnBrk="1" latinLnBrk="0" hangingPunct="1">
+                <a:spcBef>
+                  <a:spcPct val="20000"/>
+                </a:spcBef>
+                <a:spcAft>
+                  <a:spcPts val="600"/>
+                </a:spcAft>
+                <a:buClr>
+                  <a:schemeClr val="accent1">
+                    <a:lumMod val="75000"/>
+                  </a:schemeClr>
+                </a:buClr>
+                <a:buSzPct val="145000"/>
+                <a:buFont typeface="Arial"/>
+                <a:buChar char="•"/>
+                <a:defRPr sz="1400" kern="1200" cap="none">
+                  <a:solidFill>
+                    <a:schemeClr val="tx1"/>
+                  </a:solidFill>
+                  <a:effectLst/>
+                  <a:latin typeface="+mn-lt"/>
+                  <a:ea typeface="+mn-ea"/>
+                  <a:cs typeface="+mn-cs"/>
+                </a:defRPr>
+              </a:lvl8pPr>
+              <a:lvl9pPr marL="3886200" indent="-228600" algn="l" defTabSz="457200" rtl="0" eaLnBrk="1" latinLnBrk="0" hangingPunct="1">
+                <a:spcBef>
+                  <a:spcPct val="20000"/>
+                </a:spcBef>
+                <a:spcAft>
+                  <a:spcPts val="600"/>
+                </a:spcAft>
+                <a:buClr>
+                  <a:schemeClr val="accent1">
+                    <a:lumMod val="75000"/>
+                  </a:schemeClr>
+                </a:buClr>
+                <a:buSzPct val="145000"/>
+                <a:buFont typeface="Arial"/>
+                <a:buChar char="•"/>
+                <a:defRPr sz="1400" kern="1200" cap="none">
+                  <a:solidFill>
+                    <a:schemeClr val="tx1"/>
+                  </a:solidFill>
+                  <a:effectLst/>
+                  <a:latin typeface="+mn-lt"/>
+                  <a:ea typeface="+mn-ea"/>
+                  <a:cs typeface="+mn-cs"/>
+                </a:defRPr>
+              </a:lvl9pPr>
+            </a:lstStyle>
+            <a:p>
+              <a:pPr marL="0" indent="0" algn="ctr">
+                <a:buFont typeface="Arial"/>
+                <a:buNone/>
+              </a:pPr>
+              <a:r>
+                <a:rPr lang="fr-FR" sz="2800" dirty="0" err="1" smtClean="0"/>
+                <a:t>Spring</a:t>
+              </a:r>
+              <a:r>
+                <a:rPr lang="fr-FR" sz="2800" dirty="0" smtClean="0"/>
+                <a:t> Boot</a:t>
+              </a:r>
+              <a:endParaRPr lang="fr-FR" sz="2800" dirty="0"/>
+            </a:p>
+          </p:txBody>
+        </p:sp>
+        <p:sp>
+          <p:nvSpPr>
+            <p:cNvPr id="22" name="Rectangle 21"/>
+            <p:cNvSpPr/>
+            <p:nvPr/>
+          </p:nvSpPr>
+          <p:spPr>
+            <a:xfrm>
+              <a:off x="3294529" y="1438835"/>
+              <a:ext cx="6535271" cy="1815353"/>
+            </a:xfrm>
+            <a:prstGeom prst="rect">
+              <a:avLst/>
+            </a:prstGeom>
+            <a:noFill/>
+            <a:ln w="28575"/>
+          </p:spPr>
+          <p:style>
+            <a:lnRef idx="2">
+              <a:schemeClr val="accent1">
+                <a:shade val="50000"/>
+              </a:schemeClr>
+            </a:lnRef>
+            <a:fillRef idx="1">
+              <a:schemeClr val="accent1"/>
+            </a:fillRef>
+            <a:effectRef idx="0">
+              <a:schemeClr val="accent1"/>
+            </a:effectRef>
+            <a:fontRef idx="minor">
+              <a:schemeClr val="lt1"/>
+            </a:fontRef>
+          </p:style>
+          <p:txBody>
+            <a:bodyPr rtlCol="0" anchor="ctr"/>
+            <a:lstStyle/>
+            <a:p>
+              <a:pPr algn="ctr"/>
+              <a:endParaRPr lang="fr-FR"/>
+            </a:p>
+          </p:txBody>
+        </p:sp>
+      </p:grpSp>
+      <p:sp>
+        <p:nvSpPr>
+          <p:cNvPr id="23" name="Espace réservé du contenu 2"/>
+          <p:cNvSpPr txBox="1">
+            <a:spLocks/>
+          </p:cNvSpPr>
+          <p:nvPr/>
+        </p:nvSpPr>
+        <p:spPr>
+          <a:xfrm>
+            <a:off x="1871583" y="5209189"/>
+            <a:ext cx="3717970" cy="744610"/>
+          </a:xfrm>
+          <a:prstGeom prst="rect">
+            <a:avLst/>
+          </a:prstGeom>
+        </p:spPr>
+        <p:txBody>
+          <a:bodyPr vert="horz" lIns="91440" tIns="45720" rIns="91440" bIns="45720" rtlCol="0" anchor="t">
+            <a:normAutofit/>
+          </a:bodyPr>
+          <a:lstStyle>
+            <a:lvl1pPr marL="285750" indent="-285750" algn="l" defTabSz="457200" rtl="0" eaLnBrk="1" latinLnBrk="0" hangingPunct="1">
+              <a:spcBef>
+                <a:spcPct val="20000"/>
+              </a:spcBef>
+              <a:spcAft>
+                <a:spcPts val="600"/>
+              </a:spcAft>
+              <a:buClr>
+                <a:schemeClr val="accent1">
+                  <a:lumMod val="75000"/>
+                </a:schemeClr>
+              </a:buClr>
+              <a:buSzPct val="145000"/>
+              <a:buFont typeface="Arial"/>
+              <a:buChar char="•"/>
+              <a:defRPr sz="2400" kern="1200" cap="none">
+                <a:solidFill>
+                  <a:schemeClr val="tx1"/>
+                </a:solidFill>
+                <a:effectLst/>
+                <a:latin typeface="+mn-lt"/>
+                <a:ea typeface="+mn-ea"/>
+                <a:cs typeface="+mn-cs"/>
+              </a:defRPr>
+            </a:lvl1pPr>
+            <a:lvl2pPr marL="742950" indent="-285750" algn="l" defTabSz="457200" rtl="0" eaLnBrk="1" latinLnBrk="0" hangingPunct="1">
+              <a:spcBef>
+                <a:spcPct val="20000"/>
+              </a:spcBef>
+              <a:spcAft>
+                <a:spcPts val="600"/>
+              </a:spcAft>
+              <a:buClr>
+                <a:schemeClr val="accent1">
+                  <a:lumMod val="75000"/>
+                </a:schemeClr>
+              </a:buClr>
+              <a:buSzPct val="145000"/>
+              <a:buFont typeface="Arial"/>
+              <a:buChar char="•"/>
+              <a:defRPr sz="2000" kern="1200" cap="none">
+                <a:solidFill>
+                  <a:schemeClr val="tx1"/>
+                </a:solidFill>
+                <a:effectLst/>
+                <a:latin typeface="+mn-lt"/>
+                <a:ea typeface="+mn-ea"/>
+                <a:cs typeface="+mn-cs"/>
+              </a:defRPr>
+            </a:lvl2pPr>
+            <a:lvl3pPr marL="1200150" indent="-285750" algn="l" defTabSz="457200" rtl="0" eaLnBrk="1" latinLnBrk="0" hangingPunct="1">
+              <a:spcBef>
+                <a:spcPct val="20000"/>
+              </a:spcBef>
+              <a:spcAft>
+                <a:spcPts val="600"/>
+              </a:spcAft>
+              <a:buClr>
+                <a:schemeClr val="accent1">
+                  <a:lumMod val="75000"/>
+                </a:schemeClr>
+              </a:buClr>
+              <a:buSzPct val="145000"/>
+              <a:buFont typeface="Arial"/>
+              <a:buChar char="•"/>
+              <a:defRPr sz="1800" kern="1200" cap="none">
+                <a:solidFill>
+                  <a:schemeClr val="tx1"/>
+                </a:solidFill>
+                <a:effectLst/>
+                <a:latin typeface="+mn-lt"/>
+                <a:ea typeface="+mn-ea"/>
+                <a:cs typeface="+mn-cs"/>
+              </a:defRPr>
+            </a:lvl3pPr>
+            <a:lvl4pPr marL="1543050" indent="-171450" algn="l" defTabSz="457200" rtl="0" eaLnBrk="1" latinLnBrk="0" hangingPunct="1">
+              <a:spcBef>
+                <a:spcPct val="20000"/>
+              </a:spcBef>
+              <a:spcAft>
+                <a:spcPts val="600"/>
+              </a:spcAft>
+              <a:buClr>
+                <a:schemeClr val="accent1">
+                  <a:lumMod val="75000"/>
+                </a:schemeClr>
+              </a:buClr>
+              <a:buSzPct val="145000"/>
+              <a:buFont typeface="Arial"/>
+              <a:buChar char="•"/>
+              <a:defRPr sz="1600" kern="1200" cap="none">
+                <a:solidFill>
+                  <a:schemeClr val="tx1"/>
+                </a:solidFill>
+                <a:effectLst/>
+                <a:latin typeface="+mn-lt"/>
+                <a:ea typeface="+mn-ea"/>
+                <a:cs typeface="+mn-cs"/>
+              </a:defRPr>
+            </a:lvl4pPr>
+            <a:lvl5pPr marL="2000250" indent="-171450" algn="l" defTabSz="457200" rtl="0" eaLnBrk="1" latinLnBrk="0" hangingPunct="1">
+              <a:spcBef>
+                <a:spcPct val="20000"/>
+              </a:spcBef>
+              <a:spcAft>
+                <a:spcPts val="600"/>
+              </a:spcAft>
+              <a:buClr>
+                <a:schemeClr val="accent1">
+                  <a:lumMod val="75000"/>
+                </a:schemeClr>
+              </a:buClr>
+              <a:buSzPct val="145000"/>
+              <a:buFont typeface="Arial"/>
+              <a:buChar char="•"/>
+              <a:defRPr sz="1400" kern="1200" cap="none">
+                <a:solidFill>
+                  <a:schemeClr val="tx1"/>
+                </a:solidFill>
+                <a:effectLst/>
+                <a:latin typeface="+mn-lt"/>
+                <a:ea typeface="+mn-ea"/>
+                <a:cs typeface="+mn-cs"/>
+              </a:defRPr>
+            </a:lvl5pPr>
+            <a:lvl6pPr marL="2514600" indent="-228600" algn="l" defTabSz="457200" rtl="0" eaLnBrk="1" latinLnBrk="0" hangingPunct="1">
+              <a:spcBef>
+                <a:spcPct val="20000"/>
+              </a:spcBef>
+              <a:spcAft>
+                <a:spcPts val="600"/>
+              </a:spcAft>
+              <a:buClr>
+                <a:schemeClr val="accent1">
+                  <a:lumMod val="75000"/>
+                </a:schemeClr>
+              </a:buClr>
+              <a:buSzPct val="145000"/>
+              <a:buFont typeface="Arial"/>
+              <a:buChar char="•"/>
+              <a:defRPr sz="1400" kern="1200" cap="none">
+                <a:solidFill>
+                  <a:schemeClr val="tx1"/>
+                </a:solidFill>
+                <a:effectLst/>
+                <a:latin typeface="+mn-lt"/>
+                <a:ea typeface="+mn-ea"/>
+                <a:cs typeface="+mn-cs"/>
+              </a:defRPr>
+            </a:lvl6pPr>
+            <a:lvl7pPr marL="2971800" indent="-228600" algn="l" defTabSz="457200" rtl="0" eaLnBrk="1" latinLnBrk="0" hangingPunct="1">
+              <a:spcBef>
+                <a:spcPct val="20000"/>
+              </a:spcBef>
+              <a:spcAft>
+                <a:spcPts val="600"/>
+              </a:spcAft>
+              <a:buClr>
+                <a:schemeClr val="accent1">
+                  <a:lumMod val="75000"/>
+                </a:schemeClr>
+              </a:buClr>
+              <a:buSzPct val="145000"/>
+              <a:buFont typeface="Arial"/>
+              <a:buChar char="•"/>
+              <a:defRPr sz="1400" kern="1200" cap="none">
+                <a:solidFill>
+                  <a:schemeClr val="tx1"/>
+                </a:solidFill>
+                <a:effectLst/>
+                <a:latin typeface="+mn-lt"/>
+                <a:ea typeface="+mn-ea"/>
+                <a:cs typeface="+mn-cs"/>
+              </a:defRPr>
+            </a:lvl7pPr>
+            <a:lvl8pPr marL="3429000" indent="-228600" algn="l" defTabSz="457200" rtl="0" eaLnBrk="1" latinLnBrk="0" hangingPunct="1">
+              <a:spcBef>
+                <a:spcPct val="20000"/>
+              </a:spcBef>
+              <a:spcAft>
+                <a:spcPts val="600"/>
+              </a:spcAft>
+              <a:buClr>
+                <a:schemeClr val="accent1">
+                  <a:lumMod val="75000"/>
+                </a:schemeClr>
+              </a:buClr>
+              <a:buSzPct val="145000"/>
+              <a:buFont typeface="Arial"/>
+              <a:buChar char="•"/>
+              <a:defRPr sz="1400" kern="1200" cap="none">
+                <a:solidFill>
+                  <a:schemeClr val="tx1"/>
+                </a:solidFill>
+                <a:effectLst/>
+                <a:latin typeface="+mn-lt"/>
+                <a:ea typeface="+mn-ea"/>
+                <a:cs typeface="+mn-cs"/>
+              </a:defRPr>
+            </a:lvl8pPr>
+            <a:lvl9pPr marL="3886200" indent="-228600" algn="l" defTabSz="457200" rtl="0" eaLnBrk="1" latinLnBrk="0" hangingPunct="1">
+              <a:spcBef>
+                <a:spcPct val="20000"/>
+              </a:spcBef>
+              <a:spcAft>
+                <a:spcPts val="600"/>
+              </a:spcAft>
+              <a:buClr>
+                <a:schemeClr val="accent1">
+                  <a:lumMod val="75000"/>
+                </a:schemeClr>
+              </a:buClr>
+              <a:buSzPct val="145000"/>
+              <a:buFont typeface="Arial"/>
+              <a:buChar char="•"/>
+              <a:defRPr sz="1400" kern="1200" cap="none">
+                <a:solidFill>
+                  <a:schemeClr val="tx1"/>
+                </a:solidFill>
+                <a:effectLst/>
+                <a:latin typeface="+mn-lt"/>
+                <a:ea typeface="+mn-ea"/>
+                <a:cs typeface="+mn-cs"/>
+              </a:defRPr>
+            </a:lvl9pPr>
+          </a:lstStyle>
+          <a:p>
+            <a:pPr>
+              <a:buSzPct val="100000"/>
+              <a:buFont typeface="Wingdings" panose="05000000000000000000" pitchFamily="2" charset="2"/>
+              <a:buChar char="ü"/>
+            </a:pPr>
+            <a:r>
+              <a:rPr lang="fr-FR" sz="1700" dirty="0" smtClean="0"/>
+              <a:t>Autorisation des ressources par authentification</a:t>
+            </a:r>
+          </a:p>
+        </p:txBody>
+      </p:sp>
+      <p:sp>
+        <p:nvSpPr>
+          <p:cNvPr id="24" name="Espace réservé du contenu 2"/>
+          <p:cNvSpPr txBox="1">
+            <a:spLocks/>
+          </p:cNvSpPr>
+          <p:nvPr/>
+        </p:nvSpPr>
+        <p:spPr>
+          <a:xfrm>
+            <a:off x="7402337" y="5209189"/>
+            <a:ext cx="4104580" cy="1309386"/>
+          </a:xfrm>
+          <a:prstGeom prst="rect">
+            <a:avLst/>
+          </a:prstGeom>
+        </p:spPr>
+        <p:txBody>
+          <a:bodyPr vert="horz" lIns="91440" tIns="45720" rIns="91440" bIns="45720" rtlCol="0" anchor="t">
+            <a:normAutofit/>
+          </a:bodyPr>
+          <a:lstStyle>
+            <a:lvl1pPr marL="285750" indent="-285750" algn="l" defTabSz="457200" rtl="0" eaLnBrk="1" latinLnBrk="0" hangingPunct="1">
+              <a:spcBef>
+                <a:spcPct val="20000"/>
+              </a:spcBef>
+              <a:spcAft>
+                <a:spcPts val="600"/>
+              </a:spcAft>
+              <a:buClr>
+                <a:schemeClr val="accent1">
+                  <a:lumMod val="75000"/>
+                </a:schemeClr>
+              </a:buClr>
+              <a:buSzPct val="145000"/>
+              <a:buFont typeface="Arial"/>
+              <a:buChar char="•"/>
+              <a:defRPr sz="2400" kern="1200" cap="none">
+                <a:solidFill>
+                  <a:schemeClr val="tx1"/>
+                </a:solidFill>
+                <a:effectLst/>
+                <a:latin typeface="+mn-lt"/>
+                <a:ea typeface="+mn-ea"/>
+                <a:cs typeface="+mn-cs"/>
+              </a:defRPr>
+            </a:lvl1pPr>
+            <a:lvl2pPr marL="742950" indent="-285750" algn="l" defTabSz="457200" rtl="0" eaLnBrk="1" latinLnBrk="0" hangingPunct="1">
+              <a:spcBef>
+                <a:spcPct val="20000"/>
+              </a:spcBef>
+              <a:spcAft>
+                <a:spcPts val="600"/>
+              </a:spcAft>
+              <a:buClr>
+                <a:schemeClr val="accent1">
+                  <a:lumMod val="75000"/>
+                </a:schemeClr>
+              </a:buClr>
+              <a:buSzPct val="145000"/>
+              <a:buFont typeface="Arial"/>
+              <a:buChar char="•"/>
+              <a:defRPr sz="2000" kern="1200" cap="none">
+                <a:solidFill>
+                  <a:schemeClr val="tx1"/>
+                </a:solidFill>
+                <a:effectLst/>
+                <a:latin typeface="+mn-lt"/>
+                <a:ea typeface="+mn-ea"/>
+                <a:cs typeface="+mn-cs"/>
+              </a:defRPr>
+            </a:lvl2pPr>
+            <a:lvl3pPr marL="1200150" indent="-285750" algn="l" defTabSz="457200" rtl="0" eaLnBrk="1" latinLnBrk="0" hangingPunct="1">
+              <a:spcBef>
+                <a:spcPct val="20000"/>
+              </a:spcBef>
+              <a:spcAft>
+                <a:spcPts val="600"/>
+              </a:spcAft>
+              <a:buClr>
+                <a:schemeClr val="accent1">
+                  <a:lumMod val="75000"/>
+                </a:schemeClr>
+              </a:buClr>
+              <a:buSzPct val="145000"/>
+              <a:buFont typeface="Arial"/>
+              <a:buChar char="•"/>
+              <a:defRPr sz="1800" kern="1200" cap="none">
+                <a:solidFill>
+                  <a:schemeClr val="tx1"/>
+                </a:solidFill>
+                <a:effectLst/>
+                <a:latin typeface="+mn-lt"/>
+                <a:ea typeface="+mn-ea"/>
+                <a:cs typeface="+mn-cs"/>
+              </a:defRPr>
+            </a:lvl3pPr>
+            <a:lvl4pPr marL="1543050" indent="-171450" algn="l" defTabSz="457200" rtl="0" eaLnBrk="1" latinLnBrk="0" hangingPunct="1">
+              <a:spcBef>
+                <a:spcPct val="20000"/>
+              </a:spcBef>
+              <a:spcAft>
+                <a:spcPts val="600"/>
+              </a:spcAft>
+              <a:buClr>
+                <a:schemeClr val="accent1">
+                  <a:lumMod val="75000"/>
+                </a:schemeClr>
+              </a:buClr>
+              <a:buSzPct val="145000"/>
+              <a:buFont typeface="Arial"/>
+              <a:buChar char="•"/>
+              <a:defRPr sz="1600" kern="1200" cap="none">
+                <a:solidFill>
+                  <a:schemeClr val="tx1"/>
+                </a:solidFill>
+                <a:effectLst/>
+                <a:latin typeface="+mn-lt"/>
+                <a:ea typeface="+mn-ea"/>
+                <a:cs typeface="+mn-cs"/>
+              </a:defRPr>
+            </a:lvl4pPr>
+            <a:lvl5pPr marL="2000250" indent="-171450" algn="l" defTabSz="457200" rtl="0" eaLnBrk="1" latinLnBrk="0" hangingPunct="1">
+              <a:spcBef>
+                <a:spcPct val="20000"/>
+              </a:spcBef>
+              <a:spcAft>
+                <a:spcPts val="600"/>
+              </a:spcAft>
+              <a:buClr>
+                <a:schemeClr val="accent1">
+                  <a:lumMod val="75000"/>
+                </a:schemeClr>
+              </a:buClr>
+              <a:buSzPct val="145000"/>
+              <a:buFont typeface="Arial"/>
+              <a:buChar char="•"/>
+              <a:defRPr sz="1400" kern="1200" cap="none">
+                <a:solidFill>
+                  <a:schemeClr val="tx1"/>
+                </a:solidFill>
+                <a:effectLst/>
+                <a:latin typeface="+mn-lt"/>
+                <a:ea typeface="+mn-ea"/>
+                <a:cs typeface="+mn-cs"/>
+              </a:defRPr>
+            </a:lvl5pPr>
+            <a:lvl6pPr marL="2514600" indent="-228600" algn="l" defTabSz="457200" rtl="0" eaLnBrk="1" latinLnBrk="0" hangingPunct="1">
+              <a:spcBef>
+                <a:spcPct val="20000"/>
+              </a:spcBef>
+              <a:spcAft>
+                <a:spcPts val="600"/>
+              </a:spcAft>
+              <a:buClr>
+                <a:schemeClr val="accent1">
+                  <a:lumMod val="75000"/>
+                </a:schemeClr>
+              </a:buClr>
+              <a:buSzPct val="145000"/>
+              <a:buFont typeface="Arial"/>
+              <a:buChar char="•"/>
+              <a:defRPr sz="1400" kern="1200" cap="none">
+                <a:solidFill>
+                  <a:schemeClr val="tx1"/>
+                </a:solidFill>
+                <a:effectLst/>
+                <a:latin typeface="+mn-lt"/>
+                <a:ea typeface="+mn-ea"/>
+                <a:cs typeface="+mn-cs"/>
+              </a:defRPr>
+            </a:lvl6pPr>
+            <a:lvl7pPr marL="2971800" indent="-228600" algn="l" defTabSz="457200" rtl="0" eaLnBrk="1" latinLnBrk="0" hangingPunct="1">
+              <a:spcBef>
+                <a:spcPct val="20000"/>
+              </a:spcBef>
+              <a:spcAft>
+                <a:spcPts val="600"/>
+              </a:spcAft>
+              <a:buClr>
+                <a:schemeClr val="accent1">
+                  <a:lumMod val="75000"/>
+                </a:schemeClr>
+              </a:buClr>
+              <a:buSzPct val="145000"/>
+              <a:buFont typeface="Arial"/>
+              <a:buChar char="•"/>
+              <a:defRPr sz="1400" kern="1200" cap="none">
+                <a:solidFill>
+                  <a:schemeClr val="tx1"/>
+                </a:solidFill>
+                <a:effectLst/>
+                <a:latin typeface="+mn-lt"/>
+                <a:ea typeface="+mn-ea"/>
+                <a:cs typeface="+mn-cs"/>
+              </a:defRPr>
+            </a:lvl7pPr>
+            <a:lvl8pPr marL="3429000" indent="-228600" algn="l" defTabSz="457200" rtl="0" eaLnBrk="1" latinLnBrk="0" hangingPunct="1">
+              <a:spcBef>
+                <a:spcPct val="20000"/>
+              </a:spcBef>
+              <a:spcAft>
+                <a:spcPts val="600"/>
+              </a:spcAft>
+              <a:buClr>
+                <a:schemeClr val="accent1">
+                  <a:lumMod val="75000"/>
+                </a:schemeClr>
+              </a:buClr>
+              <a:buSzPct val="145000"/>
+              <a:buFont typeface="Arial"/>
+              <a:buChar char="•"/>
+              <a:defRPr sz="1400" kern="1200" cap="none">
+                <a:solidFill>
+                  <a:schemeClr val="tx1"/>
+                </a:solidFill>
+                <a:effectLst/>
+                <a:latin typeface="+mn-lt"/>
+                <a:ea typeface="+mn-ea"/>
+                <a:cs typeface="+mn-cs"/>
+              </a:defRPr>
+            </a:lvl8pPr>
+            <a:lvl9pPr marL="3886200" indent="-228600" algn="l" defTabSz="457200" rtl="0" eaLnBrk="1" latinLnBrk="0" hangingPunct="1">
+              <a:spcBef>
+                <a:spcPct val="20000"/>
+              </a:spcBef>
+              <a:spcAft>
+                <a:spcPts val="600"/>
+              </a:spcAft>
+              <a:buClr>
+                <a:schemeClr val="accent1">
+                  <a:lumMod val="75000"/>
+                </a:schemeClr>
+              </a:buClr>
+              <a:buSzPct val="145000"/>
+              <a:buFont typeface="Arial"/>
+              <a:buChar char="•"/>
+              <a:defRPr sz="1400" kern="1200" cap="none">
+                <a:solidFill>
+                  <a:schemeClr val="tx1"/>
+                </a:solidFill>
+                <a:effectLst/>
+                <a:latin typeface="+mn-lt"/>
+                <a:ea typeface="+mn-ea"/>
+                <a:cs typeface="+mn-cs"/>
+              </a:defRPr>
+            </a:lvl9pPr>
+          </a:lstStyle>
+          <a:p>
+            <a:pPr>
+              <a:buSzPct val="100000"/>
+              <a:buFont typeface="Wingdings" panose="05000000000000000000" pitchFamily="2" charset="2"/>
+              <a:buChar char="ü"/>
+            </a:pPr>
+            <a:r>
+              <a:rPr lang="fr-FR" sz="1700" dirty="0" smtClean="0"/>
+              <a:t>Récupération </a:t>
+            </a:r>
+            <a:r>
+              <a:rPr lang="fr-FR" sz="1700" dirty="0"/>
+              <a:t>et envoi des informations </a:t>
+            </a:r>
+            <a:r>
+              <a:rPr lang="fr-FR" sz="1700" dirty="0" smtClean="0"/>
+              <a:t>d’authentification</a:t>
+            </a:r>
+          </a:p>
+          <a:p>
+            <a:pPr>
+              <a:buSzPct val="100000"/>
+              <a:buFont typeface="Wingdings" panose="05000000000000000000" pitchFamily="2" charset="2"/>
+              <a:buChar char="ü"/>
+            </a:pPr>
+            <a:r>
+              <a:rPr lang="fr-FR" sz="1700" dirty="0"/>
+              <a:t>interdiction de certaines vues </a:t>
+            </a:r>
+            <a:r>
+              <a:rPr lang="fr-FR" sz="1700" dirty="0" smtClean="0"/>
+              <a:t>grâce </a:t>
+            </a:r>
+            <a:r>
+              <a:rPr lang="fr-FR" sz="1700" dirty="0"/>
+              <a:t>au </a:t>
+            </a:r>
+            <a:r>
+              <a:rPr lang="fr-FR" sz="1700" dirty="0" err="1" smtClean="0"/>
+              <a:t>Guard</a:t>
+            </a:r>
+            <a:endParaRPr lang="fr-FR" sz="1700" dirty="0" smtClean="0"/>
           </a:p>
         </p:txBody>
       </p:sp>
     </p:spTree>
     <p:extLst>
       <p:ext uri="{BB962C8B-B14F-4D97-AF65-F5344CB8AC3E}">
-        <p14:creationId xmlns:p14="http://schemas.microsoft.com/office/powerpoint/2010/main" val="1176809794"/>
+        <p14:creationId xmlns:p14="http://schemas.microsoft.com/office/powerpoint/2010/main" val="2370460669"/>
       </p:ext>
     </p:extLst>
   </p:cSld>
@@ -9613,7 +12344,7 @@
           <a:p>
             <a:r>
               <a:rPr lang="fr-FR" dirty="0" smtClean="0"/>
-              <a:t>Démonstration</a:t>
+              <a:t>Qui c’est qu’a fait quoi ?</a:t>
             </a:r>
             <a:endParaRPr lang="fr-FR" dirty="0"/>
           </a:p>
@@ -9631,106 +12362,21 @@
         </p:nvSpPr>
         <p:spPr/>
         <p:txBody>
-          <a:bodyPr anchor="t"/>
+          <a:bodyPr/>
           <a:lstStyle/>
           <a:p>
             <a:r>
               <a:rPr lang="fr-FR" dirty="0" smtClean="0"/>
-              <a:t>Ordre :</a:t>
-            </a:r>
-          </a:p>
-          <a:p>
-            <a:pPr lvl="1"/>
-            <a:r>
-              <a:rPr lang="fr-FR" dirty="0" smtClean="0"/>
-              <a:t>Cas 1 : je suis admin</a:t>
-            </a:r>
-          </a:p>
-          <a:p>
-            <a:pPr lvl="2"/>
-            <a:r>
-              <a:rPr lang="fr-FR" dirty="0" smtClean="0"/>
-              <a:t>Accueil : connexion</a:t>
-            </a:r>
-          </a:p>
-          <a:p>
-            <a:pPr lvl="2"/>
-            <a:r>
-              <a:rPr lang="fr-FR" dirty="0" smtClean="0"/>
-              <a:t>Membre : para : ajouter, modifier, supprimer </a:t>
-            </a:r>
-          </a:p>
-          <a:p>
-            <a:pPr marL="914400" lvl="2" indent="0">
-              <a:buNone/>
-            </a:pPr>
-            <a:r>
-              <a:rPr lang="fr-FR" dirty="0" smtClean="0"/>
-              <a:t>			</a:t>
-            </a:r>
-            <a:r>
-              <a:rPr lang="fr-FR" dirty="0"/>
-              <a:t>pilote : ajouter pilote et ses </a:t>
-            </a:r>
-            <a:r>
-              <a:rPr lang="fr-FR" dirty="0" smtClean="0"/>
-              <a:t>avions</a:t>
+              <a:t>Pas besoin de diapo pour ça je pense</a:t>
             </a:r>
             <a:endParaRPr lang="fr-FR" dirty="0"/>
-          </a:p>
-          <a:p>
-            <a:pPr lvl="2"/>
-            <a:r>
-              <a:rPr lang="fr-FR" dirty="0" smtClean="0"/>
-              <a:t>Matériel : éditer un parachute (-&gt; dispo) / ajouter un avion puis l’ajouter à un pilote</a:t>
-            </a:r>
-          </a:p>
-          <a:p>
-            <a:pPr lvl="1"/>
-            <a:r>
-              <a:rPr lang="fr-FR" dirty="0" smtClean="0"/>
-              <a:t>Cas 2 : un para veut sauter et s’enregistre pour un saut…</a:t>
-            </a:r>
-          </a:p>
-          <a:p>
-            <a:pPr lvl="2"/>
-            <a:r>
-              <a:rPr lang="fr-FR" dirty="0" smtClean="0"/>
-              <a:t>Accueil -&gt; Portail -&gt; consulter… et s’enregistrer</a:t>
-            </a:r>
-          </a:p>
-          <a:p>
-            <a:pPr lvl="2"/>
-            <a:r>
-              <a:rPr lang="fr-FR" dirty="0" smtClean="0"/>
-              <a:t>Le secrétaire : Accueil -&gt; connexion -&gt; Vol : prépare le vol, puis le </a:t>
-            </a:r>
-            <a:r>
-              <a:rPr lang="fr-FR" dirty="0" err="1" smtClean="0"/>
-              <a:t>cloture</a:t>
-            </a:r>
-            <a:endParaRPr lang="fr-FR" dirty="0" smtClean="0"/>
-          </a:p>
-          <a:p>
-            <a:pPr lvl="2"/>
-            <a:r>
-              <a:rPr lang="fr-FR" dirty="0" smtClean="0"/>
-              <a:t>L’admin : va consulter l’historique</a:t>
-            </a:r>
-          </a:p>
-          <a:p>
-            <a:pPr lvl="2"/>
-            <a:r>
-              <a:rPr lang="fr-FR" dirty="0" smtClean="0"/>
-              <a:t>Le para : va uploader sa vidéo… et paye sa bière !</a:t>
-            </a:r>
           </a:p>
         </p:txBody>
       </p:sp>
     </p:spTree>
     <p:extLst>
       <p:ext uri="{BB962C8B-B14F-4D97-AF65-F5344CB8AC3E}">
-        <p14:creationId xmlns:p14="http://schemas.microsoft.com/office/powerpoint/2010/main" val="4029782382"/>
+        <p14:creationId xmlns:p14="http://schemas.microsoft.com/office/powerpoint/2010/main" val="1176809794"/>
       </p:ext>
     </p:extLst>
   </p:cSld>
@@ -9774,7 +12420,7 @@
           <a:p>
             <a:r>
               <a:rPr lang="fr-FR" dirty="0" smtClean="0"/>
-              <a:t>Conclusion</a:t>
+              <a:t>Démonstration</a:t>
             </a:r>
             <a:endParaRPr lang="fr-FR" dirty="0"/>
           </a:p>
@@ -9792,39 +12438,204 @@
         </p:nvSpPr>
         <p:spPr/>
         <p:txBody>
-          <a:bodyPr/>
+          <a:bodyPr anchor="t">
+            <a:normAutofit fontScale="92500" lnSpcReduction="10000"/>
+          </a:bodyPr>
           <a:lstStyle/>
           <a:p>
             <a:r>
-              <a:rPr lang="fr-FR" dirty="0"/>
-              <a:t>Proposition </a:t>
-            </a:r>
-            <a:r>
-              <a:rPr lang="fr-FR" dirty="0" smtClean="0"/>
-              <a:t>d’améliorations :</a:t>
+              <a:rPr lang="fr-FR" dirty="0" smtClean="0">
+                <a:solidFill>
+                  <a:srgbClr val="FF0000"/>
+                </a:solidFill>
+              </a:rPr>
+              <a:t>Ordre :</a:t>
             </a:r>
           </a:p>
           <a:p>
             <a:pPr lvl="1"/>
             <a:r>
-              <a:rPr lang="fr-FR" dirty="0" smtClean="0"/>
-              <a:t>Grille tarifaire</a:t>
+              <a:rPr lang="fr-FR" dirty="0" smtClean="0">
+                <a:solidFill>
+                  <a:srgbClr val="FF0000"/>
+                </a:solidFill>
+              </a:rPr>
+              <a:t>Cas 1 : je suis admin</a:t>
+            </a:r>
+          </a:p>
+          <a:p>
+            <a:pPr lvl="2"/>
+            <a:r>
+              <a:rPr lang="fr-FR" dirty="0" smtClean="0">
+                <a:solidFill>
+                  <a:srgbClr val="FF0000"/>
+                </a:solidFill>
+              </a:rPr>
+              <a:t>Accueil : connexion</a:t>
+            </a:r>
+          </a:p>
+          <a:p>
+            <a:pPr lvl="2"/>
+            <a:r>
+              <a:rPr lang="fr-FR" dirty="0" smtClean="0">
+                <a:solidFill>
+                  <a:srgbClr val="FF0000"/>
+                </a:solidFill>
+              </a:rPr>
+              <a:t>Membre : para : ajouter, modifier, supprimer </a:t>
+            </a:r>
+          </a:p>
+          <a:p>
+            <a:pPr marL="914400" lvl="2" indent="0">
+              <a:buNone/>
+            </a:pPr>
+            <a:r>
+              <a:rPr lang="fr-FR" dirty="0" smtClean="0">
+                <a:solidFill>
+                  <a:srgbClr val="FF0000"/>
+                </a:solidFill>
+              </a:rPr>
+              <a:t>			</a:t>
+            </a:r>
+            <a:r>
+              <a:rPr lang="fr-FR" dirty="0">
+                <a:solidFill>
+                  <a:srgbClr val="FF0000"/>
+                </a:solidFill>
+              </a:rPr>
+              <a:t>pilote : ajouter pilote et ses </a:t>
+            </a:r>
+            <a:r>
+              <a:rPr lang="fr-FR" dirty="0" smtClean="0">
+                <a:solidFill>
+                  <a:srgbClr val="FF0000"/>
+                </a:solidFill>
+              </a:rPr>
+              <a:t>avions</a:t>
+            </a:r>
+            <a:endParaRPr lang="fr-FR" dirty="0">
+              <a:solidFill>
+                <a:srgbClr val="FF0000"/>
+              </a:solidFill>
+            </a:endParaRPr>
+          </a:p>
+          <a:p>
+            <a:pPr lvl="2"/>
+            <a:r>
+              <a:rPr lang="fr-FR" dirty="0" smtClean="0">
+                <a:solidFill>
+                  <a:srgbClr val="FF0000"/>
+                </a:solidFill>
+              </a:rPr>
+              <a:t>Matériel : éditer un parachute (-&gt; dispo) / ajouter un avion puis l’ajouter à un pilote</a:t>
             </a:r>
           </a:p>
           <a:p>
             <a:pPr lvl="1"/>
             <a:r>
-              <a:rPr lang="fr-FR" dirty="0" smtClean="0"/>
-              <a:t>SSE pour le portail</a:t>
-            </a:r>
-            <a:endParaRPr lang="fr-FR" dirty="0"/>
+              <a:rPr lang="fr-FR" dirty="0" smtClean="0">
+                <a:solidFill>
+                  <a:srgbClr val="FF0000"/>
+                </a:solidFill>
+              </a:rPr>
+              <a:t>Cas 2 : un para veut sauter et s’enregistre pour un saut…</a:t>
+            </a:r>
+          </a:p>
+          <a:p>
+            <a:pPr lvl="2"/>
+            <a:r>
+              <a:rPr lang="fr-FR" dirty="0" smtClean="0">
+                <a:solidFill>
+                  <a:srgbClr val="FF0000"/>
+                </a:solidFill>
+              </a:rPr>
+              <a:t>Accueil -&gt; Portail -&gt; consulter… et s’enregistrer</a:t>
+            </a:r>
+          </a:p>
+          <a:p>
+            <a:pPr lvl="2"/>
+            <a:r>
+              <a:rPr lang="fr-FR" dirty="0" smtClean="0">
+                <a:solidFill>
+                  <a:srgbClr val="FF0000"/>
+                </a:solidFill>
+              </a:rPr>
+              <a:t>Le secrétaire : Accueil -&gt; connexion -&gt; Vol : prépare le vol, puis le </a:t>
+            </a:r>
+            <a:r>
+              <a:rPr lang="fr-FR" dirty="0" err="1" smtClean="0">
+                <a:solidFill>
+                  <a:srgbClr val="FF0000"/>
+                </a:solidFill>
+              </a:rPr>
+              <a:t>cloture</a:t>
+            </a:r>
+            <a:endParaRPr lang="fr-FR" dirty="0" smtClean="0">
+              <a:solidFill>
+                <a:srgbClr val="FF0000"/>
+              </a:solidFill>
+            </a:endParaRPr>
+          </a:p>
+          <a:p>
+            <a:pPr lvl="2"/>
+            <a:r>
+              <a:rPr lang="fr-FR" dirty="0" smtClean="0">
+                <a:solidFill>
+                  <a:srgbClr val="FF0000"/>
+                </a:solidFill>
+              </a:rPr>
+              <a:t>L’admin : va consulter l’historique</a:t>
+            </a:r>
+          </a:p>
+          <a:p>
+            <a:pPr lvl="2"/>
+            <a:r>
+              <a:rPr lang="fr-FR" dirty="0" smtClean="0">
+                <a:solidFill>
+                  <a:srgbClr val="FF0000"/>
+                </a:solidFill>
+              </a:rPr>
+              <a:t>Le para : va uploader sa vidéo… et paye sa bière </a:t>
+            </a:r>
+            <a:r>
+              <a:rPr lang="fr-FR" dirty="0" smtClean="0">
+                <a:solidFill>
+                  <a:srgbClr val="FF0000"/>
+                </a:solidFill>
+              </a:rPr>
+              <a:t>!</a:t>
+            </a:r>
+          </a:p>
+          <a:p>
+            <a:pPr lvl="2"/>
+            <a:endParaRPr lang="fr-FR" dirty="0">
+              <a:solidFill>
+                <a:srgbClr val="FF0000"/>
+              </a:solidFill>
+            </a:endParaRPr>
+          </a:p>
+          <a:p>
+            <a:pPr lvl="2"/>
+            <a:r>
+              <a:rPr lang="fr-FR" dirty="0" smtClean="0">
+                <a:solidFill>
+                  <a:srgbClr val="FF0000"/>
+                </a:solidFill>
+              </a:rPr>
+              <a:t>Incident ?</a:t>
+            </a:r>
+            <a:endParaRPr lang="fr-FR" dirty="0" smtClean="0">
+              <a:solidFill>
+                <a:srgbClr val="FF0000"/>
+              </a:solidFill>
+            </a:endParaRPr>
           </a:p>
         </p:txBody>
       </p:sp>
     </p:spTree>
     <p:extLst>
       <p:ext uri="{BB962C8B-B14F-4D97-AF65-F5344CB8AC3E}">
-        <p14:creationId xmlns:p14="http://schemas.microsoft.com/office/powerpoint/2010/main" val="2258605853"/>
+        <p14:creationId xmlns:p14="http://schemas.microsoft.com/office/powerpoint/2010/main" val="4029782382"/>
       </p:ext>
     </p:extLst>
   </p:cSld>

--- a/NC-DROPZONE.pptx
+++ b/NC-DROPZONE.pptx
@@ -1,11 +1,11 @@
 
 <file path=ppt/presentation.xml><?xml version="1.0" encoding="utf-8"?>
-<p:presentation xmlns:a="http://schemas.openxmlformats.org/drawingml/2006/main" xmlns:r="http://schemas.openxmlformats.org/officeDocument/2006/relationships" xmlns:p="http://schemas.openxmlformats.org/presentationml/2006/main" saveSubsetFonts="1">
+<p:presentation xmlns:a="http://schemas.openxmlformats.org/drawingml/2006/main" xmlns:r="http://schemas.openxmlformats.org/officeDocument/2006/relationships" xmlns:p="http://schemas.openxmlformats.org/presentationml/2006/main" showSpecialPlsOnTitleSld="0" saveSubsetFonts="1">
   <p:sldMasterIdLst>
     <p:sldMasterId id="2147483917" r:id="rId1"/>
   </p:sldMasterIdLst>
   <p:notesMasterIdLst>
-    <p:notesMasterId r:id="rId12"/>
+    <p:notesMasterId r:id="rId16"/>
   </p:notesMasterIdLst>
   <p:sldIdLst>
     <p:sldId id="256" r:id="rId2"/>
@@ -13,11 +13,15 @@
     <p:sldId id="258" r:id="rId4"/>
     <p:sldId id="263" r:id="rId5"/>
     <p:sldId id="262" r:id="rId6"/>
-    <p:sldId id="259" r:id="rId7"/>
-    <p:sldId id="265" r:id="rId8"/>
+    <p:sldId id="265" r:id="rId7"/>
+    <p:sldId id="266" r:id="rId8"/>
     <p:sldId id="264" r:id="rId9"/>
-    <p:sldId id="260" r:id="rId10"/>
+    <p:sldId id="268" r:id="rId10"/>
     <p:sldId id="261" r:id="rId11"/>
+    <p:sldId id="269" r:id="rId12"/>
+    <p:sldId id="267" r:id="rId13"/>
+    <p:sldId id="260" r:id="rId14"/>
+    <p:sldId id="259" r:id="rId15"/>
   </p:sldIdLst>
   <p:sldSz cx="12192000" cy="6858000"/>
   <p:notesSz cx="6858000" cy="9144000"/>
@@ -124,6 +128,18 @@
 </p:presentation>
 </file>
 
+<file path=ppt/commentAuthors.xml><?xml version="1.0" encoding="utf-8"?>
+<p:cmAuthorLst xmlns:a="http://schemas.openxmlformats.org/drawingml/2006/main" xmlns:r="http://schemas.openxmlformats.org/officeDocument/2006/relationships" xmlns:p="http://schemas.openxmlformats.org/presentationml/2006/main">
+  <p:cmAuthor id="1" name="Olyveur" initials="O" lastIdx="1" clrIdx="0">
+    <p:extLst>
+      <p:ext uri="{19B8F6BF-5375-455C-9EA6-DF929625EA0E}">
+        <p15:presenceInfo xmlns:p15="http://schemas.microsoft.com/office/powerpoint/2012/main" userId="Olyveur" providerId="None"/>
+      </p:ext>
+    </p:extLst>
+  </p:cmAuthor>
+</p:cmAuthorLst>
+</file>
+
 <file path=ppt/notesMasters/notesMaster1.xml><?xml version="1.0" encoding="utf-8"?>
 <p:notesMaster xmlns:a="http://schemas.openxmlformats.org/drawingml/2006/main" xmlns:r="http://schemas.openxmlformats.org/officeDocument/2006/relationships" xmlns:p="http://schemas.openxmlformats.org/presentationml/2006/main">
   <p:cSld>
@@ -270,38 +286,37 @@
           <a:p>
             <a:pPr lvl="0"/>
             <a:r>
-              <a:rPr lang="fr-FR" smtClean="0"/>
+              <a:rPr lang="fr-FR"/>
               <a:t>Modifiez les styles du texte du masque</a:t>
             </a:r>
           </a:p>
           <a:p>
             <a:pPr lvl="1"/>
             <a:r>
-              <a:rPr lang="fr-FR" smtClean="0"/>
+              <a:rPr lang="fr-FR"/>
               <a:t>Deuxième niveau</a:t>
             </a:r>
           </a:p>
           <a:p>
             <a:pPr lvl="2"/>
             <a:r>
-              <a:rPr lang="fr-FR" smtClean="0"/>
+              <a:rPr lang="fr-FR"/>
               <a:t>Troisième niveau</a:t>
             </a:r>
           </a:p>
           <a:p>
             <a:pPr lvl="3"/>
             <a:r>
-              <a:rPr lang="fr-FR" smtClean="0"/>
+              <a:rPr lang="fr-FR"/>
               <a:t>Quatrième niveau</a:t>
             </a:r>
           </a:p>
           <a:p>
             <a:pPr lvl="4"/>
             <a:r>
-              <a:rPr lang="fr-FR" smtClean="0"/>
+              <a:rPr lang="fr-FR"/>
               <a:t>Cinquième niveau</a:t>
             </a:r>
-            <a:endParaRPr lang="fr-FR"/>
           </a:p>
         </p:txBody>
       </p:sp>
@@ -365,7 +380,7 @@
           <a:p>
             <a:fld id="{30CA4240-8042-4D03-80DB-36FB6485C1EB}" type="slidenum">
               <a:rPr lang="fr-FR" smtClean="0"/>
-              <a:t>‹N°›</a:t>
+              <a:t>‹#›</a:t>
             </a:fld>
             <a:endParaRPr lang="fr-FR"/>
           </a:p>
@@ -519,10 +534,9 @@
           <a:lstStyle/>
           <a:p>
             <a:r>
-              <a:rPr lang="fr-FR" dirty="0" smtClean="0"/>
+              <a:rPr lang="fr-FR" dirty="0"/>
               <a:t>3’</a:t>
             </a:r>
-            <a:endParaRPr lang="fr-FR" dirty="0"/>
           </a:p>
         </p:txBody>
       </p:sp>
@@ -607,10 +621,9 @@
           <a:lstStyle/>
           <a:p>
             <a:r>
-              <a:rPr lang="fr-FR" dirty="0" smtClean="0"/>
+              <a:rPr lang="fr-FR" dirty="0"/>
               <a:t>5’</a:t>
             </a:r>
-            <a:endParaRPr lang="fr-FR" dirty="0"/>
           </a:p>
         </p:txBody>
       </p:sp>
@@ -779,11 +792,11 @@
           <a:lstStyle/>
           <a:p>
             <a:r>
-              <a:rPr lang="fr-FR" dirty="0" smtClean="0"/>
+              <a:rPr lang="fr-FR" dirty="0"/>
               <a:t>5’ pour </a:t>
             </a:r>
             <a:r>
-              <a:rPr lang="fr-FR" smtClean="0"/>
+              <a:rPr lang="fr-FR"/>
               <a:t>le contexte</a:t>
             </a:r>
             <a:endParaRPr lang="fr-FR" dirty="0"/>
@@ -871,10 +884,9 @@
           <a:lstStyle/>
           <a:p>
             <a:r>
-              <a:rPr lang="fr-FR" dirty="0" smtClean="0"/>
+              <a:rPr lang="fr-FR" dirty="0"/>
               <a:t>5-10’</a:t>
             </a:r>
-            <a:endParaRPr lang="fr-FR" dirty="0"/>
           </a:p>
         </p:txBody>
       </p:sp>
@@ -904,7 +916,7 @@
     </p:spTree>
     <p:extLst>
       <p:ext uri="{BB962C8B-B14F-4D97-AF65-F5344CB8AC3E}">
-        <p14:creationId xmlns:p14="http://schemas.microsoft.com/office/powerpoint/2010/main" val="844601114"/>
+        <p14:creationId xmlns:p14="http://schemas.microsoft.com/office/powerpoint/2010/main" val="1327061385"/>
       </p:ext>
     </p:extLst>
   </p:cSld>
@@ -958,10 +970,6 @@
           <a:bodyPr/>
           <a:lstStyle/>
           <a:p>
-            <a:r>
-              <a:rPr lang="fr-FR" dirty="0" smtClean="0"/>
-              <a:t>5-10’</a:t>
-            </a:r>
             <a:endParaRPr lang="fr-FR" dirty="0"/>
           </a:p>
         </p:txBody>
@@ -983,7 +991,7 @@
           <a:p>
             <a:fld id="{30CA4240-8042-4D03-80DB-36FB6485C1EB}" type="slidenum">
               <a:rPr lang="fr-FR" smtClean="0"/>
-              <a:t>7</a:t>
+              <a:t>8</a:t>
             </a:fld>
             <a:endParaRPr lang="fr-FR"/>
           </a:p>
@@ -992,7 +1000,7 @@
     </p:spTree>
     <p:extLst>
       <p:ext uri="{BB962C8B-B14F-4D97-AF65-F5344CB8AC3E}">
-        <p14:creationId xmlns:p14="http://schemas.microsoft.com/office/powerpoint/2010/main" val="1327061385"/>
+        <p14:creationId xmlns:p14="http://schemas.microsoft.com/office/powerpoint/2010/main" val="2376399030"/>
       </p:ext>
     </p:extLst>
   </p:cSld>
@@ -1046,7 +1054,10 @@
           <a:bodyPr/>
           <a:lstStyle/>
           <a:p>
-            <a:endParaRPr lang="fr-FR" dirty="0"/>
+            <a:r>
+              <a:rPr lang="fr-FR" dirty="0"/>
+              <a:t>SSE = Serveur-Sent Events</a:t>
+            </a:r>
           </a:p>
         </p:txBody>
       </p:sp>
@@ -1067,7 +1078,7 @@
           <a:p>
             <a:fld id="{30CA4240-8042-4D03-80DB-36FB6485C1EB}" type="slidenum">
               <a:rPr lang="fr-FR" smtClean="0"/>
-              <a:t>8</a:t>
+              <a:t>10</a:t>
             </a:fld>
             <a:endParaRPr lang="fr-FR"/>
           </a:p>
@@ -1076,7 +1087,7 @@
     </p:spTree>
     <p:extLst>
       <p:ext uri="{BB962C8B-B14F-4D97-AF65-F5344CB8AC3E}">
-        <p14:creationId xmlns:p14="http://schemas.microsoft.com/office/powerpoint/2010/main" val="2376399030"/>
+        <p14:creationId xmlns:p14="http://schemas.microsoft.com/office/powerpoint/2010/main" val="3444533414"/>
       </p:ext>
     </p:extLst>
   </p:cSld>
@@ -1131,10 +1142,9 @@
           <a:lstStyle/>
           <a:p>
             <a:r>
-              <a:rPr lang="fr-FR" dirty="0" smtClean="0"/>
+              <a:rPr lang="fr-FR" dirty="0"/>
               <a:t>20’</a:t>
             </a:r>
-            <a:endParaRPr lang="fr-FR" dirty="0"/>
           </a:p>
         </p:txBody>
       </p:sp>
@@ -1155,7 +1165,7 @@
           <a:p>
             <a:fld id="{30CA4240-8042-4D03-80DB-36FB6485C1EB}" type="slidenum">
               <a:rPr lang="fr-FR" smtClean="0"/>
-              <a:t>9</a:t>
+              <a:t>13</a:t>
             </a:fld>
             <a:endParaRPr lang="fr-FR"/>
           </a:p>
@@ -1219,10 +1229,9 @@
           <a:lstStyle/>
           <a:p>
             <a:r>
-              <a:rPr lang="fr-FR" dirty="0" smtClean="0"/>
-              <a:t>SSE = Serveur-Sent Events</a:t>
-            </a:r>
-            <a:endParaRPr lang="fr-FR" dirty="0"/>
+              <a:rPr lang="fr-FR" dirty="0"/>
+              <a:t>5-10’</a:t>
+            </a:r>
           </a:p>
         </p:txBody>
       </p:sp>
@@ -1243,7 +1252,7 @@
           <a:p>
             <a:fld id="{30CA4240-8042-4D03-80DB-36FB6485C1EB}" type="slidenum">
               <a:rPr lang="fr-FR" smtClean="0"/>
-              <a:t>10</a:t>
+              <a:t>14</a:t>
             </a:fld>
             <a:endParaRPr lang="fr-FR"/>
           </a:p>
@@ -1252,7 +1261,7 @@
     </p:spTree>
     <p:extLst>
       <p:ext uri="{BB962C8B-B14F-4D97-AF65-F5344CB8AC3E}">
-        <p14:creationId xmlns:p14="http://schemas.microsoft.com/office/powerpoint/2010/main" val="3444533414"/>
+        <p14:creationId xmlns:p14="http://schemas.microsoft.com/office/powerpoint/2010/main" val="844601114"/>
       </p:ext>
     </p:extLst>
   </p:cSld>
@@ -1621,7 +1630,7 @@
           </a:lstStyle>
           <a:p>
             <a:r>
-              <a:rPr lang="fr-FR" smtClean="0"/>
+              <a:rPr lang="fr-FR"/>
               <a:t>Modifiez le style du titre</a:t>
             </a:r>
             <a:endParaRPr lang="en-US" dirty="0"/>
@@ -1740,7 +1749,7 @@
           </a:lstStyle>
           <a:p>
             <a:r>
-              <a:rPr lang="fr-FR" smtClean="0"/>
+              <a:rPr lang="fr-FR"/>
               <a:t>Modifiez le style des sous-titres du masque</a:t>
             </a:r>
             <a:endParaRPr lang="en-US" dirty="0"/>
@@ -1762,7 +1771,7 @@
           <a:bodyPr/>
           <a:lstStyle/>
           <a:p>
-            <a:fld id="{51D450FA-2867-4D9E-920D-05C0ADDF969F}" type="datetimeFigureOut">
+            <a:fld id="{E6684748-3C0E-4634-8056-005D7AD9E338}" type="datetime1">
               <a:rPr lang="fr-FR" smtClean="0"/>
               <a:t>29/05/2020</a:t>
             </a:fld>
@@ -1811,7 +1820,7 @@
           <a:p>
             <a:fld id="{9F99AB34-2DF8-4E9C-9CC0-5EF239F20E73}" type="slidenum">
               <a:rPr lang="fr-FR" smtClean="0"/>
-              <a:t>‹N°›</a:t>
+              <a:t>‹#›</a:t>
             </a:fld>
             <a:endParaRPr lang="fr-FR"/>
           </a:p>
@@ -1874,7 +1883,7 @@
           </a:lstStyle>
           <a:p>
             <a:r>
-              <a:rPr lang="fr-FR" smtClean="0"/>
+              <a:rPr lang="fr-FR"/>
               <a:t>Modifiez le style du titre</a:t>
             </a:r>
             <a:endParaRPr lang="en-US" dirty="0"/>
@@ -1969,7 +1978,7 @@
           </a:lstStyle>
           <a:p>
             <a:r>
-              <a:rPr lang="fr-FR" smtClean="0"/>
+              <a:rPr lang="fr-FR"/>
               <a:t>Cliquez sur l'icône pour ajouter une image</a:t>
             </a:r>
             <a:endParaRPr lang="en-US" dirty="0"/>
@@ -2037,7 +2046,7 @@
           <a:p>
             <a:pPr lvl="0"/>
             <a:r>
-              <a:rPr lang="fr-FR" smtClean="0"/>
+              <a:rPr lang="fr-FR"/>
               <a:t>Modifiez les styles du texte du masque</a:t>
             </a:r>
           </a:p>
@@ -2058,7 +2067,7 @@
           <a:bodyPr/>
           <a:lstStyle/>
           <a:p>
-            <a:fld id="{51D450FA-2867-4D9E-920D-05C0ADDF969F}" type="datetimeFigureOut">
+            <a:fld id="{C4A346E8-6E8C-4309-B651-99DD4A9E976F}" type="datetime1">
               <a:rPr lang="fr-FR" smtClean="0"/>
               <a:t>29/05/2020</a:t>
             </a:fld>
@@ -2102,7 +2111,7 @@
           <a:p>
             <a:fld id="{9F99AB34-2DF8-4E9C-9CC0-5EF239F20E73}" type="slidenum">
               <a:rPr lang="fr-FR" smtClean="0"/>
-              <a:t>‹N°›</a:t>
+              <a:t>‹#›</a:t>
             </a:fld>
             <a:endParaRPr lang="fr-FR"/>
           </a:p>
@@ -2165,7 +2174,7 @@
           </a:lstStyle>
           <a:p>
             <a:r>
-              <a:rPr lang="fr-FR" smtClean="0"/>
+              <a:rPr lang="fr-FR"/>
               <a:t>Modifiez le style du titre</a:t>
             </a:r>
             <a:endParaRPr lang="en-US" dirty="0"/>
@@ -2285,7 +2294,7 @@
           <a:p>
             <a:pPr lvl="0"/>
             <a:r>
-              <a:rPr lang="fr-FR" smtClean="0"/>
+              <a:rPr lang="fr-FR"/>
               <a:t>Modifiez les styles du texte du masque</a:t>
             </a:r>
           </a:p>
@@ -2306,7 +2315,7 @@
           <a:bodyPr/>
           <a:lstStyle/>
           <a:p>
-            <a:fld id="{51D450FA-2867-4D9E-920D-05C0ADDF969F}" type="datetimeFigureOut">
+            <a:fld id="{BB38787C-7D35-4FDF-82BB-ED67CD37D52D}" type="datetime1">
               <a:rPr lang="fr-FR" smtClean="0"/>
               <a:t>29/05/2020</a:t>
             </a:fld>
@@ -2350,7 +2359,7 @@
           <a:p>
             <a:fld id="{9F99AB34-2DF8-4E9C-9CC0-5EF239F20E73}" type="slidenum">
               <a:rPr lang="fr-FR" smtClean="0"/>
-              <a:t>‹N°›</a:t>
+              <a:t>‹#›</a:t>
             </a:fld>
             <a:endParaRPr lang="fr-FR"/>
           </a:p>
@@ -2649,7 +2658,7 @@
           </a:lstStyle>
           <a:p>
             <a:r>
-              <a:rPr lang="fr-FR" smtClean="0"/>
+              <a:rPr lang="fr-FR"/>
               <a:t>Modifiez le style du titre</a:t>
             </a:r>
             <a:endParaRPr lang="en-US" dirty="0"/>
@@ -2706,7 +2715,7 @@
           <a:p>
             <a:pPr lvl="0"/>
             <a:r>
-              <a:rPr lang="fr-FR" smtClean="0"/>
+              <a:rPr lang="fr-FR"/>
               <a:t>Modifiez les styles du texte du masque</a:t>
             </a:r>
           </a:p>
@@ -2825,7 +2834,7 @@
           <a:p>
             <a:pPr lvl="0"/>
             <a:r>
-              <a:rPr lang="fr-FR" smtClean="0"/>
+              <a:rPr lang="fr-FR"/>
               <a:t>Modifiez les styles du texte du masque</a:t>
             </a:r>
           </a:p>
@@ -2846,7 +2855,7 @@
           <a:bodyPr/>
           <a:lstStyle/>
           <a:p>
-            <a:fld id="{51D450FA-2867-4D9E-920D-05C0ADDF969F}" type="datetimeFigureOut">
+            <a:fld id="{12BBDFD7-419D-416E-93C7-18787B90A4AE}" type="datetime1">
               <a:rPr lang="fr-FR" smtClean="0"/>
               <a:t>29/05/2020</a:t>
             </a:fld>
@@ -2890,7 +2899,7 @@
           <a:p>
             <a:fld id="{9F99AB34-2DF8-4E9C-9CC0-5EF239F20E73}" type="slidenum">
               <a:rPr lang="fr-FR" smtClean="0"/>
-              <a:t>‹N°›</a:t>
+              <a:t>‹#›</a:t>
             </a:fld>
             <a:endParaRPr lang="fr-FR"/>
           </a:p>
@@ -2953,7 +2962,7 @@
           </a:lstStyle>
           <a:p>
             <a:r>
-              <a:rPr lang="fr-FR" smtClean="0"/>
+              <a:rPr lang="fr-FR"/>
               <a:t>Modifiez le style du titre</a:t>
             </a:r>
             <a:endParaRPr lang="en-US" dirty="0"/>
@@ -3073,7 +3082,7 @@
           <a:p>
             <a:pPr lvl="0"/>
             <a:r>
-              <a:rPr lang="fr-FR" smtClean="0"/>
+              <a:rPr lang="fr-FR"/>
               <a:t>Modifiez les styles du texte du masque</a:t>
             </a:r>
           </a:p>
@@ -3094,7 +3103,7 @@
           <a:bodyPr/>
           <a:lstStyle/>
           <a:p>
-            <a:fld id="{51D450FA-2867-4D9E-920D-05C0ADDF969F}" type="datetimeFigureOut">
+            <a:fld id="{0215AF9A-7CC0-4A8E-9C26-29CEC73CA316}" type="datetime1">
               <a:rPr lang="fr-FR" smtClean="0"/>
               <a:t>29/05/2020</a:t>
             </a:fld>
@@ -3138,7 +3147,7 @@
           <a:p>
             <a:fld id="{9F99AB34-2DF8-4E9C-9CC0-5EF239F20E73}" type="slidenum">
               <a:rPr lang="fr-FR" smtClean="0"/>
-              <a:t>‹N°›</a:t>
+              <a:t>‹#›</a:t>
             </a:fld>
             <a:endParaRPr lang="fr-FR"/>
           </a:p>
@@ -3437,7 +3446,7 @@
           </a:lstStyle>
           <a:p>
             <a:r>
-              <a:rPr lang="fr-FR" smtClean="0"/>
+              <a:rPr lang="fr-FR"/>
               <a:t>Modifiez le style du titre</a:t>
             </a:r>
             <a:endParaRPr lang="en-US" dirty="0"/>
@@ -3486,7 +3495,7 @@
               <a:buNone/>
             </a:pPr>
             <a:r>
-              <a:rPr lang="fr-FR" smtClean="0"/>
+              <a:rPr lang="fr-FR"/>
               <a:t>Modifiez les styles du texte du masque</a:t>
             </a:r>
           </a:p>
@@ -3605,7 +3614,7 @@
           <a:p>
             <a:pPr lvl="0"/>
             <a:r>
-              <a:rPr lang="fr-FR" smtClean="0"/>
+              <a:rPr lang="fr-FR"/>
               <a:t>Modifiez les styles du texte du masque</a:t>
             </a:r>
           </a:p>
@@ -3626,7 +3635,7 @@
           <a:bodyPr/>
           <a:lstStyle/>
           <a:p>
-            <a:fld id="{51D450FA-2867-4D9E-920D-05C0ADDF969F}" type="datetimeFigureOut">
+            <a:fld id="{3DCC3F9C-49FB-4B6A-8425-5C09C578E53A}" type="datetime1">
               <a:rPr lang="fr-FR" smtClean="0"/>
               <a:t>29/05/2020</a:t>
             </a:fld>
@@ -3670,7 +3679,7 @@
           <a:p>
             <a:fld id="{9F99AB34-2DF8-4E9C-9CC0-5EF239F20E73}" type="slidenum">
               <a:rPr lang="fr-FR" smtClean="0"/>
-              <a:t>‹N°›</a:t>
+              <a:t>‹#›</a:t>
             </a:fld>
             <a:endParaRPr lang="fr-FR"/>
           </a:p>
@@ -3734,7 +3743,7 @@
           <a:p>
             <a:pPr marL="0" lvl="0"/>
             <a:r>
-              <a:rPr lang="fr-FR" smtClean="0"/>
+              <a:rPr lang="fr-FR"/>
               <a:t>Modifiez le style du titre</a:t>
             </a:r>
             <a:endParaRPr lang="en-US" dirty="0"/>
@@ -3783,7 +3792,7 @@
               <a:buNone/>
             </a:pPr>
             <a:r>
-              <a:rPr lang="fr-FR" smtClean="0"/>
+              <a:rPr lang="fr-FR"/>
               <a:t>Modifiez les styles du texte du masque</a:t>
             </a:r>
           </a:p>
@@ -3902,7 +3911,7 @@
           <a:p>
             <a:pPr lvl="0"/>
             <a:r>
-              <a:rPr lang="fr-FR" smtClean="0"/>
+              <a:rPr lang="fr-FR"/>
               <a:t>Modifiez les styles du texte du masque</a:t>
             </a:r>
           </a:p>
@@ -3923,7 +3932,7 @@
           <a:bodyPr/>
           <a:lstStyle/>
           <a:p>
-            <a:fld id="{51D450FA-2867-4D9E-920D-05C0ADDF969F}" type="datetimeFigureOut">
+            <a:fld id="{D68B129A-9E9A-4709-8C43-1B0CBE513957}" type="datetime1">
               <a:rPr lang="fr-FR" smtClean="0"/>
               <a:t>29/05/2020</a:t>
             </a:fld>
@@ -3967,7 +3976,7 @@
           <a:p>
             <a:fld id="{9F99AB34-2DF8-4E9C-9CC0-5EF239F20E73}" type="slidenum">
               <a:rPr lang="fr-FR" smtClean="0"/>
-              <a:t>‹N°›</a:t>
+              <a:t>‹#›</a:t>
             </a:fld>
             <a:endParaRPr lang="fr-FR"/>
           </a:p>
@@ -4023,7 +4032,7 @@
           </a:lstStyle>
           <a:p>
             <a:r>
-              <a:rPr lang="fr-FR" smtClean="0"/>
+              <a:rPr lang="fr-FR"/>
               <a:t>Modifiez le style du titre</a:t>
             </a:r>
             <a:endParaRPr lang="en-US" dirty="0"/>
@@ -4047,35 +4056,35 @@
           <a:p>
             <a:pPr lvl="0"/>
             <a:r>
-              <a:rPr lang="fr-FR" smtClean="0"/>
+              <a:rPr lang="fr-FR"/>
               <a:t>Modifiez les styles du texte du masque</a:t>
             </a:r>
           </a:p>
           <a:p>
             <a:pPr lvl="1"/>
             <a:r>
-              <a:rPr lang="fr-FR" smtClean="0"/>
+              <a:rPr lang="fr-FR"/>
               <a:t>Deuxième niveau</a:t>
             </a:r>
           </a:p>
           <a:p>
             <a:pPr lvl="2"/>
             <a:r>
-              <a:rPr lang="fr-FR" smtClean="0"/>
+              <a:rPr lang="fr-FR"/>
               <a:t>Troisième niveau</a:t>
             </a:r>
           </a:p>
           <a:p>
             <a:pPr lvl="3"/>
             <a:r>
-              <a:rPr lang="fr-FR" smtClean="0"/>
+              <a:rPr lang="fr-FR"/>
               <a:t>Quatrième niveau</a:t>
             </a:r>
           </a:p>
           <a:p>
             <a:pPr lvl="4"/>
             <a:r>
-              <a:rPr lang="fr-FR" smtClean="0"/>
+              <a:rPr lang="fr-FR"/>
               <a:t>Cinquième niveau</a:t>
             </a:r>
             <a:endParaRPr lang="en-US" dirty="0"/>
@@ -4097,7 +4106,7 @@
           <a:bodyPr/>
           <a:lstStyle/>
           <a:p>
-            <a:fld id="{51D450FA-2867-4D9E-920D-05C0ADDF969F}" type="datetimeFigureOut">
+            <a:fld id="{BF7D176C-737D-48AD-9C6D-AE2AD8DDCF66}" type="datetime1">
               <a:rPr lang="fr-FR" smtClean="0"/>
               <a:t>29/05/2020</a:t>
             </a:fld>
@@ -4141,7 +4150,7 @@
           <a:p>
             <a:fld id="{9F99AB34-2DF8-4E9C-9CC0-5EF239F20E73}" type="slidenum">
               <a:rPr lang="fr-FR" smtClean="0"/>
-              <a:t>‹N°›</a:t>
+              <a:t>‹#›</a:t>
             </a:fld>
             <a:endParaRPr lang="fr-FR"/>
           </a:p>
@@ -4198,7 +4207,7 @@
           <a:lstStyle/>
           <a:p>
             <a:r>
-              <a:rPr lang="fr-FR" smtClean="0"/>
+              <a:rPr lang="fr-FR"/>
               <a:t>Modifiez le style du titre</a:t>
             </a:r>
             <a:endParaRPr lang="en-US" dirty="0"/>
@@ -4227,35 +4236,35 @@
           <a:p>
             <a:pPr lvl="0"/>
             <a:r>
-              <a:rPr lang="fr-FR" smtClean="0"/>
+              <a:rPr lang="fr-FR"/>
               <a:t>Modifiez les styles du texte du masque</a:t>
             </a:r>
           </a:p>
           <a:p>
             <a:pPr lvl="1"/>
             <a:r>
-              <a:rPr lang="fr-FR" smtClean="0"/>
+              <a:rPr lang="fr-FR"/>
               <a:t>Deuxième niveau</a:t>
             </a:r>
           </a:p>
           <a:p>
             <a:pPr lvl="2"/>
             <a:r>
-              <a:rPr lang="fr-FR" smtClean="0"/>
+              <a:rPr lang="fr-FR"/>
               <a:t>Troisième niveau</a:t>
             </a:r>
           </a:p>
           <a:p>
             <a:pPr lvl="3"/>
             <a:r>
-              <a:rPr lang="fr-FR" smtClean="0"/>
+              <a:rPr lang="fr-FR"/>
               <a:t>Quatrième niveau</a:t>
             </a:r>
           </a:p>
           <a:p>
             <a:pPr lvl="4"/>
             <a:r>
-              <a:rPr lang="fr-FR" smtClean="0"/>
+              <a:rPr lang="fr-FR"/>
               <a:t>Cinquième niveau</a:t>
             </a:r>
             <a:endParaRPr lang="en-US" dirty="0"/>
@@ -4277,7 +4286,7 @@
           <a:bodyPr/>
           <a:lstStyle/>
           <a:p>
-            <a:fld id="{51D450FA-2867-4D9E-920D-05C0ADDF969F}" type="datetimeFigureOut">
+            <a:fld id="{7D6B35F7-49A2-4EA3-AA58-9ED768EDDD11}" type="datetime1">
               <a:rPr lang="fr-FR" smtClean="0"/>
               <a:t>29/05/2020</a:t>
             </a:fld>
@@ -4321,7 +4330,7 @@
           <a:p>
             <a:fld id="{9F99AB34-2DF8-4E9C-9CC0-5EF239F20E73}" type="slidenum">
               <a:rPr lang="fr-FR" smtClean="0"/>
-              <a:t>‹N°›</a:t>
+              <a:t>‹#›</a:t>
             </a:fld>
             <a:endParaRPr lang="fr-FR"/>
           </a:p>
@@ -4384,7 +4393,7 @@
           </a:lstStyle>
           <a:p>
             <a:r>
-              <a:rPr lang="fr-FR" dirty="0" smtClean="0"/>
+              <a:rPr lang="fr-FR" dirty="0"/>
               <a:t>Modifiez le style du titre</a:t>
             </a:r>
             <a:endParaRPr lang="en-US" dirty="0"/>
@@ -4454,35 +4463,35 @@
           <a:p>
             <a:pPr lvl="0"/>
             <a:r>
-              <a:rPr lang="fr-FR" smtClean="0"/>
+              <a:rPr lang="fr-FR"/>
               <a:t>Modifiez les styles du texte du masque</a:t>
             </a:r>
           </a:p>
           <a:p>
             <a:pPr lvl="1"/>
             <a:r>
-              <a:rPr lang="fr-FR" smtClean="0"/>
+              <a:rPr lang="fr-FR"/>
               <a:t>Deuxième niveau</a:t>
             </a:r>
           </a:p>
           <a:p>
             <a:pPr lvl="2"/>
             <a:r>
-              <a:rPr lang="fr-FR" smtClean="0"/>
+              <a:rPr lang="fr-FR"/>
               <a:t>Troisième niveau</a:t>
             </a:r>
           </a:p>
           <a:p>
             <a:pPr lvl="3"/>
             <a:r>
-              <a:rPr lang="fr-FR" smtClean="0"/>
+              <a:rPr lang="fr-FR"/>
               <a:t>Quatrième niveau</a:t>
             </a:r>
           </a:p>
           <a:p>
             <a:pPr lvl="4"/>
             <a:r>
-              <a:rPr lang="fr-FR" smtClean="0"/>
+              <a:rPr lang="fr-FR"/>
               <a:t>Cinquième niveau</a:t>
             </a:r>
             <a:endParaRPr lang="en-US" dirty="0"/>
@@ -4509,7 +4518,7 @@
           <a:bodyPr/>
           <a:lstStyle/>
           <a:p>
-            <a:fld id="{51D450FA-2867-4D9E-920D-05C0ADDF969F}" type="datetimeFigureOut">
+            <a:fld id="{CFA5E831-9298-4702-B754-1ED198869DBD}" type="datetime1">
               <a:rPr lang="fr-FR" smtClean="0"/>
               <a:t>29/05/2020</a:t>
             </a:fld>
@@ -4559,13 +4568,18 @@
         </p:spPr>
         <p:txBody>
           <a:bodyPr/>
-          <a:lstStyle/>
+          <a:lstStyle>
+            <a:lvl1pPr>
+              <a:defRPr sz="1600"/>
+            </a:lvl1pPr>
+          </a:lstStyle>
           <a:p>
             <a:fld id="{9F99AB34-2DF8-4E9C-9CC0-5EF239F20E73}" type="slidenum">
               <a:rPr lang="fr-FR" smtClean="0"/>
-              <a:t>‹N°›</a:t>
+              <a:pPr/>
+              <a:t>‹#›</a:t>
             </a:fld>
-            <a:endParaRPr lang="fr-FR"/>
+            <a:endParaRPr lang="fr-FR" dirty="0"/>
           </a:p>
         </p:txBody>
       </p:sp>
@@ -4624,7 +4638,7 @@
           </a:lstStyle>
           <a:p>
             <a:r>
-              <a:rPr lang="fr-FR" smtClean="0"/>
+              <a:rPr lang="fr-FR"/>
               <a:t>Modifiez le style du titre</a:t>
             </a:r>
             <a:endParaRPr lang="en-US" dirty="0"/>
@@ -4744,7 +4758,7 @@
           <a:p>
             <a:pPr lvl="0"/>
             <a:r>
-              <a:rPr lang="fr-FR" smtClean="0"/>
+              <a:rPr lang="fr-FR"/>
               <a:t>Modifiez les styles du texte du masque</a:t>
             </a:r>
           </a:p>
@@ -4765,7 +4779,7 @@
           <a:bodyPr/>
           <a:lstStyle/>
           <a:p>
-            <a:fld id="{51D450FA-2867-4D9E-920D-05C0ADDF969F}" type="datetimeFigureOut">
+            <a:fld id="{0DD4C0B0-8F88-4B98-8F22-42C6D83FF8C8}" type="datetime1">
               <a:rPr lang="fr-FR" smtClean="0"/>
               <a:t>29/05/2020</a:t>
             </a:fld>
@@ -4809,7 +4823,7 @@
           <a:p>
             <a:fld id="{9F99AB34-2DF8-4E9C-9CC0-5EF239F20E73}" type="slidenum">
               <a:rPr lang="fr-FR" smtClean="0"/>
-              <a:t>‹N°›</a:t>
+              <a:t>‹#›</a:t>
             </a:fld>
             <a:endParaRPr lang="fr-FR"/>
           </a:p>
@@ -4866,7 +4880,7 @@
           <a:lstStyle/>
           <a:p>
             <a:r>
-              <a:rPr lang="fr-FR" smtClean="0"/>
+              <a:rPr lang="fr-FR"/>
               <a:t>Modifiez le style du titre</a:t>
             </a:r>
             <a:endParaRPr lang="en-US" dirty="0"/>
@@ -4950,35 +4964,35 @@
           <a:p>
             <a:pPr lvl="0"/>
             <a:r>
-              <a:rPr lang="fr-FR" smtClean="0"/>
+              <a:rPr lang="fr-FR"/>
               <a:t>Modifiez les styles du texte du masque</a:t>
             </a:r>
           </a:p>
           <a:p>
             <a:pPr lvl="1"/>
             <a:r>
-              <a:rPr lang="fr-FR" smtClean="0"/>
+              <a:rPr lang="fr-FR"/>
               <a:t>Deuxième niveau</a:t>
             </a:r>
           </a:p>
           <a:p>
             <a:pPr lvl="2"/>
             <a:r>
-              <a:rPr lang="fr-FR" smtClean="0"/>
+              <a:rPr lang="fr-FR"/>
               <a:t>Troisième niveau</a:t>
             </a:r>
           </a:p>
           <a:p>
             <a:pPr lvl="3"/>
             <a:r>
-              <a:rPr lang="fr-FR" smtClean="0"/>
+              <a:rPr lang="fr-FR"/>
               <a:t>Quatrième niveau</a:t>
             </a:r>
           </a:p>
           <a:p>
             <a:pPr lvl="4"/>
             <a:r>
-              <a:rPr lang="fr-FR" smtClean="0"/>
+              <a:rPr lang="fr-FR"/>
               <a:t>Cinquième niveau</a:t>
             </a:r>
             <a:endParaRPr lang="en-US" dirty="0"/>
@@ -5062,35 +5076,35 @@
           <a:p>
             <a:pPr lvl="0"/>
             <a:r>
-              <a:rPr lang="fr-FR" smtClean="0"/>
+              <a:rPr lang="fr-FR"/>
               <a:t>Modifiez les styles du texte du masque</a:t>
             </a:r>
           </a:p>
           <a:p>
             <a:pPr lvl="1"/>
             <a:r>
-              <a:rPr lang="fr-FR" smtClean="0"/>
+              <a:rPr lang="fr-FR"/>
               <a:t>Deuxième niveau</a:t>
             </a:r>
           </a:p>
           <a:p>
             <a:pPr lvl="2"/>
             <a:r>
-              <a:rPr lang="fr-FR" smtClean="0"/>
+              <a:rPr lang="fr-FR"/>
               <a:t>Troisième niveau</a:t>
             </a:r>
           </a:p>
           <a:p>
             <a:pPr lvl="3"/>
             <a:r>
-              <a:rPr lang="fr-FR" smtClean="0"/>
+              <a:rPr lang="fr-FR"/>
               <a:t>Quatrième niveau</a:t>
             </a:r>
           </a:p>
           <a:p>
             <a:pPr lvl="4"/>
             <a:r>
-              <a:rPr lang="fr-FR" smtClean="0"/>
+              <a:rPr lang="fr-FR"/>
               <a:t>Cinquième niveau</a:t>
             </a:r>
             <a:endParaRPr lang="en-US" dirty="0"/>
@@ -5112,7 +5126,7 @@
           <a:bodyPr/>
           <a:lstStyle/>
           <a:p>
-            <a:fld id="{51D450FA-2867-4D9E-920D-05C0ADDF969F}" type="datetimeFigureOut">
+            <a:fld id="{1BE31603-001E-4929-8937-FB67D540DF78}" type="datetime1">
               <a:rPr lang="fr-FR" smtClean="0"/>
               <a:t>29/05/2020</a:t>
             </a:fld>
@@ -5156,7 +5170,7 @@
           <a:p>
             <a:fld id="{9F99AB34-2DF8-4E9C-9CC0-5EF239F20E73}" type="slidenum">
               <a:rPr lang="fr-FR" smtClean="0"/>
-              <a:t>‹N°›</a:t>
+              <a:t>‹#›</a:t>
             </a:fld>
             <a:endParaRPr lang="fr-FR"/>
           </a:p>
@@ -5212,7 +5226,7 @@
           </a:lstStyle>
           <a:p>
             <a:r>
-              <a:rPr lang="fr-FR" smtClean="0"/>
+              <a:rPr lang="fr-FR"/>
               <a:t>Modifiez le style du titre</a:t>
             </a:r>
             <a:endParaRPr lang="en-US" dirty="0"/>
@@ -5286,7 +5300,7 @@
           <a:p>
             <a:pPr lvl="0"/>
             <a:r>
-              <a:rPr lang="fr-FR" smtClean="0"/>
+              <a:rPr lang="fr-FR"/>
               <a:t>Modifiez les styles du texte du masque</a:t>
             </a:r>
           </a:p>
@@ -5369,35 +5383,35 @@
           <a:p>
             <a:pPr lvl="0"/>
             <a:r>
-              <a:rPr lang="fr-FR" smtClean="0"/>
+              <a:rPr lang="fr-FR"/>
               <a:t>Modifiez les styles du texte du masque</a:t>
             </a:r>
           </a:p>
           <a:p>
             <a:pPr lvl="1"/>
             <a:r>
-              <a:rPr lang="fr-FR" smtClean="0"/>
+              <a:rPr lang="fr-FR"/>
               <a:t>Deuxième niveau</a:t>
             </a:r>
           </a:p>
           <a:p>
             <a:pPr lvl="2"/>
             <a:r>
-              <a:rPr lang="fr-FR" smtClean="0"/>
+              <a:rPr lang="fr-FR"/>
               <a:t>Troisième niveau</a:t>
             </a:r>
           </a:p>
           <a:p>
             <a:pPr lvl="3"/>
             <a:r>
-              <a:rPr lang="fr-FR" smtClean="0"/>
+              <a:rPr lang="fr-FR"/>
               <a:t>Quatrième niveau</a:t>
             </a:r>
           </a:p>
           <a:p>
             <a:pPr lvl="4"/>
             <a:r>
-              <a:rPr lang="fr-FR" smtClean="0"/>
+              <a:rPr lang="fr-FR"/>
               <a:t>Cinquième niveau</a:t>
             </a:r>
             <a:endParaRPr lang="en-US" dirty="0"/>
@@ -5471,7 +5485,7 @@
           <a:p>
             <a:pPr lvl="0"/>
             <a:r>
-              <a:rPr lang="fr-FR" smtClean="0"/>
+              <a:rPr lang="fr-FR"/>
               <a:t>Modifiez les styles du texte du masque</a:t>
             </a:r>
           </a:p>
@@ -5554,35 +5568,35 @@
           <a:p>
             <a:pPr lvl="0"/>
             <a:r>
-              <a:rPr lang="fr-FR" smtClean="0"/>
+              <a:rPr lang="fr-FR"/>
               <a:t>Modifiez les styles du texte du masque</a:t>
             </a:r>
           </a:p>
           <a:p>
             <a:pPr lvl="1"/>
             <a:r>
-              <a:rPr lang="fr-FR" smtClean="0"/>
+              <a:rPr lang="fr-FR"/>
               <a:t>Deuxième niveau</a:t>
             </a:r>
           </a:p>
           <a:p>
             <a:pPr lvl="2"/>
             <a:r>
-              <a:rPr lang="fr-FR" smtClean="0"/>
+              <a:rPr lang="fr-FR"/>
               <a:t>Troisième niveau</a:t>
             </a:r>
           </a:p>
           <a:p>
             <a:pPr lvl="3"/>
             <a:r>
-              <a:rPr lang="fr-FR" smtClean="0"/>
+              <a:rPr lang="fr-FR"/>
               <a:t>Quatrième niveau</a:t>
             </a:r>
           </a:p>
           <a:p>
             <a:pPr lvl="4"/>
             <a:r>
-              <a:rPr lang="fr-FR" smtClean="0"/>
+              <a:rPr lang="fr-FR"/>
               <a:t>Cinquième niveau</a:t>
             </a:r>
             <a:endParaRPr lang="en-US" dirty="0"/>
@@ -5604,7 +5618,7 @@
           <a:bodyPr/>
           <a:lstStyle/>
           <a:p>
-            <a:fld id="{51D450FA-2867-4D9E-920D-05C0ADDF969F}" type="datetimeFigureOut">
+            <a:fld id="{3BA59BF3-49FF-44E8-9970-0DBB1D1CC890}" type="datetime1">
               <a:rPr lang="fr-FR" smtClean="0"/>
               <a:t>29/05/2020</a:t>
             </a:fld>
@@ -5648,7 +5662,7 @@
           <a:p>
             <a:fld id="{9F99AB34-2DF8-4E9C-9CC0-5EF239F20E73}" type="slidenum">
               <a:rPr lang="fr-FR" smtClean="0"/>
-              <a:t>‹N°›</a:t>
+              <a:t>‹#›</a:t>
             </a:fld>
             <a:endParaRPr lang="fr-FR"/>
           </a:p>
@@ -5700,7 +5714,7 @@
           <a:lstStyle/>
           <a:p>
             <a:r>
-              <a:rPr lang="fr-FR" smtClean="0"/>
+              <a:rPr lang="fr-FR"/>
               <a:t>Modifiez le style du titre</a:t>
             </a:r>
             <a:endParaRPr lang="en-US" dirty="0"/>
@@ -5722,7 +5736,7 @@
           <a:bodyPr/>
           <a:lstStyle/>
           <a:p>
-            <a:fld id="{51D450FA-2867-4D9E-920D-05C0ADDF969F}" type="datetimeFigureOut">
+            <a:fld id="{7F4E3163-D55E-4934-9316-9AFB3D395373}" type="datetime1">
               <a:rPr lang="fr-FR" smtClean="0"/>
               <a:t>29/05/2020</a:t>
             </a:fld>
@@ -5766,7 +5780,7 @@
           <a:p>
             <a:fld id="{9F99AB34-2DF8-4E9C-9CC0-5EF239F20E73}" type="slidenum">
               <a:rPr lang="fr-FR" smtClean="0"/>
-              <a:t>‹N°›</a:t>
+              <a:t>‹#›</a:t>
             </a:fld>
             <a:endParaRPr lang="fr-FR"/>
           </a:p>
@@ -5817,7 +5831,7 @@
           <a:bodyPr/>
           <a:lstStyle/>
           <a:p>
-            <a:fld id="{51D450FA-2867-4D9E-920D-05C0ADDF969F}" type="datetimeFigureOut">
+            <a:fld id="{5484D34F-E70F-4195-975D-5E7B1EFA44BF}" type="datetime1">
               <a:rPr lang="fr-FR" smtClean="0"/>
               <a:t>29/05/2020</a:t>
             </a:fld>
@@ -5861,7 +5875,7 @@
           <a:p>
             <a:fld id="{9F99AB34-2DF8-4E9C-9CC0-5EF239F20E73}" type="slidenum">
               <a:rPr lang="fr-FR" smtClean="0"/>
-              <a:t>‹N°›</a:t>
+              <a:t>‹#›</a:t>
             </a:fld>
             <a:endParaRPr lang="fr-FR"/>
           </a:p>
@@ -5924,7 +5938,7 @@
           </a:lstStyle>
           <a:p>
             <a:r>
-              <a:rPr lang="fr-FR" smtClean="0"/>
+              <a:rPr lang="fr-FR"/>
               <a:t>Modifiez le style du titre</a:t>
             </a:r>
             <a:endParaRPr lang="en-US" dirty="0"/>
@@ -5983,35 +5997,35 @@
           <a:p>
             <a:pPr lvl="0"/>
             <a:r>
-              <a:rPr lang="fr-FR" smtClean="0"/>
+              <a:rPr lang="fr-FR"/>
               <a:t>Modifiez les styles du texte du masque</a:t>
             </a:r>
           </a:p>
           <a:p>
             <a:pPr lvl="1"/>
             <a:r>
-              <a:rPr lang="fr-FR" smtClean="0"/>
+              <a:rPr lang="fr-FR"/>
               <a:t>Deuxième niveau</a:t>
             </a:r>
           </a:p>
           <a:p>
             <a:pPr lvl="2"/>
             <a:r>
-              <a:rPr lang="fr-FR" smtClean="0"/>
+              <a:rPr lang="fr-FR"/>
               <a:t>Troisième niveau</a:t>
             </a:r>
           </a:p>
           <a:p>
             <a:pPr lvl="3"/>
             <a:r>
-              <a:rPr lang="fr-FR" smtClean="0"/>
+              <a:rPr lang="fr-FR"/>
               <a:t>Quatrième niveau</a:t>
             </a:r>
           </a:p>
           <a:p>
             <a:pPr lvl="4"/>
             <a:r>
-              <a:rPr lang="fr-FR" smtClean="0"/>
+              <a:rPr lang="fr-FR"/>
               <a:t>Cinquième niveau</a:t>
             </a:r>
             <a:endParaRPr lang="en-US" dirty="0"/>
@@ -6079,7 +6093,7 @@
           <a:p>
             <a:pPr lvl="0"/>
             <a:r>
-              <a:rPr lang="fr-FR" smtClean="0"/>
+              <a:rPr lang="fr-FR"/>
               <a:t>Modifiez les styles du texte du masque</a:t>
             </a:r>
           </a:p>
@@ -6100,7 +6114,7 @@
           <a:bodyPr/>
           <a:lstStyle/>
           <a:p>
-            <a:fld id="{51D450FA-2867-4D9E-920D-05C0ADDF969F}" type="datetimeFigureOut">
+            <a:fld id="{770DA81F-A322-4889-A397-289069E047E6}" type="datetime1">
               <a:rPr lang="fr-FR" smtClean="0"/>
               <a:t>29/05/2020</a:t>
             </a:fld>
@@ -6144,7 +6158,7 @@
           <a:p>
             <a:fld id="{9F99AB34-2DF8-4E9C-9CC0-5EF239F20E73}" type="slidenum">
               <a:rPr lang="fr-FR" smtClean="0"/>
-              <a:t>‹N°›</a:t>
+              <a:t>‹#›</a:t>
             </a:fld>
             <a:endParaRPr lang="fr-FR"/>
           </a:p>
@@ -6207,7 +6221,7 @@
           </a:lstStyle>
           <a:p>
             <a:r>
-              <a:rPr lang="fr-FR" smtClean="0"/>
+              <a:rPr lang="fr-FR"/>
               <a:t>Modifiez le style du titre</a:t>
             </a:r>
             <a:endParaRPr lang="en-US" dirty="0"/>
@@ -6302,7 +6316,7 @@
           </a:lstStyle>
           <a:p>
             <a:r>
-              <a:rPr lang="fr-FR" smtClean="0"/>
+              <a:rPr lang="fr-FR"/>
               <a:t>Cliquez sur l'icône pour ajouter une image</a:t>
             </a:r>
             <a:endParaRPr lang="en-US" dirty="0"/>
@@ -6370,7 +6384,7 @@
           <a:p>
             <a:pPr lvl="0"/>
             <a:r>
-              <a:rPr lang="fr-FR" smtClean="0"/>
+              <a:rPr lang="fr-FR"/>
               <a:t>Modifiez les styles du texte du masque</a:t>
             </a:r>
           </a:p>
@@ -6391,7 +6405,7 @@
           <a:bodyPr/>
           <a:lstStyle/>
           <a:p>
-            <a:fld id="{51D450FA-2867-4D9E-920D-05C0ADDF969F}" type="datetimeFigureOut">
+            <a:fld id="{9696ED1D-FE4B-45E4-94DA-8F166B57D27F}" type="datetime1">
               <a:rPr lang="fr-FR" smtClean="0"/>
               <a:t>29/05/2020</a:t>
             </a:fld>
@@ -6435,7 +6449,7 @@
           <a:p>
             <a:fld id="{9F99AB34-2DF8-4E9C-9CC0-5EF239F20E73}" type="slidenum">
               <a:rPr lang="fr-FR" smtClean="0"/>
-              <a:t>‹N°›</a:t>
+              <a:t>‹#›</a:t>
             </a:fld>
             <a:endParaRPr lang="fr-FR"/>
           </a:p>
@@ -6819,7 +6833,7 @@
           <a:lstStyle/>
           <a:p>
             <a:r>
-              <a:rPr lang="fr-FR" smtClean="0"/>
+              <a:rPr lang="fr-FR"/>
               <a:t>Modifiez le style du titre</a:t>
             </a:r>
             <a:endParaRPr lang="en-US" dirty="0"/>
@@ -6853,35 +6867,35 @@
           <a:p>
             <a:pPr lvl="0"/>
             <a:r>
-              <a:rPr lang="fr-FR" smtClean="0"/>
+              <a:rPr lang="fr-FR"/>
               <a:t>Modifiez les styles du texte du masque</a:t>
             </a:r>
           </a:p>
           <a:p>
             <a:pPr lvl="1"/>
             <a:r>
-              <a:rPr lang="fr-FR" smtClean="0"/>
+              <a:rPr lang="fr-FR"/>
               <a:t>Deuxième niveau</a:t>
             </a:r>
           </a:p>
           <a:p>
             <a:pPr lvl="2"/>
             <a:r>
-              <a:rPr lang="fr-FR" smtClean="0"/>
+              <a:rPr lang="fr-FR"/>
               <a:t>Troisième niveau</a:t>
             </a:r>
           </a:p>
           <a:p>
             <a:pPr lvl="3"/>
             <a:r>
-              <a:rPr lang="fr-FR" smtClean="0"/>
+              <a:rPr lang="fr-FR"/>
               <a:t>Quatrième niveau</a:t>
             </a:r>
           </a:p>
           <a:p>
             <a:pPr lvl="4"/>
             <a:r>
-              <a:rPr lang="fr-FR" smtClean="0"/>
+              <a:rPr lang="fr-FR"/>
               <a:t>Cinquième niveau</a:t>
             </a:r>
             <a:endParaRPr lang="en-US" dirty="0"/>
@@ -6921,7 +6935,7 @@
             </a:lvl1pPr>
           </a:lstStyle>
           <a:p>
-            <a:fld id="{51D450FA-2867-4D9E-920D-05C0ADDF969F}" type="datetimeFigureOut">
+            <a:fld id="{7D5A7F6B-7880-4C00-8333-AC82F4085CFC}" type="datetime1">
               <a:rPr lang="fr-FR" smtClean="0"/>
               <a:t>29/05/2020</a:t>
             </a:fld>
@@ -7001,7 +7015,7 @@
           <a:p>
             <a:fld id="{9F99AB34-2DF8-4E9C-9CC0-5EF239F20E73}" type="slidenum">
               <a:rPr lang="fr-FR" smtClean="0"/>
-              <a:t>‹N°›</a:t>
+              <a:t>‹#›</a:t>
             </a:fld>
             <a:endParaRPr lang="fr-FR"/>
           </a:p>
@@ -7034,6 +7048,7 @@
     <p:sldLayoutId id="2147483933" r:id="rId16"/>
     <p:sldLayoutId id="2147483934" r:id="rId17"/>
   </p:sldLayoutIdLst>
+  <p:hf hdr="0" ftr="0" dt="0"/>
   <p:txStyles>
     <p:titleStyle>
       <a:lvl1pPr algn="ctr" defTabSz="457200" rtl="0" eaLnBrk="1" latinLnBrk="0" hangingPunct="1">
@@ -7475,10 +7490,9 @@
           <a:lstStyle/>
           <a:p>
             <a:r>
-              <a:rPr lang="fr-FR" dirty="0" smtClean="0"/>
+              <a:rPr lang="fr-FR" dirty="0"/>
               <a:t>NC-DROPZONE</a:t>
             </a:r>
-            <a:endParaRPr lang="fr-FR" dirty="0"/>
           </a:p>
         </p:txBody>
       </p:sp>
@@ -7505,7 +7519,7 @@
           <a:lstStyle/>
           <a:p>
             <a:r>
-              <a:rPr lang="fr-FR" dirty="0" smtClean="0"/>
+              <a:rPr lang="fr-FR" dirty="0"/>
               <a:t>Adrien BOUBEE</a:t>
             </a:r>
           </a:p>
@@ -7517,12 +7531,8 @@
           </a:p>
           <a:p>
             <a:r>
-              <a:rPr lang="fr-FR" dirty="0" smtClean="0"/>
-              <a:t>Anthony </a:t>
-            </a:r>
-            <a:r>
               <a:rPr lang="fr-FR" dirty="0"/>
-              <a:t>DARAGNES</a:t>
+              <a:t>Anthony DARAGNES</a:t>
             </a:r>
           </a:p>
           <a:p>
@@ -7539,13 +7549,13 @@
           </a:p>
           <a:p>
             <a:r>
-              <a:rPr lang="fr-FR" dirty="0" smtClean="0"/>
+              <a:rPr lang="fr-FR" dirty="0"/>
               <a:t>Adrien PACORY</a:t>
             </a:r>
           </a:p>
           <a:p>
             <a:r>
-              <a:rPr lang="fr-FR" dirty="0" smtClean="0"/>
+              <a:rPr lang="fr-FR" dirty="0"/>
               <a:t>Olivier TORRESIN</a:t>
             </a:r>
           </a:p>
@@ -7597,10 +7607,9 @@
           <a:lstStyle/>
           <a:p>
             <a:r>
-              <a:rPr lang="fr-FR" dirty="0" smtClean="0"/>
+              <a:rPr lang="fr-FR" dirty="0"/>
               <a:t>Conclusion</a:t>
             </a:r>
-            <a:endParaRPr lang="fr-FR" dirty="0"/>
           </a:p>
         </p:txBody>
       </p:sp>
@@ -7631,18 +7640,14 @@
             </a:pPr>
             <a:r>
               <a:rPr lang="fr-FR" dirty="0"/>
-              <a:t>Proposition </a:t>
-            </a:r>
-            <a:r>
-              <a:rPr lang="fr-FR" dirty="0" smtClean="0"/>
-              <a:t>d’améliorations :</a:t>
+              <a:t>Proposition d’améliorations :</a:t>
             </a:r>
           </a:p>
           <a:p>
             <a:pPr marL="0" indent="0">
               <a:buNone/>
             </a:pPr>
-            <a:endParaRPr lang="fr-FR" dirty="0" smtClean="0"/>
+            <a:endParaRPr lang="fr-FR" dirty="0"/>
           </a:p>
           <a:p>
             <a:pPr lvl="1">
@@ -7651,7 +7656,7 @@
               <a:buChar char="Ø"/>
             </a:pPr>
             <a:r>
-              <a:rPr lang="fr-FR" dirty="0" smtClean="0"/>
+              <a:rPr lang="fr-FR" dirty="0"/>
               <a:t>Grille tarifaire</a:t>
             </a:r>
           </a:p>
@@ -7661,7 +7666,7 @@
               <a:buFont typeface="Wingdings" panose="05000000000000000000" pitchFamily="2" charset="2"/>
               <a:buChar char="Ø"/>
             </a:pPr>
-            <a:endParaRPr lang="fr-FR" dirty="0" smtClean="0"/>
+            <a:endParaRPr lang="fr-FR" dirty="0"/>
           </a:p>
           <a:p>
             <a:pPr lvl="1">
@@ -7670,7 +7675,7 @@
               <a:buChar char="Ø"/>
             </a:pPr>
             <a:r>
-              <a:rPr lang="fr-FR" dirty="0" smtClean="0"/>
+              <a:rPr lang="fr-FR" dirty="0"/>
               <a:t>SSE pour le portail</a:t>
             </a:r>
           </a:p>
@@ -7681,7 +7686,7 @@
               <a:buChar char="q"/>
             </a:pPr>
             <a:r>
-              <a:rPr lang="fr-FR" dirty="0" smtClean="0"/>
+              <a:rPr lang="fr-FR" dirty="0"/>
               <a:t>Mise à jour des informations sans rafraîchir la page</a:t>
             </a:r>
           </a:p>
@@ -7691,7 +7696,7 @@
               <a:buFont typeface="Wingdings" panose="05000000000000000000" pitchFamily="2" charset="2"/>
               <a:buChar char="q"/>
             </a:pPr>
-            <a:endParaRPr lang="fr-FR" dirty="0" smtClean="0"/>
+            <a:endParaRPr lang="fr-FR" dirty="0"/>
           </a:p>
           <a:p>
             <a:pPr lvl="1">
@@ -7701,11 +7706,7 @@
             </a:pPr>
             <a:r>
               <a:rPr lang="fr-FR" dirty="0"/>
-              <a:t>Gestion des </a:t>
-            </a:r>
-            <a:r>
-              <a:rPr lang="fr-FR" dirty="0" smtClean="0"/>
-              <a:t>utilisateurs</a:t>
+              <a:t>Gestion des utilisateurs</a:t>
             </a:r>
           </a:p>
           <a:p>
@@ -7715,57 +7716,452 @@
               <a:buChar char="q"/>
             </a:pPr>
             <a:r>
-              <a:rPr lang="fr-FR" dirty="0" smtClean="0"/>
-              <a:t>Ajouter </a:t>
-            </a:r>
-            <a:r>
               <a:rPr lang="fr-FR" dirty="0"/>
-              <a:t>et éditer des administrateurs et </a:t>
-            </a:r>
-            <a:r>
-              <a:rPr lang="fr-FR" dirty="0" smtClean="0"/>
-              <a:t>secrétaires</a:t>
+              <a:t>Ajouter et éditer des administrateurs et secrétaires</a:t>
             </a:r>
           </a:p>
         </p:txBody>
       </p:sp>
       <p:sp>
         <p:nvSpPr>
-          <p:cNvPr id="4" name="ZoneTexte 3"/>
-          <p:cNvSpPr txBox="1"/>
-          <p:nvPr/>
+          <p:cNvPr id="5" name="Slide Number Placeholder 4">
+            <a:extLst>
+              <a:ext uri="{FF2B5EF4-FFF2-40B4-BE49-F238E27FC236}">
+                <a16:creationId xmlns:a16="http://schemas.microsoft.com/office/drawing/2014/main" id="{61577612-3326-4095-B1D9-96FF200F5B7B}"/>
+              </a:ext>
+            </a:extLst>
+          </p:cNvPr>
+          <p:cNvSpPr>
+            <a:spLocks noGrp="1"/>
+          </p:cNvSpPr>
+          <p:nvPr>
+            <p:ph type="sldNum" sz="quarter" idx="12"/>
+          </p:nvPr>
+        </p:nvSpPr>
+        <p:spPr/>
+        <p:txBody>
+          <a:bodyPr/>
+          <a:lstStyle/>
+          <a:p>
+            <a:fld id="{9F99AB34-2DF8-4E9C-9CC0-5EF239F20E73}" type="slidenum">
+              <a:rPr lang="fr-FR" smtClean="0"/>
+              <a:t>10</a:t>
+            </a:fld>
+            <a:endParaRPr lang="fr-FR"/>
+          </a:p>
+        </p:txBody>
+      </p:sp>
+    </p:spTree>
+    <p:extLst>
+      <p:ext uri="{BB962C8B-B14F-4D97-AF65-F5344CB8AC3E}">
+        <p14:creationId xmlns:p14="http://schemas.microsoft.com/office/powerpoint/2010/main" val="2258605853"/>
+      </p:ext>
+    </p:extLst>
+  </p:cSld>
+  <p:clrMapOvr>
+    <a:masterClrMapping/>
+  </p:clrMapOvr>
+</p:sld>
+</file>
+
+<file path=ppt/slides/slide11.xml><?xml version="1.0" encoding="utf-8"?>
+<p:sld xmlns:a="http://schemas.openxmlformats.org/drawingml/2006/main" xmlns:r="http://schemas.openxmlformats.org/officeDocument/2006/relationships" xmlns:p="http://schemas.openxmlformats.org/presentationml/2006/main">
+  <p:cSld>
+    <p:spTree>
+      <p:nvGrpSpPr>
+        <p:cNvPr id="1" name=""/>
+        <p:cNvGrpSpPr/>
+        <p:nvPr/>
+      </p:nvGrpSpPr>
+      <p:grpSpPr>
+        <a:xfrm>
+          <a:off x="0" y="0"/>
+          <a:ext cx="0" cy="0"/>
+          <a:chOff x="0" y="0"/>
+          <a:chExt cx="0" cy="0"/>
+        </a:xfrm>
+      </p:grpSpPr>
+      <p:sp>
+        <p:nvSpPr>
+          <p:cNvPr id="2" name="Title 1">
+            <a:extLst>
+              <a:ext uri="{FF2B5EF4-FFF2-40B4-BE49-F238E27FC236}">
+                <a16:creationId xmlns:a16="http://schemas.microsoft.com/office/drawing/2014/main" id="{9CFF31E1-2A12-4079-B5F9-68CCFC60E2D6}"/>
+              </a:ext>
+            </a:extLst>
+          </p:cNvPr>
+          <p:cNvSpPr>
+            <a:spLocks noGrp="1"/>
+          </p:cNvSpPr>
+          <p:nvPr>
+            <p:ph type="title"/>
+          </p:nvPr>
+        </p:nvSpPr>
+        <p:spPr/>
+        <p:txBody>
+          <a:bodyPr/>
+          <a:lstStyle/>
+          <a:p>
+            <a:r>
+              <a:rPr lang="fr-FR" dirty="0"/>
+              <a:t>Remerciements</a:t>
+            </a:r>
+          </a:p>
+        </p:txBody>
+      </p:sp>
+      <p:sp>
+        <p:nvSpPr>
+          <p:cNvPr id="3" name="Content Placeholder 2">
+            <a:extLst>
+              <a:ext uri="{FF2B5EF4-FFF2-40B4-BE49-F238E27FC236}">
+                <a16:creationId xmlns:a16="http://schemas.microsoft.com/office/drawing/2014/main" id="{2C976472-B3AB-48C8-AEBC-CE1CA3CA1ACB}"/>
+              </a:ext>
+            </a:extLst>
+          </p:cNvPr>
+          <p:cNvSpPr>
+            <a:spLocks noGrp="1"/>
+          </p:cNvSpPr>
+          <p:nvPr>
+            <p:ph idx="1"/>
+          </p:nvPr>
         </p:nvSpPr>
         <p:spPr>
           <a:xfrm>
-            <a:off x="2380129" y="5553636"/>
-            <a:ext cx="11846859" cy="369332"/>
+            <a:off x="1616286" y="1263616"/>
+            <a:ext cx="8696638" cy="4808306"/>
           </a:xfrm>
-          <a:prstGeom prst="rect">
-            <a:avLst/>
-          </a:prstGeom>
-          <a:noFill/>
         </p:spPr>
         <p:txBody>
-          <a:bodyPr wrap="square" rtlCol="0">
-            <a:spAutoFit/>
+          <a:bodyPr>
+            <a:normAutofit/>
           </a:bodyPr>
           <a:lstStyle/>
           <a:p>
-            <a:r>
-              <a:rPr lang="fr-FR" dirty="0" smtClean="0">
+            <a:pPr>
+              <a:lnSpc>
+                <a:spcPct val="300000"/>
+              </a:lnSpc>
+            </a:pPr>
+            <a:r>
+              <a:rPr lang="fr-FR" dirty="0"/>
+              <a:t>Les disciples de la formation</a:t>
+            </a:r>
+          </a:p>
+          <a:p>
+            <a:pPr>
+              <a:lnSpc>
+                <a:spcPct val="300000"/>
+              </a:lnSpc>
+            </a:pPr>
+            <a:r>
+              <a:rPr lang="fr-FR" dirty="0"/>
+              <a:t>Les formateurs d’AJC (Jordan, Jackie, </a:t>
+            </a:r>
+            <a:r>
+              <a:rPr lang="fr-FR" dirty="0" err="1"/>
+              <a:t>Zachariae</a:t>
+            </a:r>
+            <a:r>
+              <a:rPr lang="fr-FR" dirty="0"/>
+              <a:t> et Jérémy)</a:t>
+            </a:r>
+          </a:p>
+          <a:p>
+            <a:pPr>
+              <a:lnSpc>
+                <a:spcPct val="300000"/>
+              </a:lnSpc>
+            </a:pPr>
+            <a:r>
+              <a:rPr lang="fr-FR" dirty="0"/>
+              <a:t>Sopra Steria</a:t>
+            </a:r>
+          </a:p>
+          <a:p>
+            <a:endParaRPr lang="fr-FR" dirty="0"/>
+          </a:p>
+        </p:txBody>
+      </p:sp>
+      <p:sp>
+        <p:nvSpPr>
+          <p:cNvPr id="4" name="Slide Number Placeholder 3">
+            <a:extLst>
+              <a:ext uri="{FF2B5EF4-FFF2-40B4-BE49-F238E27FC236}">
+                <a16:creationId xmlns:a16="http://schemas.microsoft.com/office/drawing/2014/main" id="{97ACA658-9770-4C6A-A3F4-8CD1AFD0F3C4}"/>
+              </a:ext>
+            </a:extLst>
+          </p:cNvPr>
+          <p:cNvSpPr>
+            <a:spLocks noGrp="1"/>
+          </p:cNvSpPr>
+          <p:nvPr>
+            <p:ph type="sldNum" sz="quarter" idx="12"/>
+          </p:nvPr>
+        </p:nvSpPr>
+        <p:spPr/>
+        <p:txBody>
+          <a:bodyPr/>
+          <a:lstStyle/>
+          <a:p>
+            <a:fld id="{9F99AB34-2DF8-4E9C-9CC0-5EF239F20E73}" type="slidenum">
+              <a:rPr lang="fr-FR" smtClean="0"/>
+              <a:pPr/>
+              <a:t>11</a:t>
+            </a:fld>
+            <a:endParaRPr lang="fr-FR" dirty="0"/>
+          </a:p>
+        </p:txBody>
+      </p:sp>
+    </p:spTree>
+    <p:extLst>
+      <p:ext uri="{BB962C8B-B14F-4D97-AF65-F5344CB8AC3E}">
+        <p14:creationId xmlns:p14="http://schemas.microsoft.com/office/powerpoint/2010/main" val="2268912672"/>
+      </p:ext>
+    </p:extLst>
+  </p:cSld>
+  <p:clrMapOvr>
+    <a:masterClrMapping/>
+  </p:clrMapOvr>
+</p:sld>
+</file>
+
+<file path=ppt/slides/slide12.xml><?xml version="1.0" encoding="utf-8"?>
+<p:sld xmlns:a="http://schemas.openxmlformats.org/drawingml/2006/main" xmlns:r="http://schemas.openxmlformats.org/officeDocument/2006/relationships" xmlns:p="http://schemas.openxmlformats.org/presentationml/2006/main">
+  <p:cSld>
+    <p:spTree>
+      <p:nvGrpSpPr>
+        <p:cNvPr id="1" name=""/>
+        <p:cNvGrpSpPr/>
+        <p:nvPr/>
+      </p:nvGrpSpPr>
+      <p:grpSpPr>
+        <a:xfrm>
+          <a:off x="0" y="0"/>
+          <a:ext cx="0" cy="0"/>
+          <a:chOff x="0" y="0"/>
+          <a:chExt cx="0" cy="0"/>
+        </a:xfrm>
+      </p:grpSpPr>
+      <p:sp>
+        <p:nvSpPr>
+          <p:cNvPr id="4" name="Slide Number Placeholder 3">
+            <a:extLst>
+              <a:ext uri="{FF2B5EF4-FFF2-40B4-BE49-F238E27FC236}">
+                <a16:creationId xmlns:a16="http://schemas.microsoft.com/office/drawing/2014/main" id="{83D6E250-B2C7-4778-A53F-A0DCB7A2E2B3}"/>
+              </a:ext>
+            </a:extLst>
+          </p:cNvPr>
+          <p:cNvSpPr>
+            <a:spLocks noGrp="1"/>
+          </p:cNvSpPr>
+          <p:nvPr>
+            <p:ph type="sldNum" sz="quarter" idx="12"/>
+          </p:nvPr>
+        </p:nvSpPr>
+        <p:spPr/>
+        <p:txBody>
+          <a:bodyPr/>
+          <a:lstStyle/>
+          <a:p>
+            <a:fld id="{9F99AB34-2DF8-4E9C-9CC0-5EF239F20E73}" type="slidenum">
+              <a:rPr lang="fr-FR" smtClean="0"/>
+              <a:pPr/>
+              <a:t>12</a:t>
+            </a:fld>
+            <a:endParaRPr lang="fr-FR" dirty="0"/>
+          </a:p>
+        </p:txBody>
+      </p:sp>
+    </p:spTree>
+    <p:extLst>
+      <p:ext uri="{BB962C8B-B14F-4D97-AF65-F5344CB8AC3E}">
+        <p14:creationId xmlns:p14="http://schemas.microsoft.com/office/powerpoint/2010/main" val="2317427458"/>
+      </p:ext>
+    </p:extLst>
+  </p:cSld>
+  <p:clrMapOvr>
+    <a:masterClrMapping/>
+  </p:clrMapOvr>
+</p:sld>
+</file>
+
+<file path=ppt/slides/slide13.xml><?xml version="1.0" encoding="utf-8"?>
+<p:sld xmlns:a="http://schemas.openxmlformats.org/drawingml/2006/main" xmlns:r="http://schemas.openxmlformats.org/officeDocument/2006/relationships" xmlns:p="http://schemas.openxmlformats.org/presentationml/2006/main">
+  <p:cSld>
+    <p:spTree>
+      <p:nvGrpSpPr>
+        <p:cNvPr id="1" name=""/>
+        <p:cNvGrpSpPr/>
+        <p:nvPr/>
+      </p:nvGrpSpPr>
+      <p:grpSpPr>
+        <a:xfrm>
+          <a:off x="0" y="0"/>
+          <a:ext cx="0" cy="0"/>
+          <a:chOff x="0" y="0"/>
+          <a:chExt cx="0" cy="0"/>
+        </a:xfrm>
+      </p:grpSpPr>
+      <p:sp>
+        <p:nvSpPr>
+          <p:cNvPr id="2" name="Titre 1"/>
+          <p:cNvSpPr>
+            <a:spLocks noGrp="1"/>
+          </p:cNvSpPr>
+          <p:nvPr>
+            <p:ph type="title"/>
+          </p:nvPr>
+        </p:nvSpPr>
+        <p:spPr/>
+        <p:txBody>
+          <a:bodyPr/>
+          <a:lstStyle/>
+          <a:p>
+            <a:r>
+              <a:rPr lang="fr-FR" dirty="0"/>
+              <a:t>Démonstration</a:t>
+            </a:r>
+          </a:p>
+        </p:txBody>
+      </p:sp>
+      <p:sp>
+        <p:nvSpPr>
+          <p:cNvPr id="3" name="Espace réservé du contenu 2"/>
+          <p:cNvSpPr>
+            <a:spLocks noGrp="1"/>
+          </p:cNvSpPr>
+          <p:nvPr>
+            <p:ph idx="1"/>
+          </p:nvPr>
+        </p:nvSpPr>
+        <p:spPr/>
+        <p:txBody>
+          <a:bodyPr anchor="t">
+            <a:normAutofit fontScale="92500" lnSpcReduction="20000"/>
+          </a:bodyPr>
+          <a:lstStyle/>
+          <a:p>
+            <a:r>
+              <a:rPr lang="fr-FR" dirty="0">
                 <a:solidFill>
                   <a:srgbClr val="FF0000"/>
                 </a:solidFill>
               </a:rPr>
-              <a:t>Remerciements : équipe et chef de projet, équipe concurrente, formateurs (Jordan, Jérémy) et </a:t>
-            </a:r>
-            <a:r>
-              <a:rPr lang="fr-FR" dirty="0" err="1" smtClean="0">
+              <a:t>Ordre :</a:t>
+            </a:r>
+          </a:p>
+          <a:p>
+            <a:pPr lvl="1"/>
+            <a:r>
+              <a:rPr lang="fr-FR" dirty="0">
                 <a:solidFill>
                   <a:srgbClr val="FF0000"/>
                 </a:solidFill>
               </a:rPr>
-              <a:t>SopraSteria</a:t>
+              <a:t>Cas 1 : je suis admin</a:t>
+            </a:r>
+          </a:p>
+          <a:p>
+            <a:pPr lvl="2"/>
+            <a:r>
+              <a:rPr lang="fr-FR" dirty="0">
+                <a:solidFill>
+                  <a:srgbClr val="FF0000"/>
+                </a:solidFill>
+              </a:rPr>
+              <a:t>et ses avions</a:t>
+            </a:r>
+          </a:p>
+          <a:p>
+            <a:pPr lvl="2"/>
+            <a:r>
+              <a:rPr lang="fr-FR" dirty="0">
+                <a:solidFill>
+                  <a:srgbClr val="FF0000"/>
+                </a:solidFill>
+              </a:rPr>
+              <a:t>Matériel : éditer </a:t>
+            </a:r>
+            <a:r>
+              <a:rPr lang="fr-FR" dirty="0" err="1">
+                <a:solidFill>
+                  <a:srgbClr val="FF0000"/>
+                </a:solidFill>
+              </a:rPr>
+              <a:t>uAccueil</a:t>
+            </a:r>
+            <a:r>
+              <a:rPr lang="fr-FR" dirty="0">
+                <a:solidFill>
+                  <a:srgbClr val="FF0000"/>
+                </a:solidFill>
+              </a:rPr>
+              <a:t> : connexion</a:t>
+            </a:r>
+          </a:p>
+          <a:p>
+            <a:pPr lvl="2"/>
+            <a:r>
+              <a:rPr lang="fr-FR" dirty="0">
+                <a:solidFill>
+                  <a:srgbClr val="FF0000"/>
+                </a:solidFill>
+              </a:rPr>
+              <a:t>Membre : para : ajouter, modifier, supprimer </a:t>
+            </a:r>
+          </a:p>
+          <a:p>
+            <a:pPr marL="914400" lvl="2" indent="0">
+              <a:buNone/>
+            </a:pPr>
+            <a:r>
+              <a:rPr lang="fr-FR" dirty="0">
+                <a:solidFill>
+                  <a:srgbClr val="FF0000"/>
+                </a:solidFill>
+              </a:rPr>
+              <a:t>			pilote : ajouter pilote n parachute (-&gt; dispo) / ajouter un avion puis l’ajouter à un pilote</a:t>
+            </a:r>
+          </a:p>
+          <a:p>
+            <a:pPr lvl="1"/>
+            <a:r>
+              <a:rPr lang="fr-FR" dirty="0">
+                <a:solidFill>
+                  <a:srgbClr val="FF0000"/>
+                </a:solidFill>
+              </a:rPr>
+              <a:t>Cas 2 : un para veut sauter et s’enregistre pour un saut…</a:t>
+            </a:r>
+          </a:p>
+          <a:p>
+            <a:pPr lvl="2"/>
+            <a:r>
+              <a:rPr lang="fr-FR" dirty="0">
+                <a:solidFill>
+                  <a:srgbClr val="FF0000"/>
+                </a:solidFill>
+              </a:rPr>
+              <a:t>Accueil -&gt; Portail -&gt; consulter… et s’enregistrer</a:t>
+            </a:r>
+          </a:p>
+          <a:p>
+            <a:pPr lvl="2"/>
+            <a:r>
+              <a:rPr lang="fr-FR" dirty="0">
+                <a:solidFill>
+                  <a:srgbClr val="FF0000"/>
+                </a:solidFill>
+              </a:rPr>
+              <a:t>Le secrétaire : Accueil -&gt; connexion -&gt; Vol : prépare le vol, puis le </a:t>
+            </a:r>
+            <a:r>
+              <a:rPr lang="fr-FR" dirty="0" err="1">
+                <a:solidFill>
+                  <a:srgbClr val="FF0000"/>
+                </a:solidFill>
+              </a:rPr>
+              <a:t>cloture</a:t>
             </a:r>
             <a:endParaRPr lang="fr-FR" dirty="0">
               <a:solidFill>
@@ -7773,12 +8169,446 @@
               </a:solidFill>
             </a:endParaRPr>
           </a:p>
+          <a:p>
+            <a:pPr lvl="2"/>
+            <a:r>
+              <a:rPr lang="fr-FR" dirty="0">
+                <a:solidFill>
+                  <a:srgbClr val="FF0000"/>
+                </a:solidFill>
+              </a:rPr>
+              <a:t>L’admin : va consulter l’historique</a:t>
+            </a:r>
+          </a:p>
+          <a:p>
+            <a:pPr lvl="2"/>
+            <a:r>
+              <a:rPr lang="fr-FR" dirty="0">
+                <a:solidFill>
+                  <a:srgbClr val="FF0000"/>
+                </a:solidFill>
+              </a:rPr>
+              <a:t>Le para : va uploader sa vidéo… et paye sa bière !</a:t>
+            </a:r>
+          </a:p>
+          <a:p>
+            <a:pPr lvl="2"/>
+            <a:endParaRPr lang="fr-FR" dirty="0">
+              <a:solidFill>
+                <a:srgbClr val="FF0000"/>
+              </a:solidFill>
+            </a:endParaRPr>
+          </a:p>
+          <a:p>
+            <a:pPr lvl="2"/>
+            <a:r>
+              <a:rPr lang="fr-FR" dirty="0">
+                <a:solidFill>
+                  <a:srgbClr val="FF0000"/>
+                </a:solidFill>
+              </a:rPr>
+              <a:t>Incident ?</a:t>
+            </a:r>
+          </a:p>
+        </p:txBody>
+      </p:sp>
+      <p:sp>
+        <p:nvSpPr>
+          <p:cNvPr id="4" name="Slide Number Placeholder 3">
+            <a:extLst>
+              <a:ext uri="{FF2B5EF4-FFF2-40B4-BE49-F238E27FC236}">
+                <a16:creationId xmlns:a16="http://schemas.microsoft.com/office/drawing/2014/main" id="{75406528-8956-4E1D-862F-4574DE1954B5}"/>
+              </a:ext>
+            </a:extLst>
+          </p:cNvPr>
+          <p:cNvSpPr>
+            <a:spLocks noGrp="1"/>
+          </p:cNvSpPr>
+          <p:nvPr>
+            <p:ph type="sldNum" sz="quarter" idx="12"/>
+          </p:nvPr>
+        </p:nvSpPr>
+        <p:spPr/>
+        <p:txBody>
+          <a:bodyPr/>
+          <a:lstStyle/>
+          <a:p>
+            <a:fld id="{9F99AB34-2DF8-4E9C-9CC0-5EF239F20E73}" type="slidenum">
+              <a:rPr lang="fr-FR" smtClean="0"/>
+              <a:t>13</a:t>
+            </a:fld>
+            <a:endParaRPr lang="fr-FR"/>
+          </a:p>
         </p:txBody>
       </p:sp>
     </p:spTree>
     <p:extLst>
       <p:ext uri="{BB962C8B-B14F-4D97-AF65-F5344CB8AC3E}">
-        <p14:creationId xmlns:p14="http://schemas.microsoft.com/office/powerpoint/2010/main" val="2258605853"/>
+        <p14:creationId xmlns:p14="http://schemas.microsoft.com/office/powerpoint/2010/main" val="4029782382"/>
+      </p:ext>
+    </p:extLst>
+  </p:cSld>
+  <p:clrMapOvr>
+    <a:masterClrMapping/>
+  </p:clrMapOvr>
+</p:sld>
+</file>
+
+<file path=ppt/slides/slide14.xml><?xml version="1.0" encoding="utf-8"?>
+<p:sld xmlns:a="http://schemas.openxmlformats.org/drawingml/2006/main" xmlns:r="http://schemas.openxmlformats.org/officeDocument/2006/relationships" xmlns:p="http://schemas.openxmlformats.org/presentationml/2006/main">
+  <p:cSld>
+    <p:spTree>
+      <p:nvGrpSpPr>
+        <p:cNvPr id="1" name=""/>
+        <p:cNvGrpSpPr/>
+        <p:nvPr/>
+      </p:nvGrpSpPr>
+      <p:grpSpPr>
+        <a:xfrm>
+          <a:off x="0" y="0"/>
+          <a:ext cx="0" cy="0"/>
+          <a:chOff x="0" y="0"/>
+          <a:chExt cx="0" cy="0"/>
+        </a:xfrm>
+      </p:grpSpPr>
+      <p:sp>
+        <p:nvSpPr>
+          <p:cNvPr id="2" name="Titre 1"/>
+          <p:cNvSpPr>
+            <a:spLocks noGrp="1"/>
+          </p:cNvSpPr>
+          <p:nvPr>
+            <p:ph type="title"/>
+          </p:nvPr>
+        </p:nvSpPr>
+        <p:spPr/>
+        <p:txBody>
+          <a:bodyPr/>
+          <a:lstStyle/>
+          <a:p>
+            <a:r>
+              <a:rPr lang="fr-FR" dirty="0">
+                <a:solidFill>
+                  <a:srgbClr val="FF0000"/>
+                </a:solidFill>
+              </a:rPr>
+              <a:t>Technologies utilisées</a:t>
+            </a:r>
+          </a:p>
+        </p:txBody>
+      </p:sp>
+      <p:sp>
+        <p:nvSpPr>
+          <p:cNvPr id="3" name="Espace réservé du contenu 2"/>
+          <p:cNvSpPr>
+            <a:spLocks noGrp="1"/>
+          </p:cNvSpPr>
+          <p:nvPr>
+            <p:ph idx="1"/>
+          </p:nvPr>
+        </p:nvSpPr>
+        <p:spPr/>
+        <p:txBody>
+          <a:bodyPr/>
+          <a:lstStyle/>
+          <a:p>
+            <a:r>
+              <a:rPr lang="fr-FR" dirty="0" err="1">
+                <a:solidFill>
+                  <a:srgbClr val="FF0000"/>
+                </a:solidFill>
+              </a:rPr>
+              <a:t>Spring</a:t>
+            </a:r>
+            <a:r>
+              <a:rPr lang="fr-FR" dirty="0">
+                <a:solidFill>
+                  <a:srgbClr val="FF0000"/>
+                </a:solidFill>
+              </a:rPr>
+              <a:t> Boot : démarrage rapide d’un projet </a:t>
+            </a:r>
+            <a:r>
+              <a:rPr lang="fr-FR" dirty="0" err="1">
+                <a:solidFill>
+                  <a:srgbClr val="FF0000"/>
+                </a:solidFill>
+              </a:rPr>
+              <a:t>Spring</a:t>
+            </a:r>
+            <a:r>
+              <a:rPr lang="fr-FR" dirty="0">
+                <a:solidFill>
+                  <a:srgbClr val="FF0000"/>
+                </a:solidFill>
+              </a:rPr>
+              <a:t> avec gestion des dépendance, peu de configuration…</a:t>
+            </a:r>
+          </a:p>
+          <a:p>
+            <a:pPr lvl="1"/>
+            <a:r>
+              <a:rPr lang="fr-FR" dirty="0">
+                <a:solidFill>
+                  <a:srgbClr val="FF0000"/>
+                </a:solidFill>
+              </a:rPr>
+              <a:t>DATA-JPA, </a:t>
+            </a:r>
+            <a:r>
+              <a:rPr lang="fr-FR" dirty="0" err="1">
+                <a:solidFill>
+                  <a:srgbClr val="FF0000"/>
+                </a:solidFill>
+              </a:rPr>
+              <a:t>Hibernate</a:t>
+            </a:r>
+            <a:r>
+              <a:rPr lang="fr-FR" dirty="0">
+                <a:solidFill>
+                  <a:srgbClr val="FF0000"/>
+                </a:solidFill>
+              </a:rPr>
+              <a:t>, MySQL : communication avec une base de données (car on a des données à gérer)</a:t>
+            </a:r>
+          </a:p>
+          <a:p>
+            <a:pPr lvl="1"/>
+            <a:r>
+              <a:rPr lang="fr-FR" dirty="0">
+                <a:solidFill>
+                  <a:srgbClr val="FF0000"/>
+                </a:solidFill>
+              </a:rPr>
+              <a:t>MVC </a:t>
+            </a:r>
+            <a:r>
+              <a:rPr lang="fr-FR" dirty="0" err="1">
+                <a:solidFill>
+                  <a:srgbClr val="FF0000"/>
+                </a:solidFill>
+              </a:rPr>
+              <a:t>Rest</a:t>
+            </a:r>
+            <a:r>
+              <a:rPr lang="fr-FR" dirty="0">
+                <a:solidFill>
+                  <a:srgbClr val="FF0000"/>
+                </a:solidFill>
+              </a:rPr>
+              <a:t> : api, méthodes </a:t>
+            </a:r>
+            <a:r>
+              <a:rPr lang="fr-FR" dirty="0" err="1">
+                <a:solidFill>
+                  <a:srgbClr val="FF0000"/>
+                </a:solidFill>
+              </a:rPr>
+              <a:t>get</a:t>
+            </a:r>
+            <a:r>
+              <a:rPr lang="fr-FR" dirty="0">
+                <a:solidFill>
+                  <a:srgbClr val="FF0000"/>
+                </a:solidFill>
+              </a:rPr>
+              <a:t>, post, put, </a:t>
+            </a:r>
+            <a:r>
+              <a:rPr lang="fr-FR" dirty="0" err="1">
+                <a:solidFill>
+                  <a:srgbClr val="FF0000"/>
+                </a:solidFill>
+              </a:rPr>
+              <a:t>delete</a:t>
+            </a:r>
+            <a:r>
+              <a:rPr lang="fr-FR" dirty="0">
+                <a:solidFill>
+                  <a:srgbClr val="FF0000"/>
+                </a:solidFill>
+              </a:rPr>
+              <a:t>…</a:t>
+            </a:r>
+          </a:p>
+          <a:p>
+            <a:r>
+              <a:rPr lang="fr-FR" dirty="0" err="1">
+                <a:solidFill>
+                  <a:srgbClr val="FF0000"/>
+                </a:solidFill>
+              </a:rPr>
+              <a:t>Angular</a:t>
+            </a:r>
+            <a:r>
+              <a:rPr lang="fr-FR" dirty="0">
+                <a:solidFill>
+                  <a:srgbClr val="FF0000"/>
+                </a:solidFill>
+              </a:rPr>
+              <a:t> : </a:t>
+            </a:r>
+            <a:r>
+              <a:rPr lang="fr-FR" dirty="0" err="1">
+                <a:solidFill>
+                  <a:srgbClr val="FF0000"/>
+                </a:solidFill>
+              </a:rPr>
+              <a:t>requetes</a:t>
+            </a:r>
+            <a:r>
+              <a:rPr lang="fr-FR" dirty="0">
+                <a:solidFill>
+                  <a:srgbClr val="FF0000"/>
+                </a:solidFill>
+              </a:rPr>
+              <a:t> Ajax facilités, injection de dépendances, binding</a:t>
+            </a:r>
+          </a:p>
+          <a:p>
+            <a:r>
+              <a:rPr lang="fr-FR" dirty="0">
+                <a:solidFill>
+                  <a:srgbClr val="FF0000"/>
+                </a:solidFill>
+              </a:rPr>
+              <a:t>Security :</a:t>
+            </a:r>
+          </a:p>
+          <a:p>
+            <a:pPr lvl="1"/>
+            <a:r>
+              <a:rPr lang="fr-FR" dirty="0" err="1">
+                <a:solidFill>
+                  <a:srgbClr val="FF0000"/>
+                </a:solidFill>
+              </a:rPr>
+              <a:t>Spring</a:t>
+            </a:r>
+            <a:r>
+              <a:rPr lang="fr-FR" dirty="0">
+                <a:solidFill>
+                  <a:srgbClr val="FF0000"/>
+                </a:solidFill>
+              </a:rPr>
+              <a:t> Boot Security -&gt; autorisation des ressources par </a:t>
+            </a:r>
+            <a:r>
+              <a:rPr lang="fr-FR" dirty="0" err="1">
+                <a:solidFill>
+                  <a:srgbClr val="FF0000"/>
+                </a:solidFill>
+              </a:rPr>
+              <a:t>autentification</a:t>
+            </a:r>
+            <a:endParaRPr lang="fr-FR" dirty="0">
+              <a:solidFill>
+                <a:srgbClr val="FF0000"/>
+              </a:solidFill>
+            </a:endParaRPr>
+          </a:p>
+          <a:p>
+            <a:pPr lvl="1"/>
+            <a:r>
+              <a:rPr lang="fr-FR" dirty="0" err="1">
+                <a:solidFill>
+                  <a:srgbClr val="FF0000"/>
+                </a:solidFill>
+              </a:rPr>
+              <a:t>Angular</a:t>
+            </a:r>
+            <a:r>
+              <a:rPr lang="fr-FR" dirty="0">
+                <a:solidFill>
+                  <a:srgbClr val="FF0000"/>
+                </a:solidFill>
+              </a:rPr>
+              <a:t> : récupération et envoi des informations d’authentification + interdiction de certaines vues </a:t>
+            </a:r>
+            <a:r>
+              <a:rPr lang="fr-FR" dirty="0" err="1">
+                <a:solidFill>
+                  <a:srgbClr val="FF0000"/>
+                </a:solidFill>
+              </a:rPr>
+              <a:t>grace</a:t>
+            </a:r>
+            <a:r>
+              <a:rPr lang="fr-FR" dirty="0">
+                <a:solidFill>
+                  <a:srgbClr val="FF0000"/>
+                </a:solidFill>
+              </a:rPr>
+              <a:t> au </a:t>
+            </a:r>
+            <a:r>
+              <a:rPr lang="fr-FR" dirty="0" err="1">
+                <a:solidFill>
+                  <a:srgbClr val="FF0000"/>
+                </a:solidFill>
+              </a:rPr>
+              <a:t>Guard</a:t>
+            </a:r>
+            <a:r>
+              <a:rPr lang="fr-FR" dirty="0">
+                <a:solidFill>
+                  <a:srgbClr val="FF0000"/>
+                </a:solidFill>
+              </a:rPr>
+              <a:t> (méthode </a:t>
+            </a:r>
+            <a:r>
+              <a:rPr lang="fr-FR" dirty="0" err="1">
+                <a:solidFill>
+                  <a:srgbClr val="FF0000"/>
+                </a:solidFill>
+              </a:rPr>
+              <a:t>canActivate</a:t>
+            </a:r>
+            <a:r>
+              <a:rPr lang="fr-FR" dirty="0">
+                <a:solidFill>
+                  <a:srgbClr val="FF0000"/>
+                </a:solidFill>
+              </a:rPr>
+              <a:t>)</a:t>
+            </a:r>
+          </a:p>
+        </p:txBody>
+      </p:sp>
+      <p:sp>
+        <p:nvSpPr>
+          <p:cNvPr id="4" name="Slide Number Placeholder 3">
+            <a:extLst>
+              <a:ext uri="{FF2B5EF4-FFF2-40B4-BE49-F238E27FC236}">
+                <a16:creationId xmlns:a16="http://schemas.microsoft.com/office/drawing/2014/main" id="{CFD8EEF5-1B54-49B0-B6CE-5DD20AF66D87}"/>
+              </a:ext>
+            </a:extLst>
+          </p:cNvPr>
+          <p:cNvSpPr>
+            <a:spLocks noGrp="1"/>
+          </p:cNvSpPr>
+          <p:nvPr>
+            <p:ph type="sldNum" sz="quarter" idx="12"/>
+          </p:nvPr>
+        </p:nvSpPr>
+        <p:spPr/>
+        <p:txBody>
+          <a:bodyPr/>
+          <a:lstStyle/>
+          <a:p>
+            <a:fld id="{9F99AB34-2DF8-4E9C-9CC0-5EF239F20E73}" type="slidenum">
+              <a:rPr lang="fr-FR" smtClean="0"/>
+              <a:t>14</a:t>
+            </a:fld>
+            <a:endParaRPr lang="fr-FR"/>
+          </a:p>
+        </p:txBody>
+      </p:sp>
+    </p:spTree>
+    <p:extLst>
+      <p:ext uri="{BB962C8B-B14F-4D97-AF65-F5344CB8AC3E}">
+        <p14:creationId xmlns:p14="http://schemas.microsoft.com/office/powerpoint/2010/main" val="942055588"/>
       </p:ext>
     </p:extLst>
   </p:cSld>
@@ -7821,10 +8651,9 @@
           <a:lstStyle/>
           <a:p>
             <a:r>
-              <a:rPr lang="fr-FR" dirty="0" smtClean="0"/>
+              <a:rPr lang="fr-FR" dirty="0"/>
               <a:t>L’équipe</a:t>
             </a:r>
-            <a:endParaRPr lang="fr-FR" dirty="0"/>
           </a:p>
         </p:txBody>
       </p:sp>
@@ -7851,7 +8680,7 @@
           <a:p>
             <a:pPr algn="ctr"/>
             <a:r>
-              <a:rPr lang="fr-FR" dirty="0" smtClean="0"/>
+              <a:rPr lang="fr-FR" dirty="0"/>
               <a:t>Kodo BREVET</a:t>
             </a:r>
           </a:p>
@@ -8167,7 +8996,7 @@
           <a:p>
             <a:pPr algn="ctr"/>
             <a:r>
-              <a:rPr lang="fr-FR" dirty="0" smtClean="0"/>
+              <a:rPr lang="fr-FR" dirty="0"/>
               <a:t>Adrien BOUBEE</a:t>
             </a:r>
           </a:p>
@@ -8196,7 +9025,7 @@
           <a:p>
             <a:pPr algn="ctr"/>
             <a:r>
-              <a:rPr lang="fr-FR" dirty="0" smtClean="0"/>
+              <a:rPr lang="fr-FR" dirty="0"/>
               <a:t>Olivier TORRESIN</a:t>
             </a:r>
           </a:p>
@@ -8225,7 +9054,7 @@
           <a:p>
             <a:pPr algn="ctr"/>
             <a:r>
-              <a:rPr lang="fr-FR" dirty="0" smtClean="0"/>
+              <a:rPr lang="fr-FR" dirty="0"/>
               <a:t>Adrien PACORY</a:t>
             </a:r>
           </a:p>
@@ -8254,7 +9083,7 @@
           <a:p>
             <a:pPr algn="ctr"/>
             <a:r>
-              <a:rPr lang="fr-FR" dirty="0" smtClean="0"/>
+              <a:rPr lang="fr-FR" dirty="0"/>
               <a:t>Florian MASSOL</a:t>
             </a:r>
           </a:p>
@@ -8283,7 +9112,7 @@
           <a:p>
             <a:pPr algn="ctr"/>
             <a:r>
-              <a:rPr lang="fr-FR" dirty="0" smtClean="0"/>
+              <a:rPr lang="fr-FR" dirty="0"/>
               <a:t>Delphine DEVILLERS</a:t>
             </a:r>
           </a:p>
@@ -8312,7 +9141,7 @@
           <a:p>
             <a:pPr algn="ctr"/>
             <a:r>
-              <a:rPr lang="fr-FR" dirty="0" smtClean="0"/>
+              <a:rPr lang="fr-FR" dirty="0"/>
               <a:t>Anthony DARAGNES</a:t>
             </a:r>
           </a:p>
@@ -8320,30 +9149,30 @@
       </p:sp>
       <p:sp>
         <p:nvSpPr>
-          <p:cNvPr id="23" name="Rectangle 22"/>
-          <p:cNvSpPr/>
-          <p:nvPr/>
-        </p:nvSpPr>
-        <p:spPr>
-          <a:xfrm>
-            <a:off x="9659471" y="6373033"/>
-            <a:ext cx="1898053" cy="369332"/>
-          </a:xfrm>
-          <a:prstGeom prst="rect">
-            <a:avLst/>
-          </a:prstGeom>
-        </p:spPr>
+          <p:cNvPr id="3" name="Slide Number Placeholder 2">
+            <a:extLst>
+              <a:ext uri="{FF2B5EF4-FFF2-40B4-BE49-F238E27FC236}">
+                <a16:creationId xmlns:a16="http://schemas.microsoft.com/office/drawing/2014/main" id="{6FD57934-EB43-49FB-A276-37EBC2131D83}"/>
+              </a:ext>
+            </a:extLst>
+          </p:cNvPr>
+          <p:cNvSpPr>
+            <a:spLocks noGrp="1"/>
+          </p:cNvSpPr>
+          <p:nvPr>
+            <p:ph type="sldNum" sz="quarter" idx="12"/>
+          </p:nvPr>
+        </p:nvSpPr>
+        <p:spPr/>
         <p:txBody>
-          <a:bodyPr wrap="square">
-            <a:spAutoFit/>
-          </a:bodyPr>
+          <a:bodyPr/>
           <a:lstStyle/>
           <a:p>
-            <a:pPr algn="ctr"/>
-            <a:r>
-              <a:rPr lang="fr-FR" dirty="0" smtClean="0"/>
-              <a:t>Chef de projet</a:t>
-            </a:r>
+            <a:fld id="{9F99AB34-2DF8-4E9C-9CC0-5EF239F20E73}" type="slidenum">
+              <a:rPr lang="fr-FR" smtClean="0"/>
+              <a:t>2</a:t>
+            </a:fld>
+            <a:endParaRPr lang="fr-FR"/>
           </a:p>
         </p:txBody>
       </p:sp>
@@ -8393,10 +9222,9 @@
           <a:lstStyle/>
           <a:p>
             <a:r>
-              <a:rPr lang="fr-FR" dirty="0" smtClean="0"/>
+              <a:rPr lang="fr-FR" dirty="0"/>
               <a:t>Le projet NC-DROPZONE</a:t>
             </a:r>
-            <a:endParaRPr lang="fr-FR" dirty="0"/>
           </a:p>
         </p:txBody>
       </p:sp>
@@ -8426,10 +9254,9 @@
               <a:buChar char="Ø"/>
             </a:pPr>
             <a:r>
-              <a:rPr lang="fr-FR" dirty="0" smtClean="0"/>
+              <a:rPr lang="fr-FR" dirty="0"/>
               <a:t>Un espace administrateur</a:t>
             </a:r>
-            <a:endParaRPr lang="fr-FR" dirty="0"/>
           </a:p>
         </p:txBody>
       </p:sp>
@@ -8688,10 +9515,9 @@
               <a:buChar char="Ø"/>
             </a:pPr>
             <a:r>
-              <a:rPr lang="fr-FR" dirty="0" smtClean="0"/>
+              <a:rPr lang="fr-FR" dirty="0"/>
               <a:t>Un espace d’enregistrement pour les parachutistes</a:t>
             </a:r>
-            <a:endParaRPr lang="fr-FR" dirty="0"/>
           </a:p>
         </p:txBody>
       </p:sp>
@@ -8963,7 +9789,7 @@
                 <a:buNone/>
               </a:pPr>
               <a:r>
-                <a:rPr lang="fr-FR" sz="2800" dirty="0" smtClean="0"/>
+                <a:rPr lang="fr-FR" sz="2800" dirty="0"/>
                 <a:t>Une application web,</a:t>
               </a:r>
             </a:p>
@@ -8973,11 +9799,11 @@
                 <a:buNone/>
               </a:pPr>
               <a:r>
-                <a:rPr lang="fr-FR" sz="2800" dirty="0" smtClean="0"/>
+                <a:rPr lang="fr-FR" sz="2800" dirty="0"/>
                 <a:t>outil de gestion des </a:t>
               </a:r>
               <a:r>
-                <a:rPr lang="fr-FR" sz="2800" dirty="0" err="1" smtClean="0"/>
+                <a:rPr lang="fr-FR" sz="2800" dirty="0" err="1"/>
                 <a:t>avionnages</a:t>
               </a:r>
               <a:endParaRPr lang="fr-FR" sz="2800" dirty="0"/>
@@ -9103,6 +9929,35 @@
           </a:fontRef>
         </p:style>
       </p:cxnSp>
+      <p:sp>
+        <p:nvSpPr>
+          <p:cNvPr id="8" name="Slide Number Placeholder 7">
+            <a:extLst>
+              <a:ext uri="{FF2B5EF4-FFF2-40B4-BE49-F238E27FC236}">
+                <a16:creationId xmlns:a16="http://schemas.microsoft.com/office/drawing/2014/main" id="{A7FBD409-0758-40EA-9CBD-03CDC5DA8404}"/>
+              </a:ext>
+            </a:extLst>
+          </p:cNvPr>
+          <p:cNvSpPr>
+            <a:spLocks noGrp="1"/>
+          </p:cNvSpPr>
+          <p:nvPr>
+            <p:ph type="sldNum" sz="quarter" idx="12"/>
+          </p:nvPr>
+        </p:nvSpPr>
+        <p:spPr/>
+        <p:txBody>
+          <a:bodyPr/>
+          <a:lstStyle/>
+          <a:p>
+            <a:fld id="{9F99AB34-2DF8-4E9C-9CC0-5EF239F20E73}" type="slidenum">
+              <a:rPr lang="fr-FR" smtClean="0"/>
+              <a:t>3</a:t>
+            </a:fld>
+            <a:endParaRPr lang="fr-FR"/>
+          </a:p>
+        </p:txBody>
+      </p:sp>
     </p:spTree>
     <p:extLst>
       <p:ext uri="{BB962C8B-B14F-4D97-AF65-F5344CB8AC3E}">
@@ -9199,10 +10054,9 @@
           <a:lstStyle/>
           <a:p>
             <a:r>
-              <a:rPr lang="fr-FR" dirty="0" smtClean="0"/>
+              <a:rPr lang="fr-FR" dirty="0"/>
               <a:t>Le projet NC-DROPZONE</a:t>
             </a:r>
-            <a:endParaRPr lang="fr-FR" dirty="0"/>
           </a:p>
         </p:txBody>
       </p:sp>
@@ -9226,7 +10080,7 @@
               <a:buNone/>
             </a:pPr>
             <a:r>
-              <a:rPr lang="fr-FR" dirty="0" smtClean="0"/>
+              <a:rPr lang="fr-FR" dirty="0"/>
               <a:t>Un espace parachutistes</a:t>
             </a:r>
           </a:p>
@@ -9237,7 +10091,7 @@
               <a:buChar char="Ø"/>
             </a:pPr>
             <a:r>
-              <a:rPr lang="fr-FR" dirty="0" smtClean="0"/>
+              <a:rPr lang="fr-FR" dirty="0"/>
               <a:t>Accessible à tous les membres du centre</a:t>
             </a:r>
           </a:p>
@@ -9269,7 +10123,7 @@
               <a:buChar char="ü"/>
             </a:pPr>
             <a:r>
-              <a:rPr lang="fr-FR" dirty="0" smtClean="0"/>
+              <a:rPr lang="fr-FR" dirty="0"/>
               <a:t>S’enregistrer pour un saut</a:t>
             </a:r>
           </a:p>
@@ -9286,7 +10140,7 @@
               <a:buChar char="ü"/>
             </a:pPr>
             <a:r>
-              <a:rPr lang="fr-FR" dirty="0" smtClean="0"/>
+              <a:rPr lang="fr-FR" dirty="0"/>
               <a:t>Consulter les vols</a:t>
             </a:r>
           </a:p>
@@ -9299,7 +10153,7 @@
               <a:buChar char="ü"/>
             </a:pPr>
             <a:r>
-              <a:rPr lang="fr-FR" dirty="0" smtClean="0"/>
+              <a:rPr lang="fr-FR" dirty="0"/>
               <a:t>Uploader une vidéo de saut</a:t>
             </a:r>
           </a:p>
@@ -9315,7 +10169,7 @@
               <a:buFont typeface="Wingdings" panose="05000000000000000000" pitchFamily="2" charset="2"/>
               <a:buChar char="ü"/>
             </a:pPr>
-            <a:endParaRPr lang="fr-FR" dirty="0" smtClean="0"/>
+            <a:endParaRPr lang="fr-FR" dirty="0"/>
           </a:p>
         </p:txBody>
       </p:sp>
@@ -9345,9 +10199,38 @@
           <a:p>
             <a:pPr algn="ctr"/>
             <a:r>
-              <a:rPr lang="fr-FR" i="1" dirty="0" smtClean="0"/>
+              <a:rPr lang="fr-FR" i="1" dirty="0"/>
               <a:t>Membre</a:t>
             </a:r>
+          </a:p>
+        </p:txBody>
+      </p:sp>
+      <p:sp>
+        <p:nvSpPr>
+          <p:cNvPr id="4" name="Slide Number Placeholder 3">
+            <a:extLst>
+              <a:ext uri="{FF2B5EF4-FFF2-40B4-BE49-F238E27FC236}">
+                <a16:creationId xmlns:a16="http://schemas.microsoft.com/office/drawing/2014/main" id="{F3388F77-1A05-4A1F-9CA3-547308DA9E6D}"/>
+              </a:ext>
+            </a:extLst>
+          </p:cNvPr>
+          <p:cNvSpPr>
+            <a:spLocks noGrp="1"/>
+          </p:cNvSpPr>
+          <p:nvPr>
+            <p:ph type="sldNum" sz="quarter" idx="12"/>
+          </p:nvPr>
+        </p:nvSpPr>
+        <p:spPr/>
+        <p:txBody>
+          <a:bodyPr/>
+          <a:lstStyle/>
+          <a:p>
+            <a:fld id="{9F99AB34-2DF8-4E9C-9CC0-5EF239F20E73}" type="slidenum">
+              <a:rPr lang="fr-FR" smtClean="0"/>
+              <a:t>4</a:t>
+            </a:fld>
+            <a:endParaRPr lang="fr-FR"/>
           </a:p>
         </p:txBody>
       </p:sp>
@@ -9495,10 +10378,9 @@
           <a:lstStyle/>
           <a:p>
             <a:r>
-              <a:rPr lang="fr-FR" dirty="0" smtClean="0"/>
+              <a:rPr lang="fr-FR" dirty="0"/>
               <a:t>Le projet NC-DROPZONE</a:t>
             </a:r>
-            <a:endParaRPr lang="fr-FR" dirty="0"/>
           </a:p>
         </p:txBody>
       </p:sp>
@@ -9522,7 +10404,7 @@
               <a:buNone/>
             </a:pPr>
             <a:r>
-              <a:rPr lang="fr-FR" dirty="0" smtClean="0"/>
+              <a:rPr lang="fr-FR" dirty="0"/>
               <a:t>Un espace administrateur</a:t>
             </a:r>
           </a:p>
@@ -9533,7 +10415,7 @@
               <a:buChar char="Ø"/>
             </a:pPr>
             <a:r>
-              <a:rPr lang="fr-FR" dirty="0" smtClean="0"/>
+              <a:rPr lang="fr-FR" dirty="0"/>
               <a:t>Accessible aux profils Secrétaire et Administrateur</a:t>
             </a:r>
           </a:p>
@@ -9568,7 +10450,7 @@
               <a:buChar char="ü"/>
             </a:pPr>
             <a:r>
-              <a:rPr lang="fr-FR" dirty="0" smtClean="0"/>
+              <a:rPr lang="fr-FR" dirty="0"/>
               <a:t>Gestion des vols et des sauts</a:t>
             </a:r>
           </a:p>
@@ -9577,7 +10459,7 @@
               <a:buFont typeface="Wingdings" panose="05000000000000000000" pitchFamily="2" charset="2"/>
               <a:buChar char="ü"/>
             </a:pPr>
-            <a:endParaRPr lang="fr-FR" dirty="0" smtClean="0"/>
+            <a:endParaRPr lang="fr-FR" dirty="0"/>
           </a:p>
           <a:p>
             <a:pPr marL="285750" indent="-285750">
@@ -9585,7 +10467,7 @@
               <a:buChar char="ü"/>
             </a:pPr>
             <a:r>
-              <a:rPr lang="fr-FR" dirty="0" smtClean="0"/>
+              <a:rPr lang="fr-FR" dirty="0"/>
               <a:t>Gestion des parachutistes et des pilotes</a:t>
             </a:r>
           </a:p>
@@ -9617,7 +10499,7 @@
               <a:buChar char="ü"/>
             </a:pPr>
             <a:r>
-              <a:rPr lang="fr-FR" dirty="0" smtClean="0"/>
+              <a:rPr lang="fr-FR" dirty="0"/>
               <a:t>Gestion du matériel</a:t>
             </a:r>
           </a:p>
@@ -9630,7 +10512,7 @@
               <a:buChar char="ü"/>
             </a:pPr>
             <a:r>
-              <a:rPr lang="fr-FR" dirty="0" smtClean="0"/>
+              <a:rPr lang="fr-FR" dirty="0"/>
               <a:t>Historique</a:t>
             </a:r>
           </a:p>
@@ -9662,7 +10544,7 @@
           <a:p>
             <a:pPr algn="ctr"/>
             <a:r>
-              <a:rPr lang="fr-FR" i="1" dirty="0" smtClean="0"/>
+              <a:rPr lang="fr-FR" i="1" dirty="0"/>
               <a:t>Secrétaire</a:t>
             </a:r>
           </a:p>
@@ -9694,9 +10576,38 @@
           <a:p>
             <a:pPr algn="ctr"/>
             <a:r>
-              <a:rPr lang="fr-FR" i="1" dirty="0" smtClean="0"/>
+              <a:rPr lang="fr-FR" i="1" dirty="0"/>
               <a:t>Administrateur</a:t>
             </a:r>
+          </a:p>
+        </p:txBody>
+      </p:sp>
+      <p:sp>
+        <p:nvSpPr>
+          <p:cNvPr id="5" name="Slide Number Placeholder 4">
+            <a:extLst>
+              <a:ext uri="{FF2B5EF4-FFF2-40B4-BE49-F238E27FC236}">
+                <a16:creationId xmlns:a16="http://schemas.microsoft.com/office/drawing/2014/main" id="{36942067-C64A-4655-82F2-6E376B6B5EA2}"/>
+              </a:ext>
+            </a:extLst>
+          </p:cNvPr>
+          <p:cNvSpPr>
+            <a:spLocks noGrp="1"/>
+          </p:cNvSpPr>
+          <p:nvPr>
+            <p:ph type="sldNum" sz="quarter" idx="12"/>
+          </p:nvPr>
+        </p:nvSpPr>
+        <p:spPr/>
+        <p:txBody>
+          <a:bodyPr/>
+          <a:lstStyle/>
+          <a:p>
+            <a:fld id="{9F99AB34-2DF8-4E9C-9CC0-5EF239F20E73}" type="slidenum">
+              <a:rPr lang="fr-FR" smtClean="0"/>
+              <a:t>5</a:t>
+            </a:fld>
+            <a:endParaRPr lang="fr-FR"/>
           </a:p>
         </p:txBody>
       </p:sp>
@@ -9746,379 +10657,9 @@
           <a:lstStyle/>
           <a:p>
             <a:r>
-              <a:rPr lang="fr-FR" dirty="0" smtClean="0">
-                <a:solidFill>
-                  <a:srgbClr val="FF0000"/>
-                </a:solidFill>
-              </a:rPr>
+              <a:rPr lang="fr-FR" dirty="0"/>
               <a:t>Technologies utilisées</a:t>
             </a:r>
-            <a:endParaRPr lang="fr-FR" dirty="0">
-              <a:solidFill>
-                <a:srgbClr val="FF0000"/>
-              </a:solidFill>
-            </a:endParaRPr>
-          </a:p>
-        </p:txBody>
-      </p:sp>
-      <p:sp>
-        <p:nvSpPr>
-          <p:cNvPr id="3" name="Espace réservé du contenu 2"/>
-          <p:cNvSpPr>
-            <a:spLocks noGrp="1"/>
-          </p:cNvSpPr>
-          <p:nvPr>
-            <p:ph idx="1"/>
-          </p:nvPr>
-        </p:nvSpPr>
-        <p:spPr/>
-        <p:txBody>
-          <a:bodyPr/>
-          <a:lstStyle/>
-          <a:p>
-            <a:r>
-              <a:rPr lang="fr-FR" dirty="0" err="1">
-                <a:solidFill>
-                  <a:srgbClr val="FF0000"/>
-                </a:solidFill>
-              </a:rPr>
-              <a:t>Spring</a:t>
-            </a:r>
-            <a:r>
-              <a:rPr lang="fr-FR" dirty="0">
-                <a:solidFill>
-                  <a:srgbClr val="FF0000"/>
-                </a:solidFill>
-              </a:rPr>
-              <a:t> </a:t>
-            </a:r>
-            <a:r>
-              <a:rPr lang="fr-FR" dirty="0" smtClean="0">
-                <a:solidFill>
-                  <a:srgbClr val="FF0000"/>
-                </a:solidFill>
-              </a:rPr>
-              <a:t>Boot : démarrage rapide d’un projet </a:t>
-            </a:r>
-            <a:r>
-              <a:rPr lang="fr-FR" dirty="0" err="1" smtClean="0">
-                <a:solidFill>
-                  <a:srgbClr val="FF0000"/>
-                </a:solidFill>
-              </a:rPr>
-              <a:t>Spring</a:t>
-            </a:r>
-            <a:r>
-              <a:rPr lang="fr-FR" dirty="0" smtClean="0">
-                <a:solidFill>
-                  <a:srgbClr val="FF0000"/>
-                </a:solidFill>
-              </a:rPr>
-              <a:t> avec gestion des dépendance, peu de configuration…</a:t>
-            </a:r>
-          </a:p>
-          <a:p>
-            <a:pPr lvl="1"/>
-            <a:r>
-              <a:rPr lang="fr-FR" dirty="0" smtClean="0">
-                <a:solidFill>
-                  <a:srgbClr val="FF0000"/>
-                </a:solidFill>
-              </a:rPr>
-              <a:t>DATA-JPA, </a:t>
-            </a:r>
-            <a:r>
-              <a:rPr lang="fr-FR" dirty="0" err="1" smtClean="0">
-                <a:solidFill>
-                  <a:srgbClr val="FF0000"/>
-                </a:solidFill>
-              </a:rPr>
-              <a:t>Hibernate</a:t>
-            </a:r>
-            <a:r>
-              <a:rPr lang="fr-FR" dirty="0" smtClean="0">
-                <a:solidFill>
-                  <a:srgbClr val="FF0000"/>
-                </a:solidFill>
-              </a:rPr>
-              <a:t>, MySQL : communication avec une base de données (car on a des données à gérer)</a:t>
-            </a:r>
-          </a:p>
-          <a:p>
-            <a:pPr lvl="1"/>
-            <a:r>
-              <a:rPr lang="fr-FR" dirty="0" smtClean="0">
-                <a:solidFill>
-                  <a:srgbClr val="FF0000"/>
-                </a:solidFill>
-              </a:rPr>
-              <a:t>MVC </a:t>
-            </a:r>
-            <a:r>
-              <a:rPr lang="fr-FR" dirty="0" err="1" smtClean="0">
-                <a:solidFill>
-                  <a:srgbClr val="FF0000"/>
-                </a:solidFill>
-              </a:rPr>
-              <a:t>Rest</a:t>
-            </a:r>
-            <a:r>
-              <a:rPr lang="fr-FR" dirty="0" smtClean="0">
-                <a:solidFill>
-                  <a:srgbClr val="FF0000"/>
-                </a:solidFill>
-              </a:rPr>
-              <a:t> : api, méthodes </a:t>
-            </a:r>
-            <a:r>
-              <a:rPr lang="fr-FR" dirty="0" err="1" smtClean="0">
-                <a:solidFill>
-                  <a:srgbClr val="FF0000"/>
-                </a:solidFill>
-              </a:rPr>
-              <a:t>get</a:t>
-            </a:r>
-            <a:r>
-              <a:rPr lang="fr-FR" dirty="0" smtClean="0">
-                <a:solidFill>
-                  <a:srgbClr val="FF0000"/>
-                </a:solidFill>
-              </a:rPr>
-              <a:t>, post, put, </a:t>
-            </a:r>
-            <a:r>
-              <a:rPr lang="fr-FR" dirty="0" err="1" smtClean="0">
-                <a:solidFill>
-                  <a:srgbClr val="FF0000"/>
-                </a:solidFill>
-              </a:rPr>
-              <a:t>delete</a:t>
-            </a:r>
-            <a:r>
-              <a:rPr lang="fr-FR" dirty="0" smtClean="0">
-                <a:solidFill>
-                  <a:srgbClr val="FF0000"/>
-                </a:solidFill>
-              </a:rPr>
-              <a:t>…</a:t>
-            </a:r>
-          </a:p>
-          <a:p>
-            <a:r>
-              <a:rPr lang="fr-FR" dirty="0" err="1" smtClean="0">
-                <a:solidFill>
-                  <a:srgbClr val="FF0000"/>
-                </a:solidFill>
-              </a:rPr>
-              <a:t>Angular</a:t>
-            </a:r>
-            <a:r>
-              <a:rPr lang="fr-FR" dirty="0" smtClean="0">
-                <a:solidFill>
-                  <a:srgbClr val="FF0000"/>
-                </a:solidFill>
-              </a:rPr>
-              <a:t> : </a:t>
-            </a:r>
-            <a:r>
-              <a:rPr lang="fr-FR" dirty="0" err="1" smtClean="0">
-                <a:solidFill>
-                  <a:srgbClr val="FF0000"/>
-                </a:solidFill>
-              </a:rPr>
-              <a:t>requetes</a:t>
-            </a:r>
-            <a:r>
-              <a:rPr lang="fr-FR" dirty="0" smtClean="0">
-                <a:solidFill>
-                  <a:srgbClr val="FF0000"/>
-                </a:solidFill>
-              </a:rPr>
-              <a:t> Ajax facilités, injection de dépendances, binding</a:t>
-            </a:r>
-            <a:endParaRPr lang="fr-FR" dirty="0">
-              <a:solidFill>
-                <a:srgbClr val="FF0000"/>
-              </a:solidFill>
-            </a:endParaRPr>
-          </a:p>
-          <a:p>
-            <a:r>
-              <a:rPr lang="fr-FR" dirty="0" smtClean="0">
-                <a:solidFill>
-                  <a:srgbClr val="FF0000"/>
-                </a:solidFill>
-              </a:rPr>
-              <a:t>Security :</a:t>
-            </a:r>
-          </a:p>
-          <a:p>
-            <a:pPr lvl="1"/>
-            <a:r>
-              <a:rPr lang="fr-FR" dirty="0" err="1" smtClean="0">
-                <a:solidFill>
-                  <a:srgbClr val="FF0000"/>
-                </a:solidFill>
-              </a:rPr>
-              <a:t>Spring</a:t>
-            </a:r>
-            <a:r>
-              <a:rPr lang="fr-FR" dirty="0" smtClean="0">
-                <a:solidFill>
-                  <a:srgbClr val="FF0000"/>
-                </a:solidFill>
-              </a:rPr>
-              <a:t> Boot Security -&gt; autorisation des ressources par </a:t>
-            </a:r>
-            <a:r>
-              <a:rPr lang="fr-FR" dirty="0" err="1" smtClean="0">
-                <a:solidFill>
-                  <a:srgbClr val="FF0000"/>
-                </a:solidFill>
-              </a:rPr>
-              <a:t>autentification</a:t>
-            </a:r>
-            <a:endParaRPr lang="fr-FR" dirty="0" smtClean="0">
-              <a:solidFill>
-                <a:srgbClr val="FF0000"/>
-              </a:solidFill>
-            </a:endParaRPr>
-          </a:p>
-          <a:p>
-            <a:pPr lvl="1"/>
-            <a:r>
-              <a:rPr lang="fr-FR" dirty="0" err="1" smtClean="0">
-                <a:solidFill>
-                  <a:srgbClr val="FF0000"/>
-                </a:solidFill>
-              </a:rPr>
-              <a:t>Angular</a:t>
-            </a:r>
-            <a:r>
-              <a:rPr lang="fr-FR" dirty="0" smtClean="0">
-                <a:solidFill>
-                  <a:srgbClr val="FF0000"/>
-                </a:solidFill>
-              </a:rPr>
-              <a:t> : récupération et envoi des informations d’authentification</a:t>
-            </a:r>
-            <a:r>
-              <a:rPr lang="fr-FR" dirty="0">
-                <a:solidFill>
-                  <a:srgbClr val="FF0000"/>
-                </a:solidFill>
-              </a:rPr>
-              <a:t> </a:t>
-            </a:r>
-            <a:r>
-              <a:rPr lang="fr-FR" dirty="0" smtClean="0">
-                <a:solidFill>
-                  <a:srgbClr val="FF0000"/>
-                </a:solidFill>
-              </a:rPr>
-              <a:t>+ interdiction de certaines vues </a:t>
-            </a:r>
-            <a:r>
-              <a:rPr lang="fr-FR" dirty="0" err="1" smtClean="0">
-                <a:solidFill>
-                  <a:srgbClr val="FF0000"/>
-                </a:solidFill>
-              </a:rPr>
-              <a:t>grace</a:t>
-            </a:r>
-            <a:r>
-              <a:rPr lang="fr-FR" dirty="0" smtClean="0">
-                <a:solidFill>
-                  <a:srgbClr val="FF0000"/>
-                </a:solidFill>
-              </a:rPr>
-              <a:t> au </a:t>
-            </a:r>
-            <a:r>
-              <a:rPr lang="fr-FR" dirty="0" err="1" smtClean="0">
-                <a:solidFill>
-                  <a:srgbClr val="FF0000"/>
-                </a:solidFill>
-              </a:rPr>
-              <a:t>Guard</a:t>
-            </a:r>
-            <a:r>
-              <a:rPr lang="fr-FR" dirty="0" smtClean="0">
-                <a:solidFill>
-                  <a:srgbClr val="FF0000"/>
-                </a:solidFill>
-              </a:rPr>
-              <a:t> (méthode </a:t>
-            </a:r>
-            <a:r>
-              <a:rPr lang="fr-FR" dirty="0" err="1" smtClean="0">
-                <a:solidFill>
-                  <a:srgbClr val="FF0000"/>
-                </a:solidFill>
-              </a:rPr>
-              <a:t>canActivate</a:t>
-            </a:r>
-            <a:r>
-              <a:rPr lang="fr-FR" dirty="0" smtClean="0">
-                <a:solidFill>
-                  <a:srgbClr val="FF0000"/>
-                </a:solidFill>
-              </a:rPr>
-              <a:t>)</a:t>
-            </a:r>
-          </a:p>
-        </p:txBody>
-      </p:sp>
-    </p:spTree>
-    <p:extLst>
-      <p:ext uri="{BB962C8B-B14F-4D97-AF65-F5344CB8AC3E}">
-        <p14:creationId xmlns:p14="http://schemas.microsoft.com/office/powerpoint/2010/main" val="942055588"/>
-      </p:ext>
-    </p:extLst>
-  </p:cSld>
-  <p:clrMapOvr>
-    <a:masterClrMapping/>
-  </p:clrMapOvr>
-</p:sld>
-</file>
-
-<file path=ppt/slides/slide7.xml><?xml version="1.0" encoding="utf-8"?>
-<p:sld xmlns:a="http://schemas.openxmlformats.org/drawingml/2006/main" xmlns:r="http://schemas.openxmlformats.org/officeDocument/2006/relationships" xmlns:p="http://schemas.openxmlformats.org/presentationml/2006/main">
-  <p:cSld>
-    <p:spTree>
-      <p:nvGrpSpPr>
-        <p:cNvPr id="1" name=""/>
-        <p:cNvGrpSpPr/>
-        <p:nvPr/>
-      </p:nvGrpSpPr>
-      <p:grpSpPr>
-        <a:xfrm>
-          <a:off x="0" y="0"/>
-          <a:ext cx="0" cy="0"/>
-          <a:chOff x="0" y="0"/>
-          <a:chExt cx="0" cy="0"/>
-        </a:xfrm>
-      </p:grpSpPr>
-      <p:sp>
-        <p:nvSpPr>
-          <p:cNvPr id="2" name="Titre 1"/>
-          <p:cNvSpPr>
-            <a:spLocks noGrp="1"/>
-          </p:cNvSpPr>
-          <p:nvPr>
-            <p:ph type="title"/>
-          </p:nvPr>
-        </p:nvSpPr>
-        <p:spPr/>
-        <p:txBody>
-          <a:bodyPr/>
-          <a:lstStyle/>
-          <a:p>
-            <a:r>
-              <a:rPr lang="fr-FR" dirty="0" smtClean="0"/>
-              <a:t>Technologies utilisées</a:t>
-            </a:r>
-            <a:endParaRPr lang="fr-FR" dirty="0"/>
           </a:p>
         </p:txBody>
       </p:sp>
@@ -10150,11 +10691,11 @@
               <a:buChar char="ü"/>
             </a:pPr>
             <a:r>
-              <a:rPr lang="fr-FR" sz="1700" dirty="0" smtClean="0"/>
+              <a:rPr lang="fr-FR" sz="1700" dirty="0"/>
               <a:t>Démarrage rapide d’un projet </a:t>
             </a:r>
             <a:r>
-              <a:rPr lang="fr-FR" sz="1700" dirty="0" err="1" smtClean="0"/>
+              <a:rPr lang="fr-FR" sz="1700" dirty="0" err="1"/>
               <a:t>Spring</a:t>
             </a:r>
             <a:endParaRPr lang="fr-FR" sz="1700" dirty="0"/>
@@ -10167,11 +10708,7 @@
             </a:pPr>
             <a:r>
               <a:rPr lang="fr-FR" sz="1700" dirty="0"/>
-              <a:t>G</a:t>
-            </a:r>
-            <a:r>
-              <a:rPr lang="fr-FR" sz="1700" dirty="0" smtClean="0"/>
-              <a:t>estion des dépendances</a:t>
+              <a:t>Gestion des dépendances</a:t>
             </a:r>
           </a:p>
           <a:p>
@@ -10181,7 +10718,7 @@
               <a:buChar char="ü"/>
             </a:pPr>
             <a:r>
-              <a:rPr lang="fr-FR" sz="1700" dirty="0" smtClean="0"/>
+              <a:rPr lang="fr-FR" sz="1700" dirty="0"/>
               <a:t>Peu de configuration</a:t>
             </a:r>
           </a:p>
@@ -10455,7 +10992,7 @@
                 <a:buNone/>
               </a:pPr>
               <a:r>
-                <a:rPr lang="fr-FR" sz="2000" dirty="0" smtClean="0"/>
+                <a:rPr lang="fr-FR" sz="2000" dirty="0"/>
                 <a:t>Security</a:t>
               </a:r>
               <a:endParaRPr lang="fr-FR" sz="2800" dirty="0"/>
@@ -10775,7 +11312,7 @@
                 <a:buNone/>
               </a:pPr>
               <a:r>
-                <a:rPr lang="fr-FR" sz="2800" dirty="0" err="1" smtClean="0"/>
+                <a:rPr lang="fr-FR" sz="2800" dirty="0" err="1"/>
                 <a:t>Angular</a:t>
               </a:r>
               <a:endParaRPr lang="fr-FR" sz="2800" dirty="0"/>
@@ -11080,7 +11617,7 @@
               <a:buChar char="Ø"/>
             </a:pPr>
             <a:r>
-              <a:rPr lang="fr-FR" sz="1700" dirty="0" smtClean="0"/>
+              <a:rPr lang="fr-FR" sz="1700" dirty="0"/>
               <a:t>DATA-JPA : communication avec une base de données</a:t>
             </a:r>
           </a:p>
@@ -11091,14 +11628,14 @@
               <a:buChar char="Ø"/>
             </a:pPr>
             <a:r>
-              <a:rPr lang="fr-FR" sz="1700" dirty="0" smtClean="0"/>
+              <a:rPr lang="fr-FR" sz="1700" dirty="0"/>
               <a:t>MVC </a:t>
             </a:r>
             <a:r>
-              <a:rPr lang="fr-FR" sz="1700" dirty="0" err="1" smtClean="0"/>
+              <a:rPr lang="fr-FR" sz="1700" dirty="0" err="1"/>
               <a:t>Rest</a:t>
             </a:r>
-            <a:endParaRPr lang="fr-FR" sz="1700" dirty="0" smtClean="0"/>
+            <a:endParaRPr lang="fr-FR" sz="1700" dirty="0"/>
           </a:p>
         </p:txBody>
       </p:sp>
@@ -11357,7 +11894,7 @@
               <a:buChar char="ü"/>
             </a:pPr>
             <a:r>
-              <a:rPr lang="fr-FR" sz="1700" dirty="0" smtClean="0"/>
+              <a:rPr lang="fr-FR" sz="1700" dirty="0"/>
               <a:t>Injection de dépendances</a:t>
             </a:r>
           </a:p>
@@ -11368,7 +11905,7 @@
               <a:buChar char="ü"/>
             </a:pPr>
             <a:r>
-              <a:rPr lang="fr-FR" sz="1700" dirty="0" smtClean="0"/>
+              <a:rPr lang="fr-FR" sz="1700" dirty="0"/>
               <a:t>Binding</a:t>
             </a:r>
           </a:p>
@@ -11379,7 +11916,7 @@
               <a:buChar char="ü"/>
             </a:pPr>
             <a:r>
-              <a:rPr lang="fr-FR" sz="1700" dirty="0" smtClean="0"/>
+              <a:rPr lang="fr-FR" sz="1700" dirty="0"/>
               <a:t>Requêtes Ajax facilitées</a:t>
             </a:r>
           </a:p>
@@ -11689,14 +12226,13 @@
                 <a:buNone/>
               </a:pPr>
               <a:r>
-                <a:rPr lang="fr-FR" sz="2800" dirty="0" err="1" smtClean="0"/>
+                <a:rPr lang="fr-FR" sz="2800" dirty="0" err="1"/>
                 <a:t>Spring</a:t>
               </a:r>
               <a:r>
-                <a:rPr lang="fr-FR" sz="2800" dirty="0" smtClean="0"/>
+                <a:rPr lang="fr-FR" sz="2800" dirty="0"/>
                 <a:t> Boot</a:t>
               </a:r>
-              <a:endParaRPr lang="fr-FR" sz="2800" dirty="0"/>
             </a:p>
           </p:txBody>
         </p:sp>
@@ -11998,7 +12534,7 @@
               <a:buChar char="ü"/>
             </a:pPr>
             <a:r>
-              <a:rPr lang="fr-FR" sz="1700" dirty="0" smtClean="0"/>
+              <a:rPr lang="fr-FR" sz="1700" dirty="0"/>
               <a:t>Autorisation des ressources par authentification</a:t>
             </a:r>
           </a:p>
@@ -12259,16 +12795,8 @@
               <a:buChar char="ü"/>
             </a:pPr>
             <a:r>
-              <a:rPr lang="fr-FR" sz="1700" dirty="0" smtClean="0"/>
-              <a:t>Récupération </a:t>
-            </a:r>
-            <a:r>
               <a:rPr lang="fr-FR" sz="1700" dirty="0"/>
-              <a:t>et envoi des informations </a:t>
-            </a:r>
-            <a:r>
-              <a:rPr lang="fr-FR" sz="1700" dirty="0" smtClean="0"/>
-              <a:t>d’authentification</a:t>
+              <a:t>Récupération et envoi des informations d’authentification</a:t>
             </a:r>
           </a:p>
           <a:p>
@@ -12279,21 +12807,37 @@
             </a:pPr>
             <a:r>
               <a:rPr lang="fr-FR" sz="1700" dirty="0"/>
-              <a:t>interdiction de certaines vues </a:t>
-            </a:r>
-            <a:r>
-              <a:rPr lang="fr-FR" sz="1700" dirty="0" smtClean="0"/>
-              <a:t>grâce </a:t>
-            </a:r>
-            <a:r>
-              <a:rPr lang="fr-FR" sz="1700" dirty="0"/>
-              <a:t>au </a:t>
-            </a:r>
-            <a:r>
-              <a:rPr lang="fr-FR" sz="1700" dirty="0" err="1" smtClean="0"/>
-              <a:t>Guard</a:t>
-            </a:r>
-            <a:endParaRPr lang="fr-FR" sz="1700" dirty="0" smtClean="0"/>
+              <a:t>Interdiction de certaines vues grâce au Guard</a:t>
+            </a:r>
+          </a:p>
+        </p:txBody>
+      </p:sp>
+      <p:sp>
+        <p:nvSpPr>
+          <p:cNvPr id="10" name="Slide Number Placeholder 9">
+            <a:extLst>
+              <a:ext uri="{FF2B5EF4-FFF2-40B4-BE49-F238E27FC236}">
+                <a16:creationId xmlns:a16="http://schemas.microsoft.com/office/drawing/2014/main" id="{5429038E-47DE-4A15-9FF3-B56B2C2A428A}"/>
+              </a:ext>
+            </a:extLst>
+          </p:cNvPr>
+          <p:cNvSpPr>
+            <a:spLocks noGrp="1"/>
+          </p:cNvSpPr>
+          <p:nvPr>
+            <p:ph type="sldNum" sz="quarter" idx="12"/>
+          </p:nvPr>
+        </p:nvSpPr>
+        <p:spPr/>
+        <p:txBody>
+          <a:bodyPr/>
+          <a:lstStyle/>
+          <a:p>
+            <a:fld id="{9F99AB34-2DF8-4E9C-9CC0-5EF239F20E73}" type="slidenum">
+              <a:rPr lang="fr-FR" smtClean="0"/>
+              <a:t>6</a:t>
+            </a:fld>
+            <a:endParaRPr lang="fr-FR"/>
           </a:p>
         </p:txBody>
       </p:sp>
@@ -12301,6 +12845,2345 @@
     <p:extLst>
       <p:ext uri="{BB962C8B-B14F-4D97-AF65-F5344CB8AC3E}">
         <p14:creationId xmlns:p14="http://schemas.microsoft.com/office/powerpoint/2010/main" val="2370460669"/>
+      </p:ext>
+    </p:extLst>
+  </p:cSld>
+  <p:clrMapOvr>
+    <a:masterClrMapping/>
+  </p:clrMapOvr>
+</p:sld>
+</file>
+
+<file path=ppt/slides/slide7.xml><?xml version="1.0" encoding="utf-8"?>
+<p:sld xmlns:a="http://schemas.openxmlformats.org/drawingml/2006/main" xmlns:r="http://schemas.openxmlformats.org/officeDocument/2006/relationships" xmlns:p="http://schemas.openxmlformats.org/presentationml/2006/main">
+  <p:cSld>
+    <p:spTree>
+      <p:nvGrpSpPr>
+        <p:cNvPr id="1" name=""/>
+        <p:cNvGrpSpPr/>
+        <p:nvPr/>
+      </p:nvGrpSpPr>
+      <p:grpSpPr>
+        <a:xfrm>
+          <a:off x="0" y="0"/>
+          <a:ext cx="0" cy="0"/>
+          <a:chOff x="0" y="0"/>
+          <a:chExt cx="0" cy="0"/>
+        </a:xfrm>
+      </p:grpSpPr>
+      <p:sp>
+        <p:nvSpPr>
+          <p:cNvPr id="2" name="Title 1">
+            <a:extLst>
+              <a:ext uri="{FF2B5EF4-FFF2-40B4-BE49-F238E27FC236}">
+                <a16:creationId xmlns:a16="http://schemas.microsoft.com/office/drawing/2014/main" id="{BB34C7B6-0FFA-47E7-A759-83C61C3616AA}"/>
+              </a:ext>
+            </a:extLst>
+          </p:cNvPr>
+          <p:cNvSpPr>
+            <a:spLocks noGrp="1"/>
+          </p:cNvSpPr>
+          <p:nvPr>
+            <p:ph type="title"/>
+          </p:nvPr>
+        </p:nvSpPr>
+        <p:spPr/>
+        <p:txBody>
+          <a:bodyPr/>
+          <a:lstStyle/>
+          <a:p>
+            <a:r>
+              <a:rPr lang="fr-FR" dirty="0"/>
+              <a:t>Méthodologie Agile</a:t>
+            </a:r>
+          </a:p>
+        </p:txBody>
+      </p:sp>
+      <p:grpSp>
+        <p:nvGrpSpPr>
+          <p:cNvPr id="4" name="Groupe 19">
+            <a:extLst>
+              <a:ext uri="{FF2B5EF4-FFF2-40B4-BE49-F238E27FC236}">
+                <a16:creationId xmlns:a16="http://schemas.microsoft.com/office/drawing/2014/main" id="{1D90C78E-8CEB-48FA-B9D5-9C256BF53A22}"/>
+              </a:ext>
+            </a:extLst>
+          </p:cNvPr>
+          <p:cNvGrpSpPr/>
+          <p:nvPr/>
+        </p:nvGrpSpPr>
+        <p:grpSpPr>
+          <a:xfrm>
+            <a:off x="1661011" y="1507975"/>
+            <a:ext cx="2741307" cy="1019711"/>
+            <a:chOff x="3294529" y="1438835"/>
+            <a:chExt cx="6535271" cy="1815353"/>
+          </a:xfrm>
+        </p:grpSpPr>
+        <p:sp>
+          <p:nvSpPr>
+            <p:cNvPr id="5" name="Espace réservé du contenu 2">
+              <a:extLst>
+                <a:ext uri="{FF2B5EF4-FFF2-40B4-BE49-F238E27FC236}">
+                  <a16:creationId xmlns:a16="http://schemas.microsoft.com/office/drawing/2014/main" id="{C48A45FC-7488-4D9F-9536-E3EC7F823650}"/>
+                </a:ext>
+              </a:extLst>
+            </p:cNvPr>
+            <p:cNvSpPr txBox="1">
+              <a:spLocks/>
+            </p:cNvSpPr>
+            <p:nvPr/>
+          </p:nvSpPr>
+          <p:spPr>
+            <a:xfrm>
+              <a:off x="3648960" y="1697251"/>
+              <a:ext cx="5826407" cy="1298520"/>
+            </a:xfrm>
+            <a:prstGeom prst="rect">
+              <a:avLst/>
+            </a:prstGeom>
+          </p:spPr>
+          <p:txBody>
+            <a:bodyPr vert="horz" lIns="91440" tIns="45720" rIns="91440" bIns="45720" rtlCol="0" anchor="ctr">
+              <a:normAutofit fontScale="85000" lnSpcReduction="10000"/>
+            </a:bodyPr>
+            <a:lstStyle>
+              <a:lvl1pPr marL="285750" indent="-285750" algn="l" defTabSz="457200" rtl="0" eaLnBrk="1" latinLnBrk="0" hangingPunct="1">
+                <a:spcBef>
+                  <a:spcPct val="20000"/>
+                </a:spcBef>
+                <a:spcAft>
+                  <a:spcPts val="600"/>
+                </a:spcAft>
+                <a:buClr>
+                  <a:schemeClr val="accent1">
+                    <a:lumMod val="75000"/>
+                  </a:schemeClr>
+                </a:buClr>
+                <a:buSzPct val="145000"/>
+                <a:buFont typeface="Arial"/>
+                <a:buChar char="•"/>
+                <a:defRPr sz="2400" kern="1200" cap="none">
+                  <a:solidFill>
+                    <a:schemeClr val="tx1"/>
+                  </a:solidFill>
+                  <a:effectLst/>
+                  <a:latin typeface="+mn-lt"/>
+                  <a:ea typeface="+mn-ea"/>
+                  <a:cs typeface="+mn-cs"/>
+                </a:defRPr>
+              </a:lvl1pPr>
+              <a:lvl2pPr marL="742950" indent="-285750" algn="l" defTabSz="457200" rtl="0" eaLnBrk="1" latinLnBrk="0" hangingPunct="1">
+                <a:spcBef>
+                  <a:spcPct val="20000"/>
+                </a:spcBef>
+                <a:spcAft>
+                  <a:spcPts val="600"/>
+                </a:spcAft>
+                <a:buClr>
+                  <a:schemeClr val="accent1">
+                    <a:lumMod val="75000"/>
+                  </a:schemeClr>
+                </a:buClr>
+                <a:buSzPct val="145000"/>
+                <a:buFont typeface="Arial"/>
+                <a:buChar char="•"/>
+                <a:defRPr sz="2000" kern="1200" cap="none">
+                  <a:solidFill>
+                    <a:schemeClr val="tx1"/>
+                  </a:solidFill>
+                  <a:effectLst/>
+                  <a:latin typeface="+mn-lt"/>
+                  <a:ea typeface="+mn-ea"/>
+                  <a:cs typeface="+mn-cs"/>
+                </a:defRPr>
+              </a:lvl2pPr>
+              <a:lvl3pPr marL="1200150" indent="-285750" algn="l" defTabSz="457200" rtl="0" eaLnBrk="1" latinLnBrk="0" hangingPunct="1">
+                <a:spcBef>
+                  <a:spcPct val="20000"/>
+                </a:spcBef>
+                <a:spcAft>
+                  <a:spcPts val="600"/>
+                </a:spcAft>
+                <a:buClr>
+                  <a:schemeClr val="accent1">
+                    <a:lumMod val="75000"/>
+                  </a:schemeClr>
+                </a:buClr>
+                <a:buSzPct val="145000"/>
+                <a:buFont typeface="Arial"/>
+                <a:buChar char="•"/>
+                <a:defRPr sz="1800" kern="1200" cap="none">
+                  <a:solidFill>
+                    <a:schemeClr val="tx1"/>
+                  </a:solidFill>
+                  <a:effectLst/>
+                  <a:latin typeface="+mn-lt"/>
+                  <a:ea typeface="+mn-ea"/>
+                  <a:cs typeface="+mn-cs"/>
+                </a:defRPr>
+              </a:lvl3pPr>
+              <a:lvl4pPr marL="1543050" indent="-171450" algn="l" defTabSz="457200" rtl="0" eaLnBrk="1" latinLnBrk="0" hangingPunct="1">
+                <a:spcBef>
+                  <a:spcPct val="20000"/>
+                </a:spcBef>
+                <a:spcAft>
+                  <a:spcPts val="600"/>
+                </a:spcAft>
+                <a:buClr>
+                  <a:schemeClr val="accent1">
+                    <a:lumMod val="75000"/>
+                  </a:schemeClr>
+                </a:buClr>
+                <a:buSzPct val="145000"/>
+                <a:buFont typeface="Arial"/>
+                <a:buChar char="•"/>
+                <a:defRPr sz="1600" kern="1200" cap="none">
+                  <a:solidFill>
+                    <a:schemeClr val="tx1"/>
+                  </a:solidFill>
+                  <a:effectLst/>
+                  <a:latin typeface="+mn-lt"/>
+                  <a:ea typeface="+mn-ea"/>
+                  <a:cs typeface="+mn-cs"/>
+                </a:defRPr>
+              </a:lvl4pPr>
+              <a:lvl5pPr marL="2000250" indent="-171450" algn="l" defTabSz="457200" rtl="0" eaLnBrk="1" latinLnBrk="0" hangingPunct="1">
+                <a:spcBef>
+                  <a:spcPct val="20000"/>
+                </a:spcBef>
+                <a:spcAft>
+                  <a:spcPts val="600"/>
+                </a:spcAft>
+                <a:buClr>
+                  <a:schemeClr val="accent1">
+                    <a:lumMod val="75000"/>
+                  </a:schemeClr>
+                </a:buClr>
+                <a:buSzPct val="145000"/>
+                <a:buFont typeface="Arial"/>
+                <a:buChar char="•"/>
+                <a:defRPr sz="1400" kern="1200" cap="none">
+                  <a:solidFill>
+                    <a:schemeClr val="tx1"/>
+                  </a:solidFill>
+                  <a:effectLst/>
+                  <a:latin typeface="+mn-lt"/>
+                  <a:ea typeface="+mn-ea"/>
+                  <a:cs typeface="+mn-cs"/>
+                </a:defRPr>
+              </a:lvl5pPr>
+              <a:lvl6pPr marL="2514600" indent="-228600" algn="l" defTabSz="457200" rtl="0" eaLnBrk="1" latinLnBrk="0" hangingPunct="1">
+                <a:spcBef>
+                  <a:spcPct val="20000"/>
+                </a:spcBef>
+                <a:spcAft>
+                  <a:spcPts val="600"/>
+                </a:spcAft>
+                <a:buClr>
+                  <a:schemeClr val="accent1">
+                    <a:lumMod val="75000"/>
+                  </a:schemeClr>
+                </a:buClr>
+                <a:buSzPct val="145000"/>
+                <a:buFont typeface="Arial"/>
+                <a:buChar char="•"/>
+                <a:defRPr sz="1400" kern="1200" cap="none">
+                  <a:solidFill>
+                    <a:schemeClr val="tx1"/>
+                  </a:solidFill>
+                  <a:effectLst/>
+                  <a:latin typeface="+mn-lt"/>
+                  <a:ea typeface="+mn-ea"/>
+                  <a:cs typeface="+mn-cs"/>
+                </a:defRPr>
+              </a:lvl6pPr>
+              <a:lvl7pPr marL="2971800" indent="-228600" algn="l" defTabSz="457200" rtl="0" eaLnBrk="1" latinLnBrk="0" hangingPunct="1">
+                <a:spcBef>
+                  <a:spcPct val="20000"/>
+                </a:spcBef>
+                <a:spcAft>
+                  <a:spcPts val="600"/>
+                </a:spcAft>
+                <a:buClr>
+                  <a:schemeClr val="accent1">
+                    <a:lumMod val="75000"/>
+                  </a:schemeClr>
+                </a:buClr>
+                <a:buSzPct val="145000"/>
+                <a:buFont typeface="Arial"/>
+                <a:buChar char="•"/>
+                <a:defRPr sz="1400" kern="1200" cap="none">
+                  <a:solidFill>
+                    <a:schemeClr val="tx1"/>
+                  </a:solidFill>
+                  <a:effectLst/>
+                  <a:latin typeface="+mn-lt"/>
+                  <a:ea typeface="+mn-ea"/>
+                  <a:cs typeface="+mn-cs"/>
+                </a:defRPr>
+              </a:lvl7pPr>
+              <a:lvl8pPr marL="3429000" indent="-228600" algn="l" defTabSz="457200" rtl="0" eaLnBrk="1" latinLnBrk="0" hangingPunct="1">
+                <a:spcBef>
+                  <a:spcPct val="20000"/>
+                </a:spcBef>
+                <a:spcAft>
+                  <a:spcPts val="600"/>
+                </a:spcAft>
+                <a:buClr>
+                  <a:schemeClr val="accent1">
+                    <a:lumMod val="75000"/>
+                  </a:schemeClr>
+                </a:buClr>
+                <a:buSzPct val="145000"/>
+                <a:buFont typeface="Arial"/>
+                <a:buChar char="•"/>
+                <a:defRPr sz="1400" kern="1200" cap="none">
+                  <a:solidFill>
+                    <a:schemeClr val="tx1"/>
+                  </a:solidFill>
+                  <a:effectLst/>
+                  <a:latin typeface="+mn-lt"/>
+                  <a:ea typeface="+mn-ea"/>
+                  <a:cs typeface="+mn-cs"/>
+                </a:defRPr>
+              </a:lvl8pPr>
+              <a:lvl9pPr marL="3886200" indent="-228600" algn="l" defTabSz="457200" rtl="0" eaLnBrk="1" latinLnBrk="0" hangingPunct="1">
+                <a:spcBef>
+                  <a:spcPct val="20000"/>
+                </a:spcBef>
+                <a:spcAft>
+                  <a:spcPts val="600"/>
+                </a:spcAft>
+                <a:buClr>
+                  <a:schemeClr val="accent1">
+                    <a:lumMod val="75000"/>
+                  </a:schemeClr>
+                </a:buClr>
+                <a:buSzPct val="145000"/>
+                <a:buFont typeface="Arial"/>
+                <a:buChar char="•"/>
+                <a:defRPr sz="1400" kern="1200" cap="none">
+                  <a:solidFill>
+                    <a:schemeClr val="tx1"/>
+                  </a:solidFill>
+                  <a:effectLst/>
+                  <a:latin typeface="+mn-lt"/>
+                  <a:ea typeface="+mn-ea"/>
+                  <a:cs typeface="+mn-cs"/>
+                </a:defRPr>
+              </a:lvl9pPr>
+            </a:lstStyle>
+            <a:p>
+              <a:pPr marL="0" indent="0" algn="ctr">
+                <a:buFont typeface="Arial"/>
+                <a:buNone/>
+              </a:pPr>
+              <a:r>
+                <a:rPr lang="fr-FR" sz="1600" dirty="0"/>
+                <a:t>Sprint </a:t>
+              </a:r>
+              <a:r>
+                <a:rPr lang="fr-FR" sz="1600" dirty="0" err="1"/>
+                <a:t>Backlog</a:t>
+              </a:r>
+              <a:endParaRPr lang="fr-FR" sz="1600" dirty="0"/>
+            </a:p>
+            <a:p>
+              <a:pPr marL="0" indent="0" algn="ctr">
+                <a:buFont typeface="Arial"/>
+                <a:buNone/>
+              </a:pPr>
+              <a:r>
+                <a:rPr lang="fr-FR" sz="1600" dirty="0"/>
+                <a:t>(PO et intermédiaire équipe)</a:t>
+              </a:r>
+            </a:p>
+          </p:txBody>
+        </p:sp>
+        <p:sp>
+          <p:nvSpPr>
+            <p:cNvPr id="6" name="Rectangle 5">
+              <a:extLst>
+                <a:ext uri="{FF2B5EF4-FFF2-40B4-BE49-F238E27FC236}">
+                  <a16:creationId xmlns:a16="http://schemas.microsoft.com/office/drawing/2014/main" id="{EB09CB00-F7F5-4BED-BB1E-2F76F0A79660}"/>
+                </a:ext>
+              </a:extLst>
+            </p:cNvPr>
+            <p:cNvSpPr/>
+            <p:nvPr/>
+          </p:nvSpPr>
+          <p:spPr>
+            <a:xfrm>
+              <a:off x="3294529" y="1438835"/>
+              <a:ext cx="6535271" cy="1815353"/>
+            </a:xfrm>
+            <a:prstGeom prst="rect">
+              <a:avLst/>
+            </a:prstGeom>
+            <a:noFill/>
+            <a:ln w="28575"/>
+          </p:spPr>
+          <p:style>
+            <a:lnRef idx="2">
+              <a:schemeClr val="accent1">
+                <a:shade val="50000"/>
+              </a:schemeClr>
+            </a:lnRef>
+            <a:fillRef idx="1">
+              <a:schemeClr val="accent1"/>
+            </a:fillRef>
+            <a:effectRef idx="0">
+              <a:schemeClr val="accent1"/>
+            </a:effectRef>
+            <a:fontRef idx="minor">
+              <a:schemeClr val="lt1"/>
+            </a:fontRef>
+          </p:style>
+          <p:txBody>
+            <a:bodyPr rtlCol="0" anchor="ctr"/>
+            <a:lstStyle/>
+            <a:p>
+              <a:pPr algn="ctr"/>
+              <a:endParaRPr lang="fr-FR"/>
+            </a:p>
+          </p:txBody>
+        </p:sp>
+      </p:grpSp>
+      <p:sp>
+        <p:nvSpPr>
+          <p:cNvPr id="7" name="TextBox 6">
+            <a:extLst>
+              <a:ext uri="{FF2B5EF4-FFF2-40B4-BE49-F238E27FC236}">
+                <a16:creationId xmlns:a16="http://schemas.microsoft.com/office/drawing/2014/main" id="{55758593-FB0A-4981-9AF2-B611262CA535}"/>
+              </a:ext>
+            </a:extLst>
+          </p:cNvPr>
+          <p:cNvSpPr txBox="1"/>
+          <p:nvPr/>
+        </p:nvSpPr>
+        <p:spPr>
+          <a:xfrm>
+            <a:off x="2508485" y="2548348"/>
+            <a:ext cx="1046355" cy="276999"/>
+          </a:xfrm>
+          <a:prstGeom prst="rect">
+            <a:avLst/>
+          </a:prstGeom>
+          <a:noFill/>
+        </p:spPr>
+        <p:txBody>
+          <a:bodyPr wrap="square" rtlCol="0">
+            <a:spAutoFit/>
+          </a:bodyPr>
+          <a:lstStyle/>
+          <a:p>
+            <a:pPr algn="ctr"/>
+            <a:r>
+              <a:rPr lang="fr-FR" sz="1200" dirty="0"/>
+              <a:t>Lundi 9h30</a:t>
+            </a:r>
+          </a:p>
+        </p:txBody>
+      </p:sp>
+      <p:grpSp>
+        <p:nvGrpSpPr>
+          <p:cNvPr id="8" name="Groupe 19">
+            <a:extLst>
+              <a:ext uri="{FF2B5EF4-FFF2-40B4-BE49-F238E27FC236}">
+                <a16:creationId xmlns:a16="http://schemas.microsoft.com/office/drawing/2014/main" id="{45F9DD4E-4175-43EE-BD1E-A0F8E42D0591}"/>
+              </a:ext>
+            </a:extLst>
+          </p:cNvPr>
+          <p:cNvGrpSpPr/>
+          <p:nvPr/>
+        </p:nvGrpSpPr>
+        <p:grpSpPr>
+          <a:xfrm>
+            <a:off x="4928939" y="1507975"/>
+            <a:ext cx="2741307" cy="1019710"/>
+            <a:chOff x="3294529" y="1438835"/>
+            <a:chExt cx="6535271" cy="1815353"/>
+          </a:xfrm>
+        </p:grpSpPr>
+        <p:sp>
+          <p:nvSpPr>
+            <p:cNvPr id="9" name="Espace réservé du contenu 2">
+              <a:extLst>
+                <a:ext uri="{FF2B5EF4-FFF2-40B4-BE49-F238E27FC236}">
+                  <a16:creationId xmlns:a16="http://schemas.microsoft.com/office/drawing/2014/main" id="{A7BBA3CC-A735-4CEC-B76A-F0A67BB88D58}"/>
+                </a:ext>
+              </a:extLst>
+            </p:cNvPr>
+            <p:cNvSpPr txBox="1">
+              <a:spLocks/>
+            </p:cNvSpPr>
+            <p:nvPr/>
+          </p:nvSpPr>
+          <p:spPr>
+            <a:xfrm>
+              <a:off x="3648960" y="1697251"/>
+              <a:ext cx="5826407" cy="1298520"/>
+            </a:xfrm>
+            <a:prstGeom prst="rect">
+              <a:avLst/>
+            </a:prstGeom>
+          </p:spPr>
+          <p:txBody>
+            <a:bodyPr vert="horz" lIns="91440" tIns="45720" rIns="91440" bIns="45720" rtlCol="0" anchor="ctr">
+              <a:normAutofit/>
+            </a:bodyPr>
+            <a:lstStyle>
+              <a:lvl1pPr marL="285750" indent="-285750" algn="l" defTabSz="457200" rtl="0" eaLnBrk="1" latinLnBrk="0" hangingPunct="1">
+                <a:spcBef>
+                  <a:spcPct val="20000"/>
+                </a:spcBef>
+                <a:spcAft>
+                  <a:spcPts val="600"/>
+                </a:spcAft>
+                <a:buClr>
+                  <a:schemeClr val="accent1">
+                    <a:lumMod val="75000"/>
+                  </a:schemeClr>
+                </a:buClr>
+                <a:buSzPct val="145000"/>
+                <a:buFont typeface="Arial"/>
+                <a:buChar char="•"/>
+                <a:defRPr sz="2400" kern="1200" cap="none">
+                  <a:solidFill>
+                    <a:schemeClr val="tx1"/>
+                  </a:solidFill>
+                  <a:effectLst/>
+                  <a:latin typeface="+mn-lt"/>
+                  <a:ea typeface="+mn-ea"/>
+                  <a:cs typeface="+mn-cs"/>
+                </a:defRPr>
+              </a:lvl1pPr>
+              <a:lvl2pPr marL="742950" indent="-285750" algn="l" defTabSz="457200" rtl="0" eaLnBrk="1" latinLnBrk="0" hangingPunct="1">
+                <a:spcBef>
+                  <a:spcPct val="20000"/>
+                </a:spcBef>
+                <a:spcAft>
+                  <a:spcPts val="600"/>
+                </a:spcAft>
+                <a:buClr>
+                  <a:schemeClr val="accent1">
+                    <a:lumMod val="75000"/>
+                  </a:schemeClr>
+                </a:buClr>
+                <a:buSzPct val="145000"/>
+                <a:buFont typeface="Arial"/>
+                <a:buChar char="•"/>
+                <a:defRPr sz="2000" kern="1200" cap="none">
+                  <a:solidFill>
+                    <a:schemeClr val="tx1"/>
+                  </a:solidFill>
+                  <a:effectLst/>
+                  <a:latin typeface="+mn-lt"/>
+                  <a:ea typeface="+mn-ea"/>
+                  <a:cs typeface="+mn-cs"/>
+                </a:defRPr>
+              </a:lvl2pPr>
+              <a:lvl3pPr marL="1200150" indent="-285750" algn="l" defTabSz="457200" rtl="0" eaLnBrk="1" latinLnBrk="0" hangingPunct="1">
+                <a:spcBef>
+                  <a:spcPct val="20000"/>
+                </a:spcBef>
+                <a:spcAft>
+                  <a:spcPts val="600"/>
+                </a:spcAft>
+                <a:buClr>
+                  <a:schemeClr val="accent1">
+                    <a:lumMod val="75000"/>
+                  </a:schemeClr>
+                </a:buClr>
+                <a:buSzPct val="145000"/>
+                <a:buFont typeface="Arial"/>
+                <a:buChar char="•"/>
+                <a:defRPr sz="1800" kern="1200" cap="none">
+                  <a:solidFill>
+                    <a:schemeClr val="tx1"/>
+                  </a:solidFill>
+                  <a:effectLst/>
+                  <a:latin typeface="+mn-lt"/>
+                  <a:ea typeface="+mn-ea"/>
+                  <a:cs typeface="+mn-cs"/>
+                </a:defRPr>
+              </a:lvl3pPr>
+              <a:lvl4pPr marL="1543050" indent="-171450" algn="l" defTabSz="457200" rtl="0" eaLnBrk="1" latinLnBrk="0" hangingPunct="1">
+                <a:spcBef>
+                  <a:spcPct val="20000"/>
+                </a:spcBef>
+                <a:spcAft>
+                  <a:spcPts val="600"/>
+                </a:spcAft>
+                <a:buClr>
+                  <a:schemeClr val="accent1">
+                    <a:lumMod val="75000"/>
+                  </a:schemeClr>
+                </a:buClr>
+                <a:buSzPct val="145000"/>
+                <a:buFont typeface="Arial"/>
+                <a:buChar char="•"/>
+                <a:defRPr sz="1600" kern="1200" cap="none">
+                  <a:solidFill>
+                    <a:schemeClr val="tx1"/>
+                  </a:solidFill>
+                  <a:effectLst/>
+                  <a:latin typeface="+mn-lt"/>
+                  <a:ea typeface="+mn-ea"/>
+                  <a:cs typeface="+mn-cs"/>
+                </a:defRPr>
+              </a:lvl4pPr>
+              <a:lvl5pPr marL="2000250" indent="-171450" algn="l" defTabSz="457200" rtl="0" eaLnBrk="1" latinLnBrk="0" hangingPunct="1">
+                <a:spcBef>
+                  <a:spcPct val="20000"/>
+                </a:spcBef>
+                <a:spcAft>
+                  <a:spcPts val="600"/>
+                </a:spcAft>
+                <a:buClr>
+                  <a:schemeClr val="accent1">
+                    <a:lumMod val="75000"/>
+                  </a:schemeClr>
+                </a:buClr>
+                <a:buSzPct val="145000"/>
+                <a:buFont typeface="Arial"/>
+                <a:buChar char="•"/>
+                <a:defRPr sz="1400" kern="1200" cap="none">
+                  <a:solidFill>
+                    <a:schemeClr val="tx1"/>
+                  </a:solidFill>
+                  <a:effectLst/>
+                  <a:latin typeface="+mn-lt"/>
+                  <a:ea typeface="+mn-ea"/>
+                  <a:cs typeface="+mn-cs"/>
+                </a:defRPr>
+              </a:lvl5pPr>
+              <a:lvl6pPr marL="2514600" indent="-228600" algn="l" defTabSz="457200" rtl="0" eaLnBrk="1" latinLnBrk="0" hangingPunct="1">
+                <a:spcBef>
+                  <a:spcPct val="20000"/>
+                </a:spcBef>
+                <a:spcAft>
+                  <a:spcPts val="600"/>
+                </a:spcAft>
+                <a:buClr>
+                  <a:schemeClr val="accent1">
+                    <a:lumMod val="75000"/>
+                  </a:schemeClr>
+                </a:buClr>
+                <a:buSzPct val="145000"/>
+                <a:buFont typeface="Arial"/>
+                <a:buChar char="•"/>
+                <a:defRPr sz="1400" kern="1200" cap="none">
+                  <a:solidFill>
+                    <a:schemeClr val="tx1"/>
+                  </a:solidFill>
+                  <a:effectLst/>
+                  <a:latin typeface="+mn-lt"/>
+                  <a:ea typeface="+mn-ea"/>
+                  <a:cs typeface="+mn-cs"/>
+                </a:defRPr>
+              </a:lvl6pPr>
+              <a:lvl7pPr marL="2971800" indent="-228600" algn="l" defTabSz="457200" rtl="0" eaLnBrk="1" latinLnBrk="0" hangingPunct="1">
+                <a:spcBef>
+                  <a:spcPct val="20000"/>
+                </a:spcBef>
+                <a:spcAft>
+                  <a:spcPts val="600"/>
+                </a:spcAft>
+                <a:buClr>
+                  <a:schemeClr val="accent1">
+                    <a:lumMod val="75000"/>
+                  </a:schemeClr>
+                </a:buClr>
+                <a:buSzPct val="145000"/>
+                <a:buFont typeface="Arial"/>
+                <a:buChar char="•"/>
+                <a:defRPr sz="1400" kern="1200" cap="none">
+                  <a:solidFill>
+                    <a:schemeClr val="tx1"/>
+                  </a:solidFill>
+                  <a:effectLst/>
+                  <a:latin typeface="+mn-lt"/>
+                  <a:ea typeface="+mn-ea"/>
+                  <a:cs typeface="+mn-cs"/>
+                </a:defRPr>
+              </a:lvl7pPr>
+              <a:lvl8pPr marL="3429000" indent="-228600" algn="l" defTabSz="457200" rtl="0" eaLnBrk="1" latinLnBrk="0" hangingPunct="1">
+                <a:spcBef>
+                  <a:spcPct val="20000"/>
+                </a:spcBef>
+                <a:spcAft>
+                  <a:spcPts val="600"/>
+                </a:spcAft>
+                <a:buClr>
+                  <a:schemeClr val="accent1">
+                    <a:lumMod val="75000"/>
+                  </a:schemeClr>
+                </a:buClr>
+                <a:buSzPct val="145000"/>
+                <a:buFont typeface="Arial"/>
+                <a:buChar char="•"/>
+                <a:defRPr sz="1400" kern="1200" cap="none">
+                  <a:solidFill>
+                    <a:schemeClr val="tx1"/>
+                  </a:solidFill>
+                  <a:effectLst/>
+                  <a:latin typeface="+mn-lt"/>
+                  <a:ea typeface="+mn-ea"/>
+                  <a:cs typeface="+mn-cs"/>
+                </a:defRPr>
+              </a:lvl8pPr>
+              <a:lvl9pPr marL="3886200" indent="-228600" algn="l" defTabSz="457200" rtl="0" eaLnBrk="1" latinLnBrk="0" hangingPunct="1">
+                <a:spcBef>
+                  <a:spcPct val="20000"/>
+                </a:spcBef>
+                <a:spcAft>
+                  <a:spcPts val="600"/>
+                </a:spcAft>
+                <a:buClr>
+                  <a:schemeClr val="accent1">
+                    <a:lumMod val="75000"/>
+                  </a:schemeClr>
+                </a:buClr>
+                <a:buSzPct val="145000"/>
+                <a:buFont typeface="Arial"/>
+                <a:buChar char="•"/>
+                <a:defRPr sz="1400" kern="1200" cap="none">
+                  <a:solidFill>
+                    <a:schemeClr val="tx1"/>
+                  </a:solidFill>
+                  <a:effectLst/>
+                  <a:latin typeface="+mn-lt"/>
+                  <a:ea typeface="+mn-ea"/>
+                  <a:cs typeface="+mn-cs"/>
+                </a:defRPr>
+              </a:lvl9pPr>
+            </a:lstStyle>
+            <a:p>
+              <a:pPr marL="0" indent="0" algn="ctr">
+                <a:buFont typeface="Arial"/>
+                <a:buNone/>
+              </a:pPr>
+              <a:r>
+                <a:rPr lang="fr-FR" sz="1400" dirty="0"/>
+                <a:t>Sprint Planning</a:t>
+              </a:r>
+            </a:p>
+            <a:p>
+              <a:pPr marL="0" indent="0" algn="ctr">
+                <a:buFont typeface="Arial"/>
+                <a:buNone/>
+              </a:pPr>
+              <a:r>
+                <a:rPr lang="fr-FR" sz="1400" dirty="0"/>
+                <a:t>(DEV Team)</a:t>
+              </a:r>
+            </a:p>
+          </p:txBody>
+        </p:sp>
+        <p:sp>
+          <p:nvSpPr>
+            <p:cNvPr id="10" name="Rectangle 9">
+              <a:extLst>
+                <a:ext uri="{FF2B5EF4-FFF2-40B4-BE49-F238E27FC236}">
+                  <a16:creationId xmlns:a16="http://schemas.microsoft.com/office/drawing/2014/main" id="{8792F983-6254-442B-B6EF-F1DF41470E92}"/>
+                </a:ext>
+              </a:extLst>
+            </p:cNvPr>
+            <p:cNvSpPr/>
+            <p:nvPr/>
+          </p:nvSpPr>
+          <p:spPr>
+            <a:xfrm>
+              <a:off x="3294529" y="1438835"/>
+              <a:ext cx="6535271" cy="1815353"/>
+            </a:xfrm>
+            <a:prstGeom prst="rect">
+              <a:avLst/>
+            </a:prstGeom>
+            <a:noFill/>
+            <a:ln w="28575"/>
+          </p:spPr>
+          <p:style>
+            <a:lnRef idx="2">
+              <a:schemeClr val="accent1">
+                <a:shade val="50000"/>
+              </a:schemeClr>
+            </a:lnRef>
+            <a:fillRef idx="1">
+              <a:schemeClr val="accent1"/>
+            </a:fillRef>
+            <a:effectRef idx="0">
+              <a:schemeClr val="accent1"/>
+            </a:effectRef>
+            <a:fontRef idx="minor">
+              <a:schemeClr val="lt1"/>
+            </a:fontRef>
+          </p:style>
+          <p:txBody>
+            <a:bodyPr rtlCol="0" anchor="ctr"/>
+            <a:lstStyle/>
+            <a:p>
+              <a:pPr algn="ctr"/>
+              <a:endParaRPr lang="fr-FR"/>
+            </a:p>
+          </p:txBody>
+        </p:sp>
+      </p:grpSp>
+      <p:sp>
+        <p:nvSpPr>
+          <p:cNvPr id="11" name="TextBox 10">
+            <a:extLst>
+              <a:ext uri="{FF2B5EF4-FFF2-40B4-BE49-F238E27FC236}">
+                <a16:creationId xmlns:a16="http://schemas.microsoft.com/office/drawing/2014/main" id="{EC72FAF1-8F1E-4B8F-9BF7-6F2706036832}"/>
+              </a:ext>
+            </a:extLst>
+          </p:cNvPr>
+          <p:cNvSpPr txBox="1"/>
+          <p:nvPr/>
+        </p:nvSpPr>
+        <p:spPr>
+          <a:xfrm>
+            <a:off x="5776412" y="2544371"/>
+            <a:ext cx="1046355" cy="276999"/>
+          </a:xfrm>
+          <a:prstGeom prst="rect">
+            <a:avLst/>
+          </a:prstGeom>
+          <a:noFill/>
+        </p:spPr>
+        <p:txBody>
+          <a:bodyPr wrap="square" rtlCol="0">
+            <a:spAutoFit/>
+          </a:bodyPr>
+          <a:lstStyle/>
+          <a:p>
+            <a:pPr algn="ctr"/>
+            <a:r>
+              <a:rPr lang="fr-FR" sz="1200" dirty="0"/>
+              <a:t>Lundi 11h</a:t>
+            </a:r>
+          </a:p>
+        </p:txBody>
+      </p:sp>
+      <p:cxnSp>
+        <p:nvCxnSpPr>
+          <p:cNvPr id="18" name="Connecteur droit avec flèche 10">
+            <a:extLst>
+              <a:ext uri="{FF2B5EF4-FFF2-40B4-BE49-F238E27FC236}">
+                <a16:creationId xmlns:a16="http://schemas.microsoft.com/office/drawing/2014/main" id="{78FE2F69-187F-4503-9FA3-29E87DAE8D8D}"/>
+              </a:ext>
+            </a:extLst>
+          </p:cNvPr>
+          <p:cNvCxnSpPr>
+            <a:cxnSpLocks/>
+          </p:cNvCxnSpPr>
+          <p:nvPr/>
+        </p:nvCxnSpPr>
+        <p:spPr>
+          <a:xfrm flipH="1">
+            <a:off x="7696916" y="5335569"/>
+            <a:ext cx="1016595" cy="0"/>
+          </a:xfrm>
+          <a:prstGeom prst="straightConnector1">
+            <a:avLst/>
+          </a:prstGeom>
+          <a:ln w="28575">
+            <a:solidFill>
+              <a:srgbClr val="AD6816"/>
+            </a:solidFill>
+            <a:tailEnd type="triangle" w="lg" len="lg"/>
+          </a:ln>
+        </p:spPr>
+        <p:style>
+          <a:lnRef idx="1">
+            <a:schemeClr val="accent1"/>
+          </a:lnRef>
+          <a:fillRef idx="0">
+            <a:schemeClr val="accent1"/>
+          </a:fillRef>
+          <a:effectRef idx="0">
+            <a:schemeClr val="accent1"/>
+          </a:effectRef>
+          <a:fontRef idx="minor">
+            <a:schemeClr val="tx1"/>
+          </a:fontRef>
+        </p:style>
+      </p:cxnSp>
+      <p:cxnSp>
+        <p:nvCxnSpPr>
+          <p:cNvPr id="19" name="Connecteur droit 16">
+            <a:extLst>
+              <a:ext uri="{FF2B5EF4-FFF2-40B4-BE49-F238E27FC236}">
+                <a16:creationId xmlns:a16="http://schemas.microsoft.com/office/drawing/2014/main" id="{5FBEE245-320B-42C9-BB34-5315BBD8024D}"/>
+              </a:ext>
+            </a:extLst>
+          </p:cNvPr>
+          <p:cNvCxnSpPr>
+            <a:cxnSpLocks/>
+          </p:cNvCxnSpPr>
+          <p:nvPr/>
+        </p:nvCxnSpPr>
+        <p:spPr>
+          <a:xfrm flipV="1">
+            <a:off x="7682526" y="2017829"/>
+            <a:ext cx="1030986" cy="1"/>
+          </a:xfrm>
+          <a:prstGeom prst="line">
+            <a:avLst/>
+          </a:prstGeom>
+          <a:ln w="28575">
+            <a:solidFill>
+              <a:srgbClr val="AD6816"/>
+            </a:solidFill>
+            <a:prstDash val="solid"/>
+          </a:ln>
+        </p:spPr>
+        <p:style>
+          <a:lnRef idx="1">
+            <a:schemeClr val="accent1"/>
+          </a:lnRef>
+          <a:fillRef idx="0">
+            <a:schemeClr val="accent1"/>
+          </a:fillRef>
+          <a:effectRef idx="0">
+            <a:schemeClr val="accent1"/>
+          </a:effectRef>
+          <a:fontRef idx="minor">
+            <a:schemeClr val="tx1"/>
+          </a:fontRef>
+        </p:style>
+      </p:cxnSp>
+      <p:cxnSp>
+        <p:nvCxnSpPr>
+          <p:cNvPr id="23" name="Connecteur droit 16">
+            <a:extLst>
+              <a:ext uri="{FF2B5EF4-FFF2-40B4-BE49-F238E27FC236}">
+                <a16:creationId xmlns:a16="http://schemas.microsoft.com/office/drawing/2014/main" id="{0C39BD25-E4F3-40B0-87E2-B48EB699EE86}"/>
+              </a:ext>
+            </a:extLst>
+          </p:cNvPr>
+          <p:cNvCxnSpPr>
+            <a:cxnSpLocks/>
+          </p:cNvCxnSpPr>
+          <p:nvPr/>
+        </p:nvCxnSpPr>
+        <p:spPr>
+          <a:xfrm flipH="1" flipV="1">
+            <a:off x="8713511" y="2022656"/>
+            <a:ext cx="1" cy="3312913"/>
+          </a:xfrm>
+          <a:prstGeom prst="line">
+            <a:avLst/>
+          </a:prstGeom>
+          <a:ln w="28575">
+            <a:solidFill>
+              <a:srgbClr val="AD6816"/>
+            </a:solidFill>
+            <a:prstDash val="solid"/>
+          </a:ln>
+        </p:spPr>
+        <p:style>
+          <a:lnRef idx="1">
+            <a:schemeClr val="accent1"/>
+          </a:lnRef>
+          <a:fillRef idx="0">
+            <a:schemeClr val="accent1"/>
+          </a:fillRef>
+          <a:effectRef idx="0">
+            <a:schemeClr val="accent1"/>
+          </a:effectRef>
+          <a:fontRef idx="minor">
+            <a:schemeClr val="tx1"/>
+          </a:fontRef>
+        </p:style>
+      </p:cxnSp>
+      <p:grpSp>
+        <p:nvGrpSpPr>
+          <p:cNvPr id="26" name="Groupe 19">
+            <a:extLst>
+              <a:ext uri="{FF2B5EF4-FFF2-40B4-BE49-F238E27FC236}">
+                <a16:creationId xmlns:a16="http://schemas.microsoft.com/office/drawing/2014/main" id="{990B9E67-A22C-48EE-982D-3F39B5A705E4}"/>
+              </a:ext>
+            </a:extLst>
+          </p:cNvPr>
+          <p:cNvGrpSpPr/>
+          <p:nvPr/>
+        </p:nvGrpSpPr>
+        <p:grpSpPr>
+          <a:xfrm>
+            <a:off x="9149345" y="3169256"/>
+            <a:ext cx="2741307" cy="1019710"/>
+            <a:chOff x="3294529" y="1438833"/>
+            <a:chExt cx="6535271" cy="1815353"/>
+          </a:xfrm>
+        </p:grpSpPr>
+        <p:sp>
+          <p:nvSpPr>
+            <p:cNvPr id="27" name="Espace réservé du contenu 2">
+              <a:extLst>
+                <a:ext uri="{FF2B5EF4-FFF2-40B4-BE49-F238E27FC236}">
+                  <a16:creationId xmlns:a16="http://schemas.microsoft.com/office/drawing/2014/main" id="{71E409C4-59B2-4804-86EB-E12A78E108D5}"/>
+                </a:ext>
+              </a:extLst>
+            </p:cNvPr>
+            <p:cNvSpPr txBox="1">
+              <a:spLocks/>
+            </p:cNvSpPr>
+            <p:nvPr/>
+          </p:nvSpPr>
+          <p:spPr>
+            <a:xfrm>
+              <a:off x="3648960" y="1697251"/>
+              <a:ext cx="5826407" cy="1298520"/>
+            </a:xfrm>
+            <a:prstGeom prst="rect">
+              <a:avLst/>
+            </a:prstGeom>
+          </p:spPr>
+          <p:txBody>
+            <a:bodyPr vert="horz" lIns="91440" tIns="45720" rIns="91440" bIns="45720" rtlCol="0" anchor="ctr">
+              <a:normAutofit/>
+            </a:bodyPr>
+            <a:lstStyle>
+              <a:lvl1pPr marL="285750" indent="-285750" algn="l" defTabSz="457200" rtl="0" eaLnBrk="1" latinLnBrk="0" hangingPunct="1">
+                <a:spcBef>
+                  <a:spcPct val="20000"/>
+                </a:spcBef>
+                <a:spcAft>
+                  <a:spcPts val="600"/>
+                </a:spcAft>
+                <a:buClr>
+                  <a:schemeClr val="accent1">
+                    <a:lumMod val="75000"/>
+                  </a:schemeClr>
+                </a:buClr>
+                <a:buSzPct val="145000"/>
+                <a:buFont typeface="Arial"/>
+                <a:buChar char="•"/>
+                <a:defRPr sz="2400" kern="1200" cap="none">
+                  <a:solidFill>
+                    <a:schemeClr val="tx1"/>
+                  </a:solidFill>
+                  <a:effectLst/>
+                  <a:latin typeface="+mn-lt"/>
+                  <a:ea typeface="+mn-ea"/>
+                  <a:cs typeface="+mn-cs"/>
+                </a:defRPr>
+              </a:lvl1pPr>
+              <a:lvl2pPr marL="742950" indent="-285750" algn="l" defTabSz="457200" rtl="0" eaLnBrk="1" latinLnBrk="0" hangingPunct="1">
+                <a:spcBef>
+                  <a:spcPct val="20000"/>
+                </a:spcBef>
+                <a:spcAft>
+                  <a:spcPts val="600"/>
+                </a:spcAft>
+                <a:buClr>
+                  <a:schemeClr val="accent1">
+                    <a:lumMod val="75000"/>
+                  </a:schemeClr>
+                </a:buClr>
+                <a:buSzPct val="145000"/>
+                <a:buFont typeface="Arial"/>
+                <a:buChar char="•"/>
+                <a:defRPr sz="2000" kern="1200" cap="none">
+                  <a:solidFill>
+                    <a:schemeClr val="tx1"/>
+                  </a:solidFill>
+                  <a:effectLst/>
+                  <a:latin typeface="+mn-lt"/>
+                  <a:ea typeface="+mn-ea"/>
+                  <a:cs typeface="+mn-cs"/>
+                </a:defRPr>
+              </a:lvl2pPr>
+              <a:lvl3pPr marL="1200150" indent="-285750" algn="l" defTabSz="457200" rtl="0" eaLnBrk="1" latinLnBrk="0" hangingPunct="1">
+                <a:spcBef>
+                  <a:spcPct val="20000"/>
+                </a:spcBef>
+                <a:spcAft>
+                  <a:spcPts val="600"/>
+                </a:spcAft>
+                <a:buClr>
+                  <a:schemeClr val="accent1">
+                    <a:lumMod val="75000"/>
+                  </a:schemeClr>
+                </a:buClr>
+                <a:buSzPct val="145000"/>
+                <a:buFont typeface="Arial"/>
+                <a:buChar char="•"/>
+                <a:defRPr sz="1800" kern="1200" cap="none">
+                  <a:solidFill>
+                    <a:schemeClr val="tx1"/>
+                  </a:solidFill>
+                  <a:effectLst/>
+                  <a:latin typeface="+mn-lt"/>
+                  <a:ea typeface="+mn-ea"/>
+                  <a:cs typeface="+mn-cs"/>
+                </a:defRPr>
+              </a:lvl3pPr>
+              <a:lvl4pPr marL="1543050" indent="-171450" algn="l" defTabSz="457200" rtl="0" eaLnBrk="1" latinLnBrk="0" hangingPunct="1">
+                <a:spcBef>
+                  <a:spcPct val="20000"/>
+                </a:spcBef>
+                <a:spcAft>
+                  <a:spcPts val="600"/>
+                </a:spcAft>
+                <a:buClr>
+                  <a:schemeClr val="accent1">
+                    <a:lumMod val="75000"/>
+                  </a:schemeClr>
+                </a:buClr>
+                <a:buSzPct val="145000"/>
+                <a:buFont typeface="Arial"/>
+                <a:buChar char="•"/>
+                <a:defRPr sz="1600" kern="1200" cap="none">
+                  <a:solidFill>
+                    <a:schemeClr val="tx1"/>
+                  </a:solidFill>
+                  <a:effectLst/>
+                  <a:latin typeface="+mn-lt"/>
+                  <a:ea typeface="+mn-ea"/>
+                  <a:cs typeface="+mn-cs"/>
+                </a:defRPr>
+              </a:lvl4pPr>
+              <a:lvl5pPr marL="2000250" indent="-171450" algn="l" defTabSz="457200" rtl="0" eaLnBrk="1" latinLnBrk="0" hangingPunct="1">
+                <a:spcBef>
+                  <a:spcPct val="20000"/>
+                </a:spcBef>
+                <a:spcAft>
+                  <a:spcPts val="600"/>
+                </a:spcAft>
+                <a:buClr>
+                  <a:schemeClr val="accent1">
+                    <a:lumMod val="75000"/>
+                  </a:schemeClr>
+                </a:buClr>
+                <a:buSzPct val="145000"/>
+                <a:buFont typeface="Arial"/>
+                <a:buChar char="•"/>
+                <a:defRPr sz="1400" kern="1200" cap="none">
+                  <a:solidFill>
+                    <a:schemeClr val="tx1"/>
+                  </a:solidFill>
+                  <a:effectLst/>
+                  <a:latin typeface="+mn-lt"/>
+                  <a:ea typeface="+mn-ea"/>
+                  <a:cs typeface="+mn-cs"/>
+                </a:defRPr>
+              </a:lvl5pPr>
+              <a:lvl6pPr marL="2514600" indent="-228600" algn="l" defTabSz="457200" rtl="0" eaLnBrk="1" latinLnBrk="0" hangingPunct="1">
+                <a:spcBef>
+                  <a:spcPct val="20000"/>
+                </a:spcBef>
+                <a:spcAft>
+                  <a:spcPts val="600"/>
+                </a:spcAft>
+                <a:buClr>
+                  <a:schemeClr val="accent1">
+                    <a:lumMod val="75000"/>
+                  </a:schemeClr>
+                </a:buClr>
+                <a:buSzPct val="145000"/>
+                <a:buFont typeface="Arial"/>
+                <a:buChar char="•"/>
+                <a:defRPr sz="1400" kern="1200" cap="none">
+                  <a:solidFill>
+                    <a:schemeClr val="tx1"/>
+                  </a:solidFill>
+                  <a:effectLst/>
+                  <a:latin typeface="+mn-lt"/>
+                  <a:ea typeface="+mn-ea"/>
+                  <a:cs typeface="+mn-cs"/>
+                </a:defRPr>
+              </a:lvl6pPr>
+              <a:lvl7pPr marL="2971800" indent="-228600" algn="l" defTabSz="457200" rtl="0" eaLnBrk="1" latinLnBrk="0" hangingPunct="1">
+                <a:spcBef>
+                  <a:spcPct val="20000"/>
+                </a:spcBef>
+                <a:spcAft>
+                  <a:spcPts val="600"/>
+                </a:spcAft>
+                <a:buClr>
+                  <a:schemeClr val="accent1">
+                    <a:lumMod val="75000"/>
+                  </a:schemeClr>
+                </a:buClr>
+                <a:buSzPct val="145000"/>
+                <a:buFont typeface="Arial"/>
+                <a:buChar char="•"/>
+                <a:defRPr sz="1400" kern="1200" cap="none">
+                  <a:solidFill>
+                    <a:schemeClr val="tx1"/>
+                  </a:solidFill>
+                  <a:effectLst/>
+                  <a:latin typeface="+mn-lt"/>
+                  <a:ea typeface="+mn-ea"/>
+                  <a:cs typeface="+mn-cs"/>
+                </a:defRPr>
+              </a:lvl7pPr>
+              <a:lvl8pPr marL="3429000" indent="-228600" algn="l" defTabSz="457200" rtl="0" eaLnBrk="1" latinLnBrk="0" hangingPunct="1">
+                <a:spcBef>
+                  <a:spcPct val="20000"/>
+                </a:spcBef>
+                <a:spcAft>
+                  <a:spcPts val="600"/>
+                </a:spcAft>
+                <a:buClr>
+                  <a:schemeClr val="accent1">
+                    <a:lumMod val="75000"/>
+                  </a:schemeClr>
+                </a:buClr>
+                <a:buSzPct val="145000"/>
+                <a:buFont typeface="Arial"/>
+                <a:buChar char="•"/>
+                <a:defRPr sz="1400" kern="1200" cap="none">
+                  <a:solidFill>
+                    <a:schemeClr val="tx1"/>
+                  </a:solidFill>
+                  <a:effectLst/>
+                  <a:latin typeface="+mn-lt"/>
+                  <a:ea typeface="+mn-ea"/>
+                  <a:cs typeface="+mn-cs"/>
+                </a:defRPr>
+              </a:lvl8pPr>
+              <a:lvl9pPr marL="3886200" indent="-228600" algn="l" defTabSz="457200" rtl="0" eaLnBrk="1" latinLnBrk="0" hangingPunct="1">
+                <a:spcBef>
+                  <a:spcPct val="20000"/>
+                </a:spcBef>
+                <a:spcAft>
+                  <a:spcPts val="600"/>
+                </a:spcAft>
+                <a:buClr>
+                  <a:schemeClr val="accent1">
+                    <a:lumMod val="75000"/>
+                  </a:schemeClr>
+                </a:buClr>
+                <a:buSzPct val="145000"/>
+                <a:buFont typeface="Arial"/>
+                <a:buChar char="•"/>
+                <a:defRPr sz="1400" kern="1200" cap="none">
+                  <a:solidFill>
+                    <a:schemeClr val="tx1"/>
+                  </a:solidFill>
+                  <a:effectLst/>
+                  <a:latin typeface="+mn-lt"/>
+                  <a:ea typeface="+mn-ea"/>
+                  <a:cs typeface="+mn-cs"/>
+                </a:defRPr>
+              </a:lvl9pPr>
+            </a:lstStyle>
+            <a:p>
+              <a:pPr marL="0" indent="0" algn="ctr">
+                <a:buFont typeface="Arial"/>
+                <a:buNone/>
+              </a:pPr>
+              <a:r>
+                <a:rPr lang="fr-FR" sz="1400" dirty="0"/>
+                <a:t>Daily Scrum</a:t>
+              </a:r>
+            </a:p>
+            <a:p>
+              <a:pPr marL="0" indent="0" algn="ctr">
+                <a:buFont typeface="Arial"/>
+                <a:buNone/>
+              </a:pPr>
+              <a:r>
+                <a:rPr lang="fr-FR" sz="1400" dirty="0"/>
+                <a:t>(DEV Team)</a:t>
+              </a:r>
+            </a:p>
+          </p:txBody>
+        </p:sp>
+        <p:sp>
+          <p:nvSpPr>
+            <p:cNvPr id="28" name="Rectangle 27">
+              <a:extLst>
+                <a:ext uri="{FF2B5EF4-FFF2-40B4-BE49-F238E27FC236}">
+                  <a16:creationId xmlns:a16="http://schemas.microsoft.com/office/drawing/2014/main" id="{816C8FCE-1EB4-4B48-BF98-E36E1D627FBB}"/>
+                </a:ext>
+              </a:extLst>
+            </p:cNvPr>
+            <p:cNvSpPr/>
+            <p:nvPr/>
+          </p:nvSpPr>
+          <p:spPr>
+            <a:xfrm>
+              <a:off x="3294529" y="1438833"/>
+              <a:ext cx="6535271" cy="1815353"/>
+            </a:xfrm>
+            <a:prstGeom prst="rect">
+              <a:avLst/>
+            </a:prstGeom>
+            <a:noFill/>
+            <a:ln w="28575"/>
+          </p:spPr>
+          <p:style>
+            <a:lnRef idx="2">
+              <a:schemeClr val="accent1">
+                <a:shade val="50000"/>
+              </a:schemeClr>
+            </a:lnRef>
+            <a:fillRef idx="1">
+              <a:schemeClr val="accent1"/>
+            </a:fillRef>
+            <a:effectRef idx="0">
+              <a:schemeClr val="accent1"/>
+            </a:effectRef>
+            <a:fontRef idx="minor">
+              <a:schemeClr val="lt1"/>
+            </a:fontRef>
+          </p:style>
+          <p:txBody>
+            <a:bodyPr rtlCol="0" anchor="ctr"/>
+            <a:lstStyle/>
+            <a:p>
+              <a:pPr algn="ctr"/>
+              <a:endParaRPr lang="fr-FR"/>
+            </a:p>
+          </p:txBody>
+        </p:sp>
+      </p:grpSp>
+      <p:sp>
+        <p:nvSpPr>
+          <p:cNvPr id="29" name="Arrow: Bent 28">
+            <a:extLst>
+              <a:ext uri="{FF2B5EF4-FFF2-40B4-BE49-F238E27FC236}">
+                <a16:creationId xmlns:a16="http://schemas.microsoft.com/office/drawing/2014/main" id="{956A9B18-DB02-4457-B1FE-F55648C3CC83}"/>
+              </a:ext>
+            </a:extLst>
+          </p:cNvPr>
+          <p:cNvSpPr/>
+          <p:nvPr/>
+        </p:nvSpPr>
+        <p:spPr>
+          <a:xfrm rot="16200000" flipV="1">
+            <a:off x="9535255" y="3782280"/>
+            <a:ext cx="791401" cy="1857080"/>
+          </a:xfrm>
+          <a:prstGeom prst="bentArrow">
+            <a:avLst>
+              <a:gd name="adj1" fmla="val 17857"/>
+              <a:gd name="adj2" fmla="val 25000"/>
+              <a:gd name="adj3" fmla="val 25000"/>
+              <a:gd name="adj4" fmla="val 43750"/>
+            </a:avLst>
+          </a:prstGeom>
+        </p:spPr>
+        <p:style>
+          <a:lnRef idx="2">
+            <a:schemeClr val="accent1">
+              <a:shade val="50000"/>
+            </a:schemeClr>
+          </a:lnRef>
+          <a:fillRef idx="1">
+            <a:schemeClr val="accent1"/>
+          </a:fillRef>
+          <a:effectRef idx="0">
+            <a:schemeClr val="accent1"/>
+          </a:effectRef>
+          <a:fontRef idx="minor">
+            <a:schemeClr val="lt1"/>
+          </a:fontRef>
+        </p:style>
+        <p:txBody>
+          <a:bodyPr rtlCol="0" anchor="ctr"/>
+          <a:lstStyle/>
+          <a:p>
+            <a:pPr algn="ctr"/>
+            <a:endParaRPr lang="fr-FR">
+              <a:solidFill>
+                <a:schemeClr val="tx1"/>
+              </a:solidFill>
+            </a:endParaRPr>
+          </a:p>
+        </p:txBody>
+      </p:sp>
+      <p:sp>
+        <p:nvSpPr>
+          <p:cNvPr id="31" name="Arrow: Bent 30">
+            <a:extLst>
+              <a:ext uri="{FF2B5EF4-FFF2-40B4-BE49-F238E27FC236}">
+                <a16:creationId xmlns:a16="http://schemas.microsoft.com/office/drawing/2014/main" id="{2D0F88AE-BC60-4A21-818D-5CCE41DC8F2F}"/>
+              </a:ext>
+            </a:extLst>
+          </p:cNvPr>
+          <p:cNvSpPr/>
+          <p:nvPr/>
+        </p:nvSpPr>
+        <p:spPr>
+          <a:xfrm rot="10800000" flipV="1">
+            <a:off x="8872123" y="2232698"/>
+            <a:ext cx="1857073" cy="791402"/>
+          </a:xfrm>
+          <a:prstGeom prst="bentArrow">
+            <a:avLst>
+              <a:gd name="adj1" fmla="val 17857"/>
+              <a:gd name="adj2" fmla="val 25717"/>
+              <a:gd name="adj3" fmla="val 25000"/>
+              <a:gd name="adj4" fmla="val 43750"/>
+            </a:avLst>
+          </a:prstGeom>
+        </p:spPr>
+        <p:style>
+          <a:lnRef idx="2">
+            <a:schemeClr val="accent1">
+              <a:shade val="50000"/>
+            </a:schemeClr>
+          </a:lnRef>
+          <a:fillRef idx="1">
+            <a:schemeClr val="accent1"/>
+          </a:fillRef>
+          <a:effectRef idx="0">
+            <a:schemeClr val="accent1"/>
+          </a:effectRef>
+          <a:fontRef idx="minor">
+            <a:schemeClr val="lt1"/>
+          </a:fontRef>
+        </p:style>
+        <p:txBody>
+          <a:bodyPr rtlCol="0" anchor="ctr"/>
+          <a:lstStyle/>
+          <a:p>
+            <a:pPr algn="ctr"/>
+            <a:endParaRPr lang="fr-FR">
+              <a:solidFill>
+                <a:schemeClr val="tx1"/>
+              </a:solidFill>
+            </a:endParaRPr>
+          </a:p>
+        </p:txBody>
+      </p:sp>
+      <p:sp>
+        <p:nvSpPr>
+          <p:cNvPr id="32" name="TextBox 31">
+            <a:extLst>
+              <a:ext uri="{FF2B5EF4-FFF2-40B4-BE49-F238E27FC236}">
+                <a16:creationId xmlns:a16="http://schemas.microsoft.com/office/drawing/2014/main" id="{D452807A-0C49-4BFF-BF30-37F4949DADA3}"/>
+              </a:ext>
+            </a:extLst>
+          </p:cNvPr>
+          <p:cNvSpPr txBox="1"/>
+          <p:nvPr/>
+        </p:nvSpPr>
+        <p:spPr>
+          <a:xfrm rot="5400000">
+            <a:off x="8021056" y="3622665"/>
+            <a:ext cx="1046355" cy="338554"/>
+          </a:xfrm>
+          <a:prstGeom prst="rect">
+            <a:avLst/>
+          </a:prstGeom>
+          <a:noFill/>
+        </p:spPr>
+        <p:txBody>
+          <a:bodyPr wrap="square" rtlCol="0">
+            <a:spAutoFit/>
+          </a:bodyPr>
+          <a:lstStyle/>
+          <a:p>
+            <a:r>
+              <a:rPr lang="fr-FR" sz="1600" dirty="0">
+                <a:solidFill>
+                  <a:srgbClr val="AD6917"/>
+                </a:solidFill>
+              </a:rPr>
+              <a:t>Sprint</a:t>
+            </a:r>
+          </a:p>
+        </p:txBody>
+      </p:sp>
+      <p:grpSp>
+        <p:nvGrpSpPr>
+          <p:cNvPr id="33" name="Groupe 19">
+            <a:extLst>
+              <a:ext uri="{FF2B5EF4-FFF2-40B4-BE49-F238E27FC236}">
+                <a16:creationId xmlns:a16="http://schemas.microsoft.com/office/drawing/2014/main" id="{5DED4F1A-983E-4D95-AE9F-0EEBEF328CE8}"/>
+              </a:ext>
+            </a:extLst>
+          </p:cNvPr>
+          <p:cNvGrpSpPr/>
+          <p:nvPr/>
+        </p:nvGrpSpPr>
+        <p:grpSpPr>
+          <a:xfrm>
+            <a:off x="4928939" y="4803763"/>
+            <a:ext cx="2741307" cy="1019711"/>
+            <a:chOff x="3294529" y="1438835"/>
+            <a:chExt cx="6535271" cy="1815353"/>
+          </a:xfrm>
+        </p:grpSpPr>
+        <p:sp>
+          <p:nvSpPr>
+            <p:cNvPr id="34" name="Espace réservé du contenu 2">
+              <a:extLst>
+                <a:ext uri="{FF2B5EF4-FFF2-40B4-BE49-F238E27FC236}">
+                  <a16:creationId xmlns:a16="http://schemas.microsoft.com/office/drawing/2014/main" id="{89560069-8891-4C81-B5BF-9BCAF770D6A4}"/>
+                </a:ext>
+              </a:extLst>
+            </p:cNvPr>
+            <p:cNvSpPr txBox="1">
+              <a:spLocks/>
+            </p:cNvSpPr>
+            <p:nvPr/>
+          </p:nvSpPr>
+          <p:spPr>
+            <a:xfrm>
+              <a:off x="3648960" y="1697251"/>
+              <a:ext cx="5826407" cy="1298520"/>
+            </a:xfrm>
+            <a:prstGeom prst="rect">
+              <a:avLst/>
+            </a:prstGeom>
+          </p:spPr>
+          <p:txBody>
+            <a:bodyPr vert="horz" lIns="91440" tIns="45720" rIns="91440" bIns="45720" rtlCol="0" anchor="ctr">
+              <a:normAutofit fontScale="92500"/>
+            </a:bodyPr>
+            <a:lstStyle>
+              <a:lvl1pPr marL="285750" indent="-285750" algn="l" defTabSz="457200" rtl="0" eaLnBrk="1" latinLnBrk="0" hangingPunct="1">
+                <a:spcBef>
+                  <a:spcPct val="20000"/>
+                </a:spcBef>
+                <a:spcAft>
+                  <a:spcPts val="600"/>
+                </a:spcAft>
+                <a:buClr>
+                  <a:schemeClr val="accent1">
+                    <a:lumMod val="75000"/>
+                  </a:schemeClr>
+                </a:buClr>
+                <a:buSzPct val="145000"/>
+                <a:buFont typeface="Arial"/>
+                <a:buChar char="•"/>
+                <a:defRPr sz="2400" kern="1200" cap="none">
+                  <a:solidFill>
+                    <a:schemeClr val="tx1"/>
+                  </a:solidFill>
+                  <a:effectLst/>
+                  <a:latin typeface="+mn-lt"/>
+                  <a:ea typeface="+mn-ea"/>
+                  <a:cs typeface="+mn-cs"/>
+                </a:defRPr>
+              </a:lvl1pPr>
+              <a:lvl2pPr marL="742950" indent="-285750" algn="l" defTabSz="457200" rtl="0" eaLnBrk="1" latinLnBrk="0" hangingPunct="1">
+                <a:spcBef>
+                  <a:spcPct val="20000"/>
+                </a:spcBef>
+                <a:spcAft>
+                  <a:spcPts val="600"/>
+                </a:spcAft>
+                <a:buClr>
+                  <a:schemeClr val="accent1">
+                    <a:lumMod val="75000"/>
+                  </a:schemeClr>
+                </a:buClr>
+                <a:buSzPct val="145000"/>
+                <a:buFont typeface="Arial"/>
+                <a:buChar char="•"/>
+                <a:defRPr sz="2000" kern="1200" cap="none">
+                  <a:solidFill>
+                    <a:schemeClr val="tx1"/>
+                  </a:solidFill>
+                  <a:effectLst/>
+                  <a:latin typeface="+mn-lt"/>
+                  <a:ea typeface="+mn-ea"/>
+                  <a:cs typeface="+mn-cs"/>
+                </a:defRPr>
+              </a:lvl2pPr>
+              <a:lvl3pPr marL="1200150" indent="-285750" algn="l" defTabSz="457200" rtl="0" eaLnBrk="1" latinLnBrk="0" hangingPunct="1">
+                <a:spcBef>
+                  <a:spcPct val="20000"/>
+                </a:spcBef>
+                <a:spcAft>
+                  <a:spcPts val="600"/>
+                </a:spcAft>
+                <a:buClr>
+                  <a:schemeClr val="accent1">
+                    <a:lumMod val="75000"/>
+                  </a:schemeClr>
+                </a:buClr>
+                <a:buSzPct val="145000"/>
+                <a:buFont typeface="Arial"/>
+                <a:buChar char="•"/>
+                <a:defRPr sz="1800" kern="1200" cap="none">
+                  <a:solidFill>
+                    <a:schemeClr val="tx1"/>
+                  </a:solidFill>
+                  <a:effectLst/>
+                  <a:latin typeface="+mn-lt"/>
+                  <a:ea typeface="+mn-ea"/>
+                  <a:cs typeface="+mn-cs"/>
+                </a:defRPr>
+              </a:lvl3pPr>
+              <a:lvl4pPr marL="1543050" indent="-171450" algn="l" defTabSz="457200" rtl="0" eaLnBrk="1" latinLnBrk="0" hangingPunct="1">
+                <a:spcBef>
+                  <a:spcPct val="20000"/>
+                </a:spcBef>
+                <a:spcAft>
+                  <a:spcPts val="600"/>
+                </a:spcAft>
+                <a:buClr>
+                  <a:schemeClr val="accent1">
+                    <a:lumMod val="75000"/>
+                  </a:schemeClr>
+                </a:buClr>
+                <a:buSzPct val="145000"/>
+                <a:buFont typeface="Arial"/>
+                <a:buChar char="•"/>
+                <a:defRPr sz="1600" kern="1200" cap="none">
+                  <a:solidFill>
+                    <a:schemeClr val="tx1"/>
+                  </a:solidFill>
+                  <a:effectLst/>
+                  <a:latin typeface="+mn-lt"/>
+                  <a:ea typeface="+mn-ea"/>
+                  <a:cs typeface="+mn-cs"/>
+                </a:defRPr>
+              </a:lvl4pPr>
+              <a:lvl5pPr marL="2000250" indent="-171450" algn="l" defTabSz="457200" rtl="0" eaLnBrk="1" latinLnBrk="0" hangingPunct="1">
+                <a:spcBef>
+                  <a:spcPct val="20000"/>
+                </a:spcBef>
+                <a:spcAft>
+                  <a:spcPts val="600"/>
+                </a:spcAft>
+                <a:buClr>
+                  <a:schemeClr val="accent1">
+                    <a:lumMod val="75000"/>
+                  </a:schemeClr>
+                </a:buClr>
+                <a:buSzPct val="145000"/>
+                <a:buFont typeface="Arial"/>
+                <a:buChar char="•"/>
+                <a:defRPr sz="1400" kern="1200" cap="none">
+                  <a:solidFill>
+                    <a:schemeClr val="tx1"/>
+                  </a:solidFill>
+                  <a:effectLst/>
+                  <a:latin typeface="+mn-lt"/>
+                  <a:ea typeface="+mn-ea"/>
+                  <a:cs typeface="+mn-cs"/>
+                </a:defRPr>
+              </a:lvl5pPr>
+              <a:lvl6pPr marL="2514600" indent="-228600" algn="l" defTabSz="457200" rtl="0" eaLnBrk="1" latinLnBrk="0" hangingPunct="1">
+                <a:spcBef>
+                  <a:spcPct val="20000"/>
+                </a:spcBef>
+                <a:spcAft>
+                  <a:spcPts val="600"/>
+                </a:spcAft>
+                <a:buClr>
+                  <a:schemeClr val="accent1">
+                    <a:lumMod val="75000"/>
+                  </a:schemeClr>
+                </a:buClr>
+                <a:buSzPct val="145000"/>
+                <a:buFont typeface="Arial"/>
+                <a:buChar char="•"/>
+                <a:defRPr sz="1400" kern="1200" cap="none">
+                  <a:solidFill>
+                    <a:schemeClr val="tx1"/>
+                  </a:solidFill>
+                  <a:effectLst/>
+                  <a:latin typeface="+mn-lt"/>
+                  <a:ea typeface="+mn-ea"/>
+                  <a:cs typeface="+mn-cs"/>
+                </a:defRPr>
+              </a:lvl6pPr>
+              <a:lvl7pPr marL="2971800" indent="-228600" algn="l" defTabSz="457200" rtl="0" eaLnBrk="1" latinLnBrk="0" hangingPunct="1">
+                <a:spcBef>
+                  <a:spcPct val="20000"/>
+                </a:spcBef>
+                <a:spcAft>
+                  <a:spcPts val="600"/>
+                </a:spcAft>
+                <a:buClr>
+                  <a:schemeClr val="accent1">
+                    <a:lumMod val="75000"/>
+                  </a:schemeClr>
+                </a:buClr>
+                <a:buSzPct val="145000"/>
+                <a:buFont typeface="Arial"/>
+                <a:buChar char="•"/>
+                <a:defRPr sz="1400" kern="1200" cap="none">
+                  <a:solidFill>
+                    <a:schemeClr val="tx1"/>
+                  </a:solidFill>
+                  <a:effectLst/>
+                  <a:latin typeface="+mn-lt"/>
+                  <a:ea typeface="+mn-ea"/>
+                  <a:cs typeface="+mn-cs"/>
+                </a:defRPr>
+              </a:lvl7pPr>
+              <a:lvl8pPr marL="3429000" indent="-228600" algn="l" defTabSz="457200" rtl="0" eaLnBrk="1" latinLnBrk="0" hangingPunct="1">
+                <a:spcBef>
+                  <a:spcPct val="20000"/>
+                </a:spcBef>
+                <a:spcAft>
+                  <a:spcPts val="600"/>
+                </a:spcAft>
+                <a:buClr>
+                  <a:schemeClr val="accent1">
+                    <a:lumMod val="75000"/>
+                  </a:schemeClr>
+                </a:buClr>
+                <a:buSzPct val="145000"/>
+                <a:buFont typeface="Arial"/>
+                <a:buChar char="•"/>
+                <a:defRPr sz="1400" kern="1200" cap="none">
+                  <a:solidFill>
+                    <a:schemeClr val="tx1"/>
+                  </a:solidFill>
+                  <a:effectLst/>
+                  <a:latin typeface="+mn-lt"/>
+                  <a:ea typeface="+mn-ea"/>
+                  <a:cs typeface="+mn-cs"/>
+                </a:defRPr>
+              </a:lvl8pPr>
+              <a:lvl9pPr marL="3886200" indent="-228600" algn="l" defTabSz="457200" rtl="0" eaLnBrk="1" latinLnBrk="0" hangingPunct="1">
+                <a:spcBef>
+                  <a:spcPct val="20000"/>
+                </a:spcBef>
+                <a:spcAft>
+                  <a:spcPts val="600"/>
+                </a:spcAft>
+                <a:buClr>
+                  <a:schemeClr val="accent1">
+                    <a:lumMod val="75000"/>
+                  </a:schemeClr>
+                </a:buClr>
+                <a:buSzPct val="145000"/>
+                <a:buFont typeface="Arial"/>
+                <a:buChar char="•"/>
+                <a:defRPr sz="1400" kern="1200" cap="none">
+                  <a:solidFill>
+                    <a:schemeClr val="tx1"/>
+                  </a:solidFill>
+                  <a:effectLst/>
+                  <a:latin typeface="+mn-lt"/>
+                  <a:ea typeface="+mn-ea"/>
+                  <a:cs typeface="+mn-cs"/>
+                </a:defRPr>
+              </a:lvl9pPr>
+            </a:lstStyle>
+            <a:p>
+              <a:pPr marL="0" indent="0" algn="ctr">
+                <a:buFont typeface="Arial"/>
+                <a:buNone/>
+              </a:pPr>
+              <a:r>
+                <a:rPr lang="fr-FR" sz="1600" dirty="0"/>
+                <a:t>Sprint </a:t>
+              </a:r>
+              <a:r>
+                <a:rPr lang="fr-FR" sz="1600" dirty="0" err="1"/>
+                <a:t>Review</a:t>
+              </a:r>
+              <a:endParaRPr lang="fr-FR" sz="1600" dirty="0"/>
+            </a:p>
+            <a:p>
+              <a:pPr marL="0" indent="0" algn="ctr">
+                <a:buFont typeface="Arial"/>
+                <a:buNone/>
+              </a:pPr>
+              <a:r>
+                <a:rPr lang="fr-FR" sz="1600" dirty="0"/>
+                <a:t>(Equipe SCRUM + Client)</a:t>
+              </a:r>
+            </a:p>
+          </p:txBody>
+        </p:sp>
+        <p:sp>
+          <p:nvSpPr>
+            <p:cNvPr id="35" name="Rectangle 34">
+              <a:extLst>
+                <a:ext uri="{FF2B5EF4-FFF2-40B4-BE49-F238E27FC236}">
+                  <a16:creationId xmlns:a16="http://schemas.microsoft.com/office/drawing/2014/main" id="{10BBAA14-07F6-43D0-9779-2DBDAB0F8C23}"/>
+                </a:ext>
+              </a:extLst>
+            </p:cNvPr>
+            <p:cNvSpPr/>
+            <p:nvPr/>
+          </p:nvSpPr>
+          <p:spPr>
+            <a:xfrm>
+              <a:off x="3294529" y="1438835"/>
+              <a:ext cx="6535271" cy="1815353"/>
+            </a:xfrm>
+            <a:prstGeom prst="rect">
+              <a:avLst/>
+            </a:prstGeom>
+            <a:noFill/>
+            <a:ln w="28575"/>
+          </p:spPr>
+          <p:style>
+            <a:lnRef idx="2">
+              <a:schemeClr val="accent1">
+                <a:shade val="50000"/>
+              </a:schemeClr>
+            </a:lnRef>
+            <a:fillRef idx="1">
+              <a:schemeClr val="accent1"/>
+            </a:fillRef>
+            <a:effectRef idx="0">
+              <a:schemeClr val="accent1"/>
+            </a:effectRef>
+            <a:fontRef idx="minor">
+              <a:schemeClr val="lt1"/>
+            </a:fontRef>
+          </p:style>
+          <p:txBody>
+            <a:bodyPr rtlCol="0" anchor="ctr"/>
+            <a:lstStyle/>
+            <a:p>
+              <a:pPr algn="ctr"/>
+              <a:endParaRPr lang="fr-FR"/>
+            </a:p>
+          </p:txBody>
+        </p:sp>
+      </p:grpSp>
+      <p:sp>
+        <p:nvSpPr>
+          <p:cNvPr id="36" name="TextBox 35">
+            <a:extLst>
+              <a:ext uri="{FF2B5EF4-FFF2-40B4-BE49-F238E27FC236}">
+                <a16:creationId xmlns:a16="http://schemas.microsoft.com/office/drawing/2014/main" id="{1753CCEF-39C7-4511-A3FF-82E4C9E2A589}"/>
+              </a:ext>
+            </a:extLst>
+          </p:cNvPr>
+          <p:cNvSpPr txBox="1"/>
+          <p:nvPr/>
+        </p:nvSpPr>
+        <p:spPr>
+          <a:xfrm>
+            <a:off x="5648032" y="5833427"/>
+            <a:ext cx="1303117" cy="276999"/>
+          </a:xfrm>
+          <a:prstGeom prst="rect">
+            <a:avLst/>
+          </a:prstGeom>
+          <a:noFill/>
+        </p:spPr>
+        <p:txBody>
+          <a:bodyPr wrap="square" rtlCol="0">
+            <a:spAutoFit/>
+          </a:bodyPr>
+          <a:lstStyle/>
+          <a:p>
+            <a:pPr algn="ctr"/>
+            <a:r>
+              <a:rPr lang="fr-FR" sz="1200" dirty="0"/>
+              <a:t>Vendredi 14h</a:t>
+            </a:r>
+          </a:p>
+        </p:txBody>
+      </p:sp>
+      <p:grpSp>
+        <p:nvGrpSpPr>
+          <p:cNvPr id="37" name="Groupe 19">
+            <a:extLst>
+              <a:ext uri="{FF2B5EF4-FFF2-40B4-BE49-F238E27FC236}">
+                <a16:creationId xmlns:a16="http://schemas.microsoft.com/office/drawing/2014/main" id="{ABC434A1-8A65-4DF0-BDD1-165684F3C291}"/>
+              </a:ext>
+            </a:extLst>
+          </p:cNvPr>
+          <p:cNvGrpSpPr/>
+          <p:nvPr/>
+        </p:nvGrpSpPr>
+        <p:grpSpPr>
+          <a:xfrm>
+            <a:off x="1661011" y="4803763"/>
+            <a:ext cx="2741307" cy="1019711"/>
+            <a:chOff x="2158182" y="1557586"/>
+            <a:chExt cx="6535271" cy="1815353"/>
+          </a:xfrm>
+        </p:grpSpPr>
+        <p:sp>
+          <p:nvSpPr>
+            <p:cNvPr id="38" name="Espace réservé du contenu 2">
+              <a:extLst>
+                <a:ext uri="{FF2B5EF4-FFF2-40B4-BE49-F238E27FC236}">
+                  <a16:creationId xmlns:a16="http://schemas.microsoft.com/office/drawing/2014/main" id="{223FB934-05E6-4490-8723-BB61F8C22561}"/>
+                </a:ext>
+              </a:extLst>
+            </p:cNvPr>
+            <p:cNvSpPr txBox="1">
+              <a:spLocks/>
+            </p:cNvSpPr>
+            <p:nvPr/>
+          </p:nvSpPr>
+          <p:spPr>
+            <a:xfrm>
+              <a:off x="2512613" y="1814394"/>
+              <a:ext cx="5826406" cy="1298520"/>
+            </a:xfrm>
+            <a:prstGeom prst="rect">
+              <a:avLst/>
+            </a:prstGeom>
+            <a:ln>
+              <a:noFill/>
+              <a:prstDash val="dash"/>
+            </a:ln>
+          </p:spPr>
+          <p:txBody>
+            <a:bodyPr vert="horz" lIns="91440" tIns="45720" rIns="91440" bIns="45720" rtlCol="0" anchor="ctr">
+              <a:normAutofit/>
+            </a:bodyPr>
+            <a:lstStyle>
+              <a:lvl1pPr marL="285750" indent="-285750" algn="l" defTabSz="457200" rtl="0" eaLnBrk="1" latinLnBrk="0" hangingPunct="1">
+                <a:spcBef>
+                  <a:spcPct val="20000"/>
+                </a:spcBef>
+                <a:spcAft>
+                  <a:spcPts val="600"/>
+                </a:spcAft>
+                <a:buClr>
+                  <a:schemeClr val="accent1">
+                    <a:lumMod val="75000"/>
+                  </a:schemeClr>
+                </a:buClr>
+                <a:buSzPct val="145000"/>
+                <a:buFont typeface="Arial"/>
+                <a:buChar char="•"/>
+                <a:defRPr sz="2400" kern="1200" cap="none">
+                  <a:solidFill>
+                    <a:schemeClr val="tx1"/>
+                  </a:solidFill>
+                  <a:effectLst/>
+                  <a:latin typeface="+mn-lt"/>
+                  <a:ea typeface="+mn-ea"/>
+                  <a:cs typeface="+mn-cs"/>
+                </a:defRPr>
+              </a:lvl1pPr>
+              <a:lvl2pPr marL="742950" indent="-285750" algn="l" defTabSz="457200" rtl="0" eaLnBrk="1" latinLnBrk="0" hangingPunct="1">
+                <a:spcBef>
+                  <a:spcPct val="20000"/>
+                </a:spcBef>
+                <a:spcAft>
+                  <a:spcPts val="600"/>
+                </a:spcAft>
+                <a:buClr>
+                  <a:schemeClr val="accent1">
+                    <a:lumMod val="75000"/>
+                  </a:schemeClr>
+                </a:buClr>
+                <a:buSzPct val="145000"/>
+                <a:buFont typeface="Arial"/>
+                <a:buChar char="•"/>
+                <a:defRPr sz="2000" kern="1200" cap="none">
+                  <a:solidFill>
+                    <a:schemeClr val="tx1"/>
+                  </a:solidFill>
+                  <a:effectLst/>
+                  <a:latin typeface="+mn-lt"/>
+                  <a:ea typeface="+mn-ea"/>
+                  <a:cs typeface="+mn-cs"/>
+                </a:defRPr>
+              </a:lvl2pPr>
+              <a:lvl3pPr marL="1200150" indent="-285750" algn="l" defTabSz="457200" rtl="0" eaLnBrk="1" latinLnBrk="0" hangingPunct="1">
+                <a:spcBef>
+                  <a:spcPct val="20000"/>
+                </a:spcBef>
+                <a:spcAft>
+                  <a:spcPts val="600"/>
+                </a:spcAft>
+                <a:buClr>
+                  <a:schemeClr val="accent1">
+                    <a:lumMod val="75000"/>
+                  </a:schemeClr>
+                </a:buClr>
+                <a:buSzPct val="145000"/>
+                <a:buFont typeface="Arial"/>
+                <a:buChar char="•"/>
+                <a:defRPr sz="1800" kern="1200" cap="none">
+                  <a:solidFill>
+                    <a:schemeClr val="tx1"/>
+                  </a:solidFill>
+                  <a:effectLst/>
+                  <a:latin typeface="+mn-lt"/>
+                  <a:ea typeface="+mn-ea"/>
+                  <a:cs typeface="+mn-cs"/>
+                </a:defRPr>
+              </a:lvl3pPr>
+              <a:lvl4pPr marL="1543050" indent="-171450" algn="l" defTabSz="457200" rtl="0" eaLnBrk="1" latinLnBrk="0" hangingPunct="1">
+                <a:spcBef>
+                  <a:spcPct val="20000"/>
+                </a:spcBef>
+                <a:spcAft>
+                  <a:spcPts val="600"/>
+                </a:spcAft>
+                <a:buClr>
+                  <a:schemeClr val="accent1">
+                    <a:lumMod val="75000"/>
+                  </a:schemeClr>
+                </a:buClr>
+                <a:buSzPct val="145000"/>
+                <a:buFont typeface="Arial"/>
+                <a:buChar char="•"/>
+                <a:defRPr sz="1600" kern="1200" cap="none">
+                  <a:solidFill>
+                    <a:schemeClr val="tx1"/>
+                  </a:solidFill>
+                  <a:effectLst/>
+                  <a:latin typeface="+mn-lt"/>
+                  <a:ea typeface="+mn-ea"/>
+                  <a:cs typeface="+mn-cs"/>
+                </a:defRPr>
+              </a:lvl4pPr>
+              <a:lvl5pPr marL="2000250" indent="-171450" algn="l" defTabSz="457200" rtl="0" eaLnBrk="1" latinLnBrk="0" hangingPunct="1">
+                <a:spcBef>
+                  <a:spcPct val="20000"/>
+                </a:spcBef>
+                <a:spcAft>
+                  <a:spcPts val="600"/>
+                </a:spcAft>
+                <a:buClr>
+                  <a:schemeClr val="accent1">
+                    <a:lumMod val="75000"/>
+                  </a:schemeClr>
+                </a:buClr>
+                <a:buSzPct val="145000"/>
+                <a:buFont typeface="Arial"/>
+                <a:buChar char="•"/>
+                <a:defRPr sz="1400" kern="1200" cap="none">
+                  <a:solidFill>
+                    <a:schemeClr val="tx1"/>
+                  </a:solidFill>
+                  <a:effectLst/>
+                  <a:latin typeface="+mn-lt"/>
+                  <a:ea typeface="+mn-ea"/>
+                  <a:cs typeface="+mn-cs"/>
+                </a:defRPr>
+              </a:lvl5pPr>
+              <a:lvl6pPr marL="2514600" indent="-228600" algn="l" defTabSz="457200" rtl="0" eaLnBrk="1" latinLnBrk="0" hangingPunct="1">
+                <a:spcBef>
+                  <a:spcPct val="20000"/>
+                </a:spcBef>
+                <a:spcAft>
+                  <a:spcPts val="600"/>
+                </a:spcAft>
+                <a:buClr>
+                  <a:schemeClr val="accent1">
+                    <a:lumMod val="75000"/>
+                  </a:schemeClr>
+                </a:buClr>
+                <a:buSzPct val="145000"/>
+                <a:buFont typeface="Arial"/>
+                <a:buChar char="•"/>
+                <a:defRPr sz="1400" kern="1200" cap="none">
+                  <a:solidFill>
+                    <a:schemeClr val="tx1"/>
+                  </a:solidFill>
+                  <a:effectLst/>
+                  <a:latin typeface="+mn-lt"/>
+                  <a:ea typeface="+mn-ea"/>
+                  <a:cs typeface="+mn-cs"/>
+                </a:defRPr>
+              </a:lvl6pPr>
+              <a:lvl7pPr marL="2971800" indent="-228600" algn="l" defTabSz="457200" rtl="0" eaLnBrk="1" latinLnBrk="0" hangingPunct="1">
+                <a:spcBef>
+                  <a:spcPct val="20000"/>
+                </a:spcBef>
+                <a:spcAft>
+                  <a:spcPts val="600"/>
+                </a:spcAft>
+                <a:buClr>
+                  <a:schemeClr val="accent1">
+                    <a:lumMod val="75000"/>
+                  </a:schemeClr>
+                </a:buClr>
+                <a:buSzPct val="145000"/>
+                <a:buFont typeface="Arial"/>
+                <a:buChar char="•"/>
+                <a:defRPr sz="1400" kern="1200" cap="none">
+                  <a:solidFill>
+                    <a:schemeClr val="tx1"/>
+                  </a:solidFill>
+                  <a:effectLst/>
+                  <a:latin typeface="+mn-lt"/>
+                  <a:ea typeface="+mn-ea"/>
+                  <a:cs typeface="+mn-cs"/>
+                </a:defRPr>
+              </a:lvl7pPr>
+              <a:lvl8pPr marL="3429000" indent="-228600" algn="l" defTabSz="457200" rtl="0" eaLnBrk="1" latinLnBrk="0" hangingPunct="1">
+                <a:spcBef>
+                  <a:spcPct val="20000"/>
+                </a:spcBef>
+                <a:spcAft>
+                  <a:spcPts val="600"/>
+                </a:spcAft>
+                <a:buClr>
+                  <a:schemeClr val="accent1">
+                    <a:lumMod val="75000"/>
+                  </a:schemeClr>
+                </a:buClr>
+                <a:buSzPct val="145000"/>
+                <a:buFont typeface="Arial"/>
+                <a:buChar char="•"/>
+                <a:defRPr sz="1400" kern="1200" cap="none">
+                  <a:solidFill>
+                    <a:schemeClr val="tx1"/>
+                  </a:solidFill>
+                  <a:effectLst/>
+                  <a:latin typeface="+mn-lt"/>
+                  <a:ea typeface="+mn-ea"/>
+                  <a:cs typeface="+mn-cs"/>
+                </a:defRPr>
+              </a:lvl8pPr>
+              <a:lvl9pPr marL="3886200" indent="-228600" algn="l" defTabSz="457200" rtl="0" eaLnBrk="1" latinLnBrk="0" hangingPunct="1">
+                <a:spcBef>
+                  <a:spcPct val="20000"/>
+                </a:spcBef>
+                <a:spcAft>
+                  <a:spcPts val="600"/>
+                </a:spcAft>
+                <a:buClr>
+                  <a:schemeClr val="accent1">
+                    <a:lumMod val="75000"/>
+                  </a:schemeClr>
+                </a:buClr>
+                <a:buSzPct val="145000"/>
+                <a:buFont typeface="Arial"/>
+                <a:buChar char="•"/>
+                <a:defRPr sz="1400" kern="1200" cap="none">
+                  <a:solidFill>
+                    <a:schemeClr val="tx1"/>
+                  </a:solidFill>
+                  <a:effectLst/>
+                  <a:latin typeface="+mn-lt"/>
+                  <a:ea typeface="+mn-ea"/>
+                  <a:cs typeface="+mn-cs"/>
+                </a:defRPr>
+              </a:lvl9pPr>
+            </a:lstStyle>
+            <a:p>
+              <a:pPr marL="0" indent="0" algn="ctr">
+                <a:buFont typeface="Arial"/>
+                <a:buNone/>
+              </a:pPr>
+              <a:r>
+                <a:rPr lang="fr-FR" sz="1600" dirty="0"/>
+                <a:t>Sprint </a:t>
+              </a:r>
+              <a:r>
+                <a:rPr lang="fr-FR" sz="1600" dirty="0" err="1"/>
+                <a:t>Retrospective</a:t>
+              </a:r>
+              <a:endParaRPr lang="fr-FR" sz="1600" dirty="0"/>
+            </a:p>
+          </p:txBody>
+        </p:sp>
+        <p:sp>
+          <p:nvSpPr>
+            <p:cNvPr id="39" name="Rectangle 38">
+              <a:extLst>
+                <a:ext uri="{FF2B5EF4-FFF2-40B4-BE49-F238E27FC236}">
+                  <a16:creationId xmlns:a16="http://schemas.microsoft.com/office/drawing/2014/main" id="{D99FA1ED-2AA4-4CDF-8F21-012DAFA5C0F4}"/>
+                </a:ext>
+              </a:extLst>
+            </p:cNvPr>
+            <p:cNvSpPr/>
+            <p:nvPr/>
+          </p:nvSpPr>
+          <p:spPr>
+            <a:xfrm>
+              <a:off x="2158182" y="1557586"/>
+              <a:ext cx="6535271" cy="1815353"/>
+            </a:xfrm>
+            <a:prstGeom prst="rect">
+              <a:avLst/>
+            </a:prstGeom>
+            <a:noFill/>
+            <a:ln w="28575">
+              <a:prstDash val="dash"/>
+            </a:ln>
+          </p:spPr>
+          <p:style>
+            <a:lnRef idx="2">
+              <a:schemeClr val="accent1">
+                <a:shade val="50000"/>
+              </a:schemeClr>
+            </a:lnRef>
+            <a:fillRef idx="1">
+              <a:schemeClr val="accent1"/>
+            </a:fillRef>
+            <a:effectRef idx="0">
+              <a:schemeClr val="accent1"/>
+            </a:effectRef>
+            <a:fontRef idx="minor">
+              <a:schemeClr val="lt1"/>
+            </a:fontRef>
+          </p:style>
+          <p:txBody>
+            <a:bodyPr rtlCol="0" anchor="ctr"/>
+            <a:lstStyle/>
+            <a:p>
+              <a:pPr algn="ctr"/>
+              <a:endParaRPr lang="fr-FR"/>
+            </a:p>
+          </p:txBody>
+        </p:sp>
+      </p:grpSp>
+      <p:cxnSp>
+        <p:nvCxnSpPr>
+          <p:cNvPr id="40" name="Connecteur droit avec flèche 10">
+            <a:extLst>
+              <a:ext uri="{FF2B5EF4-FFF2-40B4-BE49-F238E27FC236}">
+                <a16:creationId xmlns:a16="http://schemas.microsoft.com/office/drawing/2014/main" id="{DB79332A-D583-4299-ABE3-5307BDE5CF10}"/>
+              </a:ext>
+            </a:extLst>
+          </p:cNvPr>
+          <p:cNvCxnSpPr>
+            <a:cxnSpLocks/>
+            <a:endCxn id="10" idx="1"/>
+          </p:cNvCxnSpPr>
+          <p:nvPr/>
+        </p:nvCxnSpPr>
+        <p:spPr>
+          <a:xfrm>
+            <a:off x="4402318" y="2017829"/>
+            <a:ext cx="526621" cy="1"/>
+          </a:xfrm>
+          <a:prstGeom prst="straightConnector1">
+            <a:avLst/>
+          </a:prstGeom>
+          <a:ln w="28575">
+            <a:solidFill>
+              <a:srgbClr val="AD6816"/>
+            </a:solidFill>
+            <a:tailEnd type="triangle" w="lg" len="lg"/>
+          </a:ln>
+        </p:spPr>
+        <p:style>
+          <a:lnRef idx="1">
+            <a:schemeClr val="accent1"/>
+          </a:lnRef>
+          <a:fillRef idx="0">
+            <a:schemeClr val="accent1"/>
+          </a:fillRef>
+          <a:effectRef idx="0">
+            <a:schemeClr val="accent1"/>
+          </a:effectRef>
+          <a:fontRef idx="minor">
+            <a:schemeClr val="tx1"/>
+          </a:fontRef>
+        </p:style>
+      </p:cxnSp>
+      <p:cxnSp>
+        <p:nvCxnSpPr>
+          <p:cNvPr id="43" name="Connecteur droit avec flèche 10">
+            <a:extLst>
+              <a:ext uri="{FF2B5EF4-FFF2-40B4-BE49-F238E27FC236}">
+                <a16:creationId xmlns:a16="http://schemas.microsoft.com/office/drawing/2014/main" id="{0C42187E-29F2-4B40-8E93-091F58B6AB06}"/>
+              </a:ext>
+            </a:extLst>
+          </p:cNvPr>
+          <p:cNvCxnSpPr>
+            <a:cxnSpLocks/>
+            <a:endCxn id="39" idx="3"/>
+          </p:cNvCxnSpPr>
+          <p:nvPr/>
+        </p:nvCxnSpPr>
+        <p:spPr>
+          <a:xfrm flipH="1">
+            <a:off x="4402318" y="5313616"/>
+            <a:ext cx="526622" cy="3"/>
+          </a:xfrm>
+          <a:prstGeom prst="straightConnector1">
+            <a:avLst/>
+          </a:prstGeom>
+          <a:ln w="28575">
+            <a:solidFill>
+              <a:srgbClr val="AD6816"/>
+            </a:solidFill>
+            <a:prstDash val="sysDash"/>
+            <a:tailEnd type="triangle" w="lg" len="lg"/>
+          </a:ln>
+        </p:spPr>
+        <p:style>
+          <a:lnRef idx="1">
+            <a:schemeClr val="accent1"/>
+          </a:lnRef>
+          <a:fillRef idx="0">
+            <a:schemeClr val="accent1"/>
+          </a:fillRef>
+          <a:effectRef idx="0">
+            <a:schemeClr val="accent1"/>
+          </a:effectRef>
+          <a:fontRef idx="minor">
+            <a:schemeClr val="tx1"/>
+          </a:fontRef>
+        </p:style>
+      </p:cxnSp>
+      <p:sp>
+        <p:nvSpPr>
+          <p:cNvPr id="48" name="TextBox 47">
+            <a:extLst>
+              <a:ext uri="{FF2B5EF4-FFF2-40B4-BE49-F238E27FC236}">
+                <a16:creationId xmlns:a16="http://schemas.microsoft.com/office/drawing/2014/main" id="{4C7499E2-2BED-4427-A2ED-C75EEB9CCBFA}"/>
+              </a:ext>
+            </a:extLst>
+          </p:cNvPr>
+          <p:cNvSpPr txBox="1"/>
+          <p:nvPr/>
+        </p:nvSpPr>
+        <p:spPr>
+          <a:xfrm>
+            <a:off x="2380103" y="5833427"/>
+            <a:ext cx="1303117" cy="276999"/>
+          </a:xfrm>
+          <a:prstGeom prst="rect">
+            <a:avLst/>
+          </a:prstGeom>
+          <a:noFill/>
+        </p:spPr>
+        <p:txBody>
+          <a:bodyPr wrap="square" rtlCol="0">
+            <a:spAutoFit/>
+          </a:bodyPr>
+          <a:lstStyle/>
+          <a:p>
+            <a:pPr algn="ctr"/>
+            <a:r>
+              <a:rPr lang="fr-FR" sz="1200" dirty="0"/>
+              <a:t>Vendredi 17h30</a:t>
+            </a:r>
+          </a:p>
+        </p:txBody>
+      </p:sp>
+      <p:sp>
+        <p:nvSpPr>
+          <p:cNvPr id="50" name="Slide Number Placeholder 49">
+            <a:extLst>
+              <a:ext uri="{FF2B5EF4-FFF2-40B4-BE49-F238E27FC236}">
+                <a16:creationId xmlns:a16="http://schemas.microsoft.com/office/drawing/2014/main" id="{851FB5E1-C24F-4FEC-BFE0-121CD675155D}"/>
+              </a:ext>
+            </a:extLst>
+          </p:cNvPr>
+          <p:cNvSpPr>
+            <a:spLocks noGrp="1"/>
+          </p:cNvSpPr>
+          <p:nvPr>
+            <p:ph type="sldNum" sz="quarter" idx="12"/>
+          </p:nvPr>
+        </p:nvSpPr>
+        <p:spPr/>
+        <p:txBody>
+          <a:bodyPr/>
+          <a:lstStyle/>
+          <a:p>
+            <a:fld id="{9F99AB34-2DF8-4E9C-9CC0-5EF239F20E73}" type="slidenum">
+              <a:rPr lang="fr-FR" smtClean="0"/>
+              <a:t>7</a:t>
+            </a:fld>
+            <a:endParaRPr lang="fr-FR"/>
+          </a:p>
+        </p:txBody>
+      </p:sp>
+    </p:spTree>
+    <p:extLst>
+      <p:ext uri="{BB962C8B-B14F-4D97-AF65-F5344CB8AC3E}">
+        <p14:creationId xmlns:p14="http://schemas.microsoft.com/office/powerpoint/2010/main" val="2439446604"/>
       </p:ext>
     </p:extLst>
   </p:cSld>
@@ -12337,39 +15220,3635 @@
             <p:ph type="title"/>
           </p:nvPr>
         </p:nvSpPr>
+        <p:spPr>
+          <a:xfrm>
+            <a:off x="1484310" y="183022"/>
+            <a:ext cx="10018713" cy="1019710"/>
+          </a:xfrm>
+        </p:spPr>
+        <p:txBody>
+          <a:bodyPr/>
+          <a:lstStyle/>
+          <a:p>
+            <a:r>
+              <a:rPr lang="fr-FR" dirty="0"/>
+              <a:t>Schéma du projet</a:t>
+            </a:r>
+          </a:p>
+        </p:txBody>
+      </p:sp>
+      <p:sp>
+        <p:nvSpPr>
+          <p:cNvPr id="4" name="Slide Number Placeholder 3">
+            <a:extLst>
+              <a:ext uri="{FF2B5EF4-FFF2-40B4-BE49-F238E27FC236}">
+                <a16:creationId xmlns:a16="http://schemas.microsoft.com/office/drawing/2014/main" id="{CAD1FB87-D0D9-466E-B35D-6C6A88A9C1C0}"/>
+              </a:ext>
+            </a:extLst>
+          </p:cNvPr>
+          <p:cNvSpPr>
+            <a:spLocks noGrp="1"/>
+          </p:cNvSpPr>
+          <p:nvPr>
+            <p:ph type="sldNum" sz="quarter" idx="12"/>
+          </p:nvPr>
+        </p:nvSpPr>
         <p:spPr/>
         <p:txBody>
           <a:bodyPr/>
           <a:lstStyle/>
           <a:p>
-            <a:r>
-              <a:rPr lang="fr-FR" dirty="0" smtClean="0"/>
-              <a:t>Qui c’est qu’a fait quoi ?</a:t>
-            </a:r>
-            <a:endParaRPr lang="fr-FR" dirty="0"/>
+            <a:fld id="{9F99AB34-2DF8-4E9C-9CC0-5EF239F20E73}" type="slidenum">
+              <a:rPr lang="fr-FR" smtClean="0"/>
+              <a:t>8</a:t>
+            </a:fld>
+            <a:endParaRPr lang="fr-FR"/>
           </a:p>
         </p:txBody>
       </p:sp>
       <p:sp>
         <p:nvSpPr>
-          <p:cNvPr id="3" name="Espace réservé du contenu 2"/>
-          <p:cNvSpPr>
-            <a:spLocks noGrp="1"/>
-          </p:cNvSpPr>
-          <p:nvPr>
-            <p:ph idx="1"/>
-          </p:nvPr>
-        </p:nvSpPr>
-        <p:spPr/>
+          <p:cNvPr id="38" name="TextBox 37">
+            <a:extLst>
+              <a:ext uri="{FF2B5EF4-FFF2-40B4-BE49-F238E27FC236}">
+                <a16:creationId xmlns:a16="http://schemas.microsoft.com/office/drawing/2014/main" id="{516CC9F0-2117-4F9E-A0EE-4DF6B389247E}"/>
+              </a:ext>
+            </a:extLst>
+          </p:cNvPr>
+          <p:cNvSpPr txBox="1"/>
+          <p:nvPr/>
+        </p:nvSpPr>
+        <p:spPr>
+          <a:xfrm>
+            <a:off x="2273664" y="1186818"/>
+            <a:ext cx="1564849" cy="369332"/>
+          </a:xfrm>
+          <a:prstGeom prst="rect">
+            <a:avLst/>
+          </a:prstGeom>
+          <a:noFill/>
+        </p:spPr>
         <p:txBody>
-          <a:bodyPr/>
+          <a:bodyPr wrap="square" rtlCol="0">
+            <a:spAutoFit/>
+          </a:bodyPr>
           <a:lstStyle/>
           <a:p>
             <a:r>
-              <a:rPr lang="fr-FR" dirty="0" smtClean="0"/>
-              <a:t>Pas besoin de diapo pour ça je pense</a:t>
-            </a:r>
-            <a:endParaRPr lang="fr-FR" dirty="0"/>
+              <a:rPr lang="fr-FR" dirty="0"/>
+              <a:t>Back</a:t>
+            </a:r>
+          </a:p>
+        </p:txBody>
+      </p:sp>
+      <p:sp>
+        <p:nvSpPr>
+          <p:cNvPr id="39" name="TextBox 38">
+            <a:extLst>
+              <a:ext uri="{FF2B5EF4-FFF2-40B4-BE49-F238E27FC236}">
+                <a16:creationId xmlns:a16="http://schemas.microsoft.com/office/drawing/2014/main" id="{CB303F83-CB09-4765-B169-6166338CD925}"/>
+              </a:ext>
+            </a:extLst>
+          </p:cNvPr>
+          <p:cNvSpPr txBox="1"/>
+          <p:nvPr/>
+        </p:nvSpPr>
+        <p:spPr>
+          <a:xfrm>
+            <a:off x="10169431" y="2533284"/>
+            <a:ext cx="1564849" cy="369332"/>
+          </a:xfrm>
+          <a:prstGeom prst="rect">
+            <a:avLst/>
+          </a:prstGeom>
+          <a:noFill/>
+        </p:spPr>
+        <p:txBody>
+          <a:bodyPr wrap="square" rtlCol="0">
+            <a:spAutoFit/>
+          </a:bodyPr>
+          <a:lstStyle/>
+          <a:p>
+            <a:r>
+              <a:rPr lang="fr-FR" dirty="0"/>
+              <a:t>Front</a:t>
+            </a:r>
+          </a:p>
+        </p:txBody>
+      </p:sp>
+      <p:grpSp>
+        <p:nvGrpSpPr>
+          <p:cNvPr id="64" name="Group 63">
+            <a:extLst>
+              <a:ext uri="{FF2B5EF4-FFF2-40B4-BE49-F238E27FC236}">
+                <a16:creationId xmlns:a16="http://schemas.microsoft.com/office/drawing/2014/main" id="{7D4FCFAA-9D85-4BFF-BDD2-4CE4D6FEE295}"/>
+              </a:ext>
+            </a:extLst>
+          </p:cNvPr>
+          <p:cNvGrpSpPr/>
+          <p:nvPr/>
+        </p:nvGrpSpPr>
+        <p:grpSpPr>
+          <a:xfrm>
+            <a:off x="2273664" y="1498269"/>
+            <a:ext cx="8550273" cy="4406510"/>
+            <a:chOff x="1853775" y="1291524"/>
+            <a:chExt cx="9649248" cy="4972883"/>
+          </a:xfrm>
+        </p:grpSpPr>
+        <p:sp>
+          <p:nvSpPr>
+            <p:cNvPr id="37" name="Rectangle 36">
+              <a:extLst>
+                <a:ext uri="{FF2B5EF4-FFF2-40B4-BE49-F238E27FC236}">
+                  <a16:creationId xmlns:a16="http://schemas.microsoft.com/office/drawing/2014/main" id="{C934E2B3-6800-45D4-B06B-F47961705DC3}"/>
+                </a:ext>
+              </a:extLst>
+            </p:cNvPr>
+            <p:cNvSpPr/>
+            <p:nvPr/>
+          </p:nvSpPr>
+          <p:spPr>
+            <a:xfrm>
+              <a:off x="2855135" y="2806574"/>
+              <a:ext cx="8647888" cy="3457833"/>
+            </a:xfrm>
+            <a:prstGeom prst="rect">
+              <a:avLst/>
+            </a:prstGeom>
+            <a:solidFill>
+              <a:srgbClr val="F1B265"/>
+            </a:solidFill>
+            <a:ln>
+              <a:noFill/>
+            </a:ln>
+          </p:spPr>
+          <p:style>
+            <a:lnRef idx="2">
+              <a:schemeClr val="accent1">
+                <a:shade val="50000"/>
+              </a:schemeClr>
+            </a:lnRef>
+            <a:fillRef idx="1">
+              <a:schemeClr val="accent1"/>
+            </a:fillRef>
+            <a:effectRef idx="0">
+              <a:schemeClr val="accent1"/>
+            </a:effectRef>
+            <a:fontRef idx="minor">
+              <a:schemeClr val="lt1"/>
+            </a:fontRef>
+          </p:style>
+          <p:txBody>
+            <a:bodyPr rtlCol="0" anchor="ctr"/>
+            <a:lstStyle/>
+            <a:p>
+              <a:pPr algn="ctr"/>
+              <a:endParaRPr lang="fr-FR" dirty="0"/>
+            </a:p>
+          </p:txBody>
+        </p:sp>
+        <p:sp>
+          <p:nvSpPr>
+            <p:cNvPr id="36" name="Rectangle 35">
+              <a:extLst>
+                <a:ext uri="{FF2B5EF4-FFF2-40B4-BE49-F238E27FC236}">
+                  <a16:creationId xmlns:a16="http://schemas.microsoft.com/office/drawing/2014/main" id="{E42B9DBE-B45D-4DBE-A701-FA379EC96606}"/>
+                </a:ext>
+              </a:extLst>
+            </p:cNvPr>
+            <p:cNvSpPr/>
+            <p:nvPr/>
+          </p:nvSpPr>
+          <p:spPr>
+            <a:xfrm>
+              <a:off x="1853775" y="1291524"/>
+              <a:ext cx="5656944" cy="1329179"/>
+            </a:xfrm>
+            <a:prstGeom prst="rect">
+              <a:avLst/>
+            </a:prstGeom>
+            <a:solidFill>
+              <a:schemeClr val="bg1">
+                <a:lumMod val="65000"/>
+              </a:schemeClr>
+            </a:solidFill>
+            <a:ln>
+              <a:noFill/>
+            </a:ln>
+          </p:spPr>
+          <p:style>
+            <a:lnRef idx="2">
+              <a:schemeClr val="accent1">
+                <a:shade val="50000"/>
+              </a:schemeClr>
+            </a:lnRef>
+            <a:fillRef idx="1">
+              <a:schemeClr val="accent1"/>
+            </a:fillRef>
+            <a:effectRef idx="0">
+              <a:schemeClr val="accent1"/>
+            </a:effectRef>
+            <a:fontRef idx="minor">
+              <a:schemeClr val="lt1"/>
+            </a:fontRef>
+          </p:style>
+          <p:txBody>
+            <a:bodyPr rtlCol="0" anchor="ctr"/>
+            <a:lstStyle/>
+            <a:p>
+              <a:pPr algn="ctr"/>
+              <a:endParaRPr lang="fr-FR"/>
+            </a:p>
+          </p:txBody>
+        </p:sp>
+        <p:grpSp>
+          <p:nvGrpSpPr>
+            <p:cNvPr id="7" name="Groupe 19">
+              <a:extLst>
+                <a:ext uri="{FF2B5EF4-FFF2-40B4-BE49-F238E27FC236}">
+                  <a16:creationId xmlns:a16="http://schemas.microsoft.com/office/drawing/2014/main" id="{0727781A-3676-4F49-84B6-7670F62C0543}"/>
+                </a:ext>
+              </a:extLst>
+            </p:cNvPr>
+            <p:cNvGrpSpPr/>
+            <p:nvPr/>
+          </p:nvGrpSpPr>
+          <p:grpSpPr>
+            <a:xfrm>
+              <a:off x="2146371" y="1422165"/>
+              <a:ext cx="2279393" cy="1019711"/>
+              <a:chOff x="3294529" y="1438835"/>
+              <a:chExt cx="6535271" cy="1815353"/>
+            </a:xfrm>
+          </p:grpSpPr>
+          <p:sp>
+            <p:nvSpPr>
+              <p:cNvPr id="8" name="Espace réservé du contenu 2">
+                <a:extLst>
+                  <a:ext uri="{FF2B5EF4-FFF2-40B4-BE49-F238E27FC236}">
+                    <a16:creationId xmlns:a16="http://schemas.microsoft.com/office/drawing/2014/main" id="{55810469-F2CE-4753-9EA6-B7375EA28699}"/>
+                  </a:ext>
+                </a:extLst>
+              </p:cNvPr>
+              <p:cNvSpPr txBox="1">
+                <a:spLocks/>
+              </p:cNvSpPr>
+              <p:nvPr/>
+            </p:nvSpPr>
+            <p:spPr>
+              <a:xfrm>
+                <a:off x="3648960" y="1697251"/>
+                <a:ext cx="5826407" cy="1298520"/>
+              </a:xfrm>
+              <a:prstGeom prst="rect">
+                <a:avLst/>
+              </a:prstGeom>
+            </p:spPr>
+            <p:txBody>
+              <a:bodyPr vert="horz" lIns="91440" tIns="45720" rIns="91440" bIns="45720" rtlCol="0" anchor="ctr">
+                <a:normAutofit/>
+              </a:bodyPr>
+              <a:lstStyle>
+                <a:lvl1pPr marL="285750" indent="-285750" algn="l" defTabSz="457200" rtl="0" eaLnBrk="1" latinLnBrk="0" hangingPunct="1">
+                  <a:spcBef>
+                    <a:spcPct val="20000"/>
+                  </a:spcBef>
+                  <a:spcAft>
+                    <a:spcPts val="600"/>
+                  </a:spcAft>
+                  <a:buClr>
+                    <a:schemeClr val="accent1">
+                      <a:lumMod val="75000"/>
+                    </a:schemeClr>
+                  </a:buClr>
+                  <a:buSzPct val="145000"/>
+                  <a:buFont typeface="Arial"/>
+                  <a:buChar char="•"/>
+                  <a:defRPr sz="2400" kern="1200" cap="none">
+                    <a:solidFill>
+                      <a:schemeClr val="tx1"/>
+                    </a:solidFill>
+                    <a:effectLst/>
+                    <a:latin typeface="+mn-lt"/>
+                    <a:ea typeface="+mn-ea"/>
+                    <a:cs typeface="+mn-cs"/>
+                  </a:defRPr>
+                </a:lvl1pPr>
+                <a:lvl2pPr marL="742950" indent="-285750" algn="l" defTabSz="457200" rtl="0" eaLnBrk="1" latinLnBrk="0" hangingPunct="1">
+                  <a:spcBef>
+                    <a:spcPct val="20000"/>
+                  </a:spcBef>
+                  <a:spcAft>
+                    <a:spcPts val="600"/>
+                  </a:spcAft>
+                  <a:buClr>
+                    <a:schemeClr val="accent1">
+                      <a:lumMod val="75000"/>
+                    </a:schemeClr>
+                  </a:buClr>
+                  <a:buSzPct val="145000"/>
+                  <a:buFont typeface="Arial"/>
+                  <a:buChar char="•"/>
+                  <a:defRPr sz="2000" kern="1200" cap="none">
+                    <a:solidFill>
+                      <a:schemeClr val="tx1"/>
+                    </a:solidFill>
+                    <a:effectLst/>
+                    <a:latin typeface="+mn-lt"/>
+                    <a:ea typeface="+mn-ea"/>
+                    <a:cs typeface="+mn-cs"/>
+                  </a:defRPr>
+                </a:lvl2pPr>
+                <a:lvl3pPr marL="1200150" indent="-285750" algn="l" defTabSz="457200" rtl="0" eaLnBrk="1" latinLnBrk="0" hangingPunct="1">
+                  <a:spcBef>
+                    <a:spcPct val="20000"/>
+                  </a:spcBef>
+                  <a:spcAft>
+                    <a:spcPts val="600"/>
+                  </a:spcAft>
+                  <a:buClr>
+                    <a:schemeClr val="accent1">
+                      <a:lumMod val="75000"/>
+                    </a:schemeClr>
+                  </a:buClr>
+                  <a:buSzPct val="145000"/>
+                  <a:buFont typeface="Arial"/>
+                  <a:buChar char="•"/>
+                  <a:defRPr sz="1800" kern="1200" cap="none">
+                    <a:solidFill>
+                      <a:schemeClr val="tx1"/>
+                    </a:solidFill>
+                    <a:effectLst/>
+                    <a:latin typeface="+mn-lt"/>
+                    <a:ea typeface="+mn-ea"/>
+                    <a:cs typeface="+mn-cs"/>
+                  </a:defRPr>
+                </a:lvl3pPr>
+                <a:lvl4pPr marL="1543050" indent="-171450" algn="l" defTabSz="457200" rtl="0" eaLnBrk="1" latinLnBrk="0" hangingPunct="1">
+                  <a:spcBef>
+                    <a:spcPct val="20000"/>
+                  </a:spcBef>
+                  <a:spcAft>
+                    <a:spcPts val="600"/>
+                  </a:spcAft>
+                  <a:buClr>
+                    <a:schemeClr val="accent1">
+                      <a:lumMod val="75000"/>
+                    </a:schemeClr>
+                  </a:buClr>
+                  <a:buSzPct val="145000"/>
+                  <a:buFont typeface="Arial"/>
+                  <a:buChar char="•"/>
+                  <a:defRPr sz="1600" kern="1200" cap="none">
+                    <a:solidFill>
+                      <a:schemeClr val="tx1"/>
+                    </a:solidFill>
+                    <a:effectLst/>
+                    <a:latin typeface="+mn-lt"/>
+                    <a:ea typeface="+mn-ea"/>
+                    <a:cs typeface="+mn-cs"/>
+                  </a:defRPr>
+                </a:lvl4pPr>
+                <a:lvl5pPr marL="2000250" indent="-171450" algn="l" defTabSz="457200" rtl="0" eaLnBrk="1" latinLnBrk="0" hangingPunct="1">
+                  <a:spcBef>
+                    <a:spcPct val="20000"/>
+                  </a:spcBef>
+                  <a:spcAft>
+                    <a:spcPts val="600"/>
+                  </a:spcAft>
+                  <a:buClr>
+                    <a:schemeClr val="accent1">
+                      <a:lumMod val="75000"/>
+                    </a:schemeClr>
+                  </a:buClr>
+                  <a:buSzPct val="145000"/>
+                  <a:buFont typeface="Arial"/>
+                  <a:buChar char="•"/>
+                  <a:defRPr sz="1400" kern="1200" cap="none">
+                    <a:solidFill>
+                      <a:schemeClr val="tx1"/>
+                    </a:solidFill>
+                    <a:effectLst/>
+                    <a:latin typeface="+mn-lt"/>
+                    <a:ea typeface="+mn-ea"/>
+                    <a:cs typeface="+mn-cs"/>
+                  </a:defRPr>
+                </a:lvl5pPr>
+                <a:lvl6pPr marL="2514600" indent="-228600" algn="l" defTabSz="457200" rtl="0" eaLnBrk="1" latinLnBrk="0" hangingPunct="1">
+                  <a:spcBef>
+                    <a:spcPct val="20000"/>
+                  </a:spcBef>
+                  <a:spcAft>
+                    <a:spcPts val="600"/>
+                  </a:spcAft>
+                  <a:buClr>
+                    <a:schemeClr val="accent1">
+                      <a:lumMod val="75000"/>
+                    </a:schemeClr>
+                  </a:buClr>
+                  <a:buSzPct val="145000"/>
+                  <a:buFont typeface="Arial"/>
+                  <a:buChar char="•"/>
+                  <a:defRPr sz="1400" kern="1200" cap="none">
+                    <a:solidFill>
+                      <a:schemeClr val="tx1"/>
+                    </a:solidFill>
+                    <a:effectLst/>
+                    <a:latin typeface="+mn-lt"/>
+                    <a:ea typeface="+mn-ea"/>
+                    <a:cs typeface="+mn-cs"/>
+                  </a:defRPr>
+                </a:lvl6pPr>
+                <a:lvl7pPr marL="2971800" indent="-228600" algn="l" defTabSz="457200" rtl="0" eaLnBrk="1" latinLnBrk="0" hangingPunct="1">
+                  <a:spcBef>
+                    <a:spcPct val="20000"/>
+                  </a:spcBef>
+                  <a:spcAft>
+                    <a:spcPts val="600"/>
+                  </a:spcAft>
+                  <a:buClr>
+                    <a:schemeClr val="accent1">
+                      <a:lumMod val="75000"/>
+                    </a:schemeClr>
+                  </a:buClr>
+                  <a:buSzPct val="145000"/>
+                  <a:buFont typeface="Arial"/>
+                  <a:buChar char="•"/>
+                  <a:defRPr sz="1400" kern="1200" cap="none">
+                    <a:solidFill>
+                      <a:schemeClr val="tx1"/>
+                    </a:solidFill>
+                    <a:effectLst/>
+                    <a:latin typeface="+mn-lt"/>
+                    <a:ea typeface="+mn-ea"/>
+                    <a:cs typeface="+mn-cs"/>
+                  </a:defRPr>
+                </a:lvl7pPr>
+                <a:lvl8pPr marL="3429000" indent="-228600" algn="l" defTabSz="457200" rtl="0" eaLnBrk="1" latinLnBrk="0" hangingPunct="1">
+                  <a:spcBef>
+                    <a:spcPct val="20000"/>
+                  </a:spcBef>
+                  <a:spcAft>
+                    <a:spcPts val="600"/>
+                  </a:spcAft>
+                  <a:buClr>
+                    <a:schemeClr val="accent1">
+                      <a:lumMod val="75000"/>
+                    </a:schemeClr>
+                  </a:buClr>
+                  <a:buSzPct val="145000"/>
+                  <a:buFont typeface="Arial"/>
+                  <a:buChar char="•"/>
+                  <a:defRPr sz="1400" kern="1200" cap="none">
+                    <a:solidFill>
+                      <a:schemeClr val="tx1"/>
+                    </a:solidFill>
+                    <a:effectLst/>
+                    <a:latin typeface="+mn-lt"/>
+                    <a:ea typeface="+mn-ea"/>
+                    <a:cs typeface="+mn-cs"/>
+                  </a:defRPr>
+                </a:lvl8pPr>
+                <a:lvl9pPr marL="3886200" indent="-228600" algn="l" defTabSz="457200" rtl="0" eaLnBrk="1" latinLnBrk="0" hangingPunct="1">
+                  <a:spcBef>
+                    <a:spcPct val="20000"/>
+                  </a:spcBef>
+                  <a:spcAft>
+                    <a:spcPts val="600"/>
+                  </a:spcAft>
+                  <a:buClr>
+                    <a:schemeClr val="accent1">
+                      <a:lumMod val="75000"/>
+                    </a:schemeClr>
+                  </a:buClr>
+                  <a:buSzPct val="145000"/>
+                  <a:buFont typeface="Arial"/>
+                  <a:buChar char="•"/>
+                  <a:defRPr sz="1400" kern="1200" cap="none">
+                    <a:solidFill>
+                      <a:schemeClr val="tx1"/>
+                    </a:solidFill>
+                    <a:effectLst/>
+                    <a:latin typeface="+mn-lt"/>
+                    <a:ea typeface="+mn-ea"/>
+                    <a:cs typeface="+mn-cs"/>
+                  </a:defRPr>
+                </a:lvl9pPr>
+              </a:lstStyle>
+              <a:p>
+                <a:pPr marL="0" indent="0" algn="ctr">
+                  <a:buFont typeface="Arial"/>
+                  <a:buNone/>
+                </a:pPr>
+                <a:r>
+                  <a:rPr lang="fr-FR" sz="1400" dirty="0"/>
+                  <a:t>Back JAVA</a:t>
+                </a:r>
+              </a:p>
+              <a:p>
+                <a:pPr marL="0" indent="0" algn="ctr">
+                  <a:buFont typeface="Arial"/>
+                  <a:buNone/>
+                </a:pPr>
+                <a:r>
+                  <a:rPr lang="fr-FR" sz="1400" dirty="0"/>
+                  <a:t>(model, dao, api)</a:t>
+                </a:r>
+              </a:p>
+            </p:txBody>
+          </p:sp>
+          <p:sp>
+            <p:nvSpPr>
+              <p:cNvPr id="9" name="Rectangle 8">
+                <a:extLst>
+                  <a:ext uri="{FF2B5EF4-FFF2-40B4-BE49-F238E27FC236}">
+                    <a16:creationId xmlns:a16="http://schemas.microsoft.com/office/drawing/2014/main" id="{EAE367CB-A870-48D4-9553-4CF8CA347889}"/>
+                  </a:ext>
+                </a:extLst>
+              </p:cNvPr>
+              <p:cNvSpPr/>
+              <p:nvPr/>
+            </p:nvSpPr>
+            <p:spPr>
+              <a:xfrm>
+                <a:off x="3294529" y="1438835"/>
+                <a:ext cx="6535271" cy="1815353"/>
+              </a:xfrm>
+              <a:prstGeom prst="rect">
+                <a:avLst/>
+              </a:prstGeom>
+              <a:noFill/>
+              <a:ln w="28575"/>
+            </p:spPr>
+            <p:style>
+              <a:lnRef idx="2">
+                <a:schemeClr val="accent1">
+                  <a:shade val="50000"/>
+                </a:schemeClr>
+              </a:lnRef>
+              <a:fillRef idx="1">
+                <a:schemeClr val="accent1"/>
+              </a:fillRef>
+              <a:effectRef idx="0">
+                <a:schemeClr val="accent1"/>
+              </a:effectRef>
+              <a:fontRef idx="minor">
+                <a:schemeClr val="lt1"/>
+              </a:fontRef>
+            </p:style>
+            <p:txBody>
+              <a:bodyPr rtlCol="0" anchor="ctr"/>
+              <a:lstStyle/>
+              <a:p>
+                <a:pPr algn="ctr"/>
+                <a:endParaRPr lang="fr-FR"/>
+              </a:p>
+            </p:txBody>
+          </p:sp>
+        </p:grpSp>
+        <p:grpSp>
+          <p:nvGrpSpPr>
+            <p:cNvPr id="10" name="Groupe 19">
+              <a:extLst>
+                <a:ext uri="{FF2B5EF4-FFF2-40B4-BE49-F238E27FC236}">
+                  <a16:creationId xmlns:a16="http://schemas.microsoft.com/office/drawing/2014/main" id="{42828DE8-2146-402F-8F62-02E555E69B37}"/>
+                </a:ext>
+              </a:extLst>
+            </p:cNvPr>
+            <p:cNvGrpSpPr/>
+            <p:nvPr/>
+          </p:nvGrpSpPr>
+          <p:grpSpPr>
+            <a:xfrm>
+              <a:off x="5010719" y="1422165"/>
+              <a:ext cx="2279393" cy="1019711"/>
+              <a:chOff x="3294531" y="1438835"/>
+              <a:chExt cx="6535272" cy="1815353"/>
+            </a:xfrm>
+          </p:grpSpPr>
+          <p:sp>
+            <p:nvSpPr>
+              <p:cNvPr id="11" name="Espace réservé du contenu 2">
+                <a:extLst>
+                  <a:ext uri="{FF2B5EF4-FFF2-40B4-BE49-F238E27FC236}">
+                    <a16:creationId xmlns:a16="http://schemas.microsoft.com/office/drawing/2014/main" id="{ECBFBFD2-9A5E-439C-8062-7F047BE136C2}"/>
+                  </a:ext>
+                </a:extLst>
+              </p:cNvPr>
+              <p:cNvSpPr txBox="1">
+                <a:spLocks/>
+              </p:cNvSpPr>
+              <p:nvPr/>
+            </p:nvSpPr>
+            <p:spPr>
+              <a:xfrm>
+                <a:off x="3648960" y="1697251"/>
+                <a:ext cx="5826407" cy="1298520"/>
+              </a:xfrm>
+              <a:prstGeom prst="rect">
+                <a:avLst/>
+              </a:prstGeom>
+            </p:spPr>
+            <p:txBody>
+              <a:bodyPr vert="horz" lIns="91440" tIns="45720" rIns="91440" bIns="45720" rtlCol="0" anchor="ctr">
+                <a:normAutofit/>
+              </a:bodyPr>
+              <a:lstStyle>
+                <a:lvl1pPr marL="285750" indent="-285750" algn="l" defTabSz="457200" rtl="0" eaLnBrk="1" latinLnBrk="0" hangingPunct="1">
+                  <a:spcBef>
+                    <a:spcPct val="20000"/>
+                  </a:spcBef>
+                  <a:spcAft>
+                    <a:spcPts val="600"/>
+                  </a:spcAft>
+                  <a:buClr>
+                    <a:schemeClr val="accent1">
+                      <a:lumMod val="75000"/>
+                    </a:schemeClr>
+                  </a:buClr>
+                  <a:buSzPct val="145000"/>
+                  <a:buFont typeface="Arial"/>
+                  <a:buChar char="•"/>
+                  <a:defRPr sz="2400" kern="1200" cap="none">
+                    <a:solidFill>
+                      <a:schemeClr val="tx1"/>
+                    </a:solidFill>
+                    <a:effectLst/>
+                    <a:latin typeface="+mn-lt"/>
+                    <a:ea typeface="+mn-ea"/>
+                    <a:cs typeface="+mn-cs"/>
+                  </a:defRPr>
+                </a:lvl1pPr>
+                <a:lvl2pPr marL="742950" indent="-285750" algn="l" defTabSz="457200" rtl="0" eaLnBrk="1" latinLnBrk="0" hangingPunct="1">
+                  <a:spcBef>
+                    <a:spcPct val="20000"/>
+                  </a:spcBef>
+                  <a:spcAft>
+                    <a:spcPts val="600"/>
+                  </a:spcAft>
+                  <a:buClr>
+                    <a:schemeClr val="accent1">
+                      <a:lumMod val="75000"/>
+                    </a:schemeClr>
+                  </a:buClr>
+                  <a:buSzPct val="145000"/>
+                  <a:buFont typeface="Arial"/>
+                  <a:buChar char="•"/>
+                  <a:defRPr sz="2000" kern="1200" cap="none">
+                    <a:solidFill>
+                      <a:schemeClr val="tx1"/>
+                    </a:solidFill>
+                    <a:effectLst/>
+                    <a:latin typeface="+mn-lt"/>
+                    <a:ea typeface="+mn-ea"/>
+                    <a:cs typeface="+mn-cs"/>
+                  </a:defRPr>
+                </a:lvl2pPr>
+                <a:lvl3pPr marL="1200150" indent="-285750" algn="l" defTabSz="457200" rtl="0" eaLnBrk="1" latinLnBrk="0" hangingPunct="1">
+                  <a:spcBef>
+                    <a:spcPct val="20000"/>
+                  </a:spcBef>
+                  <a:spcAft>
+                    <a:spcPts val="600"/>
+                  </a:spcAft>
+                  <a:buClr>
+                    <a:schemeClr val="accent1">
+                      <a:lumMod val="75000"/>
+                    </a:schemeClr>
+                  </a:buClr>
+                  <a:buSzPct val="145000"/>
+                  <a:buFont typeface="Arial"/>
+                  <a:buChar char="•"/>
+                  <a:defRPr sz="1800" kern="1200" cap="none">
+                    <a:solidFill>
+                      <a:schemeClr val="tx1"/>
+                    </a:solidFill>
+                    <a:effectLst/>
+                    <a:latin typeface="+mn-lt"/>
+                    <a:ea typeface="+mn-ea"/>
+                    <a:cs typeface="+mn-cs"/>
+                  </a:defRPr>
+                </a:lvl3pPr>
+                <a:lvl4pPr marL="1543050" indent="-171450" algn="l" defTabSz="457200" rtl="0" eaLnBrk="1" latinLnBrk="0" hangingPunct="1">
+                  <a:spcBef>
+                    <a:spcPct val="20000"/>
+                  </a:spcBef>
+                  <a:spcAft>
+                    <a:spcPts val="600"/>
+                  </a:spcAft>
+                  <a:buClr>
+                    <a:schemeClr val="accent1">
+                      <a:lumMod val="75000"/>
+                    </a:schemeClr>
+                  </a:buClr>
+                  <a:buSzPct val="145000"/>
+                  <a:buFont typeface="Arial"/>
+                  <a:buChar char="•"/>
+                  <a:defRPr sz="1600" kern="1200" cap="none">
+                    <a:solidFill>
+                      <a:schemeClr val="tx1"/>
+                    </a:solidFill>
+                    <a:effectLst/>
+                    <a:latin typeface="+mn-lt"/>
+                    <a:ea typeface="+mn-ea"/>
+                    <a:cs typeface="+mn-cs"/>
+                  </a:defRPr>
+                </a:lvl4pPr>
+                <a:lvl5pPr marL="2000250" indent="-171450" algn="l" defTabSz="457200" rtl="0" eaLnBrk="1" latinLnBrk="0" hangingPunct="1">
+                  <a:spcBef>
+                    <a:spcPct val="20000"/>
+                  </a:spcBef>
+                  <a:spcAft>
+                    <a:spcPts val="600"/>
+                  </a:spcAft>
+                  <a:buClr>
+                    <a:schemeClr val="accent1">
+                      <a:lumMod val="75000"/>
+                    </a:schemeClr>
+                  </a:buClr>
+                  <a:buSzPct val="145000"/>
+                  <a:buFont typeface="Arial"/>
+                  <a:buChar char="•"/>
+                  <a:defRPr sz="1400" kern="1200" cap="none">
+                    <a:solidFill>
+                      <a:schemeClr val="tx1"/>
+                    </a:solidFill>
+                    <a:effectLst/>
+                    <a:latin typeface="+mn-lt"/>
+                    <a:ea typeface="+mn-ea"/>
+                    <a:cs typeface="+mn-cs"/>
+                  </a:defRPr>
+                </a:lvl5pPr>
+                <a:lvl6pPr marL="2514600" indent="-228600" algn="l" defTabSz="457200" rtl="0" eaLnBrk="1" latinLnBrk="0" hangingPunct="1">
+                  <a:spcBef>
+                    <a:spcPct val="20000"/>
+                  </a:spcBef>
+                  <a:spcAft>
+                    <a:spcPts val="600"/>
+                  </a:spcAft>
+                  <a:buClr>
+                    <a:schemeClr val="accent1">
+                      <a:lumMod val="75000"/>
+                    </a:schemeClr>
+                  </a:buClr>
+                  <a:buSzPct val="145000"/>
+                  <a:buFont typeface="Arial"/>
+                  <a:buChar char="•"/>
+                  <a:defRPr sz="1400" kern="1200" cap="none">
+                    <a:solidFill>
+                      <a:schemeClr val="tx1"/>
+                    </a:solidFill>
+                    <a:effectLst/>
+                    <a:latin typeface="+mn-lt"/>
+                    <a:ea typeface="+mn-ea"/>
+                    <a:cs typeface="+mn-cs"/>
+                  </a:defRPr>
+                </a:lvl6pPr>
+                <a:lvl7pPr marL="2971800" indent="-228600" algn="l" defTabSz="457200" rtl="0" eaLnBrk="1" latinLnBrk="0" hangingPunct="1">
+                  <a:spcBef>
+                    <a:spcPct val="20000"/>
+                  </a:spcBef>
+                  <a:spcAft>
+                    <a:spcPts val="600"/>
+                  </a:spcAft>
+                  <a:buClr>
+                    <a:schemeClr val="accent1">
+                      <a:lumMod val="75000"/>
+                    </a:schemeClr>
+                  </a:buClr>
+                  <a:buSzPct val="145000"/>
+                  <a:buFont typeface="Arial"/>
+                  <a:buChar char="•"/>
+                  <a:defRPr sz="1400" kern="1200" cap="none">
+                    <a:solidFill>
+                      <a:schemeClr val="tx1"/>
+                    </a:solidFill>
+                    <a:effectLst/>
+                    <a:latin typeface="+mn-lt"/>
+                    <a:ea typeface="+mn-ea"/>
+                    <a:cs typeface="+mn-cs"/>
+                  </a:defRPr>
+                </a:lvl7pPr>
+                <a:lvl8pPr marL="3429000" indent="-228600" algn="l" defTabSz="457200" rtl="0" eaLnBrk="1" latinLnBrk="0" hangingPunct="1">
+                  <a:spcBef>
+                    <a:spcPct val="20000"/>
+                  </a:spcBef>
+                  <a:spcAft>
+                    <a:spcPts val="600"/>
+                  </a:spcAft>
+                  <a:buClr>
+                    <a:schemeClr val="accent1">
+                      <a:lumMod val="75000"/>
+                    </a:schemeClr>
+                  </a:buClr>
+                  <a:buSzPct val="145000"/>
+                  <a:buFont typeface="Arial"/>
+                  <a:buChar char="•"/>
+                  <a:defRPr sz="1400" kern="1200" cap="none">
+                    <a:solidFill>
+                      <a:schemeClr val="tx1"/>
+                    </a:solidFill>
+                    <a:effectLst/>
+                    <a:latin typeface="+mn-lt"/>
+                    <a:ea typeface="+mn-ea"/>
+                    <a:cs typeface="+mn-cs"/>
+                  </a:defRPr>
+                </a:lvl8pPr>
+                <a:lvl9pPr marL="3886200" indent="-228600" algn="l" defTabSz="457200" rtl="0" eaLnBrk="1" latinLnBrk="0" hangingPunct="1">
+                  <a:spcBef>
+                    <a:spcPct val="20000"/>
+                  </a:spcBef>
+                  <a:spcAft>
+                    <a:spcPts val="600"/>
+                  </a:spcAft>
+                  <a:buClr>
+                    <a:schemeClr val="accent1">
+                      <a:lumMod val="75000"/>
+                    </a:schemeClr>
+                  </a:buClr>
+                  <a:buSzPct val="145000"/>
+                  <a:buFont typeface="Arial"/>
+                  <a:buChar char="•"/>
+                  <a:defRPr sz="1400" kern="1200" cap="none">
+                    <a:solidFill>
+                      <a:schemeClr val="tx1"/>
+                    </a:solidFill>
+                    <a:effectLst/>
+                    <a:latin typeface="+mn-lt"/>
+                    <a:ea typeface="+mn-ea"/>
+                    <a:cs typeface="+mn-cs"/>
+                  </a:defRPr>
+                </a:lvl9pPr>
+              </a:lstStyle>
+              <a:p>
+                <a:pPr marL="0" indent="0" algn="ctr">
+                  <a:buFont typeface="Arial"/>
+                  <a:buNone/>
+                </a:pPr>
+                <a:r>
+                  <a:rPr lang="fr-FR" sz="1400" dirty="0"/>
+                  <a:t>Implémentation base de données</a:t>
+                </a:r>
+              </a:p>
+            </p:txBody>
+          </p:sp>
+          <p:sp>
+            <p:nvSpPr>
+              <p:cNvPr id="12" name="Rectangle 11">
+                <a:extLst>
+                  <a:ext uri="{FF2B5EF4-FFF2-40B4-BE49-F238E27FC236}">
+                    <a16:creationId xmlns:a16="http://schemas.microsoft.com/office/drawing/2014/main" id="{953CFC9F-2062-4AFC-B51D-E2B37AB0FE80}"/>
+                  </a:ext>
+                </a:extLst>
+              </p:cNvPr>
+              <p:cNvSpPr/>
+              <p:nvPr/>
+            </p:nvSpPr>
+            <p:spPr>
+              <a:xfrm>
+                <a:off x="3294531" y="1438835"/>
+                <a:ext cx="6535272" cy="1815353"/>
+              </a:xfrm>
+              <a:prstGeom prst="rect">
+                <a:avLst/>
+              </a:prstGeom>
+              <a:noFill/>
+              <a:ln w="28575"/>
+            </p:spPr>
+            <p:style>
+              <a:lnRef idx="2">
+                <a:schemeClr val="accent1">
+                  <a:shade val="50000"/>
+                </a:schemeClr>
+              </a:lnRef>
+              <a:fillRef idx="1">
+                <a:schemeClr val="accent1"/>
+              </a:fillRef>
+              <a:effectRef idx="0">
+                <a:schemeClr val="accent1"/>
+              </a:effectRef>
+              <a:fontRef idx="minor">
+                <a:schemeClr val="lt1"/>
+              </a:fontRef>
+            </p:style>
+            <p:txBody>
+              <a:bodyPr rtlCol="0" anchor="ctr"/>
+              <a:lstStyle/>
+              <a:p>
+                <a:pPr algn="ctr"/>
+                <a:endParaRPr lang="fr-FR"/>
+              </a:p>
+            </p:txBody>
+          </p:sp>
+        </p:grpSp>
+        <p:cxnSp>
+          <p:nvCxnSpPr>
+            <p:cNvPr id="13" name="Connecteur droit avec flèche 10">
+              <a:extLst>
+                <a:ext uri="{FF2B5EF4-FFF2-40B4-BE49-F238E27FC236}">
+                  <a16:creationId xmlns:a16="http://schemas.microsoft.com/office/drawing/2014/main" id="{86F06AFB-3409-438C-9F37-0D26C9660225}"/>
+                </a:ext>
+              </a:extLst>
+            </p:cNvPr>
+            <p:cNvCxnSpPr>
+              <a:cxnSpLocks/>
+              <a:endCxn id="12" idx="1"/>
+            </p:cNvCxnSpPr>
+            <p:nvPr/>
+          </p:nvCxnSpPr>
+          <p:spPr>
+            <a:xfrm>
+              <a:off x="4429099" y="1932020"/>
+              <a:ext cx="581620" cy="1"/>
+            </a:xfrm>
+            <a:prstGeom prst="straightConnector1">
+              <a:avLst/>
+            </a:prstGeom>
+            <a:ln w="28575">
+              <a:solidFill>
+                <a:srgbClr val="AD6816"/>
+              </a:solidFill>
+              <a:tailEnd type="triangle" w="lg" len="lg"/>
+            </a:ln>
+          </p:spPr>
+          <p:style>
+            <a:lnRef idx="1">
+              <a:schemeClr val="accent1"/>
+            </a:lnRef>
+            <a:fillRef idx="0">
+              <a:schemeClr val="accent1"/>
+            </a:fillRef>
+            <a:effectRef idx="0">
+              <a:schemeClr val="accent1"/>
+            </a:effectRef>
+            <a:fontRef idx="minor">
+              <a:schemeClr val="tx1"/>
+            </a:fontRef>
+          </p:style>
+        </p:cxnSp>
+        <p:grpSp>
+          <p:nvGrpSpPr>
+            <p:cNvPr id="15" name="Groupe 19">
+              <a:extLst>
+                <a:ext uri="{FF2B5EF4-FFF2-40B4-BE49-F238E27FC236}">
+                  <a16:creationId xmlns:a16="http://schemas.microsoft.com/office/drawing/2014/main" id="{CCD5E5BE-17AD-4202-8FBA-807DE6A89B28}"/>
+                </a:ext>
+              </a:extLst>
+            </p:cNvPr>
+            <p:cNvGrpSpPr/>
+            <p:nvPr/>
+          </p:nvGrpSpPr>
+          <p:grpSpPr>
+            <a:xfrm>
+              <a:off x="5439427" y="3676721"/>
+              <a:ext cx="1313146" cy="1329179"/>
+              <a:chOff x="3294532" y="1438834"/>
+              <a:chExt cx="6535272" cy="1815353"/>
+            </a:xfrm>
+          </p:grpSpPr>
+          <p:sp>
+            <p:nvSpPr>
+              <p:cNvPr id="16" name="Espace réservé du contenu 2">
+                <a:extLst>
+                  <a:ext uri="{FF2B5EF4-FFF2-40B4-BE49-F238E27FC236}">
+                    <a16:creationId xmlns:a16="http://schemas.microsoft.com/office/drawing/2014/main" id="{2BCE9CBC-A17E-4F34-83D2-1CBA8E035321}"/>
+                  </a:ext>
+                </a:extLst>
+              </p:cNvPr>
+              <p:cNvSpPr txBox="1">
+                <a:spLocks/>
+              </p:cNvSpPr>
+              <p:nvPr/>
+            </p:nvSpPr>
+            <p:spPr>
+              <a:xfrm>
+                <a:off x="3648960" y="1697251"/>
+                <a:ext cx="5826407" cy="1298520"/>
+              </a:xfrm>
+              <a:prstGeom prst="rect">
+                <a:avLst/>
+              </a:prstGeom>
+            </p:spPr>
+            <p:txBody>
+              <a:bodyPr vert="horz" lIns="91440" tIns="45720" rIns="91440" bIns="45720" rtlCol="0" anchor="ctr">
+                <a:normAutofit/>
+              </a:bodyPr>
+              <a:lstStyle>
+                <a:lvl1pPr marL="285750" indent="-285750" algn="l" defTabSz="457200" rtl="0" eaLnBrk="1" latinLnBrk="0" hangingPunct="1">
+                  <a:spcBef>
+                    <a:spcPct val="20000"/>
+                  </a:spcBef>
+                  <a:spcAft>
+                    <a:spcPts val="600"/>
+                  </a:spcAft>
+                  <a:buClr>
+                    <a:schemeClr val="accent1">
+                      <a:lumMod val="75000"/>
+                    </a:schemeClr>
+                  </a:buClr>
+                  <a:buSzPct val="145000"/>
+                  <a:buFont typeface="Arial"/>
+                  <a:buChar char="•"/>
+                  <a:defRPr sz="2400" kern="1200" cap="none">
+                    <a:solidFill>
+                      <a:schemeClr val="tx1"/>
+                    </a:solidFill>
+                    <a:effectLst/>
+                    <a:latin typeface="+mn-lt"/>
+                    <a:ea typeface="+mn-ea"/>
+                    <a:cs typeface="+mn-cs"/>
+                  </a:defRPr>
+                </a:lvl1pPr>
+                <a:lvl2pPr marL="742950" indent="-285750" algn="l" defTabSz="457200" rtl="0" eaLnBrk="1" latinLnBrk="0" hangingPunct="1">
+                  <a:spcBef>
+                    <a:spcPct val="20000"/>
+                  </a:spcBef>
+                  <a:spcAft>
+                    <a:spcPts val="600"/>
+                  </a:spcAft>
+                  <a:buClr>
+                    <a:schemeClr val="accent1">
+                      <a:lumMod val="75000"/>
+                    </a:schemeClr>
+                  </a:buClr>
+                  <a:buSzPct val="145000"/>
+                  <a:buFont typeface="Arial"/>
+                  <a:buChar char="•"/>
+                  <a:defRPr sz="2000" kern="1200" cap="none">
+                    <a:solidFill>
+                      <a:schemeClr val="tx1"/>
+                    </a:solidFill>
+                    <a:effectLst/>
+                    <a:latin typeface="+mn-lt"/>
+                    <a:ea typeface="+mn-ea"/>
+                    <a:cs typeface="+mn-cs"/>
+                  </a:defRPr>
+                </a:lvl2pPr>
+                <a:lvl3pPr marL="1200150" indent="-285750" algn="l" defTabSz="457200" rtl="0" eaLnBrk="1" latinLnBrk="0" hangingPunct="1">
+                  <a:spcBef>
+                    <a:spcPct val="20000"/>
+                  </a:spcBef>
+                  <a:spcAft>
+                    <a:spcPts val="600"/>
+                  </a:spcAft>
+                  <a:buClr>
+                    <a:schemeClr val="accent1">
+                      <a:lumMod val="75000"/>
+                    </a:schemeClr>
+                  </a:buClr>
+                  <a:buSzPct val="145000"/>
+                  <a:buFont typeface="Arial"/>
+                  <a:buChar char="•"/>
+                  <a:defRPr sz="1800" kern="1200" cap="none">
+                    <a:solidFill>
+                      <a:schemeClr val="tx1"/>
+                    </a:solidFill>
+                    <a:effectLst/>
+                    <a:latin typeface="+mn-lt"/>
+                    <a:ea typeface="+mn-ea"/>
+                    <a:cs typeface="+mn-cs"/>
+                  </a:defRPr>
+                </a:lvl3pPr>
+                <a:lvl4pPr marL="1543050" indent="-171450" algn="l" defTabSz="457200" rtl="0" eaLnBrk="1" latinLnBrk="0" hangingPunct="1">
+                  <a:spcBef>
+                    <a:spcPct val="20000"/>
+                  </a:spcBef>
+                  <a:spcAft>
+                    <a:spcPts val="600"/>
+                  </a:spcAft>
+                  <a:buClr>
+                    <a:schemeClr val="accent1">
+                      <a:lumMod val="75000"/>
+                    </a:schemeClr>
+                  </a:buClr>
+                  <a:buSzPct val="145000"/>
+                  <a:buFont typeface="Arial"/>
+                  <a:buChar char="•"/>
+                  <a:defRPr sz="1600" kern="1200" cap="none">
+                    <a:solidFill>
+                      <a:schemeClr val="tx1"/>
+                    </a:solidFill>
+                    <a:effectLst/>
+                    <a:latin typeface="+mn-lt"/>
+                    <a:ea typeface="+mn-ea"/>
+                    <a:cs typeface="+mn-cs"/>
+                  </a:defRPr>
+                </a:lvl4pPr>
+                <a:lvl5pPr marL="2000250" indent="-171450" algn="l" defTabSz="457200" rtl="0" eaLnBrk="1" latinLnBrk="0" hangingPunct="1">
+                  <a:spcBef>
+                    <a:spcPct val="20000"/>
+                  </a:spcBef>
+                  <a:spcAft>
+                    <a:spcPts val="600"/>
+                  </a:spcAft>
+                  <a:buClr>
+                    <a:schemeClr val="accent1">
+                      <a:lumMod val="75000"/>
+                    </a:schemeClr>
+                  </a:buClr>
+                  <a:buSzPct val="145000"/>
+                  <a:buFont typeface="Arial"/>
+                  <a:buChar char="•"/>
+                  <a:defRPr sz="1400" kern="1200" cap="none">
+                    <a:solidFill>
+                      <a:schemeClr val="tx1"/>
+                    </a:solidFill>
+                    <a:effectLst/>
+                    <a:latin typeface="+mn-lt"/>
+                    <a:ea typeface="+mn-ea"/>
+                    <a:cs typeface="+mn-cs"/>
+                  </a:defRPr>
+                </a:lvl5pPr>
+                <a:lvl6pPr marL="2514600" indent="-228600" algn="l" defTabSz="457200" rtl="0" eaLnBrk="1" latinLnBrk="0" hangingPunct="1">
+                  <a:spcBef>
+                    <a:spcPct val="20000"/>
+                  </a:spcBef>
+                  <a:spcAft>
+                    <a:spcPts val="600"/>
+                  </a:spcAft>
+                  <a:buClr>
+                    <a:schemeClr val="accent1">
+                      <a:lumMod val="75000"/>
+                    </a:schemeClr>
+                  </a:buClr>
+                  <a:buSzPct val="145000"/>
+                  <a:buFont typeface="Arial"/>
+                  <a:buChar char="•"/>
+                  <a:defRPr sz="1400" kern="1200" cap="none">
+                    <a:solidFill>
+                      <a:schemeClr val="tx1"/>
+                    </a:solidFill>
+                    <a:effectLst/>
+                    <a:latin typeface="+mn-lt"/>
+                    <a:ea typeface="+mn-ea"/>
+                    <a:cs typeface="+mn-cs"/>
+                  </a:defRPr>
+                </a:lvl6pPr>
+                <a:lvl7pPr marL="2971800" indent="-228600" algn="l" defTabSz="457200" rtl="0" eaLnBrk="1" latinLnBrk="0" hangingPunct="1">
+                  <a:spcBef>
+                    <a:spcPct val="20000"/>
+                  </a:spcBef>
+                  <a:spcAft>
+                    <a:spcPts val="600"/>
+                  </a:spcAft>
+                  <a:buClr>
+                    <a:schemeClr val="accent1">
+                      <a:lumMod val="75000"/>
+                    </a:schemeClr>
+                  </a:buClr>
+                  <a:buSzPct val="145000"/>
+                  <a:buFont typeface="Arial"/>
+                  <a:buChar char="•"/>
+                  <a:defRPr sz="1400" kern="1200" cap="none">
+                    <a:solidFill>
+                      <a:schemeClr val="tx1"/>
+                    </a:solidFill>
+                    <a:effectLst/>
+                    <a:latin typeface="+mn-lt"/>
+                    <a:ea typeface="+mn-ea"/>
+                    <a:cs typeface="+mn-cs"/>
+                  </a:defRPr>
+                </a:lvl7pPr>
+                <a:lvl8pPr marL="3429000" indent="-228600" algn="l" defTabSz="457200" rtl="0" eaLnBrk="1" latinLnBrk="0" hangingPunct="1">
+                  <a:spcBef>
+                    <a:spcPct val="20000"/>
+                  </a:spcBef>
+                  <a:spcAft>
+                    <a:spcPts val="600"/>
+                  </a:spcAft>
+                  <a:buClr>
+                    <a:schemeClr val="accent1">
+                      <a:lumMod val="75000"/>
+                    </a:schemeClr>
+                  </a:buClr>
+                  <a:buSzPct val="145000"/>
+                  <a:buFont typeface="Arial"/>
+                  <a:buChar char="•"/>
+                  <a:defRPr sz="1400" kern="1200" cap="none">
+                    <a:solidFill>
+                      <a:schemeClr val="tx1"/>
+                    </a:solidFill>
+                    <a:effectLst/>
+                    <a:latin typeface="+mn-lt"/>
+                    <a:ea typeface="+mn-ea"/>
+                    <a:cs typeface="+mn-cs"/>
+                  </a:defRPr>
+                </a:lvl8pPr>
+                <a:lvl9pPr marL="3886200" indent="-228600" algn="l" defTabSz="457200" rtl="0" eaLnBrk="1" latinLnBrk="0" hangingPunct="1">
+                  <a:spcBef>
+                    <a:spcPct val="20000"/>
+                  </a:spcBef>
+                  <a:spcAft>
+                    <a:spcPts val="600"/>
+                  </a:spcAft>
+                  <a:buClr>
+                    <a:schemeClr val="accent1">
+                      <a:lumMod val="75000"/>
+                    </a:schemeClr>
+                  </a:buClr>
+                  <a:buSzPct val="145000"/>
+                  <a:buFont typeface="Arial"/>
+                  <a:buChar char="•"/>
+                  <a:defRPr sz="1400" kern="1200" cap="none">
+                    <a:solidFill>
+                      <a:schemeClr val="tx1"/>
+                    </a:solidFill>
+                    <a:effectLst/>
+                    <a:latin typeface="+mn-lt"/>
+                    <a:ea typeface="+mn-ea"/>
+                    <a:cs typeface="+mn-cs"/>
+                  </a:defRPr>
+                </a:lvl9pPr>
+              </a:lstStyle>
+              <a:p>
+                <a:pPr marL="0" indent="0" algn="ctr">
+                  <a:buFont typeface="Arial"/>
+                  <a:buNone/>
+                </a:pPr>
+                <a:r>
+                  <a:rPr lang="fr-FR" sz="1400" dirty="0"/>
+                  <a:t>Accueil</a:t>
+                </a:r>
+              </a:p>
+            </p:txBody>
+          </p:sp>
+          <p:sp>
+            <p:nvSpPr>
+              <p:cNvPr id="17" name="Rectangle 16">
+                <a:extLst>
+                  <a:ext uri="{FF2B5EF4-FFF2-40B4-BE49-F238E27FC236}">
+                    <a16:creationId xmlns:a16="http://schemas.microsoft.com/office/drawing/2014/main" id="{3ADA14FE-EA77-44E6-809A-FDCB240C41B2}"/>
+                  </a:ext>
+                </a:extLst>
+              </p:cNvPr>
+              <p:cNvSpPr/>
+              <p:nvPr/>
+            </p:nvSpPr>
+            <p:spPr>
+              <a:xfrm>
+                <a:off x="3294532" y="1438834"/>
+                <a:ext cx="6535272" cy="1815353"/>
+              </a:xfrm>
+              <a:prstGeom prst="rect">
+                <a:avLst/>
+              </a:prstGeom>
+              <a:noFill/>
+              <a:ln w="28575"/>
+            </p:spPr>
+            <p:style>
+              <a:lnRef idx="2">
+                <a:schemeClr val="accent1">
+                  <a:shade val="50000"/>
+                </a:schemeClr>
+              </a:lnRef>
+              <a:fillRef idx="1">
+                <a:schemeClr val="accent1"/>
+              </a:fillRef>
+              <a:effectRef idx="0">
+                <a:schemeClr val="accent1"/>
+              </a:effectRef>
+              <a:fontRef idx="minor">
+                <a:schemeClr val="lt1"/>
+              </a:fontRef>
+            </p:style>
+            <p:txBody>
+              <a:bodyPr rtlCol="0" anchor="ctr"/>
+              <a:lstStyle/>
+              <a:p>
+                <a:pPr algn="ctr"/>
+                <a:endParaRPr lang="fr-FR"/>
+              </a:p>
+            </p:txBody>
+          </p:sp>
+        </p:grpSp>
+        <p:grpSp>
+          <p:nvGrpSpPr>
+            <p:cNvPr id="18" name="Groupe 19">
+              <a:extLst>
+                <a:ext uri="{FF2B5EF4-FFF2-40B4-BE49-F238E27FC236}">
+                  <a16:creationId xmlns:a16="http://schemas.microsoft.com/office/drawing/2014/main" id="{120AEA52-3BEA-41DB-9AD3-27391FEB3D3D}"/>
+                </a:ext>
+              </a:extLst>
+            </p:cNvPr>
+            <p:cNvGrpSpPr/>
+            <p:nvPr/>
+          </p:nvGrpSpPr>
+          <p:grpSpPr>
+            <a:xfrm>
+              <a:off x="3286068" y="3668247"/>
+              <a:ext cx="1362910" cy="1329179"/>
+              <a:chOff x="3294529" y="1438835"/>
+              <a:chExt cx="6535271" cy="1815353"/>
+            </a:xfrm>
+          </p:grpSpPr>
+          <p:sp>
+            <p:nvSpPr>
+              <p:cNvPr id="19" name="Espace réservé du contenu 2">
+                <a:extLst>
+                  <a:ext uri="{FF2B5EF4-FFF2-40B4-BE49-F238E27FC236}">
+                    <a16:creationId xmlns:a16="http://schemas.microsoft.com/office/drawing/2014/main" id="{DD1CEC04-DDCF-4C6A-B89C-355090F8DD0B}"/>
+                  </a:ext>
+                </a:extLst>
+              </p:cNvPr>
+              <p:cNvSpPr txBox="1">
+                <a:spLocks/>
+              </p:cNvSpPr>
+              <p:nvPr/>
+            </p:nvSpPr>
+            <p:spPr>
+              <a:xfrm>
+                <a:off x="3648960" y="1697251"/>
+                <a:ext cx="5826407" cy="1298520"/>
+              </a:xfrm>
+              <a:prstGeom prst="rect">
+                <a:avLst/>
+              </a:prstGeom>
+            </p:spPr>
+            <p:txBody>
+              <a:bodyPr vert="horz" lIns="91440" tIns="45720" rIns="91440" bIns="45720" rtlCol="0" anchor="ctr">
+                <a:normAutofit/>
+              </a:bodyPr>
+              <a:lstStyle>
+                <a:lvl1pPr marL="285750" indent="-285750" algn="l" defTabSz="457200" rtl="0" eaLnBrk="1" latinLnBrk="0" hangingPunct="1">
+                  <a:spcBef>
+                    <a:spcPct val="20000"/>
+                  </a:spcBef>
+                  <a:spcAft>
+                    <a:spcPts val="600"/>
+                  </a:spcAft>
+                  <a:buClr>
+                    <a:schemeClr val="accent1">
+                      <a:lumMod val="75000"/>
+                    </a:schemeClr>
+                  </a:buClr>
+                  <a:buSzPct val="145000"/>
+                  <a:buFont typeface="Arial"/>
+                  <a:buChar char="•"/>
+                  <a:defRPr sz="2400" kern="1200" cap="none">
+                    <a:solidFill>
+                      <a:schemeClr val="tx1"/>
+                    </a:solidFill>
+                    <a:effectLst/>
+                    <a:latin typeface="+mn-lt"/>
+                    <a:ea typeface="+mn-ea"/>
+                    <a:cs typeface="+mn-cs"/>
+                  </a:defRPr>
+                </a:lvl1pPr>
+                <a:lvl2pPr marL="742950" indent="-285750" algn="l" defTabSz="457200" rtl="0" eaLnBrk="1" latinLnBrk="0" hangingPunct="1">
+                  <a:spcBef>
+                    <a:spcPct val="20000"/>
+                  </a:spcBef>
+                  <a:spcAft>
+                    <a:spcPts val="600"/>
+                  </a:spcAft>
+                  <a:buClr>
+                    <a:schemeClr val="accent1">
+                      <a:lumMod val="75000"/>
+                    </a:schemeClr>
+                  </a:buClr>
+                  <a:buSzPct val="145000"/>
+                  <a:buFont typeface="Arial"/>
+                  <a:buChar char="•"/>
+                  <a:defRPr sz="2000" kern="1200" cap="none">
+                    <a:solidFill>
+                      <a:schemeClr val="tx1"/>
+                    </a:solidFill>
+                    <a:effectLst/>
+                    <a:latin typeface="+mn-lt"/>
+                    <a:ea typeface="+mn-ea"/>
+                    <a:cs typeface="+mn-cs"/>
+                  </a:defRPr>
+                </a:lvl2pPr>
+                <a:lvl3pPr marL="1200150" indent="-285750" algn="l" defTabSz="457200" rtl="0" eaLnBrk="1" latinLnBrk="0" hangingPunct="1">
+                  <a:spcBef>
+                    <a:spcPct val="20000"/>
+                  </a:spcBef>
+                  <a:spcAft>
+                    <a:spcPts val="600"/>
+                  </a:spcAft>
+                  <a:buClr>
+                    <a:schemeClr val="accent1">
+                      <a:lumMod val="75000"/>
+                    </a:schemeClr>
+                  </a:buClr>
+                  <a:buSzPct val="145000"/>
+                  <a:buFont typeface="Arial"/>
+                  <a:buChar char="•"/>
+                  <a:defRPr sz="1800" kern="1200" cap="none">
+                    <a:solidFill>
+                      <a:schemeClr val="tx1"/>
+                    </a:solidFill>
+                    <a:effectLst/>
+                    <a:latin typeface="+mn-lt"/>
+                    <a:ea typeface="+mn-ea"/>
+                    <a:cs typeface="+mn-cs"/>
+                  </a:defRPr>
+                </a:lvl3pPr>
+                <a:lvl4pPr marL="1543050" indent="-171450" algn="l" defTabSz="457200" rtl="0" eaLnBrk="1" latinLnBrk="0" hangingPunct="1">
+                  <a:spcBef>
+                    <a:spcPct val="20000"/>
+                  </a:spcBef>
+                  <a:spcAft>
+                    <a:spcPts val="600"/>
+                  </a:spcAft>
+                  <a:buClr>
+                    <a:schemeClr val="accent1">
+                      <a:lumMod val="75000"/>
+                    </a:schemeClr>
+                  </a:buClr>
+                  <a:buSzPct val="145000"/>
+                  <a:buFont typeface="Arial"/>
+                  <a:buChar char="•"/>
+                  <a:defRPr sz="1600" kern="1200" cap="none">
+                    <a:solidFill>
+                      <a:schemeClr val="tx1"/>
+                    </a:solidFill>
+                    <a:effectLst/>
+                    <a:latin typeface="+mn-lt"/>
+                    <a:ea typeface="+mn-ea"/>
+                    <a:cs typeface="+mn-cs"/>
+                  </a:defRPr>
+                </a:lvl4pPr>
+                <a:lvl5pPr marL="2000250" indent="-171450" algn="l" defTabSz="457200" rtl="0" eaLnBrk="1" latinLnBrk="0" hangingPunct="1">
+                  <a:spcBef>
+                    <a:spcPct val="20000"/>
+                  </a:spcBef>
+                  <a:spcAft>
+                    <a:spcPts val="600"/>
+                  </a:spcAft>
+                  <a:buClr>
+                    <a:schemeClr val="accent1">
+                      <a:lumMod val="75000"/>
+                    </a:schemeClr>
+                  </a:buClr>
+                  <a:buSzPct val="145000"/>
+                  <a:buFont typeface="Arial"/>
+                  <a:buChar char="•"/>
+                  <a:defRPr sz="1400" kern="1200" cap="none">
+                    <a:solidFill>
+                      <a:schemeClr val="tx1"/>
+                    </a:solidFill>
+                    <a:effectLst/>
+                    <a:latin typeface="+mn-lt"/>
+                    <a:ea typeface="+mn-ea"/>
+                    <a:cs typeface="+mn-cs"/>
+                  </a:defRPr>
+                </a:lvl5pPr>
+                <a:lvl6pPr marL="2514600" indent="-228600" algn="l" defTabSz="457200" rtl="0" eaLnBrk="1" latinLnBrk="0" hangingPunct="1">
+                  <a:spcBef>
+                    <a:spcPct val="20000"/>
+                  </a:spcBef>
+                  <a:spcAft>
+                    <a:spcPts val="600"/>
+                  </a:spcAft>
+                  <a:buClr>
+                    <a:schemeClr val="accent1">
+                      <a:lumMod val="75000"/>
+                    </a:schemeClr>
+                  </a:buClr>
+                  <a:buSzPct val="145000"/>
+                  <a:buFont typeface="Arial"/>
+                  <a:buChar char="•"/>
+                  <a:defRPr sz="1400" kern="1200" cap="none">
+                    <a:solidFill>
+                      <a:schemeClr val="tx1"/>
+                    </a:solidFill>
+                    <a:effectLst/>
+                    <a:latin typeface="+mn-lt"/>
+                    <a:ea typeface="+mn-ea"/>
+                    <a:cs typeface="+mn-cs"/>
+                  </a:defRPr>
+                </a:lvl6pPr>
+                <a:lvl7pPr marL="2971800" indent="-228600" algn="l" defTabSz="457200" rtl="0" eaLnBrk="1" latinLnBrk="0" hangingPunct="1">
+                  <a:spcBef>
+                    <a:spcPct val="20000"/>
+                  </a:spcBef>
+                  <a:spcAft>
+                    <a:spcPts val="600"/>
+                  </a:spcAft>
+                  <a:buClr>
+                    <a:schemeClr val="accent1">
+                      <a:lumMod val="75000"/>
+                    </a:schemeClr>
+                  </a:buClr>
+                  <a:buSzPct val="145000"/>
+                  <a:buFont typeface="Arial"/>
+                  <a:buChar char="•"/>
+                  <a:defRPr sz="1400" kern="1200" cap="none">
+                    <a:solidFill>
+                      <a:schemeClr val="tx1"/>
+                    </a:solidFill>
+                    <a:effectLst/>
+                    <a:latin typeface="+mn-lt"/>
+                    <a:ea typeface="+mn-ea"/>
+                    <a:cs typeface="+mn-cs"/>
+                  </a:defRPr>
+                </a:lvl7pPr>
+                <a:lvl8pPr marL="3429000" indent="-228600" algn="l" defTabSz="457200" rtl="0" eaLnBrk="1" latinLnBrk="0" hangingPunct="1">
+                  <a:spcBef>
+                    <a:spcPct val="20000"/>
+                  </a:spcBef>
+                  <a:spcAft>
+                    <a:spcPts val="600"/>
+                  </a:spcAft>
+                  <a:buClr>
+                    <a:schemeClr val="accent1">
+                      <a:lumMod val="75000"/>
+                    </a:schemeClr>
+                  </a:buClr>
+                  <a:buSzPct val="145000"/>
+                  <a:buFont typeface="Arial"/>
+                  <a:buChar char="•"/>
+                  <a:defRPr sz="1400" kern="1200" cap="none">
+                    <a:solidFill>
+                      <a:schemeClr val="tx1"/>
+                    </a:solidFill>
+                    <a:effectLst/>
+                    <a:latin typeface="+mn-lt"/>
+                    <a:ea typeface="+mn-ea"/>
+                    <a:cs typeface="+mn-cs"/>
+                  </a:defRPr>
+                </a:lvl8pPr>
+                <a:lvl9pPr marL="3886200" indent="-228600" algn="l" defTabSz="457200" rtl="0" eaLnBrk="1" latinLnBrk="0" hangingPunct="1">
+                  <a:spcBef>
+                    <a:spcPct val="20000"/>
+                  </a:spcBef>
+                  <a:spcAft>
+                    <a:spcPts val="600"/>
+                  </a:spcAft>
+                  <a:buClr>
+                    <a:schemeClr val="accent1">
+                      <a:lumMod val="75000"/>
+                    </a:schemeClr>
+                  </a:buClr>
+                  <a:buSzPct val="145000"/>
+                  <a:buFont typeface="Arial"/>
+                  <a:buChar char="•"/>
+                  <a:defRPr sz="1400" kern="1200" cap="none">
+                    <a:solidFill>
+                      <a:schemeClr val="tx1"/>
+                    </a:solidFill>
+                    <a:effectLst/>
+                    <a:latin typeface="+mn-lt"/>
+                    <a:ea typeface="+mn-ea"/>
+                    <a:cs typeface="+mn-cs"/>
+                  </a:defRPr>
+                </a:lvl9pPr>
+              </a:lstStyle>
+              <a:p>
+                <a:pPr marL="0" indent="0" algn="ctr">
+                  <a:buFont typeface="Arial"/>
+                  <a:buNone/>
+                </a:pPr>
+                <a:r>
+                  <a:rPr lang="fr-FR" sz="1400" dirty="0"/>
+                  <a:t>Portail</a:t>
+                </a:r>
+              </a:p>
+            </p:txBody>
+          </p:sp>
+          <p:sp>
+            <p:nvSpPr>
+              <p:cNvPr id="20" name="Rectangle 19">
+                <a:extLst>
+                  <a:ext uri="{FF2B5EF4-FFF2-40B4-BE49-F238E27FC236}">
+                    <a16:creationId xmlns:a16="http://schemas.microsoft.com/office/drawing/2014/main" id="{8F4F382E-F824-428A-8521-4DBF2425507E}"/>
+                  </a:ext>
+                </a:extLst>
+              </p:cNvPr>
+              <p:cNvSpPr/>
+              <p:nvPr/>
+            </p:nvSpPr>
+            <p:spPr>
+              <a:xfrm>
+                <a:off x="3294529" y="1438835"/>
+                <a:ext cx="6535271" cy="1815353"/>
+              </a:xfrm>
+              <a:prstGeom prst="rect">
+                <a:avLst/>
+              </a:prstGeom>
+              <a:noFill/>
+              <a:ln w="28575"/>
+            </p:spPr>
+            <p:style>
+              <a:lnRef idx="2">
+                <a:schemeClr val="accent1">
+                  <a:shade val="50000"/>
+                </a:schemeClr>
+              </a:lnRef>
+              <a:fillRef idx="1">
+                <a:schemeClr val="accent1"/>
+              </a:fillRef>
+              <a:effectRef idx="0">
+                <a:schemeClr val="accent1"/>
+              </a:effectRef>
+              <a:fontRef idx="minor">
+                <a:schemeClr val="lt1"/>
+              </a:fontRef>
+            </p:style>
+            <p:txBody>
+              <a:bodyPr rtlCol="0" anchor="ctr"/>
+              <a:lstStyle/>
+              <a:p>
+                <a:pPr algn="ctr"/>
+                <a:endParaRPr lang="fr-FR"/>
+              </a:p>
+            </p:txBody>
+          </p:sp>
+        </p:grpSp>
+        <p:grpSp>
+          <p:nvGrpSpPr>
+            <p:cNvPr id="21" name="Groupe 19">
+              <a:extLst>
+                <a:ext uri="{FF2B5EF4-FFF2-40B4-BE49-F238E27FC236}">
+                  <a16:creationId xmlns:a16="http://schemas.microsoft.com/office/drawing/2014/main" id="{DC031329-19FE-4FD3-BAC0-D50AE8D797D1}"/>
+                </a:ext>
+              </a:extLst>
+            </p:cNvPr>
+            <p:cNvGrpSpPr/>
+            <p:nvPr/>
+          </p:nvGrpSpPr>
+          <p:grpSpPr>
+            <a:xfrm>
+              <a:off x="7855506" y="4676984"/>
+              <a:ext cx="1313146" cy="1327922"/>
+              <a:chOff x="3294529" y="1438835"/>
+              <a:chExt cx="6535271" cy="1815353"/>
+            </a:xfrm>
+          </p:grpSpPr>
+          <p:sp>
+            <p:nvSpPr>
+              <p:cNvPr id="22" name="Espace réservé du contenu 2">
+                <a:extLst>
+                  <a:ext uri="{FF2B5EF4-FFF2-40B4-BE49-F238E27FC236}">
+                    <a16:creationId xmlns:a16="http://schemas.microsoft.com/office/drawing/2014/main" id="{BED8B45A-B675-42AE-A8BE-90D5A5C97C12}"/>
+                  </a:ext>
+                </a:extLst>
+              </p:cNvPr>
+              <p:cNvSpPr txBox="1">
+                <a:spLocks/>
+              </p:cNvSpPr>
+              <p:nvPr/>
+            </p:nvSpPr>
+            <p:spPr>
+              <a:xfrm>
+                <a:off x="3648960" y="1697251"/>
+                <a:ext cx="5826407" cy="1298520"/>
+              </a:xfrm>
+              <a:prstGeom prst="rect">
+                <a:avLst/>
+              </a:prstGeom>
+            </p:spPr>
+            <p:txBody>
+              <a:bodyPr vert="horz" lIns="91440" tIns="45720" rIns="91440" bIns="45720" rtlCol="0" anchor="ctr">
+                <a:normAutofit/>
+              </a:bodyPr>
+              <a:lstStyle>
+                <a:lvl1pPr marL="285750" indent="-285750" algn="l" defTabSz="457200" rtl="0" eaLnBrk="1" latinLnBrk="0" hangingPunct="1">
+                  <a:spcBef>
+                    <a:spcPct val="20000"/>
+                  </a:spcBef>
+                  <a:spcAft>
+                    <a:spcPts val="600"/>
+                  </a:spcAft>
+                  <a:buClr>
+                    <a:schemeClr val="accent1">
+                      <a:lumMod val="75000"/>
+                    </a:schemeClr>
+                  </a:buClr>
+                  <a:buSzPct val="145000"/>
+                  <a:buFont typeface="Arial"/>
+                  <a:buChar char="•"/>
+                  <a:defRPr sz="2400" kern="1200" cap="none">
+                    <a:solidFill>
+                      <a:schemeClr val="tx1"/>
+                    </a:solidFill>
+                    <a:effectLst/>
+                    <a:latin typeface="+mn-lt"/>
+                    <a:ea typeface="+mn-ea"/>
+                    <a:cs typeface="+mn-cs"/>
+                  </a:defRPr>
+                </a:lvl1pPr>
+                <a:lvl2pPr marL="742950" indent="-285750" algn="l" defTabSz="457200" rtl="0" eaLnBrk="1" latinLnBrk="0" hangingPunct="1">
+                  <a:spcBef>
+                    <a:spcPct val="20000"/>
+                  </a:spcBef>
+                  <a:spcAft>
+                    <a:spcPts val="600"/>
+                  </a:spcAft>
+                  <a:buClr>
+                    <a:schemeClr val="accent1">
+                      <a:lumMod val="75000"/>
+                    </a:schemeClr>
+                  </a:buClr>
+                  <a:buSzPct val="145000"/>
+                  <a:buFont typeface="Arial"/>
+                  <a:buChar char="•"/>
+                  <a:defRPr sz="2000" kern="1200" cap="none">
+                    <a:solidFill>
+                      <a:schemeClr val="tx1"/>
+                    </a:solidFill>
+                    <a:effectLst/>
+                    <a:latin typeface="+mn-lt"/>
+                    <a:ea typeface="+mn-ea"/>
+                    <a:cs typeface="+mn-cs"/>
+                  </a:defRPr>
+                </a:lvl2pPr>
+                <a:lvl3pPr marL="1200150" indent="-285750" algn="l" defTabSz="457200" rtl="0" eaLnBrk="1" latinLnBrk="0" hangingPunct="1">
+                  <a:spcBef>
+                    <a:spcPct val="20000"/>
+                  </a:spcBef>
+                  <a:spcAft>
+                    <a:spcPts val="600"/>
+                  </a:spcAft>
+                  <a:buClr>
+                    <a:schemeClr val="accent1">
+                      <a:lumMod val="75000"/>
+                    </a:schemeClr>
+                  </a:buClr>
+                  <a:buSzPct val="145000"/>
+                  <a:buFont typeface="Arial"/>
+                  <a:buChar char="•"/>
+                  <a:defRPr sz="1800" kern="1200" cap="none">
+                    <a:solidFill>
+                      <a:schemeClr val="tx1"/>
+                    </a:solidFill>
+                    <a:effectLst/>
+                    <a:latin typeface="+mn-lt"/>
+                    <a:ea typeface="+mn-ea"/>
+                    <a:cs typeface="+mn-cs"/>
+                  </a:defRPr>
+                </a:lvl3pPr>
+                <a:lvl4pPr marL="1543050" indent="-171450" algn="l" defTabSz="457200" rtl="0" eaLnBrk="1" latinLnBrk="0" hangingPunct="1">
+                  <a:spcBef>
+                    <a:spcPct val="20000"/>
+                  </a:spcBef>
+                  <a:spcAft>
+                    <a:spcPts val="600"/>
+                  </a:spcAft>
+                  <a:buClr>
+                    <a:schemeClr val="accent1">
+                      <a:lumMod val="75000"/>
+                    </a:schemeClr>
+                  </a:buClr>
+                  <a:buSzPct val="145000"/>
+                  <a:buFont typeface="Arial"/>
+                  <a:buChar char="•"/>
+                  <a:defRPr sz="1600" kern="1200" cap="none">
+                    <a:solidFill>
+                      <a:schemeClr val="tx1"/>
+                    </a:solidFill>
+                    <a:effectLst/>
+                    <a:latin typeface="+mn-lt"/>
+                    <a:ea typeface="+mn-ea"/>
+                    <a:cs typeface="+mn-cs"/>
+                  </a:defRPr>
+                </a:lvl4pPr>
+                <a:lvl5pPr marL="2000250" indent="-171450" algn="l" defTabSz="457200" rtl="0" eaLnBrk="1" latinLnBrk="0" hangingPunct="1">
+                  <a:spcBef>
+                    <a:spcPct val="20000"/>
+                  </a:spcBef>
+                  <a:spcAft>
+                    <a:spcPts val="600"/>
+                  </a:spcAft>
+                  <a:buClr>
+                    <a:schemeClr val="accent1">
+                      <a:lumMod val="75000"/>
+                    </a:schemeClr>
+                  </a:buClr>
+                  <a:buSzPct val="145000"/>
+                  <a:buFont typeface="Arial"/>
+                  <a:buChar char="•"/>
+                  <a:defRPr sz="1400" kern="1200" cap="none">
+                    <a:solidFill>
+                      <a:schemeClr val="tx1"/>
+                    </a:solidFill>
+                    <a:effectLst/>
+                    <a:latin typeface="+mn-lt"/>
+                    <a:ea typeface="+mn-ea"/>
+                    <a:cs typeface="+mn-cs"/>
+                  </a:defRPr>
+                </a:lvl5pPr>
+                <a:lvl6pPr marL="2514600" indent="-228600" algn="l" defTabSz="457200" rtl="0" eaLnBrk="1" latinLnBrk="0" hangingPunct="1">
+                  <a:spcBef>
+                    <a:spcPct val="20000"/>
+                  </a:spcBef>
+                  <a:spcAft>
+                    <a:spcPts val="600"/>
+                  </a:spcAft>
+                  <a:buClr>
+                    <a:schemeClr val="accent1">
+                      <a:lumMod val="75000"/>
+                    </a:schemeClr>
+                  </a:buClr>
+                  <a:buSzPct val="145000"/>
+                  <a:buFont typeface="Arial"/>
+                  <a:buChar char="•"/>
+                  <a:defRPr sz="1400" kern="1200" cap="none">
+                    <a:solidFill>
+                      <a:schemeClr val="tx1"/>
+                    </a:solidFill>
+                    <a:effectLst/>
+                    <a:latin typeface="+mn-lt"/>
+                    <a:ea typeface="+mn-ea"/>
+                    <a:cs typeface="+mn-cs"/>
+                  </a:defRPr>
+                </a:lvl6pPr>
+                <a:lvl7pPr marL="2971800" indent="-228600" algn="l" defTabSz="457200" rtl="0" eaLnBrk="1" latinLnBrk="0" hangingPunct="1">
+                  <a:spcBef>
+                    <a:spcPct val="20000"/>
+                  </a:spcBef>
+                  <a:spcAft>
+                    <a:spcPts val="600"/>
+                  </a:spcAft>
+                  <a:buClr>
+                    <a:schemeClr val="accent1">
+                      <a:lumMod val="75000"/>
+                    </a:schemeClr>
+                  </a:buClr>
+                  <a:buSzPct val="145000"/>
+                  <a:buFont typeface="Arial"/>
+                  <a:buChar char="•"/>
+                  <a:defRPr sz="1400" kern="1200" cap="none">
+                    <a:solidFill>
+                      <a:schemeClr val="tx1"/>
+                    </a:solidFill>
+                    <a:effectLst/>
+                    <a:latin typeface="+mn-lt"/>
+                    <a:ea typeface="+mn-ea"/>
+                    <a:cs typeface="+mn-cs"/>
+                  </a:defRPr>
+                </a:lvl7pPr>
+                <a:lvl8pPr marL="3429000" indent="-228600" algn="l" defTabSz="457200" rtl="0" eaLnBrk="1" latinLnBrk="0" hangingPunct="1">
+                  <a:spcBef>
+                    <a:spcPct val="20000"/>
+                  </a:spcBef>
+                  <a:spcAft>
+                    <a:spcPts val="600"/>
+                  </a:spcAft>
+                  <a:buClr>
+                    <a:schemeClr val="accent1">
+                      <a:lumMod val="75000"/>
+                    </a:schemeClr>
+                  </a:buClr>
+                  <a:buSzPct val="145000"/>
+                  <a:buFont typeface="Arial"/>
+                  <a:buChar char="•"/>
+                  <a:defRPr sz="1400" kern="1200" cap="none">
+                    <a:solidFill>
+                      <a:schemeClr val="tx1"/>
+                    </a:solidFill>
+                    <a:effectLst/>
+                    <a:latin typeface="+mn-lt"/>
+                    <a:ea typeface="+mn-ea"/>
+                    <a:cs typeface="+mn-cs"/>
+                  </a:defRPr>
+                </a:lvl8pPr>
+                <a:lvl9pPr marL="3886200" indent="-228600" algn="l" defTabSz="457200" rtl="0" eaLnBrk="1" latinLnBrk="0" hangingPunct="1">
+                  <a:spcBef>
+                    <a:spcPct val="20000"/>
+                  </a:spcBef>
+                  <a:spcAft>
+                    <a:spcPts val="600"/>
+                  </a:spcAft>
+                  <a:buClr>
+                    <a:schemeClr val="accent1">
+                      <a:lumMod val="75000"/>
+                    </a:schemeClr>
+                  </a:buClr>
+                  <a:buSzPct val="145000"/>
+                  <a:buFont typeface="Arial"/>
+                  <a:buChar char="•"/>
+                  <a:defRPr sz="1400" kern="1200" cap="none">
+                    <a:solidFill>
+                      <a:schemeClr val="tx1"/>
+                    </a:solidFill>
+                    <a:effectLst/>
+                    <a:latin typeface="+mn-lt"/>
+                    <a:ea typeface="+mn-ea"/>
+                    <a:cs typeface="+mn-cs"/>
+                  </a:defRPr>
+                </a:lvl9pPr>
+              </a:lstStyle>
+              <a:p>
+                <a:pPr marL="0" indent="0" algn="ctr">
+                  <a:buFont typeface="Arial"/>
+                  <a:buNone/>
+                </a:pPr>
+                <a:r>
+                  <a:rPr lang="fr-FR" sz="1400" dirty="0"/>
+                  <a:t>Gestion des vols et des sauts</a:t>
+                </a:r>
+              </a:p>
+            </p:txBody>
+          </p:sp>
+          <p:sp>
+            <p:nvSpPr>
+              <p:cNvPr id="23" name="Rectangle 22">
+                <a:extLst>
+                  <a:ext uri="{FF2B5EF4-FFF2-40B4-BE49-F238E27FC236}">
+                    <a16:creationId xmlns:a16="http://schemas.microsoft.com/office/drawing/2014/main" id="{091CF230-39B4-4347-9446-276A28EE8153}"/>
+                  </a:ext>
+                </a:extLst>
+              </p:cNvPr>
+              <p:cNvSpPr/>
+              <p:nvPr/>
+            </p:nvSpPr>
+            <p:spPr>
+              <a:xfrm>
+                <a:off x="3294529" y="1438835"/>
+                <a:ext cx="6535271" cy="1815353"/>
+              </a:xfrm>
+              <a:prstGeom prst="rect">
+                <a:avLst/>
+              </a:prstGeom>
+              <a:noFill/>
+              <a:ln w="28575"/>
+            </p:spPr>
+            <p:style>
+              <a:lnRef idx="2">
+                <a:schemeClr val="accent1">
+                  <a:shade val="50000"/>
+                </a:schemeClr>
+              </a:lnRef>
+              <a:fillRef idx="1">
+                <a:schemeClr val="accent1"/>
+              </a:fillRef>
+              <a:effectRef idx="0">
+                <a:schemeClr val="accent1"/>
+              </a:effectRef>
+              <a:fontRef idx="minor">
+                <a:schemeClr val="lt1"/>
+              </a:fontRef>
+            </p:style>
+            <p:txBody>
+              <a:bodyPr rtlCol="0" anchor="ctr"/>
+              <a:lstStyle/>
+              <a:p>
+                <a:pPr algn="ctr"/>
+                <a:endParaRPr lang="fr-FR"/>
+              </a:p>
+            </p:txBody>
+          </p:sp>
+        </p:grpSp>
+        <p:grpSp>
+          <p:nvGrpSpPr>
+            <p:cNvPr id="24" name="Groupe 19">
+              <a:extLst>
+                <a:ext uri="{FF2B5EF4-FFF2-40B4-BE49-F238E27FC236}">
+                  <a16:creationId xmlns:a16="http://schemas.microsoft.com/office/drawing/2014/main" id="{B01C5BB2-84E2-4626-81E5-C2CF6BA4FC57}"/>
+                </a:ext>
+              </a:extLst>
+            </p:cNvPr>
+            <p:cNvGrpSpPr/>
+            <p:nvPr/>
+          </p:nvGrpSpPr>
+          <p:grpSpPr>
+            <a:xfrm>
+              <a:off x="9444222" y="3139297"/>
+              <a:ext cx="1588718" cy="1320223"/>
+              <a:chOff x="3294529" y="1438835"/>
+              <a:chExt cx="6535271" cy="1815353"/>
+            </a:xfrm>
+          </p:grpSpPr>
+          <p:sp>
+            <p:nvSpPr>
+              <p:cNvPr id="25" name="Espace réservé du contenu 2">
+                <a:extLst>
+                  <a:ext uri="{FF2B5EF4-FFF2-40B4-BE49-F238E27FC236}">
+                    <a16:creationId xmlns:a16="http://schemas.microsoft.com/office/drawing/2014/main" id="{75A468CC-A365-4254-AAD7-5F98D2F31EEE}"/>
+                  </a:ext>
+                </a:extLst>
+              </p:cNvPr>
+              <p:cNvSpPr txBox="1">
+                <a:spLocks/>
+              </p:cNvSpPr>
+              <p:nvPr/>
+            </p:nvSpPr>
+            <p:spPr>
+              <a:xfrm>
+                <a:off x="3648960" y="1697251"/>
+                <a:ext cx="5826407" cy="1298520"/>
+              </a:xfrm>
+              <a:prstGeom prst="rect">
+                <a:avLst/>
+              </a:prstGeom>
+            </p:spPr>
+            <p:txBody>
+              <a:bodyPr vert="horz" lIns="91440" tIns="45720" rIns="91440" bIns="45720" rtlCol="0" anchor="ctr">
+                <a:noAutofit/>
+              </a:bodyPr>
+              <a:lstStyle>
+                <a:lvl1pPr marL="285750" indent="-285750" algn="l" defTabSz="457200" rtl="0" eaLnBrk="1" latinLnBrk="0" hangingPunct="1">
+                  <a:spcBef>
+                    <a:spcPct val="20000"/>
+                  </a:spcBef>
+                  <a:spcAft>
+                    <a:spcPts val="600"/>
+                  </a:spcAft>
+                  <a:buClr>
+                    <a:schemeClr val="accent1">
+                      <a:lumMod val="75000"/>
+                    </a:schemeClr>
+                  </a:buClr>
+                  <a:buSzPct val="145000"/>
+                  <a:buFont typeface="Arial"/>
+                  <a:buChar char="•"/>
+                  <a:defRPr sz="2400" kern="1200" cap="none">
+                    <a:solidFill>
+                      <a:schemeClr val="tx1"/>
+                    </a:solidFill>
+                    <a:effectLst/>
+                    <a:latin typeface="+mn-lt"/>
+                    <a:ea typeface="+mn-ea"/>
+                    <a:cs typeface="+mn-cs"/>
+                  </a:defRPr>
+                </a:lvl1pPr>
+                <a:lvl2pPr marL="742950" indent="-285750" algn="l" defTabSz="457200" rtl="0" eaLnBrk="1" latinLnBrk="0" hangingPunct="1">
+                  <a:spcBef>
+                    <a:spcPct val="20000"/>
+                  </a:spcBef>
+                  <a:spcAft>
+                    <a:spcPts val="600"/>
+                  </a:spcAft>
+                  <a:buClr>
+                    <a:schemeClr val="accent1">
+                      <a:lumMod val="75000"/>
+                    </a:schemeClr>
+                  </a:buClr>
+                  <a:buSzPct val="145000"/>
+                  <a:buFont typeface="Arial"/>
+                  <a:buChar char="•"/>
+                  <a:defRPr sz="2000" kern="1200" cap="none">
+                    <a:solidFill>
+                      <a:schemeClr val="tx1"/>
+                    </a:solidFill>
+                    <a:effectLst/>
+                    <a:latin typeface="+mn-lt"/>
+                    <a:ea typeface="+mn-ea"/>
+                    <a:cs typeface="+mn-cs"/>
+                  </a:defRPr>
+                </a:lvl2pPr>
+                <a:lvl3pPr marL="1200150" indent="-285750" algn="l" defTabSz="457200" rtl="0" eaLnBrk="1" latinLnBrk="0" hangingPunct="1">
+                  <a:spcBef>
+                    <a:spcPct val="20000"/>
+                  </a:spcBef>
+                  <a:spcAft>
+                    <a:spcPts val="600"/>
+                  </a:spcAft>
+                  <a:buClr>
+                    <a:schemeClr val="accent1">
+                      <a:lumMod val="75000"/>
+                    </a:schemeClr>
+                  </a:buClr>
+                  <a:buSzPct val="145000"/>
+                  <a:buFont typeface="Arial"/>
+                  <a:buChar char="•"/>
+                  <a:defRPr sz="1800" kern="1200" cap="none">
+                    <a:solidFill>
+                      <a:schemeClr val="tx1"/>
+                    </a:solidFill>
+                    <a:effectLst/>
+                    <a:latin typeface="+mn-lt"/>
+                    <a:ea typeface="+mn-ea"/>
+                    <a:cs typeface="+mn-cs"/>
+                  </a:defRPr>
+                </a:lvl3pPr>
+                <a:lvl4pPr marL="1543050" indent="-171450" algn="l" defTabSz="457200" rtl="0" eaLnBrk="1" latinLnBrk="0" hangingPunct="1">
+                  <a:spcBef>
+                    <a:spcPct val="20000"/>
+                  </a:spcBef>
+                  <a:spcAft>
+                    <a:spcPts val="600"/>
+                  </a:spcAft>
+                  <a:buClr>
+                    <a:schemeClr val="accent1">
+                      <a:lumMod val="75000"/>
+                    </a:schemeClr>
+                  </a:buClr>
+                  <a:buSzPct val="145000"/>
+                  <a:buFont typeface="Arial"/>
+                  <a:buChar char="•"/>
+                  <a:defRPr sz="1600" kern="1200" cap="none">
+                    <a:solidFill>
+                      <a:schemeClr val="tx1"/>
+                    </a:solidFill>
+                    <a:effectLst/>
+                    <a:latin typeface="+mn-lt"/>
+                    <a:ea typeface="+mn-ea"/>
+                    <a:cs typeface="+mn-cs"/>
+                  </a:defRPr>
+                </a:lvl4pPr>
+                <a:lvl5pPr marL="2000250" indent="-171450" algn="l" defTabSz="457200" rtl="0" eaLnBrk="1" latinLnBrk="0" hangingPunct="1">
+                  <a:spcBef>
+                    <a:spcPct val="20000"/>
+                  </a:spcBef>
+                  <a:spcAft>
+                    <a:spcPts val="600"/>
+                  </a:spcAft>
+                  <a:buClr>
+                    <a:schemeClr val="accent1">
+                      <a:lumMod val="75000"/>
+                    </a:schemeClr>
+                  </a:buClr>
+                  <a:buSzPct val="145000"/>
+                  <a:buFont typeface="Arial"/>
+                  <a:buChar char="•"/>
+                  <a:defRPr sz="1400" kern="1200" cap="none">
+                    <a:solidFill>
+                      <a:schemeClr val="tx1"/>
+                    </a:solidFill>
+                    <a:effectLst/>
+                    <a:latin typeface="+mn-lt"/>
+                    <a:ea typeface="+mn-ea"/>
+                    <a:cs typeface="+mn-cs"/>
+                  </a:defRPr>
+                </a:lvl5pPr>
+                <a:lvl6pPr marL="2514600" indent="-228600" algn="l" defTabSz="457200" rtl="0" eaLnBrk="1" latinLnBrk="0" hangingPunct="1">
+                  <a:spcBef>
+                    <a:spcPct val="20000"/>
+                  </a:spcBef>
+                  <a:spcAft>
+                    <a:spcPts val="600"/>
+                  </a:spcAft>
+                  <a:buClr>
+                    <a:schemeClr val="accent1">
+                      <a:lumMod val="75000"/>
+                    </a:schemeClr>
+                  </a:buClr>
+                  <a:buSzPct val="145000"/>
+                  <a:buFont typeface="Arial"/>
+                  <a:buChar char="•"/>
+                  <a:defRPr sz="1400" kern="1200" cap="none">
+                    <a:solidFill>
+                      <a:schemeClr val="tx1"/>
+                    </a:solidFill>
+                    <a:effectLst/>
+                    <a:latin typeface="+mn-lt"/>
+                    <a:ea typeface="+mn-ea"/>
+                    <a:cs typeface="+mn-cs"/>
+                  </a:defRPr>
+                </a:lvl6pPr>
+                <a:lvl7pPr marL="2971800" indent="-228600" algn="l" defTabSz="457200" rtl="0" eaLnBrk="1" latinLnBrk="0" hangingPunct="1">
+                  <a:spcBef>
+                    <a:spcPct val="20000"/>
+                  </a:spcBef>
+                  <a:spcAft>
+                    <a:spcPts val="600"/>
+                  </a:spcAft>
+                  <a:buClr>
+                    <a:schemeClr val="accent1">
+                      <a:lumMod val="75000"/>
+                    </a:schemeClr>
+                  </a:buClr>
+                  <a:buSzPct val="145000"/>
+                  <a:buFont typeface="Arial"/>
+                  <a:buChar char="•"/>
+                  <a:defRPr sz="1400" kern="1200" cap="none">
+                    <a:solidFill>
+                      <a:schemeClr val="tx1"/>
+                    </a:solidFill>
+                    <a:effectLst/>
+                    <a:latin typeface="+mn-lt"/>
+                    <a:ea typeface="+mn-ea"/>
+                    <a:cs typeface="+mn-cs"/>
+                  </a:defRPr>
+                </a:lvl7pPr>
+                <a:lvl8pPr marL="3429000" indent="-228600" algn="l" defTabSz="457200" rtl="0" eaLnBrk="1" latinLnBrk="0" hangingPunct="1">
+                  <a:spcBef>
+                    <a:spcPct val="20000"/>
+                  </a:spcBef>
+                  <a:spcAft>
+                    <a:spcPts val="600"/>
+                  </a:spcAft>
+                  <a:buClr>
+                    <a:schemeClr val="accent1">
+                      <a:lumMod val="75000"/>
+                    </a:schemeClr>
+                  </a:buClr>
+                  <a:buSzPct val="145000"/>
+                  <a:buFont typeface="Arial"/>
+                  <a:buChar char="•"/>
+                  <a:defRPr sz="1400" kern="1200" cap="none">
+                    <a:solidFill>
+                      <a:schemeClr val="tx1"/>
+                    </a:solidFill>
+                    <a:effectLst/>
+                    <a:latin typeface="+mn-lt"/>
+                    <a:ea typeface="+mn-ea"/>
+                    <a:cs typeface="+mn-cs"/>
+                  </a:defRPr>
+                </a:lvl8pPr>
+                <a:lvl9pPr marL="3886200" indent="-228600" algn="l" defTabSz="457200" rtl="0" eaLnBrk="1" latinLnBrk="0" hangingPunct="1">
+                  <a:spcBef>
+                    <a:spcPct val="20000"/>
+                  </a:spcBef>
+                  <a:spcAft>
+                    <a:spcPts val="600"/>
+                  </a:spcAft>
+                  <a:buClr>
+                    <a:schemeClr val="accent1">
+                      <a:lumMod val="75000"/>
+                    </a:schemeClr>
+                  </a:buClr>
+                  <a:buSzPct val="145000"/>
+                  <a:buFont typeface="Arial"/>
+                  <a:buChar char="•"/>
+                  <a:defRPr sz="1400" kern="1200" cap="none">
+                    <a:solidFill>
+                      <a:schemeClr val="tx1"/>
+                    </a:solidFill>
+                    <a:effectLst/>
+                    <a:latin typeface="+mn-lt"/>
+                    <a:ea typeface="+mn-ea"/>
+                    <a:cs typeface="+mn-cs"/>
+                  </a:defRPr>
+                </a:lvl9pPr>
+              </a:lstStyle>
+              <a:p>
+                <a:pPr marL="0" indent="0" algn="ctr">
+                  <a:buFont typeface="Arial"/>
+                  <a:buNone/>
+                </a:pPr>
+                <a:r>
+                  <a:rPr lang="fr-FR" sz="1400" dirty="0"/>
+                  <a:t>Gestion des parachutistes et des pilotes</a:t>
+                </a:r>
+              </a:p>
+            </p:txBody>
+          </p:sp>
+          <p:sp>
+            <p:nvSpPr>
+              <p:cNvPr id="26" name="Rectangle 25">
+                <a:extLst>
+                  <a:ext uri="{FF2B5EF4-FFF2-40B4-BE49-F238E27FC236}">
+                    <a16:creationId xmlns:a16="http://schemas.microsoft.com/office/drawing/2014/main" id="{1374E19A-8D98-4E69-AA62-6D197C56A554}"/>
+                  </a:ext>
+                </a:extLst>
+              </p:cNvPr>
+              <p:cNvSpPr/>
+              <p:nvPr/>
+            </p:nvSpPr>
+            <p:spPr>
+              <a:xfrm>
+                <a:off x="3294529" y="1438835"/>
+                <a:ext cx="6535271" cy="1815353"/>
+              </a:xfrm>
+              <a:prstGeom prst="rect">
+                <a:avLst/>
+              </a:prstGeom>
+              <a:noFill/>
+              <a:ln w="28575"/>
+            </p:spPr>
+            <p:style>
+              <a:lnRef idx="2">
+                <a:schemeClr val="accent1">
+                  <a:shade val="50000"/>
+                </a:schemeClr>
+              </a:lnRef>
+              <a:fillRef idx="1">
+                <a:schemeClr val="accent1"/>
+              </a:fillRef>
+              <a:effectRef idx="0">
+                <a:schemeClr val="accent1"/>
+              </a:effectRef>
+              <a:fontRef idx="minor">
+                <a:schemeClr val="lt1"/>
+              </a:fontRef>
+            </p:style>
+            <p:txBody>
+              <a:bodyPr rtlCol="0" anchor="ctr"/>
+              <a:lstStyle/>
+              <a:p>
+                <a:pPr algn="ctr"/>
+                <a:endParaRPr lang="fr-FR"/>
+              </a:p>
+            </p:txBody>
+          </p:sp>
+        </p:grpSp>
+        <p:grpSp>
+          <p:nvGrpSpPr>
+            <p:cNvPr id="27" name="Groupe 19">
+              <a:extLst>
+                <a:ext uri="{FF2B5EF4-FFF2-40B4-BE49-F238E27FC236}">
+                  <a16:creationId xmlns:a16="http://schemas.microsoft.com/office/drawing/2014/main" id="{A0229245-9952-4EA9-91A8-66A8DBE584D6}"/>
+                </a:ext>
+              </a:extLst>
+            </p:cNvPr>
+            <p:cNvGrpSpPr/>
+            <p:nvPr/>
+          </p:nvGrpSpPr>
+          <p:grpSpPr>
+            <a:xfrm>
+              <a:off x="7855506" y="3139297"/>
+              <a:ext cx="1313146" cy="1310342"/>
+              <a:chOff x="3294529" y="1438835"/>
+              <a:chExt cx="6535271" cy="1815353"/>
+            </a:xfrm>
+          </p:grpSpPr>
+          <p:sp>
+            <p:nvSpPr>
+              <p:cNvPr id="28" name="Espace réservé du contenu 2">
+                <a:extLst>
+                  <a:ext uri="{FF2B5EF4-FFF2-40B4-BE49-F238E27FC236}">
+                    <a16:creationId xmlns:a16="http://schemas.microsoft.com/office/drawing/2014/main" id="{808B53EE-8675-4987-A360-46ABB994B86D}"/>
+                  </a:ext>
+                </a:extLst>
+              </p:cNvPr>
+              <p:cNvSpPr txBox="1">
+                <a:spLocks/>
+              </p:cNvSpPr>
+              <p:nvPr/>
+            </p:nvSpPr>
+            <p:spPr>
+              <a:xfrm>
+                <a:off x="3648960" y="1697251"/>
+                <a:ext cx="5826407" cy="1298520"/>
+              </a:xfrm>
+              <a:prstGeom prst="rect">
+                <a:avLst/>
+              </a:prstGeom>
+            </p:spPr>
+            <p:txBody>
+              <a:bodyPr vert="horz" lIns="91440" tIns="45720" rIns="91440" bIns="45720" rtlCol="0" anchor="ctr">
+                <a:normAutofit/>
+              </a:bodyPr>
+              <a:lstStyle>
+                <a:lvl1pPr marL="285750" indent="-285750" algn="l" defTabSz="457200" rtl="0" eaLnBrk="1" latinLnBrk="0" hangingPunct="1">
+                  <a:spcBef>
+                    <a:spcPct val="20000"/>
+                  </a:spcBef>
+                  <a:spcAft>
+                    <a:spcPts val="600"/>
+                  </a:spcAft>
+                  <a:buClr>
+                    <a:schemeClr val="accent1">
+                      <a:lumMod val="75000"/>
+                    </a:schemeClr>
+                  </a:buClr>
+                  <a:buSzPct val="145000"/>
+                  <a:buFont typeface="Arial"/>
+                  <a:buChar char="•"/>
+                  <a:defRPr sz="2400" kern="1200" cap="none">
+                    <a:solidFill>
+                      <a:schemeClr val="tx1"/>
+                    </a:solidFill>
+                    <a:effectLst/>
+                    <a:latin typeface="+mn-lt"/>
+                    <a:ea typeface="+mn-ea"/>
+                    <a:cs typeface="+mn-cs"/>
+                  </a:defRPr>
+                </a:lvl1pPr>
+                <a:lvl2pPr marL="742950" indent="-285750" algn="l" defTabSz="457200" rtl="0" eaLnBrk="1" latinLnBrk="0" hangingPunct="1">
+                  <a:spcBef>
+                    <a:spcPct val="20000"/>
+                  </a:spcBef>
+                  <a:spcAft>
+                    <a:spcPts val="600"/>
+                  </a:spcAft>
+                  <a:buClr>
+                    <a:schemeClr val="accent1">
+                      <a:lumMod val="75000"/>
+                    </a:schemeClr>
+                  </a:buClr>
+                  <a:buSzPct val="145000"/>
+                  <a:buFont typeface="Arial"/>
+                  <a:buChar char="•"/>
+                  <a:defRPr sz="2000" kern="1200" cap="none">
+                    <a:solidFill>
+                      <a:schemeClr val="tx1"/>
+                    </a:solidFill>
+                    <a:effectLst/>
+                    <a:latin typeface="+mn-lt"/>
+                    <a:ea typeface="+mn-ea"/>
+                    <a:cs typeface="+mn-cs"/>
+                  </a:defRPr>
+                </a:lvl2pPr>
+                <a:lvl3pPr marL="1200150" indent="-285750" algn="l" defTabSz="457200" rtl="0" eaLnBrk="1" latinLnBrk="0" hangingPunct="1">
+                  <a:spcBef>
+                    <a:spcPct val="20000"/>
+                  </a:spcBef>
+                  <a:spcAft>
+                    <a:spcPts val="600"/>
+                  </a:spcAft>
+                  <a:buClr>
+                    <a:schemeClr val="accent1">
+                      <a:lumMod val="75000"/>
+                    </a:schemeClr>
+                  </a:buClr>
+                  <a:buSzPct val="145000"/>
+                  <a:buFont typeface="Arial"/>
+                  <a:buChar char="•"/>
+                  <a:defRPr sz="1800" kern="1200" cap="none">
+                    <a:solidFill>
+                      <a:schemeClr val="tx1"/>
+                    </a:solidFill>
+                    <a:effectLst/>
+                    <a:latin typeface="+mn-lt"/>
+                    <a:ea typeface="+mn-ea"/>
+                    <a:cs typeface="+mn-cs"/>
+                  </a:defRPr>
+                </a:lvl3pPr>
+                <a:lvl4pPr marL="1543050" indent="-171450" algn="l" defTabSz="457200" rtl="0" eaLnBrk="1" latinLnBrk="0" hangingPunct="1">
+                  <a:spcBef>
+                    <a:spcPct val="20000"/>
+                  </a:spcBef>
+                  <a:spcAft>
+                    <a:spcPts val="600"/>
+                  </a:spcAft>
+                  <a:buClr>
+                    <a:schemeClr val="accent1">
+                      <a:lumMod val="75000"/>
+                    </a:schemeClr>
+                  </a:buClr>
+                  <a:buSzPct val="145000"/>
+                  <a:buFont typeface="Arial"/>
+                  <a:buChar char="•"/>
+                  <a:defRPr sz="1600" kern="1200" cap="none">
+                    <a:solidFill>
+                      <a:schemeClr val="tx1"/>
+                    </a:solidFill>
+                    <a:effectLst/>
+                    <a:latin typeface="+mn-lt"/>
+                    <a:ea typeface="+mn-ea"/>
+                    <a:cs typeface="+mn-cs"/>
+                  </a:defRPr>
+                </a:lvl4pPr>
+                <a:lvl5pPr marL="2000250" indent="-171450" algn="l" defTabSz="457200" rtl="0" eaLnBrk="1" latinLnBrk="0" hangingPunct="1">
+                  <a:spcBef>
+                    <a:spcPct val="20000"/>
+                  </a:spcBef>
+                  <a:spcAft>
+                    <a:spcPts val="600"/>
+                  </a:spcAft>
+                  <a:buClr>
+                    <a:schemeClr val="accent1">
+                      <a:lumMod val="75000"/>
+                    </a:schemeClr>
+                  </a:buClr>
+                  <a:buSzPct val="145000"/>
+                  <a:buFont typeface="Arial"/>
+                  <a:buChar char="•"/>
+                  <a:defRPr sz="1400" kern="1200" cap="none">
+                    <a:solidFill>
+                      <a:schemeClr val="tx1"/>
+                    </a:solidFill>
+                    <a:effectLst/>
+                    <a:latin typeface="+mn-lt"/>
+                    <a:ea typeface="+mn-ea"/>
+                    <a:cs typeface="+mn-cs"/>
+                  </a:defRPr>
+                </a:lvl5pPr>
+                <a:lvl6pPr marL="2514600" indent="-228600" algn="l" defTabSz="457200" rtl="0" eaLnBrk="1" latinLnBrk="0" hangingPunct="1">
+                  <a:spcBef>
+                    <a:spcPct val="20000"/>
+                  </a:spcBef>
+                  <a:spcAft>
+                    <a:spcPts val="600"/>
+                  </a:spcAft>
+                  <a:buClr>
+                    <a:schemeClr val="accent1">
+                      <a:lumMod val="75000"/>
+                    </a:schemeClr>
+                  </a:buClr>
+                  <a:buSzPct val="145000"/>
+                  <a:buFont typeface="Arial"/>
+                  <a:buChar char="•"/>
+                  <a:defRPr sz="1400" kern="1200" cap="none">
+                    <a:solidFill>
+                      <a:schemeClr val="tx1"/>
+                    </a:solidFill>
+                    <a:effectLst/>
+                    <a:latin typeface="+mn-lt"/>
+                    <a:ea typeface="+mn-ea"/>
+                    <a:cs typeface="+mn-cs"/>
+                  </a:defRPr>
+                </a:lvl6pPr>
+                <a:lvl7pPr marL="2971800" indent="-228600" algn="l" defTabSz="457200" rtl="0" eaLnBrk="1" latinLnBrk="0" hangingPunct="1">
+                  <a:spcBef>
+                    <a:spcPct val="20000"/>
+                  </a:spcBef>
+                  <a:spcAft>
+                    <a:spcPts val="600"/>
+                  </a:spcAft>
+                  <a:buClr>
+                    <a:schemeClr val="accent1">
+                      <a:lumMod val="75000"/>
+                    </a:schemeClr>
+                  </a:buClr>
+                  <a:buSzPct val="145000"/>
+                  <a:buFont typeface="Arial"/>
+                  <a:buChar char="•"/>
+                  <a:defRPr sz="1400" kern="1200" cap="none">
+                    <a:solidFill>
+                      <a:schemeClr val="tx1"/>
+                    </a:solidFill>
+                    <a:effectLst/>
+                    <a:latin typeface="+mn-lt"/>
+                    <a:ea typeface="+mn-ea"/>
+                    <a:cs typeface="+mn-cs"/>
+                  </a:defRPr>
+                </a:lvl7pPr>
+                <a:lvl8pPr marL="3429000" indent="-228600" algn="l" defTabSz="457200" rtl="0" eaLnBrk="1" latinLnBrk="0" hangingPunct="1">
+                  <a:spcBef>
+                    <a:spcPct val="20000"/>
+                  </a:spcBef>
+                  <a:spcAft>
+                    <a:spcPts val="600"/>
+                  </a:spcAft>
+                  <a:buClr>
+                    <a:schemeClr val="accent1">
+                      <a:lumMod val="75000"/>
+                    </a:schemeClr>
+                  </a:buClr>
+                  <a:buSzPct val="145000"/>
+                  <a:buFont typeface="Arial"/>
+                  <a:buChar char="•"/>
+                  <a:defRPr sz="1400" kern="1200" cap="none">
+                    <a:solidFill>
+                      <a:schemeClr val="tx1"/>
+                    </a:solidFill>
+                    <a:effectLst/>
+                    <a:latin typeface="+mn-lt"/>
+                    <a:ea typeface="+mn-ea"/>
+                    <a:cs typeface="+mn-cs"/>
+                  </a:defRPr>
+                </a:lvl8pPr>
+                <a:lvl9pPr marL="3886200" indent="-228600" algn="l" defTabSz="457200" rtl="0" eaLnBrk="1" latinLnBrk="0" hangingPunct="1">
+                  <a:spcBef>
+                    <a:spcPct val="20000"/>
+                  </a:spcBef>
+                  <a:spcAft>
+                    <a:spcPts val="600"/>
+                  </a:spcAft>
+                  <a:buClr>
+                    <a:schemeClr val="accent1">
+                      <a:lumMod val="75000"/>
+                    </a:schemeClr>
+                  </a:buClr>
+                  <a:buSzPct val="145000"/>
+                  <a:buFont typeface="Arial"/>
+                  <a:buChar char="•"/>
+                  <a:defRPr sz="1400" kern="1200" cap="none">
+                    <a:solidFill>
+                      <a:schemeClr val="tx1"/>
+                    </a:solidFill>
+                    <a:effectLst/>
+                    <a:latin typeface="+mn-lt"/>
+                    <a:ea typeface="+mn-ea"/>
+                    <a:cs typeface="+mn-cs"/>
+                  </a:defRPr>
+                </a:lvl9pPr>
+              </a:lstStyle>
+              <a:p>
+                <a:pPr marL="0" indent="0" algn="ctr">
+                  <a:buFont typeface="Arial"/>
+                  <a:buNone/>
+                </a:pPr>
+                <a:r>
+                  <a:rPr lang="fr-FR" sz="1400" dirty="0"/>
+                  <a:t>Gestion du matériel</a:t>
+                </a:r>
+              </a:p>
+            </p:txBody>
+          </p:sp>
+          <p:sp>
+            <p:nvSpPr>
+              <p:cNvPr id="29" name="Rectangle 28">
+                <a:extLst>
+                  <a:ext uri="{FF2B5EF4-FFF2-40B4-BE49-F238E27FC236}">
+                    <a16:creationId xmlns:a16="http://schemas.microsoft.com/office/drawing/2014/main" id="{F6237E58-AF46-4470-8337-AD123383B868}"/>
+                  </a:ext>
+                </a:extLst>
+              </p:cNvPr>
+              <p:cNvSpPr/>
+              <p:nvPr/>
+            </p:nvSpPr>
+            <p:spPr>
+              <a:xfrm>
+                <a:off x="3294529" y="1438835"/>
+                <a:ext cx="6535271" cy="1815353"/>
+              </a:xfrm>
+              <a:prstGeom prst="rect">
+                <a:avLst/>
+              </a:prstGeom>
+              <a:noFill/>
+              <a:ln w="28575"/>
+            </p:spPr>
+            <p:style>
+              <a:lnRef idx="2">
+                <a:schemeClr val="accent1">
+                  <a:shade val="50000"/>
+                </a:schemeClr>
+              </a:lnRef>
+              <a:fillRef idx="1">
+                <a:schemeClr val="accent1"/>
+              </a:fillRef>
+              <a:effectRef idx="0">
+                <a:schemeClr val="accent1"/>
+              </a:effectRef>
+              <a:fontRef idx="minor">
+                <a:schemeClr val="lt1"/>
+              </a:fontRef>
+            </p:style>
+            <p:txBody>
+              <a:bodyPr rtlCol="0" anchor="ctr"/>
+              <a:lstStyle/>
+              <a:p>
+                <a:pPr algn="ctr"/>
+                <a:endParaRPr lang="fr-FR"/>
+              </a:p>
+            </p:txBody>
+          </p:sp>
+        </p:grpSp>
+        <p:grpSp>
+          <p:nvGrpSpPr>
+            <p:cNvPr id="30" name="Groupe 19">
+              <a:extLst>
+                <a:ext uri="{FF2B5EF4-FFF2-40B4-BE49-F238E27FC236}">
+                  <a16:creationId xmlns:a16="http://schemas.microsoft.com/office/drawing/2014/main" id="{90B4B3A3-0C32-4549-BA05-7D45B1B44B12}"/>
+                </a:ext>
+              </a:extLst>
+            </p:cNvPr>
+            <p:cNvGrpSpPr/>
+            <p:nvPr/>
+          </p:nvGrpSpPr>
+          <p:grpSpPr>
+            <a:xfrm>
+              <a:off x="9582008" y="4676983"/>
+              <a:ext cx="1313146" cy="1327922"/>
+              <a:chOff x="3294529" y="1438835"/>
+              <a:chExt cx="6535271" cy="1815353"/>
+            </a:xfrm>
+          </p:grpSpPr>
+          <p:sp>
+            <p:nvSpPr>
+              <p:cNvPr id="31" name="Espace réservé du contenu 2">
+                <a:extLst>
+                  <a:ext uri="{FF2B5EF4-FFF2-40B4-BE49-F238E27FC236}">
+                    <a16:creationId xmlns:a16="http://schemas.microsoft.com/office/drawing/2014/main" id="{D74A32EB-7DDA-4B4B-8261-95BF425DE3AA}"/>
+                  </a:ext>
+                </a:extLst>
+              </p:cNvPr>
+              <p:cNvSpPr txBox="1">
+                <a:spLocks/>
+              </p:cNvSpPr>
+              <p:nvPr/>
+            </p:nvSpPr>
+            <p:spPr>
+              <a:xfrm>
+                <a:off x="3648960" y="1697251"/>
+                <a:ext cx="5826407" cy="1298520"/>
+              </a:xfrm>
+              <a:prstGeom prst="rect">
+                <a:avLst/>
+              </a:prstGeom>
+            </p:spPr>
+            <p:txBody>
+              <a:bodyPr vert="horz" lIns="91440" tIns="45720" rIns="91440" bIns="45720" rtlCol="0" anchor="ctr">
+                <a:normAutofit/>
+              </a:bodyPr>
+              <a:lstStyle>
+                <a:lvl1pPr marL="285750" indent="-285750" algn="l" defTabSz="457200" rtl="0" eaLnBrk="1" latinLnBrk="0" hangingPunct="1">
+                  <a:spcBef>
+                    <a:spcPct val="20000"/>
+                  </a:spcBef>
+                  <a:spcAft>
+                    <a:spcPts val="600"/>
+                  </a:spcAft>
+                  <a:buClr>
+                    <a:schemeClr val="accent1">
+                      <a:lumMod val="75000"/>
+                    </a:schemeClr>
+                  </a:buClr>
+                  <a:buSzPct val="145000"/>
+                  <a:buFont typeface="Arial"/>
+                  <a:buChar char="•"/>
+                  <a:defRPr sz="2400" kern="1200" cap="none">
+                    <a:solidFill>
+                      <a:schemeClr val="tx1"/>
+                    </a:solidFill>
+                    <a:effectLst/>
+                    <a:latin typeface="+mn-lt"/>
+                    <a:ea typeface="+mn-ea"/>
+                    <a:cs typeface="+mn-cs"/>
+                  </a:defRPr>
+                </a:lvl1pPr>
+                <a:lvl2pPr marL="742950" indent="-285750" algn="l" defTabSz="457200" rtl="0" eaLnBrk="1" latinLnBrk="0" hangingPunct="1">
+                  <a:spcBef>
+                    <a:spcPct val="20000"/>
+                  </a:spcBef>
+                  <a:spcAft>
+                    <a:spcPts val="600"/>
+                  </a:spcAft>
+                  <a:buClr>
+                    <a:schemeClr val="accent1">
+                      <a:lumMod val="75000"/>
+                    </a:schemeClr>
+                  </a:buClr>
+                  <a:buSzPct val="145000"/>
+                  <a:buFont typeface="Arial"/>
+                  <a:buChar char="•"/>
+                  <a:defRPr sz="2000" kern="1200" cap="none">
+                    <a:solidFill>
+                      <a:schemeClr val="tx1"/>
+                    </a:solidFill>
+                    <a:effectLst/>
+                    <a:latin typeface="+mn-lt"/>
+                    <a:ea typeface="+mn-ea"/>
+                    <a:cs typeface="+mn-cs"/>
+                  </a:defRPr>
+                </a:lvl2pPr>
+                <a:lvl3pPr marL="1200150" indent="-285750" algn="l" defTabSz="457200" rtl="0" eaLnBrk="1" latinLnBrk="0" hangingPunct="1">
+                  <a:spcBef>
+                    <a:spcPct val="20000"/>
+                  </a:spcBef>
+                  <a:spcAft>
+                    <a:spcPts val="600"/>
+                  </a:spcAft>
+                  <a:buClr>
+                    <a:schemeClr val="accent1">
+                      <a:lumMod val="75000"/>
+                    </a:schemeClr>
+                  </a:buClr>
+                  <a:buSzPct val="145000"/>
+                  <a:buFont typeface="Arial"/>
+                  <a:buChar char="•"/>
+                  <a:defRPr sz="1800" kern="1200" cap="none">
+                    <a:solidFill>
+                      <a:schemeClr val="tx1"/>
+                    </a:solidFill>
+                    <a:effectLst/>
+                    <a:latin typeface="+mn-lt"/>
+                    <a:ea typeface="+mn-ea"/>
+                    <a:cs typeface="+mn-cs"/>
+                  </a:defRPr>
+                </a:lvl3pPr>
+                <a:lvl4pPr marL="1543050" indent="-171450" algn="l" defTabSz="457200" rtl="0" eaLnBrk="1" latinLnBrk="0" hangingPunct="1">
+                  <a:spcBef>
+                    <a:spcPct val="20000"/>
+                  </a:spcBef>
+                  <a:spcAft>
+                    <a:spcPts val="600"/>
+                  </a:spcAft>
+                  <a:buClr>
+                    <a:schemeClr val="accent1">
+                      <a:lumMod val="75000"/>
+                    </a:schemeClr>
+                  </a:buClr>
+                  <a:buSzPct val="145000"/>
+                  <a:buFont typeface="Arial"/>
+                  <a:buChar char="•"/>
+                  <a:defRPr sz="1600" kern="1200" cap="none">
+                    <a:solidFill>
+                      <a:schemeClr val="tx1"/>
+                    </a:solidFill>
+                    <a:effectLst/>
+                    <a:latin typeface="+mn-lt"/>
+                    <a:ea typeface="+mn-ea"/>
+                    <a:cs typeface="+mn-cs"/>
+                  </a:defRPr>
+                </a:lvl4pPr>
+                <a:lvl5pPr marL="2000250" indent="-171450" algn="l" defTabSz="457200" rtl="0" eaLnBrk="1" latinLnBrk="0" hangingPunct="1">
+                  <a:spcBef>
+                    <a:spcPct val="20000"/>
+                  </a:spcBef>
+                  <a:spcAft>
+                    <a:spcPts val="600"/>
+                  </a:spcAft>
+                  <a:buClr>
+                    <a:schemeClr val="accent1">
+                      <a:lumMod val="75000"/>
+                    </a:schemeClr>
+                  </a:buClr>
+                  <a:buSzPct val="145000"/>
+                  <a:buFont typeface="Arial"/>
+                  <a:buChar char="•"/>
+                  <a:defRPr sz="1400" kern="1200" cap="none">
+                    <a:solidFill>
+                      <a:schemeClr val="tx1"/>
+                    </a:solidFill>
+                    <a:effectLst/>
+                    <a:latin typeface="+mn-lt"/>
+                    <a:ea typeface="+mn-ea"/>
+                    <a:cs typeface="+mn-cs"/>
+                  </a:defRPr>
+                </a:lvl5pPr>
+                <a:lvl6pPr marL="2514600" indent="-228600" algn="l" defTabSz="457200" rtl="0" eaLnBrk="1" latinLnBrk="0" hangingPunct="1">
+                  <a:spcBef>
+                    <a:spcPct val="20000"/>
+                  </a:spcBef>
+                  <a:spcAft>
+                    <a:spcPts val="600"/>
+                  </a:spcAft>
+                  <a:buClr>
+                    <a:schemeClr val="accent1">
+                      <a:lumMod val="75000"/>
+                    </a:schemeClr>
+                  </a:buClr>
+                  <a:buSzPct val="145000"/>
+                  <a:buFont typeface="Arial"/>
+                  <a:buChar char="•"/>
+                  <a:defRPr sz="1400" kern="1200" cap="none">
+                    <a:solidFill>
+                      <a:schemeClr val="tx1"/>
+                    </a:solidFill>
+                    <a:effectLst/>
+                    <a:latin typeface="+mn-lt"/>
+                    <a:ea typeface="+mn-ea"/>
+                    <a:cs typeface="+mn-cs"/>
+                  </a:defRPr>
+                </a:lvl6pPr>
+                <a:lvl7pPr marL="2971800" indent="-228600" algn="l" defTabSz="457200" rtl="0" eaLnBrk="1" latinLnBrk="0" hangingPunct="1">
+                  <a:spcBef>
+                    <a:spcPct val="20000"/>
+                  </a:spcBef>
+                  <a:spcAft>
+                    <a:spcPts val="600"/>
+                  </a:spcAft>
+                  <a:buClr>
+                    <a:schemeClr val="accent1">
+                      <a:lumMod val="75000"/>
+                    </a:schemeClr>
+                  </a:buClr>
+                  <a:buSzPct val="145000"/>
+                  <a:buFont typeface="Arial"/>
+                  <a:buChar char="•"/>
+                  <a:defRPr sz="1400" kern="1200" cap="none">
+                    <a:solidFill>
+                      <a:schemeClr val="tx1"/>
+                    </a:solidFill>
+                    <a:effectLst/>
+                    <a:latin typeface="+mn-lt"/>
+                    <a:ea typeface="+mn-ea"/>
+                    <a:cs typeface="+mn-cs"/>
+                  </a:defRPr>
+                </a:lvl7pPr>
+                <a:lvl8pPr marL="3429000" indent="-228600" algn="l" defTabSz="457200" rtl="0" eaLnBrk="1" latinLnBrk="0" hangingPunct="1">
+                  <a:spcBef>
+                    <a:spcPct val="20000"/>
+                  </a:spcBef>
+                  <a:spcAft>
+                    <a:spcPts val="600"/>
+                  </a:spcAft>
+                  <a:buClr>
+                    <a:schemeClr val="accent1">
+                      <a:lumMod val="75000"/>
+                    </a:schemeClr>
+                  </a:buClr>
+                  <a:buSzPct val="145000"/>
+                  <a:buFont typeface="Arial"/>
+                  <a:buChar char="•"/>
+                  <a:defRPr sz="1400" kern="1200" cap="none">
+                    <a:solidFill>
+                      <a:schemeClr val="tx1"/>
+                    </a:solidFill>
+                    <a:effectLst/>
+                    <a:latin typeface="+mn-lt"/>
+                    <a:ea typeface="+mn-ea"/>
+                    <a:cs typeface="+mn-cs"/>
+                  </a:defRPr>
+                </a:lvl8pPr>
+                <a:lvl9pPr marL="3886200" indent="-228600" algn="l" defTabSz="457200" rtl="0" eaLnBrk="1" latinLnBrk="0" hangingPunct="1">
+                  <a:spcBef>
+                    <a:spcPct val="20000"/>
+                  </a:spcBef>
+                  <a:spcAft>
+                    <a:spcPts val="600"/>
+                  </a:spcAft>
+                  <a:buClr>
+                    <a:schemeClr val="accent1">
+                      <a:lumMod val="75000"/>
+                    </a:schemeClr>
+                  </a:buClr>
+                  <a:buSzPct val="145000"/>
+                  <a:buFont typeface="Arial"/>
+                  <a:buChar char="•"/>
+                  <a:defRPr sz="1400" kern="1200" cap="none">
+                    <a:solidFill>
+                      <a:schemeClr val="tx1"/>
+                    </a:solidFill>
+                    <a:effectLst/>
+                    <a:latin typeface="+mn-lt"/>
+                    <a:ea typeface="+mn-ea"/>
+                    <a:cs typeface="+mn-cs"/>
+                  </a:defRPr>
+                </a:lvl9pPr>
+              </a:lstStyle>
+              <a:p>
+                <a:pPr marL="0" indent="0" algn="ctr">
+                  <a:buFont typeface="Arial"/>
+                  <a:buNone/>
+                </a:pPr>
+                <a:r>
+                  <a:rPr lang="fr-FR" sz="1400" dirty="0"/>
+                  <a:t>Historique des vols</a:t>
+                </a:r>
+              </a:p>
+            </p:txBody>
+          </p:sp>
+          <p:sp>
+            <p:nvSpPr>
+              <p:cNvPr id="32" name="Rectangle 31">
+                <a:extLst>
+                  <a:ext uri="{FF2B5EF4-FFF2-40B4-BE49-F238E27FC236}">
+                    <a16:creationId xmlns:a16="http://schemas.microsoft.com/office/drawing/2014/main" id="{4676AE32-97D0-48F9-AF35-BD191CC9A7AD}"/>
+                  </a:ext>
+                </a:extLst>
+              </p:cNvPr>
+              <p:cNvSpPr/>
+              <p:nvPr/>
+            </p:nvSpPr>
+            <p:spPr>
+              <a:xfrm>
+                <a:off x="3294529" y="1438835"/>
+                <a:ext cx="6535271" cy="1815353"/>
+              </a:xfrm>
+              <a:prstGeom prst="rect">
+                <a:avLst/>
+              </a:prstGeom>
+              <a:noFill/>
+              <a:ln w="28575"/>
+            </p:spPr>
+            <p:style>
+              <a:lnRef idx="2">
+                <a:schemeClr val="accent1">
+                  <a:shade val="50000"/>
+                </a:schemeClr>
+              </a:lnRef>
+              <a:fillRef idx="1">
+                <a:schemeClr val="accent1"/>
+              </a:fillRef>
+              <a:effectRef idx="0">
+                <a:schemeClr val="accent1"/>
+              </a:effectRef>
+              <a:fontRef idx="minor">
+                <a:schemeClr val="lt1"/>
+              </a:fontRef>
+            </p:style>
+            <p:txBody>
+              <a:bodyPr rtlCol="0" anchor="ctr"/>
+              <a:lstStyle/>
+              <a:p>
+                <a:pPr algn="ctr"/>
+                <a:endParaRPr lang="fr-FR"/>
+              </a:p>
+            </p:txBody>
+          </p:sp>
+        </p:grpSp>
+        <p:grpSp>
+          <p:nvGrpSpPr>
+            <p:cNvPr id="33" name="Groupe 19">
+              <a:extLst>
+                <a:ext uri="{FF2B5EF4-FFF2-40B4-BE49-F238E27FC236}">
+                  <a16:creationId xmlns:a16="http://schemas.microsoft.com/office/drawing/2014/main" id="{81BEB066-C7EC-4C37-BE59-72CB7D264FB8}"/>
+                </a:ext>
+              </a:extLst>
+            </p:cNvPr>
+            <p:cNvGrpSpPr/>
+            <p:nvPr/>
+          </p:nvGrpSpPr>
+          <p:grpSpPr>
+            <a:xfrm>
+              <a:off x="5952996" y="5429633"/>
+              <a:ext cx="1313146" cy="575272"/>
+              <a:chOff x="3294529" y="1438835"/>
+              <a:chExt cx="6535271" cy="1815353"/>
+            </a:xfrm>
+          </p:grpSpPr>
+          <p:sp>
+            <p:nvSpPr>
+              <p:cNvPr id="34" name="Espace réservé du contenu 2">
+                <a:extLst>
+                  <a:ext uri="{FF2B5EF4-FFF2-40B4-BE49-F238E27FC236}">
+                    <a16:creationId xmlns:a16="http://schemas.microsoft.com/office/drawing/2014/main" id="{A2518F5C-59F8-4C15-A775-B2511DD90770}"/>
+                  </a:ext>
+                </a:extLst>
+              </p:cNvPr>
+              <p:cNvSpPr txBox="1">
+                <a:spLocks/>
+              </p:cNvSpPr>
+              <p:nvPr/>
+            </p:nvSpPr>
+            <p:spPr>
+              <a:xfrm>
+                <a:off x="3648960" y="1697251"/>
+                <a:ext cx="5826407" cy="1298520"/>
+              </a:xfrm>
+              <a:prstGeom prst="rect">
+                <a:avLst/>
+              </a:prstGeom>
+            </p:spPr>
+            <p:txBody>
+              <a:bodyPr vert="horz" lIns="91440" tIns="45720" rIns="91440" bIns="45720" rtlCol="0" anchor="ctr">
+                <a:noAutofit/>
+              </a:bodyPr>
+              <a:lstStyle>
+                <a:lvl1pPr marL="285750" indent="-285750" algn="l" defTabSz="457200" rtl="0" eaLnBrk="1" latinLnBrk="0" hangingPunct="1">
+                  <a:spcBef>
+                    <a:spcPct val="20000"/>
+                  </a:spcBef>
+                  <a:spcAft>
+                    <a:spcPts val="600"/>
+                  </a:spcAft>
+                  <a:buClr>
+                    <a:schemeClr val="accent1">
+                      <a:lumMod val="75000"/>
+                    </a:schemeClr>
+                  </a:buClr>
+                  <a:buSzPct val="145000"/>
+                  <a:buFont typeface="Arial"/>
+                  <a:buChar char="•"/>
+                  <a:defRPr sz="2400" kern="1200" cap="none">
+                    <a:solidFill>
+                      <a:schemeClr val="tx1"/>
+                    </a:solidFill>
+                    <a:effectLst/>
+                    <a:latin typeface="+mn-lt"/>
+                    <a:ea typeface="+mn-ea"/>
+                    <a:cs typeface="+mn-cs"/>
+                  </a:defRPr>
+                </a:lvl1pPr>
+                <a:lvl2pPr marL="742950" indent="-285750" algn="l" defTabSz="457200" rtl="0" eaLnBrk="1" latinLnBrk="0" hangingPunct="1">
+                  <a:spcBef>
+                    <a:spcPct val="20000"/>
+                  </a:spcBef>
+                  <a:spcAft>
+                    <a:spcPts val="600"/>
+                  </a:spcAft>
+                  <a:buClr>
+                    <a:schemeClr val="accent1">
+                      <a:lumMod val="75000"/>
+                    </a:schemeClr>
+                  </a:buClr>
+                  <a:buSzPct val="145000"/>
+                  <a:buFont typeface="Arial"/>
+                  <a:buChar char="•"/>
+                  <a:defRPr sz="2000" kern="1200" cap="none">
+                    <a:solidFill>
+                      <a:schemeClr val="tx1"/>
+                    </a:solidFill>
+                    <a:effectLst/>
+                    <a:latin typeface="+mn-lt"/>
+                    <a:ea typeface="+mn-ea"/>
+                    <a:cs typeface="+mn-cs"/>
+                  </a:defRPr>
+                </a:lvl2pPr>
+                <a:lvl3pPr marL="1200150" indent="-285750" algn="l" defTabSz="457200" rtl="0" eaLnBrk="1" latinLnBrk="0" hangingPunct="1">
+                  <a:spcBef>
+                    <a:spcPct val="20000"/>
+                  </a:spcBef>
+                  <a:spcAft>
+                    <a:spcPts val="600"/>
+                  </a:spcAft>
+                  <a:buClr>
+                    <a:schemeClr val="accent1">
+                      <a:lumMod val="75000"/>
+                    </a:schemeClr>
+                  </a:buClr>
+                  <a:buSzPct val="145000"/>
+                  <a:buFont typeface="Arial"/>
+                  <a:buChar char="•"/>
+                  <a:defRPr sz="1800" kern="1200" cap="none">
+                    <a:solidFill>
+                      <a:schemeClr val="tx1"/>
+                    </a:solidFill>
+                    <a:effectLst/>
+                    <a:latin typeface="+mn-lt"/>
+                    <a:ea typeface="+mn-ea"/>
+                    <a:cs typeface="+mn-cs"/>
+                  </a:defRPr>
+                </a:lvl3pPr>
+                <a:lvl4pPr marL="1543050" indent="-171450" algn="l" defTabSz="457200" rtl="0" eaLnBrk="1" latinLnBrk="0" hangingPunct="1">
+                  <a:spcBef>
+                    <a:spcPct val="20000"/>
+                  </a:spcBef>
+                  <a:spcAft>
+                    <a:spcPts val="600"/>
+                  </a:spcAft>
+                  <a:buClr>
+                    <a:schemeClr val="accent1">
+                      <a:lumMod val="75000"/>
+                    </a:schemeClr>
+                  </a:buClr>
+                  <a:buSzPct val="145000"/>
+                  <a:buFont typeface="Arial"/>
+                  <a:buChar char="•"/>
+                  <a:defRPr sz="1600" kern="1200" cap="none">
+                    <a:solidFill>
+                      <a:schemeClr val="tx1"/>
+                    </a:solidFill>
+                    <a:effectLst/>
+                    <a:latin typeface="+mn-lt"/>
+                    <a:ea typeface="+mn-ea"/>
+                    <a:cs typeface="+mn-cs"/>
+                  </a:defRPr>
+                </a:lvl4pPr>
+                <a:lvl5pPr marL="2000250" indent="-171450" algn="l" defTabSz="457200" rtl="0" eaLnBrk="1" latinLnBrk="0" hangingPunct="1">
+                  <a:spcBef>
+                    <a:spcPct val="20000"/>
+                  </a:spcBef>
+                  <a:spcAft>
+                    <a:spcPts val="600"/>
+                  </a:spcAft>
+                  <a:buClr>
+                    <a:schemeClr val="accent1">
+                      <a:lumMod val="75000"/>
+                    </a:schemeClr>
+                  </a:buClr>
+                  <a:buSzPct val="145000"/>
+                  <a:buFont typeface="Arial"/>
+                  <a:buChar char="•"/>
+                  <a:defRPr sz="1400" kern="1200" cap="none">
+                    <a:solidFill>
+                      <a:schemeClr val="tx1"/>
+                    </a:solidFill>
+                    <a:effectLst/>
+                    <a:latin typeface="+mn-lt"/>
+                    <a:ea typeface="+mn-ea"/>
+                    <a:cs typeface="+mn-cs"/>
+                  </a:defRPr>
+                </a:lvl5pPr>
+                <a:lvl6pPr marL="2514600" indent="-228600" algn="l" defTabSz="457200" rtl="0" eaLnBrk="1" latinLnBrk="0" hangingPunct="1">
+                  <a:spcBef>
+                    <a:spcPct val="20000"/>
+                  </a:spcBef>
+                  <a:spcAft>
+                    <a:spcPts val="600"/>
+                  </a:spcAft>
+                  <a:buClr>
+                    <a:schemeClr val="accent1">
+                      <a:lumMod val="75000"/>
+                    </a:schemeClr>
+                  </a:buClr>
+                  <a:buSzPct val="145000"/>
+                  <a:buFont typeface="Arial"/>
+                  <a:buChar char="•"/>
+                  <a:defRPr sz="1400" kern="1200" cap="none">
+                    <a:solidFill>
+                      <a:schemeClr val="tx1"/>
+                    </a:solidFill>
+                    <a:effectLst/>
+                    <a:latin typeface="+mn-lt"/>
+                    <a:ea typeface="+mn-ea"/>
+                    <a:cs typeface="+mn-cs"/>
+                  </a:defRPr>
+                </a:lvl6pPr>
+                <a:lvl7pPr marL="2971800" indent="-228600" algn="l" defTabSz="457200" rtl="0" eaLnBrk="1" latinLnBrk="0" hangingPunct="1">
+                  <a:spcBef>
+                    <a:spcPct val="20000"/>
+                  </a:spcBef>
+                  <a:spcAft>
+                    <a:spcPts val="600"/>
+                  </a:spcAft>
+                  <a:buClr>
+                    <a:schemeClr val="accent1">
+                      <a:lumMod val="75000"/>
+                    </a:schemeClr>
+                  </a:buClr>
+                  <a:buSzPct val="145000"/>
+                  <a:buFont typeface="Arial"/>
+                  <a:buChar char="•"/>
+                  <a:defRPr sz="1400" kern="1200" cap="none">
+                    <a:solidFill>
+                      <a:schemeClr val="tx1"/>
+                    </a:solidFill>
+                    <a:effectLst/>
+                    <a:latin typeface="+mn-lt"/>
+                    <a:ea typeface="+mn-ea"/>
+                    <a:cs typeface="+mn-cs"/>
+                  </a:defRPr>
+                </a:lvl7pPr>
+                <a:lvl8pPr marL="3429000" indent="-228600" algn="l" defTabSz="457200" rtl="0" eaLnBrk="1" latinLnBrk="0" hangingPunct="1">
+                  <a:spcBef>
+                    <a:spcPct val="20000"/>
+                  </a:spcBef>
+                  <a:spcAft>
+                    <a:spcPts val="600"/>
+                  </a:spcAft>
+                  <a:buClr>
+                    <a:schemeClr val="accent1">
+                      <a:lumMod val="75000"/>
+                    </a:schemeClr>
+                  </a:buClr>
+                  <a:buSzPct val="145000"/>
+                  <a:buFont typeface="Arial"/>
+                  <a:buChar char="•"/>
+                  <a:defRPr sz="1400" kern="1200" cap="none">
+                    <a:solidFill>
+                      <a:schemeClr val="tx1"/>
+                    </a:solidFill>
+                    <a:effectLst/>
+                    <a:latin typeface="+mn-lt"/>
+                    <a:ea typeface="+mn-ea"/>
+                    <a:cs typeface="+mn-cs"/>
+                  </a:defRPr>
+                </a:lvl8pPr>
+                <a:lvl9pPr marL="3886200" indent="-228600" algn="l" defTabSz="457200" rtl="0" eaLnBrk="1" latinLnBrk="0" hangingPunct="1">
+                  <a:spcBef>
+                    <a:spcPct val="20000"/>
+                  </a:spcBef>
+                  <a:spcAft>
+                    <a:spcPts val="600"/>
+                  </a:spcAft>
+                  <a:buClr>
+                    <a:schemeClr val="accent1">
+                      <a:lumMod val="75000"/>
+                    </a:schemeClr>
+                  </a:buClr>
+                  <a:buSzPct val="145000"/>
+                  <a:buFont typeface="Arial"/>
+                  <a:buChar char="•"/>
+                  <a:defRPr sz="1400" kern="1200" cap="none">
+                    <a:solidFill>
+                      <a:schemeClr val="tx1"/>
+                    </a:solidFill>
+                    <a:effectLst/>
+                    <a:latin typeface="+mn-lt"/>
+                    <a:ea typeface="+mn-ea"/>
+                    <a:cs typeface="+mn-cs"/>
+                  </a:defRPr>
+                </a:lvl9pPr>
+              </a:lstStyle>
+              <a:p>
+                <a:pPr marL="0" indent="0" algn="ctr">
+                  <a:buFont typeface="Arial"/>
+                  <a:buNone/>
+                </a:pPr>
+                <a:r>
+                  <a:rPr lang="fr-FR" sz="1100" dirty="0"/>
+                  <a:t>Clôture d’un vol</a:t>
+                </a:r>
+              </a:p>
+            </p:txBody>
+          </p:sp>
+          <p:sp>
+            <p:nvSpPr>
+              <p:cNvPr id="35" name="Rectangle 34">
+                <a:extLst>
+                  <a:ext uri="{FF2B5EF4-FFF2-40B4-BE49-F238E27FC236}">
+                    <a16:creationId xmlns:a16="http://schemas.microsoft.com/office/drawing/2014/main" id="{115251CD-F4A7-46DE-9B75-772CEE54B2F7}"/>
+                  </a:ext>
+                </a:extLst>
+              </p:cNvPr>
+              <p:cNvSpPr/>
+              <p:nvPr/>
+            </p:nvSpPr>
+            <p:spPr>
+              <a:xfrm>
+                <a:off x="3294529" y="1438835"/>
+                <a:ext cx="6535271" cy="1815353"/>
+              </a:xfrm>
+              <a:prstGeom prst="rect">
+                <a:avLst/>
+              </a:prstGeom>
+              <a:noFill/>
+              <a:ln w="28575"/>
+            </p:spPr>
+            <p:style>
+              <a:lnRef idx="2">
+                <a:schemeClr val="accent1">
+                  <a:shade val="50000"/>
+                </a:schemeClr>
+              </a:lnRef>
+              <a:fillRef idx="1">
+                <a:schemeClr val="accent1"/>
+              </a:fillRef>
+              <a:effectRef idx="0">
+                <a:schemeClr val="accent1"/>
+              </a:effectRef>
+              <a:fontRef idx="minor">
+                <a:schemeClr val="lt1"/>
+              </a:fontRef>
+            </p:style>
+            <p:txBody>
+              <a:bodyPr rtlCol="0" anchor="ctr"/>
+              <a:lstStyle/>
+              <a:p>
+                <a:pPr algn="ctr"/>
+                <a:endParaRPr lang="fr-FR" dirty="0"/>
+              </a:p>
+            </p:txBody>
+          </p:sp>
+        </p:grpSp>
+        <p:cxnSp>
+          <p:nvCxnSpPr>
+            <p:cNvPr id="40" name="Connecteur droit avec flèche 10">
+              <a:extLst>
+                <a:ext uri="{FF2B5EF4-FFF2-40B4-BE49-F238E27FC236}">
+                  <a16:creationId xmlns:a16="http://schemas.microsoft.com/office/drawing/2014/main" id="{2D989277-F798-43DF-8943-809E82C60ACE}"/>
+                </a:ext>
+              </a:extLst>
+            </p:cNvPr>
+            <p:cNvCxnSpPr>
+              <a:cxnSpLocks/>
+            </p:cNvCxnSpPr>
+            <p:nvPr/>
+          </p:nvCxnSpPr>
+          <p:spPr>
+            <a:xfrm flipH="1">
+              <a:off x="4682247" y="4425551"/>
+              <a:ext cx="757181" cy="0"/>
+            </a:xfrm>
+            <a:prstGeom prst="straightConnector1">
+              <a:avLst/>
+            </a:prstGeom>
+            <a:ln w="28575">
+              <a:solidFill>
+                <a:srgbClr val="AD6816"/>
+              </a:solidFill>
+              <a:tailEnd type="triangle" w="lg" len="lg"/>
+            </a:ln>
+          </p:spPr>
+          <p:style>
+            <a:lnRef idx="1">
+              <a:schemeClr val="accent1"/>
+            </a:lnRef>
+            <a:fillRef idx="0">
+              <a:schemeClr val="accent1"/>
+            </a:fillRef>
+            <a:effectRef idx="0">
+              <a:schemeClr val="accent1"/>
+            </a:effectRef>
+            <a:fontRef idx="minor">
+              <a:schemeClr val="tx1"/>
+            </a:fontRef>
+          </p:style>
+        </p:cxnSp>
+        <p:cxnSp>
+          <p:nvCxnSpPr>
+            <p:cNvPr id="44" name="Connecteur droit avec flèche 10">
+              <a:extLst>
+                <a:ext uri="{FF2B5EF4-FFF2-40B4-BE49-F238E27FC236}">
+                  <a16:creationId xmlns:a16="http://schemas.microsoft.com/office/drawing/2014/main" id="{F3259AE4-B24C-4B61-B468-8892E5B9F6E5}"/>
+                </a:ext>
+              </a:extLst>
+            </p:cNvPr>
+            <p:cNvCxnSpPr>
+              <a:cxnSpLocks/>
+            </p:cNvCxnSpPr>
+            <p:nvPr/>
+          </p:nvCxnSpPr>
+          <p:spPr>
+            <a:xfrm>
+              <a:off x="6754693" y="4459520"/>
+              <a:ext cx="855167" cy="0"/>
+            </a:xfrm>
+            <a:prstGeom prst="straightConnector1">
+              <a:avLst/>
+            </a:prstGeom>
+            <a:ln w="28575">
+              <a:solidFill>
+                <a:srgbClr val="AD6816"/>
+              </a:solidFill>
+              <a:tailEnd type="triangle" w="lg" len="lg"/>
+            </a:ln>
+          </p:spPr>
+          <p:style>
+            <a:lnRef idx="1">
+              <a:schemeClr val="accent1"/>
+            </a:lnRef>
+            <a:fillRef idx="0">
+              <a:schemeClr val="accent1"/>
+            </a:fillRef>
+            <a:effectRef idx="0">
+              <a:schemeClr val="accent1"/>
+            </a:effectRef>
+            <a:fontRef idx="minor">
+              <a:schemeClr val="tx1"/>
+            </a:fontRef>
+          </p:style>
+        </p:cxnSp>
+        <p:sp>
+          <p:nvSpPr>
+            <p:cNvPr id="52" name="Rectangle 51">
+              <a:extLst>
+                <a:ext uri="{FF2B5EF4-FFF2-40B4-BE49-F238E27FC236}">
+                  <a16:creationId xmlns:a16="http://schemas.microsoft.com/office/drawing/2014/main" id="{C096E685-0C9E-46FA-BBD6-26F608A2CBBC}"/>
+                </a:ext>
+              </a:extLst>
+            </p:cNvPr>
+            <p:cNvSpPr/>
+            <p:nvPr/>
+          </p:nvSpPr>
+          <p:spPr>
+            <a:xfrm>
+              <a:off x="7609860" y="2946172"/>
+              <a:ext cx="3651586" cy="3178081"/>
+            </a:xfrm>
+            <a:prstGeom prst="rect">
+              <a:avLst/>
+            </a:prstGeom>
+            <a:noFill/>
+            <a:ln w="28575">
+              <a:prstDash val="dash"/>
+            </a:ln>
+          </p:spPr>
+          <p:style>
+            <a:lnRef idx="2">
+              <a:schemeClr val="accent1">
+                <a:shade val="50000"/>
+              </a:schemeClr>
+            </a:lnRef>
+            <a:fillRef idx="1">
+              <a:schemeClr val="accent1"/>
+            </a:fillRef>
+            <a:effectRef idx="0">
+              <a:schemeClr val="accent1"/>
+            </a:effectRef>
+            <a:fontRef idx="minor">
+              <a:schemeClr val="lt1"/>
+            </a:fontRef>
+          </p:style>
+          <p:txBody>
+            <a:bodyPr rtlCol="0" anchor="ctr"/>
+            <a:lstStyle/>
+            <a:p>
+              <a:pPr algn="ctr"/>
+              <a:endParaRPr lang="fr-FR"/>
+            </a:p>
+          </p:txBody>
+        </p:sp>
+        <p:cxnSp>
+          <p:nvCxnSpPr>
+            <p:cNvPr id="54" name="Connecteur droit avec flèche 10">
+              <a:extLst>
+                <a:ext uri="{FF2B5EF4-FFF2-40B4-BE49-F238E27FC236}">
+                  <a16:creationId xmlns:a16="http://schemas.microsoft.com/office/drawing/2014/main" id="{D9F5515F-8305-49EF-87C5-DC5CEE7CE7C3}"/>
+                </a:ext>
+              </a:extLst>
+            </p:cNvPr>
+            <p:cNvCxnSpPr>
+              <a:cxnSpLocks/>
+            </p:cNvCxnSpPr>
+            <p:nvPr/>
+          </p:nvCxnSpPr>
+          <p:spPr>
+            <a:xfrm flipH="1">
+              <a:off x="7266144" y="5711786"/>
+              <a:ext cx="589362" cy="0"/>
+            </a:xfrm>
+            <a:prstGeom prst="straightConnector1">
+              <a:avLst/>
+            </a:prstGeom>
+            <a:ln w="28575">
+              <a:solidFill>
+                <a:srgbClr val="AD6816"/>
+              </a:solidFill>
+              <a:tailEnd type="triangle" w="lg" len="lg"/>
+            </a:ln>
+          </p:spPr>
+          <p:style>
+            <a:lnRef idx="1">
+              <a:schemeClr val="accent1"/>
+            </a:lnRef>
+            <a:fillRef idx="0">
+              <a:schemeClr val="accent1"/>
+            </a:fillRef>
+            <a:effectRef idx="0">
+              <a:schemeClr val="accent1"/>
+            </a:effectRef>
+            <a:fontRef idx="minor">
+              <a:schemeClr val="tx1"/>
+            </a:fontRef>
+          </p:style>
+        </p:cxnSp>
+      </p:grpSp>
+      <p:sp>
+        <p:nvSpPr>
+          <p:cNvPr id="65" name="Rectangle 64">
+            <a:extLst>
+              <a:ext uri="{FF2B5EF4-FFF2-40B4-BE49-F238E27FC236}">
+                <a16:creationId xmlns:a16="http://schemas.microsoft.com/office/drawing/2014/main" id="{A8E9F7B1-4D5A-4A61-853C-31455D3C2950}"/>
+              </a:ext>
+            </a:extLst>
+          </p:cNvPr>
+          <p:cNvSpPr/>
+          <p:nvPr/>
+        </p:nvSpPr>
+        <p:spPr>
+          <a:xfrm>
+            <a:off x="1990725" y="1183167"/>
+            <a:ext cx="9229725" cy="5036658"/>
+          </a:xfrm>
+          <a:prstGeom prst="rect">
+            <a:avLst/>
+          </a:prstGeom>
+          <a:noFill/>
+          <a:ln w="28575">
+            <a:solidFill>
+              <a:schemeClr val="tx1"/>
+            </a:solidFill>
+          </a:ln>
+        </p:spPr>
+        <p:style>
+          <a:lnRef idx="2">
+            <a:schemeClr val="accent1">
+              <a:shade val="50000"/>
+            </a:schemeClr>
+          </a:lnRef>
+          <a:fillRef idx="1">
+            <a:schemeClr val="accent1"/>
+          </a:fillRef>
+          <a:effectRef idx="0">
+            <a:schemeClr val="accent1"/>
+          </a:effectRef>
+          <a:fontRef idx="minor">
+            <a:schemeClr val="lt1"/>
+          </a:fontRef>
+        </p:style>
+        <p:txBody>
+          <a:bodyPr rtlCol="0" anchor="ctr"/>
+          <a:lstStyle/>
+          <a:p>
+            <a:pPr algn="ctr"/>
+            <a:endParaRPr lang="fr-FR"/>
+          </a:p>
+        </p:txBody>
+      </p:sp>
+      <p:sp>
+        <p:nvSpPr>
+          <p:cNvPr id="66" name="TextBox 65">
+            <a:extLst>
+              <a:ext uri="{FF2B5EF4-FFF2-40B4-BE49-F238E27FC236}">
+                <a16:creationId xmlns:a16="http://schemas.microsoft.com/office/drawing/2014/main" id="{16310576-DC57-433C-9B4B-88FEA497BC36}"/>
+              </a:ext>
+            </a:extLst>
+          </p:cNvPr>
+          <p:cNvSpPr txBox="1"/>
+          <p:nvPr/>
+        </p:nvSpPr>
+        <p:spPr>
+          <a:xfrm>
+            <a:off x="10285300" y="832212"/>
+            <a:ext cx="1564849" cy="369332"/>
+          </a:xfrm>
+          <a:prstGeom prst="rect">
+            <a:avLst/>
+          </a:prstGeom>
+          <a:noFill/>
+        </p:spPr>
+        <p:txBody>
+          <a:bodyPr wrap="square" rtlCol="0">
+            <a:spAutoFit/>
+          </a:bodyPr>
+          <a:lstStyle/>
+          <a:p>
+            <a:r>
+              <a:rPr lang="fr-FR" dirty="0"/>
+              <a:t>Security</a:t>
+            </a:r>
+          </a:p>
+        </p:txBody>
+      </p:sp>
+      <p:sp>
+        <p:nvSpPr>
+          <p:cNvPr id="69" name="Arrow: Left-Up 68">
+            <a:extLst>
+              <a:ext uri="{FF2B5EF4-FFF2-40B4-BE49-F238E27FC236}">
+                <a16:creationId xmlns:a16="http://schemas.microsoft.com/office/drawing/2014/main" id="{9ECA0956-F2B1-4F06-9B19-2331D0A6C89A}"/>
+              </a:ext>
+            </a:extLst>
+          </p:cNvPr>
+          <p:cNvSpPr/>
+          <p:nvPr/>
+        </p:nvSpPr>
+        <p:spPr>
+          <a:xfrm rot="16200000">
+            <a:off x="7778048" y="1437092"/>
+            <a:ext cx="915737" cy="1680101"/>
+          </a:xfrm>
+          <a:prstGeom prst="leftUpArrow">
+            <a:avLst>
+              <a:gd name="adj1" fmla="val 16679"/>
+              <a:gd name="adj2" fmla="val 25000"/>
+              <a:gd name="adj3" fmla="val 32281"/>
+            </a:avLst>
+          </a:prstGeom>
+        </p:spPr>
+        <p:style>
+          <a:lnRef idx="2">
+            <a:schemeClr val="accent1">
+              <a:shade val="50000"/>
+            </a:schemeClr>
+          </a:lnRef>
+          <a:fillRef idx="1">
+            <a:schemeClr val="accent1"/>
+          </a:fillRef>
+          <a:effectRef idx="0">
+            <a:schemeClr val="accent1"/>
+          </a:effectRef>
+          <a:fontRef idx="minor">
+            <a:schemeClr val="lt1"/>
+          </a:fontRef>
+        </p:style>
+        <p:txBody>
+          <a:bodyPr rtlCol="0" anchor="ctr"/>
+          <a:lstStyle/>
+          <a:p>
+            <a:pPr algn="ctr"/>
+            <a:endParaRPr lang="fr-FR"/>
           </a:p>
         </p:txBody>
       </p:sp>
@@ -12405,30 +18884,13 @@
       </p:grpSpPr>
       <p:sp>
         <p:nvSpPr>
-          <p:cNvPr id="2" name="Titre 1"/>
-          <p:cNvSpPr>
-            <a:spLocks noGrp="1"/>
-          </p:cNvSpPr>
-          <p:nvPr>
-            <p:ph type="title"/>
-          </p:nvPr>
-        </p:nvSpPr>
-        <p:spPr/>
-        <p:txBody>
-          <a:bodyPr/>
-          <a:lstStyle/>
-          <a:p>
-            <a:r>
-              <a:rPr lang="fr-FR" dirty="0" smtClean="0"/>
-              <a:t>Démonstration</a:t>
-            </a:r>
-            <a:endParaRPr lang="fr-FR" dirty="0"/>
-          </a:p>
-        </p:txBody>
-      </p:sp>
-      <p:sp>
-        <p:nvSpPr>
-          <p:cNvPr id="3" name="Espace réservé du contenu 2"/>
+          <p:cNvPr id="3" name="Content Placeholder 2">
+            <a:extLst>
+              <a:ext uri="{FF2B5EF4-FFF2-40B4-BE49-F238E27FC236}">
+                <a16:creationId xmlns:a16="http://schemas.microsoft.com/office/drawing/2014/main" id="{583B196B-3CF1-4F72-9FF5-86F70A1F8D8A}"/>
+              </a:ext>
+            </a:extLst>
+          </p:cNvPr>
           <p:cNvSpPr>
             <a:spLocks noGrp="1"/>
           </p:cNvSpPr>
@@ -12436,206 +18898,63 @@
             <p:ph idx="1"/>
           </p:nvPr>
         </p:nvSpPr>
+        <p:spPr>
+          <a:xfrm>
+            <a:off x="1616284" y="1024847"/>
+            <a:ext cx="10676267" cy="4808306"/>
+          </a:xfrm>
+        </p:spPr>
+        <p:txBody>
+          <a:bodyPr>
+            <a:normAutofit/>
+          </a:bodyPr>
+          <a:lstStyle/>
+          <a:p>
+            <a:pPr marL="0" indent="0">
+              <a:buNone/>
+            </a:pPr>
+            <a:r>
+              <a:rPr lang="fr-FR" sz="8800" dirty="0"/>
+              <a:t>DEMONSTRATION</a:t>
+            </a:r>
+            <a:endParaRPr lang="fr-FR" sz="1200" dirty="0"/>
+          </a:p>
+        </p:txBody>
+      </p:sp>
+      <p:sp>
+        <p:nvSpPr>
+          <p:cNvPr id="4" name="Slide Number Placeholder 3">
+            <a:extLst>
+              <a:ext uri="{FF2B5EF4-FFF2-40B4-BE49-F238E27FC236}">
+                <a16:creationId xmlns:a16="http://schemas.microsoft.com/office/drawing/2014/main" id="{0626002F-0DFF-430B-9A51-FD0A900EDF7F}"/>
+              </a:ext>
+            </a:extLst>
+          </p:cNvPr>
+          <p:cNvSpPr>
+            <a:spLocks noGrp="1"/>
+          </p:cNvSpPr>
+          <p:nvPr>
+            <p:ph type="sldNum" sz="quarter" idx="12"/>
+          </p:nvPr>
+        </p:nvSpPr>
         <p:spPr/>
         <p:txBody>
-          <a:bodyPr anchor="t">
-            <a:normAutofit fontScale="92500" lnSpcReduction="10000"/>
-          </a:bodyPr>
+          <a:bodyPr/>
           <a:lstStyle/>
           <a:p>
-            <a:r>
-              <a:rPr lang="fr-FR" dirty="0" smtClean="0">
-                <a:solidFill>
-                  <a:srgbClr val="FF0000"/>
-                </a:solidFill>
-              </a:rPr>
-              <a:t>Ordre :</a:t>
-            </a:r>
-          </a:p>
-          <a:p>
-            <a:pPr lvl="1"/>
-            <a:r>
-              <a:rPr lang="fr-FR" dirty="0" smtClean="0">
-                <a:solidFill>
-                  <a:srgbClr val="FF0000"/>
-                </a:solidFill>
-              </a:rPr>
-              <a:t>Cas 1 : je suis admin</a:t>
-            </a:r>
-          </a:p>
-          <a:p>
-            <a:pPr lvl="2"/>
-            <a:r>
-              <a:rPr lang="fr-FR" dirty="0" smtClean="0">
-                <a:solidFill>
-                  <a:srgbClr val="FF0000"/>
-                </a:solidFill>
-              </a:rPr>
-              <a:t>Accueil : connexion</a:t>
-            </a:r>
-          </a:p>
-          <a:p>
-            <a:pPr lvl="2"/>
-            <a:r>
-              <a:rPr lang="fr-FR" dirty="0" smtClean="0">
-                <a:solidFill>
-                  <a:srgbClr val="FF0000"/>
-                </a:solidFill>
-              </a:rPr>
-              <a:t>Membre : para : ajouter, modifier, supprimer </a:t>
-            </a:r>
-          </a:p>
-          <a:p>
-            <a:pPr marL="914400" lvl="2" indent="0">
-              <a:buNone/>
-            </a:pPr>
-            <a:r>
-              <a:rPr lang="fr-FR" dirty="0" smtClean="0">
-                <a:solidFill>
-                  <a:srgbClr val="FF0000"/>
-                </a:solidFill>
-              </a:rPr>
-              <a:t>			</a:t>
-            </a:r>
-            <a:r>
-              <a:rPr lang="fr-FR" dirty="0">
-                <a:solidFill>
-                  <a:srgbClr val="FF0000"/>
-                </a:solidFill>
-              </a:rPr>
-              <a:t>pilote : ajouter pilote et ses </a:t>
-            </a:r>
-            <a:r>
-              <a:rPr lang="fr-FR" dirty="0" smtClean="0">
-                <a:solidFill>
-                  <a:srgbClr val="FF0000"/>
-                </a:solidFill>
-              </a:rPr>
-              <a:t>avions</a:t>
-            </a:r>
-            <a:endParaRPr lang="fr-FR" dirty="0">
-              <a:solidFill>
-                <a:srgbClr val="FF0000"/>
-              </a:solidFill>
-            </a:endParaRPr>
-          </a:p>
-          <a:p>
-            <a:pPr lvl="2"/>
-            <a:r>
-              <a:rPr lang="fr-FR" dirty="0" smtClean="0">
-                <a:solidFill>
-                  <a:srgbClr val="FF0000"/>
-                </a:solidFill>
-              </a:rPr>
-              <a:t>Matériel : éditer un parachute (-&gt; dispo) / ajouter un avion puis l’ajouter à un pilote</a:t>
-            </a:r>
-          </a:p>
-          <a:p>
-            <a:pPr lvl="1"/>
-            <a:r>
-              <a:rPr lang="fr-FR" dirty="0" smtClean="0">
-                <a:solidFill>
-                  <a:srgbClr val="FF0000"/>
-                </a:solidFill>
-              </a:rPr>
-              <a:t>Cas 2 : un para veut sauter et s’enregistre pour un saut…</a:t>
-            </a:r>
-          </a:p>
-          <a:p>
-            <a:pPr lvl="2"/>
-            <a:r>
-              <a:rPr lang="fr-FR" dirty="0" smtClean="0">
-                <a:solidFill>
-                  <a:srgbClr val="FF0000"/>
-                </a:solidFill>
-              </a:rPr>
-              <a:t>Accueil -&gt; Portail -&gt; consulter… et s’enregistrer</a:t>
-            </a:r>
-          </a:p>
-          <a:p>
-            <a:pPr lvl="2"/>
-            <a:r>
-              <a:rPr lang="fr-FR" dirty="0" smtClean="0">
-                <a:solidFill>
-                  <a:srgbClr val="FF0000"/>
-                </a:solidFill>
-              </a:rPr>
-              <a:t>Le secrétaire : Accueil -&gt; connexion -&gt; Vol : prépare le vol, puis le </a:t>
-            </a:r>
-            <a:r>
-              <a:rPr lang="fr-FR" dirty="0" err="1" smtClean="0">
-                <a:solidFill>
-                  <a:srgbClr val="FF0000"/>
-                </a:solidFill>
-              </a:rPr>
-              <a:t>cloture</a:t>
-            </a:r>
-            <a:endParaRPr lang="fr-FR" dirty="0" smtClean="0">
-              <a:solidFill>
-                <a:srgbClr val="FF0000"/>
-              </a:solidFill>
-            </a:endParaRPr>
-          </a:p>
-          <a:p>
-            <a:pPr lvl="2"/>
-            <a:r>
-              <a:rPr lang="fr-FR" dirty="0" smtClean="0">
-                <a:solidFill>
-                  <a:srgbClr val="FF0000"/>
-                </a:solidFill>
-              </a:rPr>
-              <a:t>L’admin : va consulter l’historique</a:t>
-            </a:r>
-          </a:p>
-          <a:p>
-            <a:pPr lvl="2"/>
-            <a:r>
-              <a:rPr lang="fr-FR" dirty="0" smtClean="0">
-                <a:solidFill>
-                  <a:srgbClr val="FF0000"/>
-                </a:solidFill>
-              </a:rPr>
-              <a:t>Le para : va uploader sa vidéo… et paye sa bière </a:t>
-            </a:r>
-            <a:r>
-              <a:rPr lang="fr-FR" dirty="0" smtClean="0">
-                <a:solidFill>
-                  <a:srgbClr val="FF0000"/>
-                </a:solidFill>
-              </a:rPr>
-              <a:t>!</a:t>
-            </a:r>
-          </a:p>
-          <a:p>
-            <a:pPr lvl="2"/>
-            <a:endParaRPr lang="fr-FR" dirty="0">
-              <a:solidFill>
-                <a:srgbClr val="FF0000"/>
-              </a:solidFill>
-            </a:endParaRPr>
-          </a:p>
-          <a:p>
-            <a:pPr lvl="2"/>
-            <a:r>
-              <a:rPr lang="fr-FR" dirty="0" smtClean="0">
-                <a:solidFill>
-                  <a:srgbClr val="FF0000"/>
-                </a:solidFill>
-              </a:rPr>
-              <a:t>Incident ?</a:t>
-            </a:r>
-            <a:endParaRPr lang="fr-FR" dirty="0" smtClean="0">
-              <a:solidFill>
-                <a:srgbClr val="FF0000"/>
-              </a:solidFill>
-            </a:endParaRPr>
+            <a:fld id="{9F99AB34-2DF8-4E9C-9CC0-5EF239F20E73}" type="slidenum">
+              <a:rPr lang="fr-FR" smtClean="0"/>
+              <a:pPr/>
+              <a:t>9</a:t>
+            </a:fld>
+            <a:endParaRPr lang="fr-FR" dirty="0"/>
           </a:p>
         </p:txBody>
       </p:sp>
     </p:spTree>
     <p:extLst>
       <p:ext uri="{BB962C8B-B14F-4D97-AF65-F5344CB8AC3E}">
-        <p14:creationId xmlns:p14="http://schemas.microsoft.com/office/powerpoint/2010/main" val="4029782382"/>
+        <p14:creationId xmlns:p14="http://schemas.microsoft.com/office/powerpoint/2010/main" val="432992404"/>
       </p:ext>
     </p:extLst>
   </p:cSld>

--- a/NC-DROPZONE.pptx
+++ b/NC-DROPZONE.pptx
@@ -7675,8 +7675,12 @@
               <a:buChar char="Ø"/>
             </a:pPr>
             <a:r>
+              <a:rPr lang="fr-FR"/>
+              <a:t>Serveur-Sent Events (SSE) </a:t>
+            </a:r>
+            <a:r>
               <a:rPr lang="fr-FR" dirty="0"/>
-              <a:t>SSE pour le portail</a:t>
+              <a:t>pour le portail</a:t>
             </a:r>
           </a:p>
           <a:p>
@@ -10141,7 +10145,7 @@
             </a:pPr>
             <a:r>
               <a:rPr lang="fr-FR" dirty="0"/>
-              <a:t>Consulter les vols</a:t>
+              <a:t>Consulter les vols et les sauts</a:t>
             </a:r>
           </a:p>
           <a:p>
